--- a/site/slides/Unit18_String.pptx
+++ b/site/slides/Unit18_String.pptx
@@ -180,14 +180,6 @@
 </p:presentation>
 </file>
 
-<file path=ppt/revisionInfo.xml><?xml version="1.0" encoding="utf-8"?>
-<p1510:revInfo xmlns:a="http://schemas.openxmlformats.org/drawingml/2006/main" xmlns:r="http://schemas.openxmlformats.org/officeDocument/2006/relationships" xmlns:p1510="http://schemas.microsoft.com/office/powerpoint/2015/10/main">
-  <p1510:revLst>
-    <p1510:client id="{2BE807F3-0F47-43CE-B222-1F014CD7139F}" v="2" dt="2024-01-31T05:37:43.830"/>
-  </p1510:revLst>
-</p1510:revInfo>
-</file>
-
 <file path=ppt/changesInfos/changesInfo1.xml><?xml version="1.0" encoding="utf-8"?>
 <pc:chgInfo xmlns:a="http://schemas.openxmlformats.org/drawingml/2006/main" xmlns:r="http://schemas.openxmlformats.org/officeDocument/2006/relationships" xmlns:ac="http://schemas.microsoft.com/office/drawing/2013/main/command" xmlns:pc="http://schemas.microsoft.com/office/powerpoint/2013/main/command">
   <pc:docChgLst>
@@ -1154,6 +1146,3553 @@
     </pc:docChg>
   </pc:docChgLst>
   <pc:docChgLst>
+    <pc:chgData name="Zhao Jin" userId="cd05a825-544c-438a-9ba1-08e63db50b47" providerId="ADAL" clId="{B24B02F7-7905-4588-AF93-2F3E26C169C6}"/>
+    <pc:docChg chg="undo redo custSel addSld delSld modSld modMainMaster">
+      <pc:chgData name="Zhao Jin" userId="cd05a825-544c-438a-9ba1-08e63db50b47" providerId="ADAL" clId="{B24B02F7-7905-4588-AF93-2F3E26C169C6}" dt="2021-02-15T05:41:42.563" v="2814" actId="20577"/>
+      <pc:docMkLst>
+        <pc:docMk/>
+      </pc:docMkLst>
+      <pc:sldChg chg="modSp mod">
+        <pc:chgData name="Zhao Jin" userId="cd05a825-544c-438a-9ba1-08e63db50b47" providerId="ADAL" clId="{B24B02F7-7905-4588-AF93-2F3E26C169C6}" dt="2021-02-10T03:54:53.078" v="11" actId="20577"/>
+        <pc:sldMkLst>
+          <pc:docMk/>
+          <pc:sldMk cId="0" sldId="256"/>
+        </pc:sldMkLst>
+        <pc:spChg chg="mod">
+          <ac:chgData name="Zhao Jin" userId="cd05a825-544c-438a-9ba1-08e63db50b47" providerId="ADAL" clId="{B24B02F7-7905-4588-AF93-2F3E26C169C6}" dt="2021-02-10T03:54:50.657" v="5" actId="20577"/>
+          <ac:spMkLst>
+            <pc:docMk/>
+            <pc:sldMk cId="0" sldId="256"/>
+            <ac:spMk id="8" creationId="{00000000-0000-0000-0000-000000000000}"/>
+          </ac:spMkLst>
+        </pc:spChg>
+        <pc:spChg chg="mod">
+          <ac:chgData name="Zhao Jin" userId="cd05a825-544c-438a-9ba1-08e63db50b47" providerId="ADAL" clId="{B24B02F7-7905-4588-AF93-2F3E26C169C6}" dt="2021-02-10T03:54:53.078" v="11" actId="20577"/>
+          <ac:spMkLst>
+            <pc:docMk/>
+            <pc:sldMk cId="0" sldId="256"/>
+            <ac:spMk id="11" creationId="{00000000-0000-0000-0000-000000000000}"/>
+          </ac:spMkLst>
+        </pc:spChg>
+      </pc:sldChg>
+      <pc:sldChg chg="modSp mod">
+        <pc:chgData name="Zhao Jin" userId="cd05a825-544c-438a-9ba1-08e63db50b47" providerId="ADAL" clId="{B24B02F7-7905-4588-AF93-2F3E26C169C6}" dt="2021-02-15T05:40:06.780" v="2547" actId="20577"/>
+        <pc:sldMkLst>
+          <pc:docMk/>
+          <pc:sldMk cId="2438607696" sldId="468"/>
+        </pc:sldMkLst>
+        <pc:spChg chg="mod">
+          <ac:chgData name="Zhao Jin" userId="cd05a825-544c-438a-9ba1-08e63db50b47" providerId="ADAL" clId="{B24B02F7-7905-4588-AF93-2F3E26C169C6}" dt="2021-02-10T03:55:18.143" v="13"/>
+          <ac:spMkLst>
+            <pc:docMk/>
+            <pc:sldMk cId="2438607696" sldId="468"/>
+            <ac:spMk id="7" creationId="{00000000-0000-0000-0000-000000000000}"/>
+          </ac:spMkLst>
+        </pc:spChg>
+        <pc:spChg chg="mod">
+          <ac:chgData name="Zhao Jin" userId="cd05a825-544c-438a-9ba1-08e63db50b47" providerId="ADAL" clId="{B24B02F7-7905-4588-AF93-2F3E26C169C6}" dt="2021-02-10T03:55:23.015" v="20" actId="20577"/>
+          <ac:spMkLst>
+            <pc:docMk/>
+            <pc:sldMk cId="2438607696" sldId="468"/>
+            <ac:spMk id="14338" creationId="{00000000-0000-0000-0000-000000000000}"/>
+          </ac:spMkLst>
+        </pc:spChg>
+        <pc:spChg chg="mod">
+          <ac:chgData name="Zhao Jin" userId="cd05a825-544c-438a-9ba1-08e63db50b47" providerId="ADAL" clId="{B24B02F7-7905-4588-AF93-2F3E26C169C6}" dt="2021-02-15T05:40:06.780" v="2547" actId="20577"/>
+          <ac:spMkLst>
+            <pc:docMk/>
+            <pc:sldMk cId="2438607696" sldId="468"/>
+            <ac:spMk id="14339" creationId="{00000000-0000-0000-0000-000000000000}"/>
+          </ac:spMkLst>
+        </pc:spChg>
+      </pc:sldChg>
+      <pc:sldChg chg="modSp add mod">
+        <pc:chgData name="Zhao Jin" userId="cd05a825-544c-438a-9ba1-08e63db50b47" providerId="ADAL" clId="{B24B02F7-7905-4588-AF93-2F3E26C169C6}" dt="2021-02-15T05:41:42.563" v="2814" actId="20577"/>
+        <pc:sldMkLst>
+          <pc:docMk/>
+          <pc:sldMk cId="1067695719" sldId="526"/>
+        </pc:sldMkLst>
+        <pc:spChg chg="mod">
+          <ac:chgData name="Zhao Jin" userId="cd05a825-544c-438a-9ba1-08e63db50b47" providerId="ADAL" clId="{B24B02F7-7905-4588-AF93-2F3E26C169C6}" dt="2021-02-15T05:41:42.563" v="2814" actId="20577"/>
+          <ac:spMkLst>
+            <pc:docMk/>
+            <pc:sldMk cId="1067695719" sldId="526"/>
+            <ac:spMk id="13" creationId="{00000000-0000-0000-0000-000000000000}"/>
+          </ac:spMkLst>
+        </pc:spChg>
+        <pc:spChg chg="mod">
+          <ac:chgData name="Zhao Jin" userId="cd05a825-544c-438a-9ba1-08e63db50b47" providerId="ADAL" clId="{B24B02F7-7905-4588-AF93-2F3E26C169C6}" dt="2021-02-11T11:11:14.998" v="2433" actId="20577"/>
+          <ac:spMkLst>
+            <pc:docMk/>
+            <pc:sldMk cId="1067695719" sldId="526"/>
+            <ac:spMk id="43" creationId="{00000000-0000-0000-0000-000000000000}"/>
+          </ac:spMkLst>
+        </pc:spChg>
+      </pc:sldChg>
+      <pc:sldChg chg="modSp del">
+        <pc:chgData name="Zhao Jin" userId="cd05a825-544c-438a-9ba1-08e63db50b47" providerId="ADAL" clId="{B24B02F7-7905-4588-AF93-2F3E26C169C6}" dt="2021-02-11T11:05:45.269" v="2429" actId="47"/>
+        <pc:sldMkLst>
+          <pc:docMk/>
+          <pc:sldMk cId="1705639840" sldId="543"/>
+        </pc:sldMkLst>
+        <pc:spChg chg="mod">
+          <ac:chgData name="Zhao Jin" userId="cd05a825-544c-438a-9ba1-08e63db50b47" providerId="ADAL" clId="{B24B02F7-7905-4588-AF93-2F3E26C169C6}" dt="2021-02-10T03:55:18.143" v="13"/>
+          <ac:spMkLst>
+            <pc:docMk/>
+            <pc:sldMk cId="1705639840" sldId="543"/>
+            <ac:spMk id="9" creationId="{00000000-0000-0000-0000-000000000000}"/>
+          </ac:spMkLst>
+        </pc:spChg>
+      </pc:sldChg>
+      <pc:sldChg chg="addSp modSp add del mod modAnim">
+        <pc:chgData name="Zhao Jin" userId="cd05a825-544c-438a-9ba1-08e63db50b47" providerId="ADAL" clId="{B24B02F7-7905-4588-AF93-2F3E26C169C6}" dt="2021-02-11T10:34:24.898" v="941" actId="207"/>
+        <pc:sldMkLst>
+          <pc:docMk/>
+          <pc:sldMk cId="2573090601" sldId="546"/>
+        </pc:sldMkLst>
+        <pc:spChg chg="mod">
+          <ac:chgData name="Zhao Jin" userId="cd05a825-544c-438a-9ba1-08e63db50b47" providerId="ADAL" clId="{B24B02F7-7905-4588-AF93-2F3E26C169C6}" dt="2021-02-11T10:34:24.898" v="941" actId="207"/>
+          <ac:spMkLst>
+            <pc:docMk/>
+            <pc:sldMk cId="2573090601" sldId="546"/>
+            <ac:spMk id="8" creationId="{00000000-0000-0000-0000-000000000000}"/>
+          </ac:spMkLst>
+        </pc:spChg>
+        <pc:spChg chg="add mod">
+          <ac:chgData name="Zhao Jin" userId="cd05a825-544c-438a-9ba1-08e63db50b47" providerId="ADAL" clId="{B24B02F7-7905-4588-AF93-2F3E26C169C6}" dt="2021-02-11T10:28:41.659" v="496" actId="14100"/>
+          <ac:spMkLst>
+            <pc:docMk/>
+            <pc:sldMk cId="2573090601" sldId="546"/>
+            <ac:spMk id="9" creationId="{65330C62-B59D-4944-9872-A56DF6FDE7BF}"/>
+          </ac:spMkLst>
+        </pc:spChg>
+        <pc:spChg chg="add mod">
+          <ac:chgData name="Zhao Jin" userId="cd05a825-544c-438a-9ba1-08e63db50b47" providerId="ADAL" clId="{B24B02F7-7905-4588-AF93-2F3E26C169C6}" dt="2021-02-11T10:26:35.661" v="311" actId="14100"/>
+          <ac:spMkLst>
+            <pc:docMk/>
+            <pc:sldMk cId="2573090601" sldId="546"/>
+            <ac:spMk id="10" creationId="{ADA401A5-3160-42FF-9AD4-DF6554026F18}"/>
+          </ac:spMkLst>
+        </pc:spChg>
+        <pc:spChg chg="add mod">
+          <ac:chgData name="Zhao Jin" userId="cd05a825-544c-438a-9ba1-08e63db50b47" providerId="ADAL" clId="{B24B02F7-7905-4588-AF93-2F3E26C169C6}" dt="2021-02-11T10:28:49.947" v="497" actId="207"/>
+          <ac:spMkLst>
+            <pc:docMk/>
+            <pc:sldMk cId="2573090601" sldId="546"/>
+            <ac:spMk id="11" creationId="{AC3B87F3-107E-4154-BFB1-9F4F9A73432F}"/>
+          </ac:spMkLst>
+        </pc:spChg>
+        <pc:spChg chg="add mod">
+          <ac:chgData name="Zhao Jin" userId="cd05a825-544c-438a-9ba1-08e63db50b47" providerId="ADAL" clId="{B24B02F7-7905-4588-AF93-2F3E26C169C6}" dt="2021-02-11T10:28:36.179" v="469" actId="1038"/>
+          <ac:spMkLst>
+            <pc:docMk/>
+            <pc:sldMk cId="2573090601" sldId="546"/>
+            <ac:spMk id="13" creationId="{9EF47B94-F106-49A9-B65C-BD033A00B269}"/>
+          </ac:spMkLst>
+        </pc:spChg>
+        <pc:spChg chg="mod">
+          <ac:chgData name="Zhao Jin" userId="cd05a825-544c-438a-9ba1-08e63db50b47" providerId="ADAL" clId="{B24B02F7-7905-4588-AF93-2F3E26C169C6}" dt="2021-02-11T10:23:17.947" v="118" actId="20577"/>
+          <ac:spMkLst>
+            <pc:docMk/>
+            <pc:sldMk cId="2573090601" sldId="546"/>
+            <ac:spMk id="14338" creationId="{00000000-0000-0000-0000-000000000000}"/>
+          </ac:spMkLst>
+        </pc:spChg>
+        <pc:picChg chg="add mod">
+          <ac:chgData name="Zhao Jin" userId="cd05a825-544c-438a-9ba1-08e63db50b47" providerId="ADAL" clId="{B24B02F7-7905-4588-AF93-2F3E26C169C6}" dt="2021-02-11T10:28:34.390" v="453" actId="1076"/>
+          <ac:picMkLst>
+            <pc:docMk/>
+            <pc:sldMk cId="2573090601" sldId="546"/>
+            <ac:picMk id="14" creationId="{5FF90871-040F-4170-8E8E-EC56CFFB7847}"/>
+          </ac:picMkLst>
+        </pc:picChg>
+      </pc:sldChg>
+      <pc:sldChg chg="addSp delSp modSp mod modAnim">
+        <pc:chgData name="Zhao Jin" userId="cd05a825-544c-438a-9ba1-08e63db50b47" providerId="ADAL" clId="{B24B02F7-7905-4588-AF93-2F3E26C169C6}" dt="2021-02-11T10:46:20.240" v="1768" actId="6549"/>
+        <pc:sldMkLst>
+          <pc:docMk/>
+          <pc:sldMk cId="1427618944" sldId="553"/>
+        </pc:sldMkLst>
+        <pc:spChg chg="add del">
+          <ac:chgData name="Zhao Jin" userId="cd05a825-544c-438a-9ba1-08e63db50b47" providerId="ADAL" clId="{B24B02F7-7905-4588-AF93-2F3E26C169C6}" dt="2021-02-11T10:14:46.310" v="61"/>
+          <ac:spMkLst>
+            <pc:docMk/>
+            <pc:sldMk cId="1427618944" sldId="553"/>
+            <ac:spMk id="2" creationId="{DA3372C3-4105-4A3B-A286-05F566C332C5}"/>
+          </ac:spMkLst>
+        </pc:spChg>
+        <pc:spChg chg="mod">
+          <ac:chgData name="Zhao Jin" userId="cd05a825-544c-438a-9ba1-08e63db50b47" providerId="ADAL" clId="{B24B02F7-7905-4588-AF93-2F3E26C169C6}" dt="2021-02-10T03:55:18.143" v="13"/>
+          <ac:spMkLst>
+            <pc:docMk/>
+            <pc:sldMk cId="1427618944" sldId="553"/>
+            <ac:spMk id="7" creationId="{00000000-0000-0000-0000-000000000000}"/>
+          </ac:spMkLst>
+        </pc:spChg>
+        <pc:spChg chg="mod">
+          <ac:chgData name="Zhao Jin" userId="cd05a825-544c-438a-9ba1-08e63db50b47" providerId="ADAL" clId="{B24B02F7-7905-4588-AF93-2F3E26C169C6}" dt="2021-02-11T10:39:12.451" v="1103" actId="20577"/>
+          <ac:spMkLst>
+            <pc:docMk/>
+            <pc:sldMk cId="1427618944" sldId="553"/>
+            <ac:spMk id="8" creationId="{00000000-0000-0000-0000-000000000000}"/>
+          </ac:spMkLst>
+        </pc:spChg>
+        <pc:spChg chg="add del mod">
+          <ac:chgData name="Zhao Jin" userId="cd05a825-544c-438a-9ba1-08e63db50b47" providerId="ADAL" clId="{B24B02F7-7905-4588-AF93-2F3E26C169C6}" dt="2021-02-11T10:31:22.609" v="635" actId="478"/>
+          <ac:spMkLst>
+            <pc:docMk/>
+            <pc:sldMk cId="1427618944" sldId="553"/>
+            <ac:spMk id="9" creationId="{82C8FC93-9EE3-4F7C-964A-26D98EA14F26}"/>
+          </ac:spMkLst>
+        </pc:spChg>
+        <pc:spChg chg="add mod">
+          <ac:chgData name="Zhao Jin" userId="cd05a825-544c-438a-9ba1-08e63db50b47" providerId="ADAL" clId="{B24B02F7-7905-4588-AF93-2F3E26C169C6}" dt="2021-02-11T10:30:38.038" v="625" actId="14100"/>
+          <ac:spMkLst>
+            <pc:docMk/>
+            <pc:sldMk cId="1427618944" sldId="553"/>
+            <ac:spMk id="10" creationId="{D152B3CB-3A18-4904-B92B-10421E2CF44A}"/>
+          </ac:spMkLst>
+        </pc:spChg>
+        <pc:spChg chg="add mod">
+          <ac:chgData name="Zhao Jin" userId="cd05a825-544c-438a-9ba1-08e63db50b47" providerId="ADAL" clId="{B24B02F7-7905-4588-AF93-2F3E26C169C6}" dt="2021-02-11T10:30:52.109" v="628" actId="1076"/>
+          <ac:spMkLst>
+            <pc:docMk/>
+            <pc:sldMk cId="1427618944" sldId="553"/>
+            <ac:spMk id="11" creationId="{518EA1C5-C26B-4C75-8BA5-D5CB66F74A0E}"/>
+          </ac:spMkLst>
+        </pc:spChg>
+        <pc:spChg chg="add mod">
+          <ac:chgData name="Zhao Jin" userId="cd05a825-544c-438a-9ba1-08e63db50b47" providerId="ADAL" clId="{B24B02F7-7905-4588-AF93-2F3E26C169C6}" dt="2021-02-11T10:31:20.466" v="634" actId="6549"/>
+          <ac:spMkLst>
+            <pc:docMk/>
+            <pc:sldMk cId="1427618944" sldId="553"/>
+            <ac:spMk id="13" creationId="{AFC19333-5980-4F3B-A9D6-4C44C6ADB80A}"/>
+          </ac:spMkLst>
+        </pc:spChg>
+        <pc:spChg chg="add mod">
+          <ac:chgData name="Zhao Jin" userId="cd05a825-544c-438a-9ba1-08e63db50b47" providerId="ADAL" clId="{B24B02F7-7905-4588-AF93-2F3E26C169C6}" dt="2021-02-11T10:39:03.428" v="1078" actId="14100"/>
+          <ac:spMkLst>
+            <pc:docMk/>
+            <pc:sldMk cId="1427618944" sldId="553"/>
+            <ac:spMk id="14" creationId="{13C4F959-C463-4D51-9AA3-643FAC81E97E}"/>
+          </ac:spMkLst>
+        </pc:spChg>
+        <pc:spChg chg="add del">
+          <ac:chgData name="Zhao Jin" userId="cd05a825-544c-438a-9ba1-08e63db50b47" providerId="ADAL" clId="{B24B02F7-7905-4588-AF93-2F3E26C169C6}" dt="2021-02-11T10:37:47.812" v="983" actId="22"/>
+          <ac:spMkLst>
+            <pc:docMk/>
+            <pc:sldMk cId="1427618944" sldId="553"/>
+            <ac:spMk id="16" creationId="{5135D011-39BB-4C07-AA3F-F946F5297293}"/>
+          </ac:spMkLst>
+        </pc:spChg>
+        <pc:spChg chg="add mod">
+          <ac:chgData name="Zhao Jin" userId="cd05a825-544c-438a-9ba1-08e63db50b47" providerId="ADAL" clId="{B24B02F7-7905-4588-AF93-2F3E26C169C6}" dt="2021-02-11T10:39:08.172" v="1097" actId="1035"/>
+          <ac:spMkLst>
+            <pc:docMk/>
+            <pc:sldMk cId="1427618944" sldId="553"/>
+            <ac:spMk id="17" creationId="{9BEB6C85-479A-4BE9-8BA4-DB3AC5A607CA}"/>
+          </ac:spMkLst>
+        </pc:spChg>
+        <pc:spChg chg="add mod">
+          <ac:chgData name="Zhao Jin" userId="cd05a825-544c-438a-9ba1-08e63db50b47" providerId="ADAL" clId="{B24B02F7-7905-4588-AF93-2F3E26C169C6}" dt="2021-02-11T10:41:23.039" v="1308" actId="1037"/>
+          <ac:spMkLst>
+            <pc:docMk/>
+            <pc:sldMk cId="1427618944" sldId="553"/>
+            <ac:spMk id="18" creationId="{9000E7BE-8527-4532-AA43-010C42C6CD73}"/>
+          </ac:spMkLst>
+        </pc:spChg>
+        <pc:spChg chg="add mod">
+          <ac:chgData name="Zhao Jin" userId="cd05a825-544c-438a-9ba1-08e63db50b47" providerId="ADAL" clId="{B24B02F7-7905-4588-AF93-2F3E26C169C6}" dt="2021-02-11T10:40:57.269" v="1254" actId="1036"/>
+          <ac:spMkLst>
+            <pc:docMk/>
+            <pc:sldMk cId="1427618944" sldId="553"/>
+            <ac:spMk id="19" creationId="{03877E7A-C2FA-4A59-A414-3C95F6BC432E}"/>
+          </ac:spMkLst>
+        </pc:spChg>
+        <pc:spChg chg="add mod">
+          <ac:chgData name="Zhao Jin" userId="cd05a825-544c-438a-9ba1-08e63db50b47" providerId="ADAL" clId="{B24B02F7-7905-4588-AF93-2F3E26C169C6}" dt="2021-02-11T10:46:20.240" v="1768" actId="6549"/>
+          <ac:spMkLst>
+            <pc:docMk/>
+            <pc:sldMk cId="1427618944" sldId="553"/>
+            <ac:spMk id="20" creationId="{8F0E57E9-A1B5-4D6E-ABB5-128789B1CF5C}"/>
+          </ac:spMkLst>
+        </pc:spChg>
+        <pc:spChg chg="mod">
+          <ac:chgData name="Zhao Jin" userId="cd05a825-544c-438a-9ba1-08e63db50b47" providerId="ADAL" clId="{B24B02F7-7905-4588-AF93-2F3E26C169C6}" dt="2021-02-11T10:30:16.147" v="584" actId="14100"/>
+          <ac:spMkLst>
+            <pc:docMk/>
+            <pc:sldMk cId="1427618944" sldId="553"/>
+            <ac:spMk id="84" creationId="{C4E05674-68A2-0D4E-8B47-F7A2C6A6B76F}"/>
+          </ac:spMkLst>
+        </pc:spChg>
+        <pc:spChg chg="mod">
+          <ac:chgData name="Zhao Jin" userId="cd05a825-544c-438a-9ba1-08e63db50b47" providerId="ADAL" clId="{B24B02F7-7905-4588-AF93-2F3E26C169C6}" dt="2021-02-11T10:14:06.054" v="35" actId="20577"/>
+          <ac:spMkLst>
+            <pc:docMk/>
+            <pc:sldMk cId="1427618944" sldId="553"/>
+            <ac:spMk id="14338" creationId="{00000000-0000-0000-0000-000000000000}"/>
+          </ac:spMkLst>
+        </pc:spChg>
+        <pc:picChg chg="del">
+          <ac:chgData name="Zhao Jin" userId="cd05a825-544c-438a-9ba1-08e63db50b47" providerId="ADAL" clId="{B24B02F7-7905-4588-AF93-2F3E26C169C6}" dt="2021-02-11T10:14:38.357" v="58" actId="478"/>
+          <ac:picMkLst>
+            <pc:docMk/>
+            <pc:sldMk cId="1427618944" sldId="553"/>
+            <ac:picMk id="3" creationId="{78D60D94-825A-D54F-ACF5-EA46D7263418}"/>
+          </ac:picMkLst>
+        </pc:picChg>
+        <pc:picChg chg="add mod">
+          <ac:chgData name="Zhao Jin" userId="cd05a825-544c-438a-9ba1-08e63db50b47" providerId="ADAL" clId="{B24B02F7-7905-4588-AF93-2F3E26C169C6}" dt="2021-02-11T10:31:55.453" v="736" actId="1076"/>
+          <ac:picMkLst>
+            <pc:docMk/>
+            <pc:sldMk cId="1427618944" sldId="553"/>
+            <ac:picMk id="15" creationId="{948B0BCC-4DCF-4EC6-AB46-2992AF6D87BD}"/>
+          </ac:picMkLst>
+        </pc:picChg>
+      </pc:sldChg>
+      <pc:sldChg chg="modSp del">
+        <pc:chgData name="Zhao Jin" userId="cd05a825-544c-438a-9ba1-08e63db50b47" providerId="ADAL" clId="{B24B02F7-7905-4588-AF93-2F3E26C169C6}" dt="2021-02-11T11:05:45.269" v="2429" actId="47"/>
+        <pc:sldMkLst>
+          <pc:docMk/>
+          <pc:sldMk cId="487843573" sldId="558"/>
+        </pc:sldMkLst>
+        <pc:spChg chg="mod">
+          <ac:chgData name="Zhao Jin" userId="cd05a825-544c-438a-9ba1-08e63db50b47" providerId="ADAL" clId="{B24B02F7-7905-4588-AF93-2F3E26C169C6}" dt="2021-02-10T03:55:18.143" v="13"/>
+          <ac:spMkLst>
+            <pc:docMk/>
+            <pc:sldMk cId="487843573" sldId="558"/>
+            <ac:spMk id="7" creationId="{00000000-0000-0000-0000-000000000000}"/>
+          </ac:spMkLst>
+        </pc:spChg>
+      </pc:sldChg>
+      <pc:sldChg chg="modSp del">
+        <pc:chgData name="Zhao Jin" userId="cd05a825-544c-438a-9ba1-08e63db50b47" providerId="ADAL" clId="{B24B02F7-7905-4588-AF93-2F3E26C169C6}" dt="2021-02-11T10:14:03.499" v="27" actId="47"/>
+        <pc:sldMkLst>
+          <pc:docMk/>
+          <pc:sldMk cId="92291925" sldId="563"/>
+        </pc:sldMkLst>
+        <pc:spChg chg="mod">
+          <ac:chgData name="Zhao Jin" userId="cd05a825-544c-438a-9ba1-08e63db50b47" providerId="ADAL" clId="{B24B02F7-7905-4588-AF93-2F3E26C169C6}" dt="2021-02-10T03:55:18.143" v="13"/>
+          <ac:spMkLst>
+            <pc:docMk/>
+            <pc:sldMk cId="92291925" sldId="563"/>
+            <ac:spMk id="7" creationId="{00000000-0000-0000-0000-000000000000}"/>
+          </ac:spMkLst>
+        </pc:spChg>
+      </pc:sldChg>
+      <pc:sldChg chg="modSp del">
+        <pc:chgData name="Zhao Jin" userId="cd05a825-544c-438a-9ba1-08e63db50b47" providerId="ADAL" clId="{B24B02F7-7905-4588-AF93-2F3E26C169C6}" dt="2021-02-11T11:05:45.269" v="2429" actId="47"/>
+        <pc:sldMkLst>
+          <pc:docMk/>
+          <pc:sldMk cId="894186310" sldId="564"/>
+        </pc:sldMkLst>
+        <pc:spChg chg="mod">
+          <ac:chgData name="Zhao Jin" userId="cd05a825-544c-438a-9ba1-08e63db50b47" providerId="ADAL" clId="{B24B02F7-7905-4588-AF93-2F3E26C169C6}" dt="2021-02-10T03:55:18.143" v="13"/>
+          <ac:spMkLst>
+            <pc:docMk/>
+            <pc:sldMk cId="894186310" sldId="564"/>
+            <ac:spMk id="7" creationId="{00000000-0000-0000-0000-000000000000}"/>
+          </ac:spMkLst>
+        </pc:spChg>
+      </pc:sldChg>
+      <pc:sldChg chg="modSp del">
+        <pc:chgData name="Zhao Jin" userId="cd05a825-544c-438a-9ba1-08e63db50b47" providerId="ADAL" clId="{B24B02F7-7905-4588-AF93-2F3E26C169C6}" dt="2021-02-11T11:05:45.269" v="2429" actId="47"/>
+        <pc:sldMkLst>
+          <pc:docMk/>
+          <pc:sldMk cId="1732540191" sldId="568"/>
+        </pc:sldMkLst>
+        <pc:spChg chg="mod">
+          <ac:chgData name="Zhao Jin" userId="cd05a825-544c-438a-9ba1-08e63db50b47" providerId="ADAL" clId="{B24B02F7-7905-4588-AF93-2F3E26C169C6}" dt="2021-02-10T03:55:18.143" v="13"/>
+          <ac:spMkLst>
+            <pc:docMk/>
+            <pc:sldMk cId="1732540191" sldId="568"/>
+            <ac:spMk id="7" creationId="{00000000-0000-0000-0000-000000000000}"/>
+          </ac:spMkLst>
+        </pc:spChg>
+      </pc:sldChg>
+      <pc:sldChg chg="modSp del mod">
+        <pc:chgData name="Zhao Jin" userId="cd05a825-544c-438a-9ba1-08e63db50b47" providerId="ADAL" clId="{B24B02F7-7905-4588-AF93-2F3E26C169C6}" dt="2021-02-11T11:05:45.269" v="2429" actId="47"/>
+        <pc:sldMkLst>
+          <pc:docMk/>
+          <pc:sldMk cId="3229890649" sldId="569"/>
+        </pc:sldMkLst>
+        <pc:spChg chg="mod">
+          <ac:chgData name="Zhao Jin" userId="cd05a825-544c-438a-9ba1-08e63db50b47" providerId="ADAL" clId="{B24B02F7-7905-4588-AF93-2F3E26C169C6}" dt="2021-02-10T03:55:56.639" v="26" actId="20577"/>
+          <ac:spMkLst>
+            <pc:docMk/>
+            <pc:sldMk cId="3229890649" sldId="569"/>
+            <ac:spMk id="7" creationId="{00000000-0000-0000-0000-000000000000}"/>
+          </ac:spMkLst>
+        </pc:spChg>
+      </pc:sldChg>
+      <pc:sldChg chg="modSp del">
+        <pc:chgData name="Zhao Jin" userId="cd05a825-544c-438a-9ba1-08e63db50b47" providerId="ADAL" clId="{B24B02F7-7905-4588-AF93-2F3E26C169C6}" dt="2021-02-11T11:05:45.269" v="2429" actId="47"/>
+        <pc:sldMkLst>
+          <pc:docMk/>
+          <pc:sldMk cId="3922430229" sldId="580"/>
+        </pc:sldMkLst>
+        <pc:spChg chg="mod">
+          <ac:chgData name="Zhao Jin" userId="cd05a825-544c-438a-9ba1-08e63db50b47" providerId="ADAL" clId="{B24B02F7-7905-4588-AF93-2F3E26C169C6}" dt="2021-02-10T03:55:18.143" v="13"/>
+          <ac:spMkLst>
+            <pc:docMk/>
+            <pc:sldMk cId="3922430229" sldId="580"/>
+            <ac:spMk id="7" creationId="{00000000-0000-0000-0000-000000000000}"/>
+          </ac:spMkLst>
+        </pc:spChg>
+      </pc:sldChg>
+      <pc:sldChg chg="modSp del">
+        <pc:chgData name="Zhao Jin" userId="cd05a825-544c-438a-9ba1-08e63db50b47" providerId="ADAL" clId="{B24B02F7-7905-4588-AF93-2F3E26C169C6}" dt="2021-02-11T11:05:45.269" v="2429" actId="47"/>
+        <pc:sldMkLst>
+          <pc:docMk/>
+          <pc:sldMk cId="1886636263" sldId="581"/>
+        </pc:sldMkLst>
+        <pc:spChg chg="mod">
+          <ac:chgData name="Zhao Jin" userId="cd05a825-544c-438a-9ba1-08e63db50b47" providerId="ADAL" clId="{B24B02F7-7905-4588-AF93-2F3E26C169C6}" dt="2021-02-10T03:55:18.143" v="13"/>
+          <ac:spMkLst>
+            <pc:docMk/>
+            <pc:sldMk cId="1886636263" sldId="581"/>
+            <ac:spMk id="7" creationId="{00000000-0000-0000-0000-000000000000}"/>
+          </ac:spMkLst>
+        </pc:spChg>
+      </pc:sldChg>
+      <pc:sldChg chg="modSp del">
+        <pc:chgData name="Zhao Jin" userId="cd05a825-544c-438a-9ba1-08e63db50b47" providerId="ADAL" clId="{B24B02F7-7905-4588-AF93-2F3E26C169C6}" dt="2021-02-11T11:05:45.269" v="2429" actId="47"/>
+        <pc:sldMkLst>
+          <pc:docMk/>
+          <pc:sldMk cId="211149325" sldId="589"/>
+        </pc:sldMkLst>
+        <pc:spChg chg="mod">
+          <ac:chgData name="Zhao Jin" userId="cd05a825-544c-438a-9ba1-08e63db50b47" providerId="ADAL" clId="{B24B02F7-7905-4588-AF93-2F3E26C169C6}" dt="2021-02-10T03:55:18.143" v="13"/>
+          <ac:spMkLst>
+            <pc:docMk/>
+            <pc:sldMk cId="211149325" sldId="589"/>
+            <ac:spMk id="7" creationId="{00000000-0000-0000-0000-000000000000}"/>
+          </ac:spMkLst>
+        </pc:spChg>
+      </pc:sldChg>
+      <pc:sldChg chg="modSp del">
+        <pc:chgData name="Zhao Jin" userId="cd05a825-544c-438a-9ba1-08e63db50b47" providerId="ADAL" clId="{B24B02F7-7905-4588-AF93-2F3E26C169C6}" dt="2021-02-11T11:05:45.269" v="2429" actId="47"/>
+        <pc:sldMkLst>
+          <pc:docMk/>
+          <pc:sldMk cId="4156536479" sldId="590"/>
+        </pc:sldMkLst>
+        <pc:spChg chg="mod">
+          <ac:chgData name="Zhao Jin" userId="cd05a825-544c-438a-9ba1-08e63db50b47" providerId="ADAL" clId="{B24B02F7-7905-4588-AF93-2F3E26C169C6}" dt="2021-02-10T03:55:18.143" v="13"/>
+          <ac:spMkLst>
+            <pc:docMk/>
+            <pc:sldMk cId="4156536479" sldId="590"/>
+            <ac:spMk id="7" creationId="{00000000-0000-0000-0000-000000000000}"/>
+          </ac:spMkLst>
+        </pc:spChg>
+      </pc:sldChg>
+      <pc:sldChg chg="modSp del">
+        <pc:chgData name="Zhao Jin" userId="cd05a825-544c-438a-9ba1-08e63db50b47" providerId="ADAL" clId="{B24B02F7-7905-4588-AF93-2F3E26C169C6}" dt="2021-02-11T11:05:45.269" v="2429" actId="47"/>
+        <pc:sldMkLst>
+          <pc:docMk/>
+          <pc:sldMk cId="567798019" sldId="591"/>
+        </pc:sldMkLst>
+        <pc:spChg chg="mod">
+          <ac:chgData name="Zhao Jin" userId="cd05a825-544c-438a-9ba1-08e63db50b47" providerId="ADAL" clId="{B24B02F7-7905-4588-AF93-2F3E26C169C6}" dt="2021-02-10T03:55:18.143" v="13"/>
+          <ac:spMkLst>
+            <pc:docMk/>
+            <pc:sldMk cId="567798019" sldId="591"/>
+            <ac:spMk id="7" creationId="{00000000-0000-0000-0000-000000000000}"/>
+          </ac:spMkLst>
+        </pc:spChg>
+      </pc:sldChg>
+      <pc:sldChg chg="modSp del">
+        <pc:chgData name="Zhao Jin" userId="cd05a825-544c-438a-9ba1-08e63db50b47" providerId="ADAL" clId="{B24B02F7-7905-4588-AF93-2F3E26C169C6}" dt="2021-02-11T11:05:45.269" v="2429" actId="47"/>
+        <pc:sldMkLst>
+          <pc:docMk/>
+          <pc:sldMk cId="137810324" sldId="592"/>
+        </pc:sldMkLst>
+        <pc:spChg chg="mod">
+          <ac:chgData name="Zhao Jin" userId="cd05a825-544c-438a-9ba1-08e63db50b47" providerId="ADAL" clId="{B24B02F7-7905-4588-AF93-2F3E26C169C6}" dt="2021-02-10T03:55:18.143" v="13"/>
+          <ac:spMkLst>
+            <pc:docMk/>
+            <pc:sldMk cId="137810324" sldId="592"/>
+            <ac:spMk id="7" creationId="{00000000-0000-0000-0000-000000000000}"/>
+          </ac:spMkLst>
+        </pc:spChg>
+      </pc:sldChg>
+      <pc:sldChg chg="modSp del">
+        <pc:chgData name="Zhao Jin" userId="cd05a825-544c-438a-9ba1-08e63db50b47" providerId="ADAL" clId="{B24B02F7-7905-4588-AF93-2F3E26C169C6}" dt="2021-02-11T11:05:45.269" v="2429" actId="47"/>
+        <pc:sldMkLst>
+          <pc:docMk/>
+          <pc:sldMk cId="3233082706" sldId="593"/>
+        </pc:sldMkLst>
+        <pc:spChg chg="mod">
+          <ac:chgData name="Zhao Jin" userId="cd05a825-544c-438a-9ba1-08e63db50b47" providerId="ADAL" clId="{B24B02F7-7905-4588-AF93-2F3E26C169C6}" dt="2021-02-10T03:55:18.143" v="13"/>
+          <ac:spMkLst>
+            <pc:docMk/>
+            <pc:sldMk cId="3233082706" sldId="593"/>
+            <ac:spMk id="7" creationId="{00000000-0000-0000-0000-000000000000}"/>
+          </ac:spMkLst>
+        </pc:spChg>
+      </pc:sldChg>
+      <pc:sldChg chg="modSp del">
+        <pc:chgData name="Zhao Jin" userId="cd05a825-544c-438a-9ba1-08e63db50b47" providerId="ADAL" clId="{B24B02F7-7905-4588-AF93-2F3E26C169C6}" dt="2021-02-11T11:05:45.269" v="2429" actId="47"/>
+        <pc:sldMkLst>
+          <pc:docMk/>
+          <pc:sldMk cId="2217225800" sldId="594"/>
+        </pc:sldMkLst>
+        <pc:spChg chg="mod">
+          <ac:chgData name="Zhao Jin" userId="cd05a825-544c-438a-9ba1-08e63db50b47" providerId="ADAL" clId="{B24B02F7-7905-4588-AF93-2F3E26C169C6}" dt="2021-02-10T03:55:18.143" v="13"/>
+          <ac:spMkLst>
+            <pc:docMk/>
+            <pc:sldMk cId="2217225800" sldId="594"/>
+            <ac:spMk id="7" creationId="{00000000-0000-0000-0000-000000000000}"/>
+          </ac:spMkLst>
+        </pc:spChg>
+      </pc:sldChg>
+      <pc:sldChg chg="modSp del">
+        <pc:chgData name="Zhao Jin" userId="cd05a825-544c-438a-9ba1-08e63db50b47" providerId="ADAL" clId="{B24B02F7-7905-4588-AF93-2F3E26C169C6}" dt="2021-02-11T11:05:45.269" v="2429" actId="47"/>
+        <pc:sldMkLst>
+          <pc:docMk/>
+          <pc:sldMk cId="2419983458" sldId="595"/>
+        </pc:sldMkLst>
+        <pc:spChg chg="mod">
+          <ac:chgData name="Zhao Jin" userId="cd05a825-544c-438a-9ba1-08e63db50b47" providerId="ADAL" clId="{B24B02F7-7905-4588-AF93-2F3E26C169C6}" dt="2021-02-10T03:55:18.143" v="13"/>
+          <ac:spMkLst>
+            <pc:docMk/>
+            <pc:sldMk cId="2419983458" sldId="595"/>
+            <ac:spMk id="7" creationId="{00000000-0000-0000-0000-000000000000}"/>
+          </ac:spMkLst>
+        </pc:spChg>
+      </pc:sldChg>
+      <pc:sldChg chg="modSp del">
+        <pc:chgData name="Zhao Jin" userId="cd05a825-544c-438a-9ba1-08e63db50b47" providerId="ADAL" clId="{B24B02F7-7905-4588-AF93-2F3E26C169C6}" dt="2021-02-11T11:05:45.269" v="2429" actId="47"/>
+        <pc:sldMkLst>
+          <pc:docMk/>
+          <pc:sldMk cId="3643682471" sldId="596"/>
+        </pc:sldMkLst>
+        <pc:spChg chg="mod">
+          <ac:chgData name="Zhao Jin" userId="cd05a825-544c-438a-9ba1-08e63db50b47" providerId="ADAL" clId="{B24B02F7-7905-4588-AF93-2F3E26C169C6}" dt="2021-02-10T03:55:18.143" v="13"/>
+          <ac:spMkLst>
+            <pc:docMk/>
+            <pc:sldMk cId="3643682471" sldId="596"/>
+            <ac:spMk id="9" creationId="{00000000-0000-0000-0000-000000000000}"/>
+          </ac:spMkLst>
+        </pc:spChg>
+      </pc:sldChg>
+      <pc:sldChg chg="modSp del">
+        <pc:chgData name="Zhao Jin" userId="cd05a825-544c-438a-9ba1-08e63db50b47" providerId="ADAL" clId="{B24B02F7-7905-4588-AF93-2F3E26C169C6}" dt="2021-02-11T11:05:45.269" v="2429" actId="47"/>
+        <pc:sldMkLst>
+          <pc:docMk/>
+          <pc:sldMk cId="3231946261" sldId="597"/>
+        </pc:sldMkLst>
+        <pc:spChg chg="mod">
+          <ac:chgData name="Zhao Jin" userId="cd05a825-544c-438a-9ba1-08e63db50b47" providerId="ADAL" clId="{B24B02F7-7905-4588-AF93-2F3E26C169C6}" dt="2021-02-10T03:55:18.143" v="13"/>
+          <ac:spMkLst>
+            <pc:docMk/>
+            <pc:sldMk cId="3231946261" sldId="597"/>
+            <ac:spMk id="9" creationId="{00000000-0000-0000-0000-000000000000}"/>
+          </ac:spMkLst>
+        </pc:spChg>
+      </pc:sldChg>
+      <pc:sldChg chg="modSp del">
+        <pc:chgData name="Zhao Jin" userId="cd05a825-544c-438a-9ba1-08e63db50b47" providerId="ADAL" clId="{B24B02F7-7905-4588-AF93-2F3E26C169C6}" dt="2021-02-11T11:05:45.269" v="2429" actId="47"/>
+        <pc:sldMkLst>
+          <pc:docMk/>
+          <pc:sldMk cId="4002657513" sldId="598"/>
+        </pc:sldMkLst>
+        <pc:spChg chg="mod">
+          <ac:chgData name="Zhao Jin" userId="cd05a825-544c-438a-9ba1-08e63db50b47" providerId="ADAL" clId="{B24B02F7-7905-4588-AF93-2F3E26C169C6}" dt="2021-02-10T03:55:18.143" v="13"/>
+          <ac:spMkLst>
+            <pc:docMk/>
+            <pc:sldMk cId="4002657513" sldId="598"/>
+            <ac:spMk id="9" creationId="{00000000-0000-0000-0000-000000000000}"/>
+          </ac:spMkLst>
+        </pc:spChg>
+      </pc:sldChg>
+      <pc:sldChg chg="modSp del">
+        <pc:chgData name="Zhao Jin" userId="cd05a825-544c-438a-9ba1-08e63db50b47" providerId="ADAL" clId="{B24B02F7-7905-4588-AF93-2F3E26C169C6}" dt="2021-02-11T11:05:45.269" v="2429" actId="47"/>
+        <pc:sldMkLst>
+          <pc:docMk/>
+          <pc:sldMk cId="2930953569" sldId="599"/>
+        </pc:sldMkLst>
+        <pc:spChg chg="mod">
+          <ac:chgData name="Zhao Jin" userId="cd05a825-544c-438a-9ba1-08e63db50b47" providerId="ADAL" clId="{B24B02F7-7905-4588-AF93-2F3E26C169C6}" dt="2021-02-10T03:55:18.143" v="13"/>
+          <ac:spMkLst>
+            <pc:docMk/>
+            <pc:sldMk cId="2930953569" sldId="599"/>
+            <ac:spMk id="7" creationId="{00000000-0000-0000-0000-000000000000}"/>
+          </ac:spMkLst>
+        </pc:spChg>
+      </pc:sldChg>
+      <pc:sldChg chg="modSp del">
+        <pc:chgData name="Zhao Jin" userId="cd05a825-544c-438a-9ba1-08e63db50b47" providerId="ADAL" clId="{B24B02F7-7905-4588-AF93-2F3E26C169C6}" dt="2021-02-11T11:05:45.269" v="2429" actId="47"/>
+        <pc:sldMkLst>
+          <pc:docMk/>
+          <pc:sldMk cId="880934081" sldId="600"/>
+        </pc:sldMkLst>
+        <pc:spChg chg="mod">
+          <ac:chgData name="Zhao Jin" userId="cd05a825-544c-438a-9ba1-08e63db50b47" providerId="ADAL" clId="{B24B02F7-7905-4588-AF93-2F3E26C169C6}" dt="2021-02-10T03:55:18.143" v="13"/>
+          <ac:spMkLst>
+            <pc:docMk/>
+            <pc:sldMk cId="880934081" sldId="600"/>
+            <ac:spMk id="7" creationId="{00000000-0000-0000-0000-000000000000}"/>
+          </ac:spMkLst>
+        </pc:spChg>
+      </pc:sldChg>
+      <pc:sldChg chg="addSp delSp modSp add mod modAnim">
+        <pc:chgData name="Zhao Jin" userId="cd05a825-544c-438a-9ba1-08e63db50b47" providerId="ADAL" clId="{B24B02F7-7905-4588-AF93-2F3E26C169C6}" dt="2021-02-11T10:46:14.362" v="1753" actId="20577"/>
+        <pc:sldMkLst>
+          <pc:docMk/>
+          <pc:sldMk cId="1094276337" sldId="601"/>
+        </pc:sldMkLst>
+        <pc:spChg chg="mod">
+          <ac:chgData name="Zhao Jin" userId="cd05a825-544c-438a-9ba1-08e63db50b47" providerId="ADAL" clId="{B24B02F7-7905-4588-AF93-2F3E26C169C6}" dt="2021-02-11T10:42:20.677" v="1399" actId="5793"/>
+          <ac:spMkLst>
+            <pc:docMk/>
+            <pc:sldMk cId="1094276337" sldId="601"/>
+            <ac:spMk id="8" creationId="{00000000-0000-0000-0000-000000000000}"/>
+          </ac:spMkLst>
+        </pc:spChg>
+        <pc:spChg chg="del">
+          <ac:chgData name="Zhao Jin" userId="cd05a825-544c-438a-9ba1-08e63db50b47" providerId="ADAL" clId="{B24B02F7-7905-4588-AF93-2F3E26C169C6}" dt="2021-02-11T10:32:24.671" v="801" actId="478"/>
+          <ac:spMkLst>
+            <pc:docMk/>
+            <pc:sldMk cId="1094276337" sldId="601"/>
+            <ac:spMk id="9" creationId="{82C8FC93-9EE3-4F7C-964A-26D98EA14F26}"/>
+          </ac:spMkLst>
+        </pc:spChg>
+        <pc:spChg chg="del">
+          <ac:chgData name="Zhao Jin" userId="cd05a825-544c-438a-9ba1-08e63db50b47" providerId="ADAL" clId="{B24B02F7-7905-4588-AF93-2F3E26C169C6}" dt="2021-02-11T10:32:23.005" v="800" actId="478"/>
+          <ac:spMkLst>
+            <pc:docMk/>
+            <pc:sldMk cId="1094276337" sldId="601"/>
+            <ac:spMk id="10" creationId="{D152B3CB-3A18-4904-B92B-10421E2CF44A}"/>
+          </ac:spMkLst>
+        </pc:spChg>
+        <pc:spChg chg="del mod">
+          <ac:chgData name="Zhao Jin" userId="cd05a825-544c-438a-9ba1-08e63db50b47" providerId="ADAL" clId="{B24B02F7-7905-4588-AF93-2F3E26C169C6}" dt="2021-02-11T10:43:13.791" v="1440" actId="478"/>
+          <ac:spMkLst>
+            <pc:docMk/>
+            <pc:sldMk cId="1094276337" sldId="601"/>
+            <ac:spMk id="11" creationId="{518EA1C5-C26B-4C75-8BA5-D5CB66F74A0E}"/>
+          </ac:spMkLst>
+        </pc:spChg>
+        <pc:spChg chg="add del mod">
+          <ac:chgData name="Zhao Jin" userId="cd05a825-544c-438a-9ba1-08e63db50b47" providerId="ADAL" clId="{B24B02F7-7905-4588-AF93-2F3E26C169C6}" dt="2021-02-11T10:37:41.150" v="981" actId="478"/>
+          <ac:spMkLst>
+            <pc:docMk/>
+            <pc:sldMk cId="1094276337" sldId="601"/>
+            <ac:spMk id="13" creationId="{3D34B7CF-FD06-460D-ACDC-E526985126A5}"/>
+          </ac:spMkLst>
+        </pc:spChg>
+        <pc:spChg chg="add del mod">
+          <ac:chgData name="Zhao Jin" userId="cd05a825-544c-438a-9ba1-08e63db50b47" providerId="ADAL" clId="{B24B02F7-7905-4588-AF93-2F3E26C169C6}" dt="2021-02-11T10:43:36.328" v="1479" actId="478"/>
+          <ac:spMkLst>
+            <pc:docMk/>
+            <pc:sldMk cId="1094276337" sldId="601"/>
+            <ac:spMk id="14" creationId="{1E4CB135-8988-453F-932D-80E27D63254C}"/>
+          </ac:spMkLst>
+        </pc:spChg>
+        <pc:spChg chg="add mod">
+          <ac:chgData name="Zhao Jin" userId="cd05a825-544c-438a-9ba1-08e63db50b47" providerId="ADAL" clId="{B24B02F7-7905-4588-AF93-2F3E26C169C6}" dt="2021-02-11T10:46:03.607" v="1745" actId="1036"/>
+          <ac:spMkLst>
+            <pc:docMk/>
+            <pc:sldMk cId="1094276337" sldId="601"/>
+            <ac:spMk id="15" creationId="{089ECE0A-4E20-4CEA-8F03-97F6A2A532A0}"/>
+          </ac:spMkLst>
+        </pc:spChg>
+        <pc:spChg chg="add mod">
+          <ac:chgData name="Zhao Jin" userId="cd05a825-544c-438a-9ba1-08e63db50b47" providerId="ADAL" clId="{B24B02F7-7905-4588-AF93-2F3E26C169C6}" dt="2021-02-11T10:46:14.362" v="1753" actId="20577"/>
+          <ac:spMkLst>
+            <pc:docMk/>
+            <pc:sldMk cId="1094276337" sldId="601"/>
+            <ac:spMk id="17" creationId="{2828DA0C-19A7-410C-8103-5115F757EF63}"/>
+          </ac:spMkLst>
+        </pc:spChg>
+        <pc:spChg chg="add mod">
+          <ac:chgData name="Zhao Jin" userId="cd05a825-544c-438a-9ba1-08e63db50b47" providerId="ADAL" clId="{B24B02F7-7905-4588-AF93-2F3E26C169C6}" dt="2021-02-11T10:45:18.152" v="1733" actId="1036"/>
+          <ac:spMkLst>
+            <pc:docMk/>
+            <pc:sldMk cId="1094276337" sldId="601"/>
+            <ac:spMk id="18" creationId="{6E78F201-C496-4C53-8ED8-A3E8332502FC}"/>
+          </ac:spMkLst>
+        </pc:spChg>
+        <pc:spChg chg="mod">
+          <ac:chgData name="Zhao Jin" userId="cd05a825-544c-438a-9ba1-08e63db50b47" providerId="ADAL" clId="{B24B02F7-7905-4588-AF93-2F3E26C169C6}" dt="2021-02-11T10:43:47.089" v="1483" actId="14100"/>
+          <ac:spMkLst>
+            <pc:docMk/>
+            <pc:sldMk cId="1094276337" sldId="601"/>
+            <ac:spMk id="84" creationId="{C4E05674-68A2-0D4E-8B47-F7A2C6A6B76F}"/>
+          </ac:spMkLst>
+        </pc:spChg>
+        <pc:picChg chg="add mod">
+          <ac:chgData name="Zhao Jin" userId="cd05a825-544c-438a-9ba1-08e63db50b47" providerId="ADAL" clId="{B24B02F7-7905-4588-AF93-2F3E26C169C6}" dt="2021-02-11T10:46:03.607" v="1745" actId="1036"/>
+          <ac:picMkLst>
+            <pc:docMk/>
+            <pc:sldMk cId="1094276337" sldId="601"/>
+            <ac:picMk id="16" creationId="{87406D1B-3BF5-4CE3-9EC5-BA19D8E44A88}"/>
+          </ac:picMkLst>
+        </pc:picChg>
+      </pc:sldChg>
+      <pc:sldChg chg="addSp delSp modSp add mod delAnim modAnim">
+        <pc:chgData name="Zhao Jin" userId="cd05a825-544c-438a-9ba1-08e63db50b47" providerId="ADAL" clId="{B24B02F7-7905-4588-AF93-2F3E26C169C6}" dt="2021-02-11T11:02:40.633" v="2305" actId="207"/>
+        <pc:sldMkLst>
+          <pc:docMk/>
+          <pc:sldMk cId="1542002799" sldId="602"/>
+        </pc:sldMkLst>
+        <pc:spChg chg="mod">
+          <ac:chgData name="Zhao Jin" userId="cd05a825-544c-438a-9ba1-08e63db50b47" providerId="ADAL" clId="{B24B02F7-7905-4588-AF93-2F3E26C169C6}" dt="2021-02-11T11:00:29.399" v="2108" actId="207"/>
+          <ac:spMkLst>
+            <pc:docMk/>
+            <pc:sldMk cId="1542002799" sldId="602"/>
+            <ac:spMk id="8" creationId="{00000000-0000-0000-0000-000000000000}"/>
+          </ac:spMkLst>
+        </pc:spChg>
+        <pc:spChg chg="add del mod">
+          <ac:chgData name="Zhao Jin" userId="cd05a825-544c-438a-9ba1-08e63db50b47" providerId="ADAL" clId="{B24B02F7-7905-4588-AF93-2F3E26C169C6}" dt="2021-02-11T10:57:27.363" v="2050" actId="478"/>
+          <ac:spMkLst>
+            <pc:docMk/>
+            <pc:sldMk cId="1542002799" sldId="602"/>
+            <ac:spMk id="11" creationId="{6CB64B61-4AD4-46FE-B8E4-C228F0F2FA63}"/>
+          </ac:spMkLst>
+        </pc:spChg>
+        <pc:spChg chg="add mod">
+          <ac:chgData name="Zhao Jin" userId="cd05a825-544c-438a-9ba1-08e63db50b47" providerId="ADAL" clId="{B24B02F7-7905-4588-AF93-2F3E26C169C6}" dt="2021-02-11T11:01:38.158" v="2215" actId="207"/>
+          <ac:spMkLst>
+            <pc:docMk/>
+            <pc:sldMk cId="1542002799" sldId="602"/>
+            <ac:spMk id="13" creationId="{2B89EFD4-1CE0-424E-8F8A-D7F3C08BDEC9}"/>
+          </ac:spMkLst>
+        </pc:spChg>
+        <pc:spChg chg="add del mod">
+          <ac:chgData name="Zhao Jin" userId="cd05a825-544c-438a-9ba1-08e63db50b47" providerId="ADAL" clId="{B24B02F7-7905-4588-AF93-2F3E26C169C6}" dt="2021-02-11T11:00:38.913" v="2111" actId="478"/>
+          <ac:spMkLst>
+            <pc:docMk/>
+            <pc:sldMk cId="1542002799" sldId="602"/>
+            <ac:spMk id="14" creationId="{E86C58B6-F07D-4C82-92A2-E116BE347067}"/>
+          </ac:spMkLst>
+        </pc:spChg>
+        <pc:spChg chg="del">
+          <ac:chgData name="Zhao Jin" userId="cd05a825-544c-438a-9ba1-08e63db50b47" providerId="ADAL" clId="{B24B02F7-7905-4588-AF93-2F3E26C169C6}" dt="2021-02-11T10:54:57.169" v="1899" actId="478"/>
+          <ac:spMkLst>
+            <pc:docMk/>
+            <pc:sldMk cId="1542002799" sldId="602"/>
+            <ac:spMk id="15" creationId="{089ECE0A-4E20-4CEA-8F03-97F6A2A532A0}"/>
+          </ac:spMkLst>
+        </pc:spChg>
+        <pc:spChg chg="del">
+          <ac:chgData name="Zhao Jin" userId="cd05a825-544c-438a-9ba1-08e63db50b47" providerId="ADAL" clId="{B24B02F7-7905-4588-AF93-2F3E26C169C6}" dt="2021-02-11T10:54:57.169" v="1899" actId="478"/>
+          <ac:spMkLst>
+            <pc:docMk/>
+            <pc:sldMk cId="1542002799" sldId="602"/>
+            <ac:spMk id="17" creationId="{2828DA0C-19A7-410C-8103-5115F757EF63}"/>
+          </ac:spMkLst>
+        </pc:spChg>
+        <pc:spChg chg="del mod">
+          <ac:chgData name="Zhao Jin" userId="cd05a825-544c-438a-9ba1-08e63db50b47" providerId="ADAL" clId="{B24B02F7-7905-4588-AF93-2F3E26C169C6}" dt="2021-02-11T10:55:48.770" v="1917" actId="478"/>
+          <ac:spMkLst>
+            <pc:docMk/>
+            <pc:sldMk cId="1542002799" sldId="602"/>
+            <ac:spMk id="18" creationId="{6E78F201-C496-4C53-8ED8-A3E8332502FC}"/>
+          </ac:spMkLst>
+        </pc:spChg>
+        <pc:spChg chg="add mod">
+          <ac:chgData name="Zhao Jin" userId="cd05a825-544c-438a-9ba1-08e63db50b47" providerId="ADAL" clId="{B24B02F7-7905-4588-AF93-2F3E26C169C6}" dt="2021-02-11T11:02:16.911" v="2300" actId="14100"/>
+          <ac:spMkLst>
+            <pc:docMk/>
+            <pc:sldMk cId="1542002799" sldId="602"/>
+            <ac:spMk id="19" creationId="{6B7939A9-503C-45DD-A086-CFC94710F2EC}"/>
+          </ac:spMkLst>
+        </pc:spChg>
+        <pc:spChg chg="mod">
+          <ac:chgData name="Zhao Jin" userId="cd05a825-544c-438a-9ba1-08e63db50b47" providerId="ADAL" clId="{B24B02F7-7905-4588-AF93-2F3E26C169C6}" dt="2021-02-11T11:02:40.633" v="2305" actId="207"/>
+          <ac:spMkLst>
+            <pc:docMk/>
+            <pc:sldMk cId="1542002799" sldId="602"/>
+            <ac:spMk id="84" creationId="{C4E05674-68A2-0D4E-8B47-F7A2C6A6B76F}"/>
+          </ac:spMkLst>
+        </pc:spChg>
+        <pc:spChg chg="mod">
+          <ac:chgData name="Zhao Jin" userId="cd05a825-544c-438a-9ba1-08e63db50b47" providerId="ADAL" clId="{B24B02F7-7905-4588-AF93-2F3E26C169C6}" dt="2021-02-11T10:54:30.176" v="1808" actId="20577"/>
+          <ac:spMkLst>
+            <pc:docMk/>
+            <pc:sldMk cId="1542002799" sldId="602"/>
+            <ac:spMk id="14338" creationId="{00000000-0000-0000-0000-000000000000}"/>
+          </ac:spMkLst>
+        </pc:spChg>
+        <pc:picChg chg="del">
+          <ac:chgData name="Zhao Jin" userId="cd05a825-544c-438a-9ba1-08e63db50b47" providerId="ADAL" clId="{B24B02F7-7905-4588-AF93-2F3E26C169C6}" dt="2021-02-11T10:54:57.169" v="1899" actId="478"/>
+          <ac:picMkLst>
+            <pc:docMk/>
+            <pc:sldMk cId="1542002799" sldId="602"/>
+            <ac:picMk id="16" creationId="{87406D1B-3BF5-4CE3-9EC5-BA19D8E44A88}"/>
+          </ac:picMkLst>
+        </pc:picChg>
+      </pc:sldChg>
+      <pc:sldChg chg="delSp modSp add mod delAnim">
+        <pc:chgData name="Zhao Jin" userId="cd05a825-544c-438a-9ba1-08e63db50b47" providerId="ADAL" clId="{B24B02F7-7905-4588-AF93-2F3E26C169C6}" dt="2021-02-11T11:05:31.419" v="2428" actId="207"/>
+        <pc:sldMkLst>
+          <pc:docMk/>
+          <pc:sldMk cId="830535321" sldId="603"/>
+        </pc:sldMkLst>
+        <pc:spChg chg="mod">
+          <ac:chgData name="Zhao Jin" userId="cd05a825-544c-438a-9ba1-08e63db50b47" providerId="ADAL" clId="{B24B02F7-7905-4588-AF93-2F3E26C169C6}" dt="2021-02-11T11:05:31.419" v="2428" actId="207"/>
+          <ac:spMkLst>
+            <pc:docMk/>
+            <pc:sldMk cId="830535321" sldId="603"/>
+            <ac:spMk id="8" creationId="{00000000-0000-0000-0000-000000000000}"/>
+          </ac:spMkLst>
+        </pc:spChg>
+        <pc:spChg chg="mod">
+          <ac:chgData name="Zhao Jin" userId="cd05a825-544c-438a-9ba1-08e63db50b47" providerId="ADAL" clId="{B24B02F7-7905-4588-AF93-2F3E26C169C6}" dt="2021-02-11T11:04:31.685" v="2412" actId="14100"/>
+          <ac:spMkLst>
+            <pc:docMk/>
+            <pc:sldMk cId="830535321" sldId="603"/>
+            <ac:spMk id="13" creationId="{2B89EFD4-1CE0-424E-8F8A-D7F3C08BDEC9}"/>
+          </ac:spMkLst>
+        </pc:spChg>
+        <pc:spChg chg="del">
+          <ac:chgData name="Zhao Jin" userId="cd05a825-544c-438a-9ba1-08e63db50b47" providerId="ADAL" clId="{B24B02F7-7905-4588-AF93-2F3E26C169C6}" dt="2021-02-11T11:02:52.564" v="2338" actId="478"/>
+          <ac:spMkLst>
+            <pc:docMk/>
+            <pc:sldMk cId="830535321" sldId="603"/>
+            <ac:spMk id="19" creationId="{6B7939A9-503C-45DD-A086-CFC94710F2EC}"/>
+          </ac:spMkLst>
+        </pc:spChg>
+        <pc:spChg chg="mod">
+          <ac:chgData name="Zhao Jin" userId="cd05a825-544c-438a-9ba1-08e63db50b47" providerId="ADAL" clId="{B24B02F7-7905-4588-AF93-2F3E26C169C6}" dt="2021-02-11T11:05:06.721" v="2426" actId="20577"/>
+          <ac:spMkLst>
+            <pc:docMk/>
+            <pc:sldMk cId="830535321" sldId="603"/>
+            <ac:spMk id="84" creationId="{C4E05674-68A2-0D4E-8B47-F7A2C6A6B76F}"/>
+          </ac:spMkLst>
+        </pc:spChg>
+        <pc:spChg chg="mod">
+          <ac:chgData name="Zhao Jin" userId="cd05a825-544c-438a-9ba1-08e63db50b47" providerId="ADAL" clId="{B24B02F7-7905-4588-AF93-2F3E26C169C6}" dt="2021-02-11T11:05:01.593" v="2424" actId="20577"/>
+          <ac:spMkLst>
+            <pc:docMk/>
+            <pc:sldMk cId="830535321" sldId="603"/>
+            <ac:spMk id="14338" creationId="{00000000-0000-0000-0000-000000000000}"/>
+          </ac:spMkLst>
+        </pc:spChg>
+      </pc:sldChg>
+      <pc:sldChg chg="add del">
+        <pc:chgData name="Zhao Jin" userId="cd05a825-544c-438a-9ba1-08e63db50b47" providerId="ADAL" clId="{B24B02F7-7905-4588-AF93-2F3E26C169C6}" dt="2021-02-11T11:11:11.059" v="2431" actId="47"/>
+        <pc:sldMkLst>
+          <pc:docMk/>
+          <pc:sldMk cId="3335349144" sldId="604"/>
+        </pc:sldMkLst>
+      </pc:sldChg>
+      <pc:sldMasterChg chg="modSp modSldLayout">
+        <pc:chgData name="Zhao Jin" userId="cd05a825-544c-438a-9ba1-08e63db50b47" providerId="ADAL" clId="{B24B02F7-7905-4588-AF93-2F3E26C169C6}" dt="2021-02-10T03:55:18.143" v="13"/>
+        <pc:sldMasterMkLst>
+          <pc:docMk/>
+          <pc:sldMasterMk cId="0" sldId="2147485087"/>
+        </pc:sldMasterMkLst>
+        <pc:spChg chg="mod">
+          <ac:chgData name="Zhao Jin" userId="cd05a825-544c-438a-9ba1-08e63db50b47" providerId="ADAL" clId="{B24B02F7-7905-4588-AF93-2F3E26C169C6}" dt="2021-02-10T03:55:18.143" v="13"/>
+          <ac:spMkLst>
+            <pc:docMk/>
+            <pc:sldMasterMk cId="0" sldId="2147485087"/>
+            <ac:spMk id="6" creationId="{00000000-0000-0000-0000-000000000000}"/>
+          </ac:spMkLst>
+        </pc:spChg>
+        <pc:sldLayoutChg chg="modSp">
+          <pc:chgData name="Zhao Jin" userId="cd05a825-544c-438a-9ba1-08e63db50b47" providerId="ADAL" clId="{B24B02F7-7905-4588-AF93-2F3E26C169C6}" dt="2021-02-10T03:55:18.143" v="13"/>
+          <pc:sldLayoutMkLst>
+            <pc:docMk/>
+            <pc:sldMasterMk cId="0" sldId="2147485087"/>
+            <pc:sldLayoutMk cId="0" sldId="2147485088"/>
+          </pc:sldLayoutMkLst>
+          <pc:spChg chg="mod">
+            <ac:chgData name="Zhao Jin" userId="cd05a825-544c-438a-9ba1-08e63db50b47" providerId="ADAL" clId="{B24B02F7-7905-4588-AF93-2F3E26C169C6}" dt="2021-02-10T03:55:18.143" v="13"/>
+            <ac:spMkLst>
+              <pc:docMk/>
+              <pc:sldMasterMk cId="0" sldId="2147485087"/>
+              <pc:sldLayoutMk cId="0" sldId="2147485088"/>
+              <ac:spMk id="6" creationId="{00000000-0000-0000-0000-000000000000}"/>
+            </ac:spMkLst>
+          </pc:spChg>
+        </pc:sldLayoutChg>
+        <pc:sldLayoutChg chg="modSp">
+          <pc:chgData name="Zhao Jin" userId="cd05a825-544c-438a-9ba1-08e63db50b47" providerId="ADAL" clId="{B24B02F7-7905-4588-AF93-2F3E26C169C6}" dt="2021-02-10T03:55:18.143" v="13"/>
+          <pc:sldLayoutMkLst>
+            <pc:docMk/>
+            <pc:sldMasterMk cId="0" sldId="2147485087"/>
+            <pc:sldLayoutMk cId="0" sldId="2147485089"/>
+          </pc:sldLayoutMkLst>
+          <pc:spChg chg="mod">
+            <ac:chgData name="Zhao Jin" userId="cd05a825-544c-438a-9ba1-08e63db50b47" providerId="ADAL" clId="{B24B02F7-7905-4588-AF93-2F3E26C169C6}" dt="2021-02-10T03:55:18.143" v="13"/>
+            <ac:spMkLst>
+              <pc:docMk/>
+              <pc:sldMasterMk cId="0" sldId="2147485087"/>
+              <pc:sldLayoutMk cId="0" sldId="2147485089"/>
+              <ac:spMk id="6" creationId="{00000000-0000-0000-0000-000000000000}"/>
+            </ac:spMkLst>
+          </pc:spChg>
+        </pc:sldLayoutChg>
+        <pc:sldLayoutChg chg="modSp">
+          <pc:chgData name="Zhao Jin" userId="cd05a825-544c-438a-9ba1-08e63db50b47" providerId="ADAL" clId="{B24B02F7-7905-4588-AF93-2F3E26C169C6}" dt="2021-02-10T03:55:18.143" v="13"/>
+          <pc:sldLayoutMkLst>
+            <pc:docMk/>
+            <pc:sldMasterMk cId="0" sldId="2147485087"/>
+            <pc:sldLayoutMk cId="0" sldId="2147485090"/>
+          </pc:sldLayoutMkLst>
+          <pc:spChg chg="mod">
+            <ac:chgData name="Zhao Jin" userId="cd05a825-544c-438a-9ba1-08e63db50b47" providerId="ADAL" clId="{B24B02F7-7905-4588-AF93-2F3E26C169C6}" dt="2021-02-10T03:55:18.143" v="13"/>
+            <ac:spMkLst>
+              <pc:docMk/>
+              <pc:sldMasterMk cId="0" sldId="2147485087"/>
+              <pc:sldLayoutMk cId="0" sldId="2147485090"/>
+              <ac:spMk id="6" creationId="{00000000-0000-0000-0000-000000000000}"/>
+            </ac:spMkLst>
+          </pc:spChg>
+        </pc:sldLayoutChg>
+        <pc:sldLayoutChg chg="modSp">
+          <pc:chgData name="Zhao Jin" userId="cd05a825-544c-438a-9ba1-08e63db50b47" providerId="ADAL" clId="{B24B02F7-7905-4588-AF93-2F3E26C169C6}" dt="2021-02-10T03:55:18.143" v="13"/>
+          <pc:sldLayoutMkLst>
+            <pc:docMk/>
+            <pc:sldMasterMk cId="0" sldId="2147485087"/>
+            <pc:sldLayoutMk cId="0" sldId="2147485091"/>
+          </pc:sldLayoutMkLst>
+          <pc:spChg chg="mod">
+            <ac:chgData name="Zhao Jin" userId="cd05a825-544c-438a-9ba1-08e63db50b47" providerId="ADAL" clId="{B24B02F7-7905-4588-AF93-2F3E26C169C6}" dt="2021-02-10T03:55:18.143" v="13"/>
+            <ac:spMkLst>
+              <pc:docMk/>
+              <pc:sldMasterMk cId="0" sldId="2147485087"/>
+              <pc:sldLayoutMk cId="0" sldId="2147485091"/>
+              <ac:spMk id="7" creationId="{00000000-0000-0000-0000-000000000000}"/>
+            </ac:spMkLst>
+          </pc:spChg>
+        </pc:sldLayoutChg>
+        <pc:sldLayoutChg chg="modSp">
+          <pc:chgData name="Zhao Jin" userId="cd05a825-544c-438a-9ba1-08e63db50b47" providerId="ADAL" clId="{B24B02F7-7905-4588-AF93-2F3E26C169C6}" dt="2021-02-10T03:55:18.143" v="13"/>
+          <pc:sldLayoutMkLst>
+            <pc:docMk/>
+            <pc:sldMasterMk cId="0" sldId="2147485087"/>
+            <pc:sldLayoutMk cId="0" sldId="2147485092"/>
+          </pc:sldLayoutMkLst>
+          <pc:spChg chg="mod">
+            <ac:chgData name="Zhao Jin" userId="cd05a825-544c-438a-9ba1-08e63db50b47" providerId="ADAL" clId="{B24B02F7-7905-4588-AF93-2F3E26C169C6}" dt="2021-02-10T03:55:18.143" v="13"/>
+            <ac:spMkLst>
+              <pc:docMk/>
+              <pc:sldMasterMk cId="0" sldId="2147485087"/>
+              <pc:sldLayoutMk cId="0" sldId="2147485092"/>
+              <ac:spMk id="9" creationId="{00000000-0000-0000-0000-000000000000}"/>
+            </ac:spMkLst>
+          </pc:spChg>
+        </pc:sldLayoutChg>
+        <pc:sldLayoutChg chg="modSp">
+          <pc:chgData name="Zhao Jin" userId="cd05a825-544c-438a-9ba1-08e63db50b47" providerId="ADAL" clId="{B24B02F7-7905-4588-AF93-2F3E26C169C6}" dt="2021-02-10T03:55:18.143" v="13"/>
+          <pc:sldLayoutMkLst>
+            <pc:docMk/>
+            <pc:sldMasterMk cId="0" sldId="2147485087"/>
+            <pc:sldLayoutMk cId="0" sldId="2147485093"/>
+          </pc:sldLayoutMkLst>
+          <pc:spChg chg="mod">
+            <ac:chgData name="Zhao Jin" userId="cd05a825-544c-438a-9ba1-08e63db50b47" providerId="ADAL" clId="{B24B02F7-7905-4588-AF93-2F3E26C169C6}" dt="2021-02-10T03:55:18.143" v="13"/>
+            <ac:spMkLst>
+              <pc:docMk/>
+              <pc:sldMasterMk cId="0" sldId="2147485087"/>
+              <pc:sldLayoutMk cId="0" sldId="2147485093"/>
+              <ac:spMk id="5" creationId="{00000000-0000-0000-0000-000000000000}"/>
+            </ac:spMkLst>
+          </pc:spChg>
+        </pc:sldLayoutChg>
+        <pc:sldLayoutChg chg="modSp">
+          <pc:chgData name="Zhao Jin" userId="cd05a825-544c-438a-9ba1-08e63db50b47" providerId="ADAL" clId="{B24B02F7-7905-4588-AF93-2F3E26C169C6}" dt="2021-02-10T03:55:18.143" v="13"/>
+          <pc:sldLayoutMkLst>
+            <pc:docMk/>
+            <pc:sldMasterMk cId="0" sldId="2147485087"/>
+            <pc:sldLayoutMk cId="0" sldId="2147485094"/>
+          </pc:sldLayoutMkLst>
+          <pc:spChg chg="mod">
+            <ac:chgData name="Zhao Jin" userId="cd05a825-544c-438a-9ba1-08e63db50b47" providerId="ADAL" clId="{B24B02F7-7905-4588-AF93-2F3E26C169C6}" dt="2021-02-10T03:55:18.143" v="13"/>
+            <ac:spMkLst>
+              <pc:docMk/>
+              <pc:sldMasterMk cId="0" sldId="2147485087"/>
+              <pc:sldLayoutMk cId="0" sldId="2147485094"/>
+              <ac:spMk id="4" creationId="{00000000-0000-0000-0000-000000000000}"/>
+            </ac:spMkLst>
+          </pc:spChg>
+        </pc:sldLayoutChg>
+        <pc:sldLayoutChg chg="modSp">
+          <pc:chgData name="Zhao Jin" userId="cd05a825-544c-438a-9ba1-08e63db50b47" providerId="ADAL" clId="{B24B02F7-7905-4588-AF93-2F3E26C169C6}" dt="2021-02-10T03:55:18.143" v="13"/>
+          <pc:sldLayoutMkLst>
+            <pc:docMk/>
+            <pc:sldMasterMk cId="0" sldId="2147485087"/>
+            <pc:sldLayoutMk cId="0" sldId="2147485095"/>
+          </pc:sldLayoutMkLst>
+          <pc:spChg chg="mod">
+            <ac:chgData name="Zhao Jin" userId="cd05a825-544c-438a-9ba1-08e63db50b47" providerId="ADAL" clId="{B24B02F7-7905-4588-AF93-2F3E26C169C6}" dt="2021-02-10T03:55:18.143" v="13"/>
+            <ac:spMkLst>
+              <pc:docMk/>
+              <pc:sldMasterMk cId="0" sldId="2147485087"/>
+              <pc:sldLayoutMk cId="0" sldId="2147485095"/>
+              <ac:spMk id="7" creationId="{00000000-0000-0000-0000-000000000000}"/>
+            </ac:spMkLst>
+          </pc:spChg>
+        </pc:sldLayoutChg>
+        <pc:sldLayoutChg chg="modSp">
+          <pc:chgData name="Zhao Jin" userId="cd05a825-544c-438a-9ba1-08e63db50b47" providerId="ADAL" clId="{B24B02F7-7905-4588-AF93-2F3E26C169C6}" dt="2021-02-10T03:55:18.143" v="13"/>
+          <pc:sldLayoutMkLst>
+            <pc:docMk/>
+            <pc:sldMasterMk cId="0" sldId="2147485087"/>
+            <pc:sldLayoutMk cId="0" sldId="2147485096"/>
+          </pc:sldLayoutMkLst>
+          <pc:spChg chg="mod">
+            <ac:chgData name="Zhao Jin" userId="cd05a825-544c-438a-9ba1-08e63db50b47" providerId="ADAL" clId="{B24B02F7-7905-4588-AF93-2F3E26C169C6}" dt="2021-02-10T03:55:18.143" v="13"/>
+            <ac:spMkLst>
+              <pc:docMk/>
+              <pc:sldMasterMk cId="0" sldId="2147485087"/>
+              <pc:sldLayoutMk cId="0" sldId="2147485096"/>
+              <ac:spMk id="7" creationId="{00000000-0000-0000-0000-000000000000}"/>
+            </ac:spMkLst>
+          </pc:spChg>
+        </pc:sldLayoutChg>
+        <pc:sldLayoutChg chg="modSp">
+          <pc:chgData name="Zhao Jin" userId="cd05a825-544c-438a-9ba1-08e63db50b47" providerId="ADAL" clId="{B24B02F7-7905-4588-AF93-2F3E26C169C6}" dt="2021-02-10T03:55:18.143" v="13"/>
+          <pc:sldLayoutMkLst>
+            <pc:docMk/>
+            <pc:sldMasterMk cId="0" sldId="2147485087"/>
+            <pc:sldLayoutMk cId="0" sldId="2147485097"/>
+          </pc:sldLayoutMkLst>
+          <pc:spChg chg="mod">
+            <ac:chgData name="Zhao Jin" userId="cd05a825-544c-438a-9ba1-08e63db50b47" providerId="ADAL" clId="{B24B02F7-7905-4588-AF93-2F3E26C169C6}" dt="2021-02-10T03:55:18.143" v="13"/>
+            <ac:spMkLst>
+              <pc:docMk/>
+              <pc:sldMasterMk cId="0" sldId="2147485087"/>
+              <pc:sldLayoutMk cId="0" sldId="2147485097"/>
+              <ac:spMk id="6" creationId="{00000000-0000-0000-0000-000000000000}"/>
+            </ac:spMkLst>
+          </pc:spChg>
+        </pc:sldLayoutChg>
+        <pc:sldLayoutChg chg="modSp">
+          <pc:chgData name="Zhao Jin" userId="cd05a825-544c-438a-9ba1-08e63db50b47" providerId="ADAL" clId="{B24B02F7-7905-4588-AF93-2F3E26C169C6}" dt="2021-02-10T03:55:18.143" v="13"/>
+          <pc:sldLayoutMkLst>
+            <pc:docMk/>
+            <pc:sldMasterMk cId="0" sldId="2147485087"/>
+            <pc:sldLayoutMk cId="0" sldId="2147485098"/>
+          </pc:sldLayoutMkLst>
+          <pc:spChg chg="mod">
+            <ac:chgData name="Zhao Jin" userId="cd05a825-544c-438a-9ba1-08e63db50b47" providerId="ADAL" clId="{B24B02F7-7905-4588-AF93-2F3E26C169C6}" dt="2021-02-10T03:55:18.143" v="13"/>
+            <ac:spMkLst>
+              <pc:docMk/>
+              <pc:sldMasterMk cId="0" sldId="2147485087"/>
+              <pc:sldLayoutMk cId="0" sldId="2147485098"/>
+              <ac:spMk id="6" creationId="{00000000-0000-0000-0000-000000000000}"/>
+            </ac:spMkLst>
+          </pc:spChg>
+        </pc:sldLayoutChg>
+      </pc:sldMasterChg>
+    </pc:docChg>
+  </pc:docChgLst>
+  <pc:docChgLst>
+    <pc:chgData name="Zhao Jin" userId="cd05a825-544c-438a-9ba1-08e63db50b47" providerId="ADAL" clId="{CD38D953-E846-244A-835A-192CE52710D4}"/>
+    <pc:docChg chg="undo custSel addSld delSld modSld">
+      <pc:chgData name="Zhao Jin" userId="cd05a825-544c-438a-9ba1-08e63db50b47" providerId="ADAL" clId="{CD38D953-E846-244A-835A-192CE52710D4}" dt="2021-01-25T03:26:17.801" v="482" actId="20577"/>
+      <pc:docMkLst>
+        <pc:docMk/>
+      </pc:docMkLst>
+      <pc:sldChg chg="modSp addAnim delAnim modAnim">
+        <pc:chgData name="Zhao Jin" userId="cd05a825-544c-438a-9ba1-08e63db50b47" providerId="ADAL" clId="{CD38D953-E846-244A-835A-192CE52710D4}" dt="2021-01-25T03:18:14.928" v="172"/>
+        <pc:sldMkLst>
+          <pc:docMk/>
+          <pc:sldMk cId="1311126165" sldId="485"/>
+        </pc:sldMkLst>
+        <pc:spChg chg="mod">
+          <ac:chgData name="Zhao Jin" userId="cd05a825-544c-438a-9ba1-08e63db50b47" providerId="ADAL" clId="{CD38D953-E846-244A-835A-192CE52710D4}" dt="2021-01-25T03:16:30.240" v="159" actId="20577"/>
+          <ac:spMkLst>
+            <pc:docMk/>
+            <pc:sldMk cId="1311126165" sldId="485"/>
+            <ac:spMk id="11" creationId="{00000000-0000-0000-0000-000000000000}"/>
+          </ac:spMkLst>
+        </pc:spChg>
+        <pc:spChg chg="mod">
+          <ac:chgData name="Zhao Jin" userId="cd05a825-544c-438a-9ba1-08e63db50b47" providerId="ADAL" clId="{CD38D953-E846-244A-835A-192CE52710D4}" dt="2021-01-25T03:16:24.406" v="157" actId="1036"/>
+          <ac:spMkLst>
+            <pc:docMk/>
+            <pc:sldMk cId="1311126165" sldId="485"/>
+            <ac:spMk id="12" creationId="{149FB3A4-124F-4FB3-9CA1-6EA45A21DCBC}"/>
+          </ac:spMkLst>
+        </pc:spChg>
+        <pc:spChg chg="mod">
+          <ac:chgData name="Zhao Jin" userId="cd05a825-544c-438a-9ba1-08e63db50b47" providerId="ADAL" clId="{CD38D953-E846-244A-835A-192CE52710D4}" dt="2021-01-25T03:16:24.406" v="157" actId="1036"/>
+          <ac:spMkLst>
+            <pc:docMk/>
+            <pc:sldMk cId="1311126165" sldId="485"/>
+            <ac:spMk id="13" creationId="{24ED3F77-DB19-42FF-90A5-6260114FAC12}"/>
+          </ac:spMkLst>
+        </pc:spChg>
+      </pc:sldChg>
+      <pc:sldChg chg="modSp">
+        <pc:chgData name="Zhao Jin" userId="cd05a825-544c-438a-9ba1-08e63db50b47" providerId="ADAL" clId="{CD38D953-E846-244A-835A-192CE52710D4}" dt="2021-01-25T03:08:51.440" v="84" actId="20577"/>
+        <pc:sldMkLst>
+          <pc:docMk/>
+          <pc:sldMk cId="901453530" sldId="546"/>
+        </pc:sldMkLst>
+        <pc:spChg chg="mod">
+          <ac:chgData name="Zhao Jin" userId="cd05a825-544c-438a-9ba1-08e63db50b47" providerId="ADAL" clId="{CD38D953-E846-244A-835A-192CE52710D4}" dt="2021-01-25T03:08:51.440" v="84" actId="20577"/>
+          <ac:spMkLst>
+            <pc:docMk/>
+            <pc:sldMk cId="901453530" sldId="546"/>
+            <ac:spMk id="8" creationId="{00000000-0000-0000-0000-000000000000}"/>
+          </ac:spMkLst>
+        </pc:spChg>
+      </pc:sldChg>
+      <pc:sldChg chg="modSp">
+        <pc:chgData name="Zhao Jin" userId="cd05a825-544c-438a-9ba1-08e63db50b47" providerId="ADAL" clId="{CD38D953-E846-244A-835A-192CE52710D4}" dt="2021-01-25T03:11:48.514" v="112" actId="207"/>
+        <pc:sldMkLst>
+          <pc:docMk/>
+          <pc:sldMk cId="884841463" sldId="547"/>
+        </pc:sldMkLst>
+        <pc:spChg chg="mod">
+          <ac:chgData name="Zhao Jin" userId="cd05a825-544c-438a-9ba1-08e63db50b47" providerId="ADAL" clId="{CD38D953-E846-244A-835A-192CE52710D4}" dt="2021-01-25T03:11:48.514" v="112" actId="207"/>
+          <ac:spMkLst>
+            <pc:docMk/>
+            <pc:sldMk cId="884841463" sldId="547"/>
+            <ac:spMk id="8" creationId="{00000000-0000-0000-0000-000000000000}"/>
+          </ac:spMkLst>
+        </pc:spChg>
+      </pc:sldChg>
+      <pc:sldChg chg="modSp">
+        <pc:chgData name="Zhao Jin" userId="cd05a825-544c-438a-9ba1-08e63db50b47" providerId="ADAL" clId="{CD38D953-E846-244A-835A-192CE52710D4}" dt="2021-01-25T03:10:55.270" v="107" actId="20577"/>
+        <pc:sldMkLst>
+          <pc:docMk/>
+          <pc:sldMk cId="1617257579" sldId="548"/>
+        </pc:sldMkLst>
+        <pc:spChg chg="mod">
+          <ac:chgData name="Zhao Jin" userId="cd05a825-544c-438a-9ba1-08e63db50b47" providerId="ADAL" clId="{CD38D953-E846-244A-835A-192CE52710D4}" dt="2021-01-25T03:10:55.270" v="107" actId="20577"/>
+          <ac:spMkLst>
+            <pc:docMk/>
+            <pc:sldMk cId="1617257579" sldId="548"/>
+            <ac:spMk id="8" creationId="{00000000-0000-0000-0000-000000000000}"/>
+          </ac:spMkLst>
+        </pc:spChg>
+        <pc:spChg chg="mod">
+          <ac:chgData name="Zhao Jin" userId="cd05a825-544c-438a-9ba1-08e63db50b47" providerId="ADAL" clId="{CD38D953-E846-244A-835A-192CE52710D4}" dt="2021-01-25T03:09:46.206" v="102" actId="1035"/>
+          <ac:spMkLst>
+            <pc:docMk/>
+            <pc:sldMk cId="1617257579" sldId="548"/>
+            <ac:spMk id="9" creationId="{00000000-0000-0000-0000-000000000000}"/>
+          </ac:spMkLst>
+        </pc:spChg>
+      </pc:sldChg>
+      <pc:sldChg chg="addSp delSp modSp delAnim modAnim">
+        <pc:chgData name="Zhao Jin" userId="cd05a825-544c-438a-9ba1-08e63db50b47" providerId="ADAL" clId="{CD38D953-E846-244A-835A-192CE52710D4}" dt="2021-01-25T03:24:05.008" v="382"/>
+        <pc:sldMkLst>
+          <pc:docMk/>
+          <pc:sldMk cId="3394924879" sldId="549"/>
+        </pc:sldMkLst>
+        <pc:spChg chg="mod">
+          <ac:chgData name="Zhao Jin" userId="cd05a825-544c-438a-9ba1-08e63db50b47" providerId="ADAL" clId="{CD38D953-E846-244A-835A-192CE52710D4}" dt="2021-01-25T02:21:10.043" v="62" actId="20577"/>
+          <ac:spMkLst>
+            <pc:docMk/>
+            <pc:sldMk cId="3394924879" sldId="549"/>
+            <ac:spMk id="10" creationId="{00000000-0000-0000-0000-000000000000}"/>
+          </ac:spMkLst>
+        </pc:spChg>
+        <pc:spChg chg="add mod">
+          <ac:chgData name="Zhao Jin" userId="cd05a825-544c-438a-9ba1-08e63db50b47" providerId="ADAL" clId="{CD38D953-E846-244A-835A-192CE52710D4}" dt="2021-01-25T03:23:28.207" v="376" actId="1076"/>
+          <ac:spMkLst>
+            <pc:docMk/>
+            <pc:sldMk cId="3394924879" sldId="549"/>
+            <ac:spMk id="11" creationId="{CF30CDDD-4206-994C-A14B-ADCEC7C6B094}"/>
+          </ac:spMkLst>
+        </pc:spChg>
+        <pc:picChg chg="del">
+          <ac:chgData name="Zhao Jin" userId="cd05a825-544c-438a-9ba1-08e63db50b47" providerId="ADAL" clId="{CD38D953-E846-244A-835A-192CE52710D4}" dt="2021-01-25T03:15:27.398" v="115" actId="478"/>
+          <ac:picMkLst>
+            <pc:docMk/>
+            <pc:sldMk cId="3394924879" sldId="549"/>
+            <ac:picMk id="14" creationId="{9F0342D1-68B4-4418-BA3C-115BA014738F}"/>
+          </ac:picMkLst>
+        </pc:picChg>
+        <pc:picChg chg="add mod">
+          <ac:chgData name="Zhao Jin" userId="cd05a825-544c-438a-9ba1-08e63db50b47" providerId="ADAL" clId="{CD38D953-E846-244A-835A-192CE52710D4}" dt="2021-01-25T03:23:34.931" v="378" actId="1076"/>
+          <ac:picMkLst>
+            <pc:docMk/>
+            <pc:sldMk cId="3394924879" sldId="549"/>
+            <ac:picMk id="16" creationId="{1AA83BD7-4016-DB49-B6DC-C69FB6894961}"/>
+          </ac:picMkLst>
+        </pc:picChg>
+      </pc:sldChg>
+      <pc:sldChg chg="addSp delSp modSp addAnim delAnim modAnim">
+        <pc:chgData name="Zhao Jin" userId="cd05a825-544c-438a-9ba1-08e63db50b47" providerId="ADAL" clId="{CD38D953-E846-244A-835A-192CE52710D4}" dt="2021-01-25T03:26:17.801" v="482" actId="20577"/>
+        <pc:sldMkLst>
+          <pc:docMk/>
+          <pc:sldMk cId="784668950" sldId="550"/>
+        </pc:sldMkLst>
+        <pc:spChg chg="add del">
+          <ac:chgData name="Zhao Jin" userId="cd05a825-544c-438a-9ba1-08e63db50b47" providerId="ADAL" clId="{CD38D953-E846-244A-835A-192CE52710D4}" dt="2021-01-25T03:03:03.116" v="66" actId="478"/>
+          <ac:spMkLst>
+            <pc:docMk/>
+            <pc:sldMk cId="784668950" sldId="550"/>
+            <ac:spMk id="8" creationId="{9BA3CD25-E0A6-43C6-ACBF-2582BD134206}"/>
+          </ac:spMkLst>
+        </pc:spChg>
+        <pc:spChg chg="add del">
+          <ac:chgData name="Zhao Jin" userId="cd05a825-544c-438a-9ba1-08e63db50b47" providerId="ADAL" clId="{CD38D953-E846-244A-835A-192CE52710D4}" dt="2021-01-25T03:03:02.420" v="65"/>
+          <ac:spMkLst>
+            <pc:docMk/>
+            <pc:sldMk cId="784668950" sldId="550"/>
+            <ac:spMk id="9" creationId="{512F67EF-C498-8D43-817A-42B6CE524F76}"/>
+          </ac:spMkLst>
+        </pc:spChg>
+        <pc:spChg chg="add del mod">
+          <ac:chgData name="Zhao Jin" userId="cd05a825-544c-438a-9ba1-08e63db50b47" providerId="ADAL" clId="{CD38D953-E846-244A-835A-192CE52710D4}" dt="2021-01-25T03:26:17.801" v="482" actId="20577"/>
+          <ac:spMkLst>
+            <pc:docMk/>
+            <pc:sldMk cId="784668950" sldId="550"/>
+            <ac:spMk id="10" creationId="{00000000-0000-0000-0000-000000000000}"/>
+          </ac:spMkLst>
+        </pc:spChg>
+      </pc:sldChg>
+      <pc:sldChg chg="addSp delSp modSp add del addAnim delAnim">
+        <pc:chgData name="Zhao Jin" userId="cd05a825-544c-438a-9ba1-08e63db50b47" providerId="ADAL" clId="{CD38D953-E846-244A-835A-192CE52710D4}" dt="2021-01-25T03:08:44.385" v="80" actId="2696"/>
+        <pc:sldMkLst>
+          <pc:docMk/>
+          <pc:sldMk cId="335305844" sldId="551"/>
+        </pc:sldMkLst>
+        <pc:spChg chg="add del">
+          <ac:chgData name="Zhao Jin" userId="cd05a825-544c-438a-9ba1-08e63db50b47" providerId="ADAL" clId="{CD38D953-E846-244A-835A-192CE52710D4}" dt="2021-01-25T03:08:18.867" v="70"/>
+          <ac:spMkLst>
+            <pc:docMk/>
+            <pc:sldMk cId="335305844" sldId="551"/>
+            <ac:spMk id="2" creationId="{DC3EBD9F-7043-2B4B-93E2-27FFDA9DBEA2}"/>
+          </ac:spMkLst>
+        </pc:spChg>
+        <pc:spChg chg="add del mod">
+          <ac:chgData name="Zhao Jin" userId="cd05a825-544c-438a-9ba1-08e63db50b47" providerId="ADAL" clId="{CD38D953-E846-244A-835A-192CE52710D4}" dt="2021-01-25T03:08:32.511" v="77" actId="14100"/>
+          <ac:spMkLst>
+            <pc:docMk/>
+            <pc:sldMk cId="335305844" sldId="551"/>
+            <ac:spMk id="9" creationId="{00000000-0000-0000-0000-000000000000}"/>
+          </ac:spMkLst>
+        </pc:spChg>
+        <pc:spChg chg="add del">
+          <ac:chgData name="Zhao Jin" userId="cd05a825-544c-438a-9ba1-08e63db50b47" providerId="ADAL" clId="{CD38D953-E846-244A-835A-192CE52710D4}" dt="2021-01-25T03:08:34.550" v="78" actId="478"/>
+          <ac:spMkLst>
+            <pc:docMk/>
+            <pc:sldMk cId="335305844" sldId="551"/>
+            <ac:spMk id="10" creationId="{00000000-0000-0000-0000-000000000000}"/>
+          </ac:spMkLst>
+        </pc:spChg>
+        <pc:spChg chg="add del">
+          <ac:chgData name="Zhao Jin" userId="cd05a825-544c-438a-9ba1-08e63db50b47" providerId="ADAL" clId="{CD38D953-E846-244A-835A-192CE52710D4}" dt="2021-01-25T03:08:34.550" v="78" actId="478"/>
+          <ac:spMkLst>
+            <pc:docMk/>
+            <pc:sldMk cId="335305844" sldId="551"/>
+            <ac:spMk id="11" creationId="{D0457CA0-460D-4546-82C4-4CDEB1E2F62C}"/>
+          </ac:spMkLst>
+        </pc:spChg>
+        <pc:spChg chg="add del">
+          <ac:chgData name="Zhao Jin" userId="cd05a825-544c-438a-9ba1-08e63db50b47" providerId="ADAL" clId="{CD38D953-E846-244A-835A-192CE52710D4}" dt="2021-01-25T03:08:34.550" v="78" actId="478"/>
+          <ac:spMkLst>
+            <pc:docMk/>
+            <pc:sldMk cId="335305844" sldId="551"/>
+            <ac:spMk id="14" creationId="{00000000-0000-0000-0000-000000000000}"/>
+          </ac:spMkLst>
+        </pc:spChg>
+        <pc:spChg chg="add del">
+          <ac:chgData name="Zhao Jin" userId="cd05a825-544c-438a-9ba1-08e63db50b47" providerId="ADAL" clId="{CD38D953-E846-244A-835A-192CE52710D4}" dt="2021-01-25T03:08:34.550" v="78" actId="478"/>
+          <ac:spMkLst>
+            <pc:docMk/>
+            <pc:sldMk cId="335305844" sldId="551"/>
+            <ac:spMk id="15" creationId="{7EB43FB0-D261-4751-8823-0A4CC64F83DB}"/>
+          </ac:spMkLst>
+        </pc:spChg>
+        <pc:spChg chg="add del mod">
+          <ac:chgData name="Zhao Jin" userId="cd05a825-544c-438a-9ba1-08e63db50b47" providerId="ADAL" clId="{CD38D953-E846-244A-835A-192CE52710D4}" dt="2021-01-25T03:08:37.712" v="79" actId="20577"/>
+          <ac:spMkLst>
+            <pc:docMk/>
+            <pc:sldMk cId="335305844" sldId="551"/>
+            <ac:spMk id="17" creationId="{196941FF-7411-441D-AE2E-5CF96E80B024}"/>
+          </ac:spMkLst>
+        </pc:spChg>
+        <pc:spChg chg="add del">
+          <ac:chgData name="Zhao Jin" userId="cd05a825-544c-438a-9ba1-08e63db50b47" providerId="ADAL" clId="{CD38D953-E846-244A-835A-192CE52710D4}" dt="2021-01-25T03:08:22.144" v="71" actId="478"/>
+          <ac:spMkLst>
+            <pc:docMk/>
+            <pc:sldMk cId="335305844" sldId="551"/>
+            <ac:spMk id="18" creationId="{FC6CF3F5-B435-44FE-A32E-F676476A0C6D}"/>
+          </ac:spMkLst>
+        </pc:spChg>
+      </pc:sldChg>
+    </pc:docChg>
+  </pc:docChgLst>
+  <pc:docChgLst>
+    <pc:chgData name="Zhao Jin" userId="cd05a825-544c-438a-9ba1-08e63db50b47" providerId="ADAL" clId="{5B6C762F-45CC-4219-A4B9-FF90FCA1F9A2}"/>
+    <pc:docChg chg="modSld">
+      <pc:chgData name="Zhao Jin" userId="cd05a825-544c-438a-9ba1-08e63db50b47" providerId="ADAL" clId="{5B6C762F-45CC-4219-A4B9-FF90FCA1F9A2}" dt="2024-03-08T09:38:23.799" v="18" actId="20577"/>
+      <pc:docMkLst>
+        <pc:docMk/>
+      </pc:docMkLst>
+      <pc:sldChg chg="modSp mod">
+        <pc:chgData name="Zhao Jin" userId="cd05a825-544c-438a-9ba1-08e63db50b47" providerId="ADAL" clId="{5B6C762F-45CC-4219-A4B9-FF90FCA1F9A2}" dt="2024-03-08T09:38:23.799" v="18" actId="20577"/>
+        <pc:sldMkLst>
+          <pc:docMk/>
+          <pc:sldMk cId="1067695719" sldId="526"/>
+        </pc:sldMkLst>
+        <pc:spChg chg="mod">
+          <ac:chgData name="Zhao Jin" userId="cd05a825-544c-438a-9ba1-08e63db50b47" providerId="ADAL" clId="{5B6C762F-45CC-4219-A4B9-FF90FCA1F9A2}" dt="2024-03-08T09:38:23.799" v="18" actId="20577"/>
+          <ac:spMkLst>
+            <pc:docMk/>
+            <pc:sldMk cId="1067695719" sldId="526"/>
+            <ac:spMk id="13" creationId="{00000000-0000-0000-0000-000000000000}"/>
+          </ac:spMkLst>
+        </pc:spChg>
+      </pc:sldChg>
+    </pc:docChg>
+  </pc:docChgLst>
+  <pc:docChgLst>
+    <pc:chgData name="Zhao Jin" userId="cd05a825-544c-438a-9ba1-08e63db50b47" providerId="ADAL" clId="{BBE9D547-4B31-704D-9080-47B1CA4D9124}"/>
+    <pc:docChg chg="modSld">
+      <pc:chgData name="Zhao Jin" userId="cd05a825-544c-438a-9ba1-08e63db50b47" providerId="ADAL" clId="{BBE9D547-4B31-704D-9080-47B1CA4D9124}" dt="2021-01-18T05:40:31.767" v="29" actId="114"/>
+      <pc:docMkLst>
+        <pc:docMk/>
+      </pc:docMkLst>
+      <pc:sldChg chg="modSp modAnim">
+        <pc:chgData name="Zhao Jin" userId="cd05a825-544c-438a-9ba1-08e63db50b47" providerId="ADAL" clId="{BBE9D547-4B31-704D-9080-47B1CA4D9124}" dt="2021-01-18T05:39:25.523" v="25"/>
+        <pc:sldMkLst>
+          <pc:docMk/>
+          <pc:sldMk cId="4265878996" sldId="534"/>
+        </pc:sldMkLst>
+        <pc:spChg chg="mod">
+          <ac:chgData name="Zhao Jin" userId="cd05a825-544c-438a-9ba1-08e63db50b47" providerId="ADAL" clId="{BBE9D547-4B31-704D-9080-47B1CA4D9124}" dt="2021-01-18T05:37:47.985" v="5" actId="207"/>
+          <ac:spMkLst>
+            <pc:docMk/>
+            <pc:sldMk cId="4265878996" sldId="534"/>
+            <ac:spMk id="3" creationId="{00000000-0000-0000-0000-000000000000}"/>
+          </ac:spMkLst>
+        </pc:spChg>
+      </pc:sldChg>
+      <pc:sldChg chg="modSp">
+        <pc:chgData name="Zhao Jin" userId="cd05a825-544c-438a-9ba1-08e63db50b47" providerId="ADAL" clId="{BBE9D547-4B31-704D-9080-47B1CA4D9124}" dt="2021-01-18T05:40:31.767" v="29" actId="114"/>
+        <pc:sldMkLst>
+          <pc:docMk/>
+          <pc:sldMk cId="2851665547" sldId="538"/>
+        </pc:sldMkLst>
+        <pc:spChg chg="mod">
+          <ac:chgData name="Zhao Jin" userId="cd05a825-544c-438a-9ba1-08e63db50b47" providerId="ADAL" clId="{BBE9D547-4B31-704D-9080-47B1CA4D9124}" dt="2021-01-18T05:40:31.767" v="29" actId="114"/>
+          <ac:spMkLst>
+            <pc:docMk/>
+            <pc:sldMk cId="2851665547" sldId="538"/>
+            <ac:spMk id="13" creationId="{00000000-0000-0000-0000-000000000000}"/>
+          </ac:spMkLst>
+        </pc:spChg>
+      </pc:sldChg>
+    </pc:docChg>
+  </pc:docChgLst>
+  <pc:docChgLst>
+    <pc:chgData name="dcszjin@nus.edu.sg" userId="cd05a825-544c-438a-9ba1-08e63db50b47" providerId="ADAL" clId="{897210F3-2BE0-41A6-8CB5-D028333B376E}"/>
+    <pc:docChg chg="custSel modSld">
+      <pc:chgData name="dcszjin@nus.edu.sg" userId="cd05a825-544c-438a-9ba1-08e63db50b47" providerId="ADAL" clId="{897210F3-2BE0-41A6-8CB5-D028333B376E}" dt="2021-03-01T07:03:29.431" v="0" actId="478"/>
+      <pc:docMkLst>
+        <pc:docMk/>
+      </pc:docMkLst>
+      <pc:sldChg chg="delSp mod">
+        <pc:chgData name="dcszjin@nus.edu.sg" userId="cd05a825-544c-438a-9ba1-08e63db50b47" providerId="ADAL" clId="{897210F3-2BE0-41A6-8CB5-D028333B376E}" dt="2021-03-01T07:03:29.431" v="0" actId="478"/>
+        <pc:sldMkLst>
+          <pc:docMk/>
+          <pc:sldMk cId="2573090601" sldId="546"/>
+        </pc:sldMkLst>
+        <pc:spChg chg="del">
+          <ac:chgData name="dcszjin@nus.edu.sg" userId="cd05a825-544c-438a-9ba1-08e63db50b47" providerId="ADAL" clId="{897210F3-2BE0-41A6-8CB5-D028333B376E}" dt="2021-03-01T07:03:29.431" v="0" actId="478"/>
+          <ac:spMkLst>
+            <pc:docMk/>
+            <pc:sldMk cId="2573090601" sldId="546"/>
+            <ac:spMk id="14340" creationId="{00000000-0000-0000-0000-000000000000}"/>
+          </ac:spMkLst>
+        </pc:spChg>
+      </pc:sldChg>
+    </pc:docChg>
+  </pc:docChgLst>
+  <pc:docChgLst>
+    <pc:chgData name="Zhao Jin" userId="cd05a825-544c-438a-9ba1-08e63db50b47" providerId="ADAL" clId="{37A0D694-38DA-4421-B5D3-DEDBFC2EC57C}"/>
+    <pc:docChg chg="undo redo custSel mod addSld delSld modSld sldOrd modMainMaster">
+      <pc:chgData name="Zhao Jin" userId="cd05a825-544c-438a-9ba1-08e63db50b47" providerId="ADAL" clId="{37A0D694-38DA-4421-B5D3-DEDBFC2EC57C}" dt="2021-02-08T07:59:31.262" v="4966" actId="20577"/>
+      <pc:docMkLst>
+        <pc:docMk/>
+      </pc:docMkLst>
+      <pc:sldChg chg="modSp mod">
+        <pc:chgData name="Zhao Jin" userId="cd05a825-544c-438a-9ba1-08e63db50b47" providerId="ADAL" clId="{37A0D694-38DA-4421-B5D3-DEDBFC2EC57C}" dt="2021-02-03T06:56:00.570" v="28" actId="20577"/>
+        <pc:sldMkLst>
+          <pc:docMk/>
+          <pc:sldMk cId="0" sldId="256"/>
+        </pc:sldMkLst>
+        <pc:spChg chg="mod">
+          <ac:chgData name="Zhao Jin" userId="cd05a825-544c-438a-9ba1-08e63db50b47" providerId="ADAL" clId="{37A0D694-38DA-4421-B5D3-DEDBFC2EC57C}" dt="2021-02-03T06:55:55.618" v="3" actId="20577"/>
+          <ac:spMkLst>
+            <pc:docMk/>
+            <pc:sldMk cId="0" sldId="256"/>
+            <ac:spMk id="8" creationId="{00000000-0000-0000-0000-000000000000}"/>
+          </ac:spMkLst>
+        </pc:spChg>
+        <pc:spChg chg="mod">
+          <ac:chgData name="Zhao Jin" userId="cd05a825-544c-438a-9ba1-08e63db50b47" providerId="ADAL" clId="{37A0D694-38DA-4421-B5D3-DEDBFC2EC57C}" dt="2021-02-03T06:56:00.570" v="28" actId="20577"/>
+          <ac:spMkLst>
+            <pc:docMk/>
+            <pc:sldMk cId="0" sldId="256"/>
+            <ac:spMk id="11" creationId="{00000000-0000-0000-0000-000000000000}"/>
+          </ac:spMkLst>
+        </pc:spChg>
+      </pc:sldChg>
+      <pc:sldChg chg="modSp mod">
+        <pc:chgData name="Zhao Jin" userId="cd05a825-544c-438a-9ba1-08e63db50b47" providerId="ADAL" clId="{37A0D694-38DA-4421-B5D3-DEDBFC2EC57C}" dt="2021-02-03T09:25:32.601" v="3334" actId="20577"/>
+        <pc:sldMkLst>
+          <pc:docMk/>
+          <pc:sldMk cId="2438607696" sldId="468"/>
+        </pc:sldMkLst>
+        <pc:spChg chg="mod">
+          <ac:chgData name="Zhao Jin" userId="cd05a825-544c-438a-9ba1-08e63db50b47" providerId="ADAL" clId="{37A0D694-38DA-4421-B5D3-DEDBFC2EC57C}" dt="2021-02-03T06:56:12.527" v="36"/>
+          <ac:spMkLst>
+            <pc:docMk/>
+            <pc:sldMk cId="2438607696" sldId="468"/>
+            <ac:spMk id="7" creationId="{00000000-0000-0000-0000-000000000000}"/>
+          </ac:spMkLst>
+        </pc:spChg>
+        <pc:spChg chg="mod">
+          <ac:chgData name="Zhao Jin" userId="cd05a825-544c-438a-9ba1-08e63db50b47" providerId="ADAL" clId="{37A0D694-38DA-4421-B5D3-DEDBFC2EC57C}" dt="2021-02-03T06:56:05.506" v="35" actId="20577"/>
+          <ac:spMkLst>
+            <pc:docMk/>
+            <pc:sldMk cId="2438607696" sldId="468"/>
+            <ac:spMk id="14338" creationId="{00000000-0000-0000-0000-000000000000}"/>
+          </ac:spMkLst>
+        </pc:spChg>
+        <pc:spChg chg="mod">
+          <ac:chgData name="Zhao Jin" userId="cd05a825-544c-438a-9ba1-08e63db50b47" providerId="ADAL" clId="{37A0D694-38DA-4421-B5D3-DEDBFC2EC57C}" dt="2021-02-03T09:25:32.601" v="3334" actId="20577"/>
+          <ac:spMkLst>
+            <pc:docMk/>
+            <pc:sldMk cId="2438607696" sldId="468"/>
+            <ac:spMk id="14339" creationId="{00000000-0000-0000-0000-000000000000}"/>
+          </ac:spMkLst>
+        </pc:spChg>
+      </pc:sldChg>
+      <pc:sldChg chg="modSp del">
+        <pc:chgData name="Zhao Jin" userId="cd05a825-544c-438a-9ba1-08e63db50b47" providerId="ADAL" clId="{37A0D694-38DA-4421-B5D3-DEDBFC2EC57C}" dt="2021-02-03T07:53:06.972" v="43" actId="47"/>
+        <pc:sldMkLst>
+          <pc:docMk/>
+          <pc:sldMk cId="3792232794" sldId="504"/>
+        </pc:sldMkLst>
+        <pc:spChg chg="mod">
+          <ac:chgData name="Zhao Jin" userId="cd05a825-544c-438a-9ba1-08e63db50b47" providerId="ADAL" clId="{37A0D694-38DA-4421-B5D3-DEDBFC2EC57C}" dt="2021-02-03T06:56:12.527" v="36"/>
+          <ac:spMkLst>
+            <pc:docMk/>
+            <pc:sldMk cId="3792232794" sldId="504"/>
+            <ac:spMk id="7" creationId="{00000000-0000-0000-0000-000000000000}"/>
+          </ac:spMkLst>
+        </pc:spChg>
+      </pc:sldChg>
+      <pc:sldChg chg="addSp delSp modSp add mod ord modAnim">
+        <pc:chgData name="Zhao Jin" userId="cd05a825-544c-438a-9ba1-08e63db50b47" providerId="ADAL" clId="{37A0D694-38DA-4421-B5D3-DEDBFC2EC57C}" dt="2021-02-03T09:26:12.205" v="3350" actId="478"/>
+        <pc:sldMkLst>
+          <pc:docMk/>
+          <pc:sldMk cId="1705639840" sldId="543"/>
+        </pc:sldMkLst>
+        <pc:spChg chg="mod">
+          <ac:chgData name="Zhao Jin" userId="cd05a825-544c-438a-9ba1-08e63db50b47" providerId="ADAL" clId="{37A0D694-38DA-4421-B5D3-DEDBFC2EC57C}" dt="2021-02-03T09:26:08.285" v="3348" actId="1035"/>
+          <ac:spMkLst>
+            <pc:docMk/>
+            <pc:sldMk cId="1705639840" sldId="543"/>
+            <ac:spMk id="9" creationId="{00000000-0000-0000-0000-000000000000}"/>
+          </ac:spMkLst>
+        </pc:spChg>
+        <pc:spChg chg="mod">
+          <ac:chgData name="Zhao Jin" userId="cd05a825-544c-438a-9ba1-08e63db50b47" providerId="ADAL" clId="{37A0D694-38DA-4421-B5D3-DEDBFC2EC57C}" dt="2021-02-03T09:15:05.685" v="2951" actId="6549"/>
+          <ac:spMkLst>
+            <pc:docMk/>
+            <pc:sldMk cId="1705639840" sldId="543"/>
+            <ac:spMk id="15" creationId="{00000000-0000-0000-0000-000000000000}"/>
+          </ac:spMkLst>
+        </pc:spChg>
+        <pc:spChg chg="add del">
+          <ac:chgData name="Zhao Jin" userId="cd05a825-544c-438a-9ba1-08e63db50b47" providerId="ADAL" clId="{37A0D694-38DA-4421-B5D3-DEDBFC2EC57C}" dt="2021-02-03T09:26:12.205" v="3350" actId="478"/>
+          <ac:spMkLst>
+            <pc:docMk/>
+            <pc:sldMk cId="1705639840" sldId="543"/>
+            <ac:spMk id="25604" creationId="{00000000-0000-0000-0000-000000000000}"/>
+          </ac:spMkLst>
+        </pc:spChg>
+      </pc:sldChg>
+      <pc:sldChg chg="modSp del">
+        <pc:chgData name="Zhao Jin" userId="cd05a825-544c-438a-9ba1-08e63db50b47" providerId="ADAL" clId="{37A0D694-38DA-4421-B5D3-DEDBFC2EC57C}" dt="2021-02-03T09:00:14.226" v="1559" actId="47"/>
+        <pc:sldMkLst>
+          <pc:docMk/>
+          <pc:sldMk cId="4228901100" sldId="545"/>
+        </pc:sldMkLst>
+        <pc:spChg chg="mod">
+          <ac:chgData name="Zhao Jin" userId="cd05a825-544c-438a-9ba1-08e63db50b47" providerId="ADAL" clId="{37A0D694-38DA-4421-B5D3-DEDBFC2EC57C}" dt="2021-02-03T06:56:12.527" v="36"/>
+          <ac:spMkLst>
+            <pc:docMk/>
+            <pc:sldMk cId="4228901100" sldId="545"/>
+            <ac:spMk id="7" creationId="{00000000-0000-0000-0000-000000000000}"/>
+          </ac:spMkLst>
+        </pc:spChg>
+      </pc:sldChg>
+      <pc:sldChg chg="modSp del">
+        <pc:chgData name="Zhao Jin" userId="cd05a825-544c-438a-9ba1-08e63db50b47" providerId="ADAL" clId="{37A0D694-38DA-4421-B5D3-DEDBFC2EC57C}" dt="2021-02-03T07:53:07.263" v="44" actId="47"/>
+        <pc:sldMkLst>
+          <pc:docMk/>
+          <pc:sldMk cId="4225956616" sldId="546"/>
+        </pc:sldMkLst>
+        <pc:spChg chg="mod">
+          <ac:chgData name="Zhao Jin" userId="cd05a825-544c-438a-9ba1-08e63db50b47" providerId="ADAL" clId="{37A0D694-38DA-4421-B5D3-DEDBFC2EC57C}" dt="2021-02-03T06:56:12.527" v="36"/>
+          <ac:spMkLst>
+            <pc:docMk/>
+            <pc:sldMk cId="4225956616" sldId="546"/>
+            <ac:spMk id="7" creationId="{00000000-0000-0000-0000-000000000000}"/>
+          </ac:spMkLst>
+        </pc:spChg>
+      </pc:sldChg>
+      <pc:sldChg chg="modSp del">
+        <pc:chgData name="Zhao Jin" userId="cd05a825-544c-438a-9ba1-08e63db50b47" providerId="ADAL" clId="{37A0D694-38DA-4421-B5D3-DEDBFC2EC57C}" dt="2021-02-03T09:00:14.226" v="1559" actId="47"/>
+        <pc:sldMkLst>
+          <pc:docMk/>
+          <pc:sldMk cId="1617257579" sldId="548"/>
+        </pc:sldMkLst>
+        <pc:spChg chg="mod">
+          <ac:chgData name="Zhao Jin" userId="cd05a825-544c-438a-9ba1-08e63db50b47" providerId="ADAL" clId="{37A0D694-38DA-4421-B5D3-DEDBFC2EC57C}" dt="2021-02-03T06:56:12.527" v="36"/>
+          <ac:spMkLst>
+            <pc:docMk/>
+            <pc:sldMk cId="1617257579" sldId="548"/>
+            <ac:spMk id="7" creationId="{00000000-0000-0000-0000-000000000000}"/>
+          </ac:spMkLst>
+        </pc:spChg>
+      </pc:sldChg>
+      <pc:sldChg chg="modSp del">
+        <pc:chgData name="Zhao Jin" userId="cd05a825-544c-438a-9ba1-08e63db50b47" providerId="ADAL" clId="{37A0D694-38DA-4421-B5D3-DEDBFC2EC57C}" dt="2021-02-03T07:53:07.458" v="45" actId="47"/>
+        <pc:sldMkLst>
+          <pc:docMk/>
+          <pc:sldMk cId="3422194935" sldId="552"/>
+        </pc:sldMkLst>
+        <pc:spChg chg="mod">
+          <ac:chgData name="Zhao Jin" userId="cd05a825-544c-438a-9ba1-08e63db50b47" providerId="ADAL" clId="{37A0D694-38DA-4421-B5D3-DEDBFC2EC57C}" dt="2021-02-03T06:56:12.527" v="36"/>
+          <ac:spMkLst>
+            <pc:docMk/>
+            <pc:sldMk cId="3422194935" sldId="552"/>
+            <ac:spMk id="7" creationId="{00000000-0000-0000-0000-000000000000}"/>
+          </ac:spMkLst>
+        </pc:spChg>
+      </pc:sldChg>
+      <pc:sldChg chg="addSp delSp modSp mod">
+        <pc:chgData name="Zhao Jin" userId="cd05a825-544c-438a-9ba1-08e63db50b47" providerId="ADAL" clId="{37A0D694-38DA-4421-B5D3-DEDBFC2EC57C}" dt="2021-02-08T01:22:04.286" v="3395"/>
+        <pc:sldMkLst>
+          <pc:docMk/>
+          <pc:sldMk cId="1427618944" sldId="553"/>
+        </pc:sldMkLst>
+        <pc:spChg chg="mod">
+          <ac:chgData name="Zhao Jin" userId="cd05a825-544c-438a-9ba1-08e63db50b47" providerId="ADAL" clId="{37A0D694-38DA-4421-B5D3-DEDBFC2EC57C}" dt="2021-02-03T06:56:12.527" v="36"/>
+          <ac:spMkLst>
+            <pc:docMk/>
+            <pc:sldMk cId="1427618944" sldId="553"/>
+            <ac:spMk id="7" creationId="{00000000-0000-0000-0000-000000000000}"/>
+          </ac:spMkLst>
+        </pc:spChg>
+        <pc:spChg chg="mod">
+          <ac:chgData name="Zhao Jin" userId="cd05a825-544c-438a-9ba1-08e63db50b47" providerId="ADAL" clId="{37A0D694-38DA-4421-B5D3-DEDBFC2EC57C}" dt="2021-02-03T07:55:46.087" v="385" actId="20577"/>
+          <ac:spMkLst>
+            <pc:docMk/>
+            <pc:sldMk cId="1427618944" sldId="553"/>
+            <ac:spMk id="8" creationId="{00000000-0000-0000-0000-000000000000}"/>
+          </ac:spMkLst>
+        </pc:spChg>
+        <pc:spChg chg="add del mod">
+          <ac:chgData name="Zhao Jin" userId="cd05a825-544c-438a-9ba1-08e63db50b47" providerId="ADAL" clId="{37A0D694-38DA-4421-B5D3-DEDBFC2EC57C}" dt="2021-02-08T01:22:04.286" v="3395"/>
+          <ac:spMkLst>
+            <pc:docMk/>
+            <pc:sldMk cId="1427618944" sldId="553"/>
+            <ac:spMk id="9" creationId="{F914A7B2-27A3-4DA5-A96E-DC279FD60D4D}"/>
+          </ac:spMkLst>
+        </pc:spChg>
+        <pc:spChg chg="mod">
+          <ac:chgData name="Zhao Jin" userId="cd05a825-544c-438a-9ba1-08e63db50b47" providerId="ADAL" clId="{37A0D694-38DA-4421-B5D3-DEDBFC2EC57C}" dt="2021-02-03T07:55:14.471" v="364" actId="20577"/>
+          <ac:spMkLst>
+            <pc:docMk/>
+            <pc:sldMk cId="1427618944" sldId="553"/>
+            <ac:spMk id="14338" creationId="{00000000-0000-0000-0000-000000000000}"/>
+          </ac:spMkLst>
+        </pc:spChg>
+      </pc:sldChg>
+      <pc:sldChg chg="modSp del">
+        <pc:chgData name="Zhao Jin" userId="cd05a825-544c-438a-9ba1-08e63db50b47" providerId="ADAL" clId="{37A0D694-38DA-4421-B5D3-DEDBFC2EC57C}" dt="2021-02-03T09:00:14.226" v="1559" actId="47"/>
+        <pc:sldMkLst>
+          <pc:docMk/>
+          <pc:sldMk cId="1659983766" sldId="554"/>
+        </pc:sldMkLst>
+        <pc:spChg chg="mod">
+          <ac:chgData name="Zhao Jin" userId="cd05a825-544c-438a-9ba1-08e63db50b47" providerId="ADAL" clId="{37A0D694-38DA-4421-B5D3-DEDBFC2EC57C}" dt="2021-02-03T06:56:12.527" v="36"/>
+          <ac:spMkLst>
+            <pc:docMk/>
+            <pc:sldMk cId="1659983766" sldId="554"/>
+            <ac:spMk id="7" creationId="{00000000-0000-0000-0000-000000000000}"/>
+          </ac:spMkLst>
+        </pc:spChg>
+      </pc:sldChg>
+      <pc:sldChg chg="modSp del">
+        <pc:chgData name="Zhao Jin" userId="cd05a825-544c-438a-9ba1-08e63db50b47" providerId="ADAL" clId="{37A0D694-38DA-4421-B5D3-DEDBFC2EC57C}" dt="2021-02-03T09:00:14.226" v="1559" actId="47"/>
+        <pc:sldMkLst>
+          <pc:docMk/>
+          <pc:sldMk cId="1268238251" sldId="555"/>
+        </pc:sldMkLst>
+        <pc:spChg chg="mod">
+          <ac:chgData name="Zhao Jin" userId="cd05a825-544c-438a-9ba1-08e63db50b47" providerId="ADAL" clId="{37A0D694-38DA-4421-B5D3-DEDBFC2EC57C}" dt="2021-02-03T06:56:12.527" v="36"/>
+          <ac:spMkLst>
+            <pc:docMk/>
+            <pc:sldMk cId="1268238251" sldId="555"/>
+            <ac:spMk id="7" creationId="{00000000-0000-0000-0000-000000000000}"/>
+          </ac:spMkLst>
+        </pc:spChg>
+      </pc:sldChg>
+      <pc:sldChg chg="modSp del">
+        <pc:chgData name="Zhao Jin" userId="cd05a825-544c-438a-9ba1-08e63db50b47" providerId="ADAL" clId="{37A0D694-38DA-4421-B5D3-DEDBFC2EC57C}" dt="2021-02-03T09:00:14.226" v="1559" actId="47"/>
+        <pc:sldMkLst>
+          <pc:docMk/>
+          <pc:sldMk cId="3990513599" sldId="556"/>
+        </pc:sldMkLst>
+        <pc:spChg chg="mod">
+          <ac:chgData name="Zhao Jin" userId="cd05a825-544c-438a-9ba1-08e63db50b47" providerId="ADAL" clId="{37A0D694-38DA-4421-B5D3-DEDBFC2EC57C}" dt="2021-02-03T06:56:12.527" v="36"/>
+          <ac:spMkLst>
+            <pc:docMk/>
+            <pc:sldMk cId="3990513599" sldId="556"/>
+            <ac:spMk id="7" creationId="{00000000-0000-0000-0000-000000000000}"/>
+          </ac:spMkLst>
+        </pc:spChg>
+      </pc:sldChg>
+      <pc:sldChg chg="modSp del">
+        <pc:chgData name="Zhao Jin" userId="cd05a825-544c-438a-9ba1-08e63db50b47" providerId="ADAL" clId="{37A0D694-38DA-4421-B5D3-DEDBFC2EC57C}" dt="2021-02-03T09:00:14.226" v="1559" actId="47"/>
+        <pc:sldMkLst>
+          <pc:docMk/>
+          <pc:sldMk cId="788021743" sldId="557"/>
+        </pc:sldMkLst>
+        <pc:spChg chg="mod">
+          <ac:chgData name="Zhao Jin" userId="cd05a825-544c-438a-9ba1-08e63db50b47" providerId="ADAL" clId="{37A0D694-38DA-4421-B5D3-DEDBFC2EC57C}" dt="2021-02-03T06:56:12.527" v="36"/>
+          <ac:spMkLst>
+            <pc:docMk/>
+            <pc:sldMk cId="788021743" sldId="557"/>
+            <ac:spMk id="7" creationId="{00000000-0000-0000-0000-000000000000}"/>
+          </ac:spMkLst>
+        </pc:spChg>
+      </pc:sldChg>
+      <pc:sldChg chg="addSp delSp modSp add mod ord delAnim modAnim">
+        <pc:chgData name="Zhao Jin" userId="cd05a825-544c-438a-9ba1-08e63db50b47" providerId="ADAL" clId="{37A0D694-38DA-4421-B5D3-DEDBFC2EC57C}" dt="2021-02-08T07:59:31.262" v="4966" actId="20577"/>
+        <pc:sldMkLst>
+          <pc:docMk/>
+          <pc:sldMk cId="487843573" sldId="558"/>
+        </pc:sldMkLst>
+        <pc:spChg chg="add mod topLvl">
+          <ac:chgData name="Zhao Jin" userId="cd05a825-544c-438a-9ba1-08e63db50b47" providerId="ADAL" clId="{37A0D694-38DA-4421-B5D3-DEDBFC2EC57C}" dt="2021-02-08T01:54:54.740" v="4571" actId="1036"/>
+          <ac:spMkLst>
+            <pc:docMk/>
+            <pc:sldMk cId="487843573" sldId="558"/>
+            <ac:spMk id="2" creationId="{0AA435E6-852E-478F-B597-789A68E1C063}"/>
+          </ac:spMkLst>
+        </pc:spChg>
+        <pc:spChg chg="mod">
+          <ac:chgData name="Zhao Jin" userId="cd05a825-544c-438a-9ba1-08e63db50b47" providerId="ADAL" clId="{37A0D694-38DA-4421-B5D3-DEDBFC2EC57C}" dt="2021-02-08T01:47:18.042" v="4308" actId="20577"/>
+          <ac:spMkLst>
+            <pc:docMk/>
+            <pc:sldMk cId="487843573" sldId="558"/>
+            <ac:spMk id="7" creationId="{00000000-0000-0000-0000-000000000000}"/>
+          </ac:spMkLst>
+        </pc:spChg>
+        <pc:spChg chg="mod topLvl">
+          <ac:chgData name="Zhao Jin" userId="cd05a825-544c-438a-9ba1-08e63db50b47" providerId="ADAL" clId="{37A0D694-38DA-4421-B5D3-DEDBFC2EC57C}" dt="2021-02-08T07:59:31.262" v="4966" actId="20577"/>
+          <ac:spMkLst>
+            <pc:docMk/>
+            <pc:sldMk cId="487843573" sldId="558"/>
+            <ac:spMk id="14" creationId="{00000000-0000-0000-0000-000000000000}"/>
+          </ac:spMkLst>
+        </pc:spChg>
+        <pc:spChg chg="del topLvl">
+          <ac:chgData name="Zhao Jin" userId="cd05a825-544c-438a-9ba1-08e63db50b47" providerId="ADAL" clId="{37A0D694-38DA-4421-B5D3-DEDBFC2EC57C}" dt="2021-02-08T01:47:06.169" v="4274" actId="478"/>
+          <ac:spMkLst>
+            <pc:docMk/>
+            <pc:sldMk cId="487843573" sldId="558"/>
+            <ac:spMk id="15" creationId="{00000000-0000-0000-0000-000000000000}"/>
+          </ac:spMkLst>
+        </pc:spChg>
+        <pc:spChg chg="mod">
+          <ac:chgData name="Zhao Jin" userId="cd05a825-544c-438a-9ba1-08e63db50b47" providerId="ADAL" clId="{37A0D694-38DA-4421-B5D3-DEDBFC2EC57C}" dt="2021-02-08T01:51:08.577" v="4468" actId="14100"/>
+          <ac:spMkLst>
+            <pc:docMk/>
+            <pc:sldMk cId="487843573" sldId="558"/>
+            <ac:spMk id="17" creationId="{00000000-0000-0000-0000-000000000000}"/>
+          </ac:spMkLst>
+        </pc:spChg>
+        <pc:spChg chg="add mod">
+          <ac:chgData name="Zhao Jin" userId="cd05a825-544c-438a-9ba1-08e63db50b47" providerId="ADAL" clId="{37A0D694-38DA-4421-B5D3-DEDBFC2EC57C}" dt="2021-02-08T01:47:39.526" v="4317" actId="14100"/>
+          <ac:spMkLst>
+            <pc:docMk/>
+            <pc:sldMk cId="487843573" sldId="558"/>
+            <ac:spMk id="20" creationId="{B9DB2039-D266-417E-930D-88E5062D8119}"/>
+          </ac:spMkLst>
+        </pc:spChg>
+        <pc:spChg chg="add mod topLvl">
+          <ac:chgData name="Zhao Jin" userId="cd05a825-544c-438a-9ba1-08e63db50b47" providerId="ADAL" clId="{37A0D694-38DA-4421-B5D3-DEDBFC2EC57C}" dt="2021-02-08T01:54:21.354" v="4567" actId="165"/>
+          <ac:spMkLst>
+            <pc:docMk/>
+            <pc:sldMk cId="487843573" sldId="558"/>
+            <ac:spMk id="21" creationId="{BB8C38A6-8674-4E0E-B871-1FCF27E9B4CB}"/>
+          </ac:spMkLst>
+        </pc:spChg>
+        <pc:spChg chg="add mod topLvl">
+          <ac:chgData name="Zhao Jin" userId="cd05a825-544c-438a-9ba1-08e63db50b47" providerId="ADAL" clId="{37A0D694-38DA-4421-B5D3-DEDBFC2EC57C}" dt="2021-02-08T01:54:21.354" v="4567" actId="165"/>
+          <ac:spMkLst>
+            <pc:docMk/>
+            <pc:sldMk cId="487843573" sldId="558"/>
+            <ac:spMk id="22" creationId="{2F81D7AB-7D04-43DC-8CF7-A151843D9A9A}"/>
+          </ac:spMkLst>
+        </pc:spChg>
+        <pc:spChg chg="mod topLvl">
+          <ac:chgData name="Zhao Jin" userId="cd05a825-544c-438a-9ba1-08e63db50b47" providerId="ADAL" clId="{37A0D694-38DA-4421-B5D3-DEDBFC2EC57C}" dt="2021-02-08T01:54:21.354" v="4567" actId="165"/>
+          <ac:spMkLst>
+            <pc:docMk/>
+            <pc:sldMk cId="487843573" sldId="558"/>
+            <ac:spMk id="24" creationId="{B4E696D3-ADEF-4AA3-BCC9-171A8F03891A}"/>
+          </ac:spMkLst>
+        </pc:spChg>
+        <pc:spChg chg="mod topLvl">
+          <ac:chgData name="Zhao Jin" userId="cd05a825-544c-438a-9ba1-08e63db50b47" providerId="ADAL" clId="{37A0D694-38DA-4421-B5D3-DEDBFC2EC57C}" dt="2021-02-08T01:54:21.354" v="4567" actId="165"/>
+          <ac:spMkLst>
+            <pc:docMk/>
+            <pc:sldMk cId="487843573" sldId="558"/>
+            <ac:spMk id="25" creationId="{E19EB41A-2BE2-4DF1-88DC-734F0E106BC7}"/>
+          </ac:spMkLst>
+        </pc:spChg>
+        <pc:spChg chg="mod topLvl">
+          <ac:chgData name="Zhao Jin" userId="cd05a825-544c-438a-9ba1-08e63db50b47" providerId="ADAL" clId="{37A0D694-38DA-4421-B5D3-DEDBFC2EC57C}" dt="2021-02-08T01:54:21.354" v="4567" actId="165"/>
+          <ac:spMkLst>
+            <pc:docMk/>
+            <pc:sldMk cId="487843573" sldId="558"/>
+            <ac:spMk id="26" creationId="{9F2304ED-4F52-45A9-88B7-E51D4311F3B8}"/>
+          </ac:spMkLst>
+        </pc:spChg>
+        <pc:spChg chg="mod">
+          <ac:chgData name="Zhao Jin" userId="cd05a825-544c-438a-9ba1-08e63db50b47" providerId="ADAL" clId="{37A0D694-38DA-4421-B5D3-DEDBFC2EC57C}" dt="2021-02-08T01:53:55.267" v="4557"/>
+          <ac:spMkLst>
+            <pc:docMk/>
+            <pc:sldMk cId="487843573" sldId="558"/>
+            <ac:spMk id="28" creationId="{47B0747A-2E61-4716-BF5D-D2B12E6D64BF}"/>
+          </ac:spMkLst>
+        </pc:spChg>
+        <pc:spChg chg="mod">
+          <ac:chgData name="Zhao Jin" userId="cd05a825-544c-438a-9ba1-08e63db50b47" providerId="ADAL" clId="{37A0D694-38DA-4421-B5D3-DEDBFC2EC57C}" dt="2021-02-08T01:53:55.267" v="4557"/>
+          <ac:spMkLst>
+            <pc:docMk/>
+            <pc:sldMk cId="487843573" sldId="558"/>
+            <ac:spMk id="29" creationId="{54237745-C995-42F1-9126-7D86C7667923}"/>
+          </ac:spMkLst>
+        </pc:spChg>
+        <pc:spChg chg="mod">
+          <ac:chgData name="Zhao Jin" userId="cd05a825-544c-438a-9ba1-08e63db50b47" providerId="ADAL" clId="{37A0D694-38DA-4421-B5D3-DEDBFC2EC57C}" dt="2021-02-08T01:53:55.267" v="4557"/>
+          <ac:spMkLst>
+            <pc:docMk/>
+            <pc:sldMk cId="487843573" sldId="558"/>
+            <ac:spMk id="30" creationId="{6FC1D281-B735-481E-A919-8C2D0B287264}"/>
+          </ac:spMkLst>
+        </pc:spChg>
+        <pc:spChg chg="mod topLvl">
+          <ac:chgData name="Zhao Jin" userId="cd05a825-544c-438a-9ba1-08e63db50b47" providerId="ADAL" clId="{37A0D694-38DA-4421-B5D3-DEDBFC2EC57C}" dt="2021-02-08T01:54:21.354" v="4567" actId="165"/>
+          <ac:spMkLst>
+            <pc:docMk/>
+            <pc:sldMk cId="487843573" sldId="558"/>
+            <ac:spMk id="32" creationId="{659AEE1B-C8A8-4F0D-A678-BE0BB18E64EF}"/>
+          </ac:spMkLst>
+        </pc:spChg>
+        <pc:spChg chg="mod topLvl">
+          <ac:chgData name="Zhao Jin" userId="cd05a825-544c-438a-9ba1-08e63db50b47" providerId="ADAL" clId="{37A0D694-38DA-4421-B5D3-DEDBFC2EC57C}" dt="2021-02-08T01:54:21.354" v="4567" actId="165"/>
+          <ac:spMkLst>
+            <pc:docMk/>
+            <pc:sldMk cId="487843573" sldId="558"/>
+            <ac:spMk id="33" creationId="{C7A06EA1-2EC1-42CA-A56F-46A3331F7605}"/>
+          </ac:spMkLst>
+        </pc:spChg>
+        <pc:spChg chg="mod topLvl">
+          <ac:chgData name="Zhao Jin" userId="cd05a825-544c-438a-9ba1-08e63db50b47" providerId="ADAL" clId="{37A0D694-38DA-4421-B5D3-DEDBFC2EC57C}" dt="2021-02-08T01:54:21.354" v="4567" actId="165"/>
+          <ac:spMkLst>
+            <pc:docMk/>
+            <pc:sldMk cId="487843573" sldId="558"/>
+            <ac:spMk id="34" creationId="{C2A482B6-E3E6-485B-830B-6965CF701E68}"/>
+          </ac:spMkLst>
+        </pc:spChg>
+        <pc:spChg chg="mod">
+          <ac:chgData name="Zhao Jin" userId="cd05a825-544c-438a-9ba1-08e63db50b47" providerId="ADAL" clId="{37A0D694-38DA-4421-B5D3-DEDBFC2EC57C}" dt="2021-02-08T01:56:28.234" v="4577" actId="20577"/>
+          <ac:spMkLst>
+            <pc:docMk/>
+            <pc:sldMk cId="487843573" sldId="558"/>
+            <ac:spMk id="14338" creationId="{00000000-0000-0000-0000-000000000000}"/>
+          </ac:spMkLst>
+        </pc:spChg>
+        <pc:spChg chg="del">
+          <ac:chgData name="Zhao Jin" userId="cd05a825-544c-438a-9ba1-08e63db50b47" providerId="ADAL" clId="{37A0D694-38DA-4421-B5D3-DEDBFC2EC57C}" dt="2021-02-08T01:47:14.163" v="4302" actId="478"/>
+          <ac:spMkLst>
+            <pc:docMk/>
+            <pc:sldMk cId="487843573" sldId="558"/>
+            <ac:spMk id="14340" creationId="{00000000-0000-0000-0000-000000000000}"/>
+          </ac:spMkLst>
+        </pc:spChg>
+        <pc:grpChg chg="add del mod">
+          <ac:chgData name="Zhao Jin" userId="cd05a825-544c-438a-9ba1-08e63db50b47" providerId="ADAL" clId="{37A0D694-38DA-4421-B5D3-DEDBFC2EC57C}" dt="2021-02-08T01:54:21.354" v="4567" actId="165"/>
+          <ac:grpSpMkLst>
+            <pc:docMk/>
+            <pc:sldMk cId="487843573" sldId="558"/>
+            <ac:grpSpMk id="3" creationId="{FFE0EFAC-F94A-4083-BDAD-0A7670A72C75}"/>
+          </ac:grpSpMkLst>
+        </pc:grpChg>
+        <pc:grpChg chg="del">
+          <ac:chgData name="Zhao Jin" userId="cd05a825-544c-438a-9ba1-08e63db50b47" providerId="ADAL" clId="{37A0D694-38DA-4421-B5D3-DEDBFC2EC57C}" dt="2021-02-08T01:47:06.169" v="4274" actId="478"/>
+          <ac:grpSpMkLst>
+            <pc:docMk/>
+            <pc:sldMk cId="487843573" sldId="558"/>
+            <ac:grpSpMk id="13" creationId="{00000000-0000-0000-0000-000000000000}"/>
+          </ac:grpSpMkLst>
+        </pc:grpChg>
+        <pc:grpChg chg="add del mod">
+          <ac:chgData name="Zhao Jin" userId="cd05a825-544c-438a-9ba1-08e63db50b47" providerId="ADAL" clId="{37A0D694-38DA-4421-B5D3-DEDBFC2EC57C}" dt="2021-02-08T01:54:21.354" v="4567" actId="165"/>
+          <ac:grpSpMkLst>
+            <pc:docMk/>
+            <pc:sldMk cId="487843573" sldId="558"/>
+            <ac:grpSpMk id="23" creationId="{A38A66FD-989D-41D7-B35C-74B9562D2757}"/>
+          </ac:grpSpMkLst>
+        </pc:grpChg>
+        <pc:grpChg chg="add del mod">
+          <ac:chgData name="Zhao Jin" userId="cd05a825-544c-438a-9ba1-08e63db50b47" providerId="ADAL" clId="{37A0D694-38DA-4421-B5D3-DEDBFC2EC57C}" dt="2021-02-08T01:54:16.269" v="4566" actId="478"/>
+          <ac:grpSpMkLst>
+            <pc:docMk/>
+            <pc:sldMk cId="487843573" sldId="558"/>
+            <ac:grpSpMk id="27" creationId="{CA15FD60-E569-4EA9-B31B-C0ACB6092E0E}"/>
+          </ac:grpSpMkLst>
+        </pc:grpChg>
+        <pc:grpChg chg="add del mod">
+          <ac:chgData name="Zhao Jin" userId="cd05a825-544c-438a-9ba1-08e63db50b47" providerId="ADAL" clId="{37A0D694-38DA-4421-B5D3-DEDBFC2EC57C}" dt="2021-02-08T01:54:21.354" v="4567" actId="165"/>
+          <ac:grpSpMkLst>
+            <pc:docMk/>
+            <pc:sldMk cId="487843573" sldId="558"/>
+            <ac:grpSpMk id="31" creationId="{4962FE2A-AAB6-4BE4-8700-EBB12E5C89B0}"/>
+          </ac:grpSpMkLst>
+        </pc:grpChg>
+        <pc:graphicFrameChg chg="del">
+          <ac:chgData name="Zhao Jin" userId="cd05a825-544c-438a-9ba1-08e63db50b47" providerId="ADAL" clId="{37A0D694-38DA-4421-B5D3-DEDBFC2EC57C}" dt="2021-02-08T01:45:50.655" v="4102" actId="478"/>
+          <ac:graphicFrameMkLst>
+            <pc:docMk/>
+            <pc:sldMk cId="487843573" sldId="558"/>
+            <ac:graphicFrameMk id="16" creationId="{00000000-0000-0000-0000-000000000000}"/>
+          </ac:graphicFrameMkLst>
+        </pc:graphicFrameChg>
+        <pc:graphicFrameChg chg="add mod ord modGraphic">
+          <ac:chgData name="Zhao Jin" userId="cd05a825-544c-438a-9ba1-08e63db50b47" providerId="ADAL" clId="{37A0D694-38DA-4421-B5D3-DEDBFC2EC57C}" dt="2021-02-08T01:54:29.635" v="4568" actId="167"/>
+          <ac:graphicFrameMkLst>
+            <pc:docMk/>
+            <pc:sldMk cId="487843573" sldId="558"/>
+            <ac:graphicFrameMk id="19" creationId="{F406C909-98D4-47F1-9BFD-5E37D45DA926}"/>
+          </ac:graphicFrameMkLst>
+        </pc:graphicFrameChg>
+        <pc:picChg chg="del">
+          <ac:chgData name="Zhao Jin" userId="cd05a825-544c-438a-9ba1-08e63db50b47" providerId="ADAL" clId="{37A0D694-38DA-4421-B5D3-DEDBFC2EC57C}" dt="2021-02-08T01:47:00.259" v="4270" actId="478"/>
+          <ac:picMkLst>
+            <pc:docMk/>
+            <pc:sldMk cId="487843573" sldId="558"/>
+            <ac:picMk id="18" creationId="{00000000-0000-0000-0000-000000000000}"/>
+          </ac:picMkLst>
+        </pc:picChg>
+      </pc:sldChg>
+      <pc:sldChg chg="modSp del">
+        <pc:chgData name="Zhao Jin" userId="cd05a825-544c-438a-9ba1-08e63db50b47" providerId="ADAL" clId="{37A0D694-38DA-4421-B5D3-DEDBFC2EC57C}" dt="2021-02-03T09:00:14.226" v="1559" actId="47"/>
+        <pc:sldMkLst>
+          <pc:docMk/>
+          <pc:sldMk cId="686532275" sldId="558"/>
+        </pc:sldMkLst>
+        <pc:spChg chg="mod">
+          <ac:chgData name="Zhao Jin" userId="cd05a825-544c-438a-9ba1-08e63db50b47" providerId="ADAL" clId="{37A0D694-38DA-4421-B5D3-DEDBFC2EC57C}" dt="2021-02-03T06:56:12.527" v="36"/>
+          <ac:spMkLst>
+            <pc:docMk/>
+            <pc:sldMk cId="686532275" sldId="558"/>
+            <ac:spMk id="7" creationId="{00000000-0000-0000-0000-000000000000}"/>
+          </ac:spMkLst>
+        </pc:spChg>
+      </pc:sldChg>
+      <pc:sldChg chg="modSp del">
+        <pc:chgData name="Zhao Jin" userId="cd05a825-544c-438a-9ba1-08e63db50b47" providerId="ADAL" clId="{37A0D694-38DA-4421-B5D3-DEDBFC2EC57C}" dt="2021-02-03T09:00:14.226" v="1559" actId="47"/>
+        <pc:sldMkLst>
+          <pc:docMk/>
+          <pc:sldMk cId="182578491" sldId="559"/>
+        </pc:sldMkLst>
+        <pc:spChg chg="mod">
+          <ac:chgData name="Zhao Jin" userId="cd05a825-544c-438a-9ba1-08e63db50b47" providerId="ADAL" clId="{37A0D694-38DA-4421-B5D3-DEDBFC2EC57C}" dt="2021-02-03T06:56:12.527" v="36"/>
+          <ac:spMkLst>
+            <pc:docMk/>
+            <pc:sldMk cId="182578491" sldId="559"/>
+            <ac:spMk id="7" creationId="{00000000-0000-0000-0000-000000000000}"/>
+          </ac:spMkLst>
+        </pc:spChg>
+      </pc:sldChg>
+      <pc:sldChg chg="modSp del">
+        <pc:chgData name="Zhao Jin" userId="cd05a825-544c-438a-9ba1-08e63db50b47" providerId="ADAL" clId="{37A0D694-38DA-4421-B5D3-DEDBFC2EC57C}" dt="2021-02-03T09:00:14.226" v="1559" actId="47"/>
+        <pc:sldMkLst>
+          <pc:docMk/>
+          <pc:sldMk cId="2739484572" sldId="562"/>
+        </pc:sldMkLst>
+        <pc:spChg chg="mod">
+          <ac:chgData name="Zhao Jin" userId="cd05a825-544c-438a-9ba1-08e63db50b47" providerId="ADAL" clId="{37A0D694-38DA-4421-B5D3-DEDBFC2EC57C}" dt="2021-02-03T06:56:12.527" v="36"/>
+          <ac:spMkLst>
+            <pc:docMk/>
+            <pc:sldMk cId="2739484572" sldId="562"/>
+            <ac:spMk id="7" creationId="{00000000-0000-0000-0000-000000000000}"/>
+          </ac:spMkLst>
+        </pc:spChg>
+      </pc:sldChg>
+      <pc:sldChg chg="delSp modSp add del mod">
+        <pc:chgData name="Zhao Jin" userId="cd05a825-544c-438a-9ba1-08e63db50b47" providerId="ADAL" clId="{37A0D694-38DA-4421-B5D3-DEDBFC2EC57C}" dt="2021-02-03T09:25:42.125" v="3337" actId="20577"/>
+        <pc:sldMkLst>
+          <pc:docMk/>
+          <pc:sldMk cId="92291925" sldId="563"/>
+        </pc:sldMkLst>
+        <pc:spChg chg="mod">
+          <ac:chgData name="Zhao Jin" userId="cd05a825-544c-438a-9ba1-08e63db50b47" providerId="ADAL" clId="{37A0D694-38DA-4421-B5D3-DEDBFC2EC57C}" dt="2021-02-03T09:25:42.125" v="3337" actId="20577"/>
+          <ac:spMkLst>
+            <pc:docMk/>
+            <pc:sldMk cId="92291925" sldId="563"/>
+            <ac:spMk id="7" creationId="{00000000-0000-0000-0000-000000000000}"/>
+          </ac:spMkLst>
+        </pc:spChg>
+        <pc:spChg chg="mod">
+          <ac:chgData name="Zhao Jin" userId="cd05a825-544c-438a-9ba1-08e63db50b47" providerId="ADAL" clId="{37A0D694-38DA-4421-B5D3-DEDBFC2EC57C}" dt="2021-02-03T07:01:09.202" v="40" actId="20577"/>
+          <ac:spMkLst>
+            <pc:docMk/>
+            <pc:sldMk cId="92291925" sldId="563"/>
+            <ac:spMk id="91" creationId="{00000000-0000-0000-0000-000000000000}"/>
+          </ac:spMkLst>
+        </pc:spChg>
+        <pc:spChg chg="del">
+          <ac:chgData name="Zhao Jin" userId="cd05a825-544c-438a-9ba1-08e63db50b47" providerId="ADAL" clId="{37A0D694-38DA-4421-B5D3-DEDBFC2EC57C}" dt="2021-02-03T09:25:38.461" v="3335" actId="478"/>
+          <ac:spMkLst>
+            <pc:docMk/>
+            <pc:sldMk cId="92291925" sldId="563"/>
+            <ac:spMk id="14340" creationId="{00000000-0000-0000-0000-000000000000}"/>
+          </ac:spMkLst>
+        </pc:spChg>
+      </pc:sldChg>
+      <pc:sldChg chg="addSp delSp modSp add mod addAnim delAnim modAnim">
+        <pc:chgData name="Zhao Jin" userId="cd05a825-544c-438a-9ba1-08e63db50b47" providerId="ADAL" clId="{37A0D694-38DA-4421-B5D3-DEDBFC2EC57C}" dt="2021-02-08T01:23:58.466" v="3512" actId="14734"/>
+        <pc:sldMkLst>
+          <pc:docMk/>
+          <pc:sldMk cId="894186310" sldId="564"/>
+        </pc:sldMkLst>
+        <pc:spChg chg="add del mod">
+          <ac:chgData name="Zhao Jin" userId="cd05a825-544c-438a-9ba1-08e63db50b47" providerId="ADAL" clId="{37A0D694-38DA-4421-B5D3-DEDBFC2EC57C}" dt="2021-02-03T07:59:26.734" v="491" actId="478"/>
+          <ac:spMkLst>
+            <pc:docMk/>
+            <pc:sldMk cId="894186310" sldId="564"/>
+            <ac:spMk id="6" creationId="{E4FD3079-E00B-4FD9-86AE-A5E6CCC7EDBE}"/>
+          </ac:spMkLst>
+        </pc:spChg>
+        <pc:spChg chg="del">
+          <ac:chgData name="Zhao Jin" userId="cd05a825-544c-438a-9ba1-08e63db50b47" providerId="ADAL" clId="{37A0D694-38DA-4421-B5D3-DEDBFC2EC57C}" dt="2021-02-03T07:59:25.059" v="490" actId="478"/>
+          <ac:spMkLst>
+            <pc:docMk/>
+            <pc:sldMk cId="894186310" sldId="564"/>
+            <ac:spMk id="8" creationId="{00000000-0000-0000-0000-000000000000}"/>
+          </ac:spMkLst>
+        </pc:spChg>
+        <pc:spChg chg="add mod">
+          <ac:chgData name="Zhao Jin" userId="cd05a825-544c-438a-9ba1-08e63db50b47" providerId="ADAL" clId="{37A0D694-38DA-4421-B5D3-DEDBFC2EC57C}" dt="2021-02-08T01:23:15.974" v="3508" actId="14100"/>
+          <ac:spMkLst>
+            <pc:docMk/>
+            <pc:sldMk cId="894186310" sldId="564"/>
+            <ac:spMk id="8" creationId="{A1FCBF0D-2794-4D66-A616-CF3267CF45BD}"/>
+          </ac:spMkLst>
+        </pc:spChg>
+        <pc:spChg chg="add mod">
+          <ac:chgData name="Zhao Jin" userId="cd05a825-544c-438a-9ba1-08e63db50b47" providerId="ADAL" clId="{37A0D694-38DA-4421-B5D3-DEDBFC2EC57C}" dt="2021-02-03T08:00:25.882" v="535" actId="1035"/>
+          <ac:spMkLst>
+            <pc:docMk/>
+            <pc:sldMk cId="894186310" sldId="564"/>
+            <ac:spMk id="11" creationId="{675C9FBE-306E-46A7-BAB9-46BD27707AF2}"/>
+          </ac:spMkLst>
+        </pc:spChg>
+        <pc:spChg chg="del">
+          <ac:chgData name="Zhao Jin" userId="cd05a825-544c-438a-9ba1-08e63db50b47" providerId="ADAL" clId="{37A0D694-38DA-4421-B5D3-DEDBFC2EC57C}" dt="2021-02-03T07:56:18.626" v="405" actId="478"/>
+          <ac:spMkLst>
+            <pc:docMk/>
+            <pc:sldMk cId="894186310" sldId="564"/>
+            <ac:spMk id="84" creationId="{C4E05674-68A2-0D4E-8B47-F7A2C6A6B76F}"/>
+          </ac:spMkLst>
+        </pc:spChg>
+        <pc:spChg chg="mod">
+          <ac:chgData name="Zhao Jin" userId="cd05a825-544c-438a-9ba1-08e63db50b47" providerId="ADAL" clId="{37A0D694-38DA-4421-B5D3-DEDBFC2EC57C}" dt="2021-02-03T07:55:53.159" v="399" actId="20577"/>
+          <ac:spMkLst>
+            <pc:docMk/>
+            <pc:sldMk cId="894186310" sldId="564"/>
+            <ac:spMk id="14338" creationId="{00000000-0000-0000-0000-000000000000}"/>
+          </ac:spMkLst>
+        </pc:spChg>
+        <pc:graphicFrameChg chg="add mod modGraphic">
+          <ac:chgData name="Zhao Jin" userId="cd05a825-544c-438a-9ba1-08e63db50b47" providerId="ADAL" clId="{37A0D694-38DA-4421-B5D3-DEDBFC2EC57C}" dt="2021-02-08T01:23:58.466" v="3512" actId="14734"/>
+          <ac:graphicFrameMkLst>
+            <pc:docMk/>
+            <pc:sldMk cId="894186310" sldId="564"/>
+            <ac:graphicFrameMk id="10" creationId="{74304014-08C4-4321-AD74-36FAC51612DB}"/>
+          </ac:graphicFrameMkLst>
+        </pc:graphicFrameChg>
+        <pc:picChg chg="del">
+          <ac:chgData name="Zhao Jin" userId="cd05a825-544c-438a-9ba1-08e63db50b47" providerId="ADAL" clId="{37A0D694-38DA-4421-B5D3-DEDBFC2EC57C}" dt="2021-02-03T07:56:06.872" v="400" actId="478"/>
+          <ac:picMkLst>
+            <pc:docMk/>
+            <pc:sldMk cId="894186310" sldId="564"/>
+            <ac:picMk id="3" creationId="{78D60D94-825A-D54F-ACF5-EA46D7263418}"/>
+          </ac:picMkLst>
+        </pc:picChg>
+        <pc:picChg chg="add mod">
+          <ac:chgData name="Zhao Jin" userId="cd05a825-544c-438a-9ba1-08e63db50b47" providerId="ADAL" clId="{37A0D694-38DA-4421-B5D3-DEDBFC2EC57C}" dt="2021-02-03T08:00:23.041" v="525" actId="1076"/>
+          <ac:picMkLst>
+            <pc:docMk/>
+            <pc:sldMk cId="894186310" sldId="564"/>
+            <ac:picMk id="4" creationId="{EAFF9153-D379-4E7D-9B97-29843966A9B9}"/>
+          </ac:picMkLst>
+        </pc:picChg>
+      </pc:sldChg>
+      <pc:sldChg chg="delSp modSp add mod">
+        <pc:chgData name="Zhao Jin" userId="cd05a825-544c-438a-9ba1-08e63db50b47" providerId="ADAL" clId="{37A0D694-38DA-4421-B5D3-DEDBFC2EC57C}" dt="2021-02-08T01:59:53.143" v="4810" actId="207"/>
+        <pc:sldMkLst>
+          <pc:docMk/>
+          <pc:sldMk cId="1732540191" sldId="568"/>
+        </pc:sldMkLst>
+        <pc:spChg chg="mod">
+          <ac:chgData name="Zhao Jin" userId="cd05a825-544c-438a-9ba1-08e63db50b47" providerId="ADAL" clId="{37A0D694-38DA-4421-B5D3-DEDBFC2EC57C}" dt="2021-02-08T01:59:33.861" v="4798" actId="20577"/>
+          <ac:spMkLst>
+            <pc:docMk/>
+            <pc:sldMk cId="1732540191" sldId="568"/>
+            <ac:spMk id="7" creationId="{00000000-0000-0000-0000-000000000000}"/>
+          </ac:spMkLst>
+        </pc:spChg>
+        <pc:spChg chg="mod">
+          <ac:chgData name="Zhao Jin" userId="cd05a825-544c-438a-9ba1-08e63db50b47" providerId="ADAL" clId="{37A0D694-38DA-4421-B5D3-DEDBFC2EC57C}" dt="2021-02-08T01:57:47.585" v="4651" actId="207"/>
+          <ac:spMkLst>
+            <pc:docMk/>
+            <pc:sldMk cId="1732540191" sldId="568"/>
+            <ac:spMk id="9" creationId="{00000000-0000-0000-0000-000000000000}"/>
+          </ac:spMkLst>
+        </pc:spChg>
+        <pc:spChg chg="mod">
+          <ac:chgData name="Zhao Jin" userId="cd05a825-544c-438a-9ba1-08e63db50b47" providerId="ADAL" clId="{37A0D694-38DA-4421-B5D3-DEDBFC2EC57C}" dt="2021-02-08T01:59:53.143" v="4810" actId="207"/>
+          <ac:spMkLst>
+            <pc:docMk/>
+            <pc:sldMk cId="1732540191" sldId="568"/>
+            <ac:spMk id="21" creationId="{00000000-0000-0000-0000-000000000000}"/>
+          </ac:spMkLst>
+        </pc:spChg>
+        <pc:spChg chg="mod">
+          <ac:chgData name="Zhao Jin" userId="cd05a825-544c-438a-9ba1-08e63db50b47" providerId="ADAL" clId="{37A0D694-38DA-4421-B5D3-DEDBFC2EC57C}" dt="2021-02-08T01:56:55.596" v="4584" actId="20577"/>
+          <ac:spMkLst>
+            <pc:docMk/>
+            <pc:sldMk cId="1732540191" sldId="568"/>
+            <ac:spMk id="14338" creationId="{00000000-0000-0000-0000-000000000000}"/>
+          </ac:spMkLst>
+        </pc:spChg>
+        <pc:spChg chg="del">
+          <ac:chgData name="Zhao Jin" userId="cd05a825-544c-438a-9ba1-08e63db50b47" providerId="ADAL" clId="{37A0D694-38DA-4421-B5D3-DEDBFC2EC57C}" dt="2021-02-08T01:56:51.648" v="4579" actId="478"/>
+          <ac:spMkLst>
+            <pc:docMk/>
+            <pc:sldMk cId="1732540191" sldId="568"/>
+            <ac:spMk id="14340" creationId="{00000000-0000-0000-0000-000000000000}"/>
+          </ac:spMkLst>
+        </pc:spChg>
+      </pc:sldChg>
+      <pc:sldChg chg="addSp delSp modSp add mod delAnim modAnim">
+        <pc:chgData name="Zhao Jin" userId="cd05a825-544c-438a-9ba1-08e63db50b47" providerId="ADAL" clId="{37A0D694-38DA-4421-B5D3-DEDBFC2EC57C}" dt="2021-02-08T02:01:55.171" v="4907" actId="20577"/>
+        <pc:sldMkLst>
+          <pc:docMk/>
+          <pc:sldMk cId="3229890649" sldId="569"/>
+        </pc:sldMkLst>
+        <pc:spChg chg="del">
+          <ac:chgData name="Zhao Jin" userId="cd05a825-544c-438a-9ba1-08e63db50b47" providerId="ADAL" clId="{37A0D694-38DA-4421-B5D3-DEDBFC2EC57C}" dt="2021-02-08T01:57:57.778" v="4652" actId="478"/>
+          <ac:spMkLst>
+            <pc:docMk/>
+            <pc:sldMk cId="3229890649" sldId="569"/>
+            <ac:spMk id="2" creationId="{00000000-0000-0000-0000-000000000000}"/>
+          </ac:spMkLst>
+        </pc:spChg>
+        <pc:spChg chg="del mod">
+          <ac:chgData name="Zhao Jin" userId="cd05a825-544c-438a-9ba1-08e63db50b47" providerId="ADAL" clId="{37A0D694-38DA-4421-B5D3-DEDBFC2EC57C}" dt="2021-02-08T01:58:06.736" v="4656" actId="478"/>
+          <ac:spMkLst>
+            <pc:docMk/>
+            <pc:sldMk cId="3229890649" sldId="569"/>
+            <ac:spMk id="3" creationId="{00000000-0000-0000-0000-000000000000}"/>
+          </ac:spMkLst>
+        </pc:spChg>
+        <pc:spChg chg="add mod">
+          <ac:chgData name="Zhao Jin" userId="cd05a825-544c-438a-9ba1-08e63db50b47" providerId="ADAL" clId="{37A0D694-38DA-4421-B5D3-DEDBFC2EC57C}" dt="2021-02-08T02:00:33.271" v="4814" actId="207"/>
+          <ac:spMkLst>
+            <pc:docMk/>
+            <pc:sldMk cId="3229890649" sldId="569"/>
+            <ac:spMk id="4" creationId="{CDCF9B36-A3E7-4464-88BD-D6D735D7C066}"/>
+          </ac:spMkLst>
+        </pc:spChg>
+        <pc:spChg chg="mod">
+          <ac:chgData name="Zhao Jin" userId="cd05a825-544c-438a-9ba1-08e63db50b47" providerId="ADAL" clId="{37A0D694-38DA-4421-B5D3-DEDBFC2EC57C}" dt="2021-02-08T01:59:19.915" v="4788" actId="1036"/>
+          <ac:spMkLst>
+            <pc:docMk/>
+            <pc:sldMk cId="3229890649" sldId="569"/>
+            <ac:spMk id="9" creationId="{00000000-0000-0000-0000-000000000000}"/>
+          </ac:spMkLst>
+        </pc:spChg>
+        <pc:spChg chg="del">
+          <ac:chgData name="Zhao Jin" userId="cd05a825-544c-438a-9ba1-08e63db50b47" providerId="ADAL" clId="{37A0D694-38DA-4421-B5D3-DEDBFC2EC57C}" dt="2021-02-08T01:58:18.198" v="4676" actId="478"/>
+          <ac:spMkLst>
+            <pc:docMk/>
+            <pc:sldMk cId="3229890649" sldId="569"/>
+            <ac:spMk id="10" creationId="{00000000-0000-0000-0000-000000000000}"/>
+          </ac:spMkLst>
+        </pc:spChg>
+        <pc:spChg chg="add mod">
+          <ac:chgData name="Zhao Jin" userId="cd05a825-544c-438a-9ba1-08e63db50b47" providerId="ADAL" clId="{37A0D694-38DA-4421-B5D3-DEDBFC2EC57C}" dt="2021-02-08T02:01:55.171" v="4907" actId="20577"/>
+          <ac:spMkLst>
+            <pc:docMk/>
+            <pc:sldMk cId="3229890649" sldId="569"/>
+            <ac:spMk id="13" creationId="{2F1FA4E6-900A-4BB2-BEBE-BDBB6918E0B2}"/>
+          </ac:spMkLst>
+        </pc:spChg>
+        <pc:spChg chg="del">
+          <ac:chgData name="Zhao Jin" userId="cd05a825-544c-438a-9ba1-08e63db50b47" providerId="ADAL" clId="{37A0D694-38DA-4421-B5D3-DEDBFC2EC57C}" dt="2021-02-08T01:59:10.250" v="4757" actId="478"/>
+          <ac:spMkLst>
+            <pc:docMk/>
+            <pc:sldMk cId="3229890649" sldId="569"/>
+            <ac:spMk id="21" creationId="{00000000-0000-0000-0000-000000000000}"/>
+          </ac:spMkLst>
+        </pc:spChg>
+        <pc:spChg chg="mod">
+          <ac:chgData name="Zhao Jin" userId="cd05a825-544c-438a-9ba1-08e63db50b47" providerId="ADAL" clId="{37A0D694-38DA-4421-B5D3-DEDBFC2EC57C}" dt="2021-02-08T01:59:21.412" v="4791" actId="20577"/>
+          <ac:spMkLst>
+            <pc:docMk/>
+            <pc:sldMk cId="3229890649" sldId="569"/>
+            <ac:spMk id="14338" creationId="{00000000-0000-0000-0000-000000000000}"/>
+          </ac:spMkLst>
+        </pc:spChg>
+        <pc:spChg chg="del">
+          <ac:chgData name="Zhao Jin" userId="cd05a825-544c-438a-9ba1-08e63db50b47" providerId="ADAL" clId="{37A0D694-38DA-4421-B5D3-DEDBFC2EC57C}" dt="2021-02-08T01:59:22.694" v="4792" actId="478"/>
+          <ac:spMkLst>
+            <pc:docMk/>
+            <pc:sldMk cId="3229890649" sldId="569"/>
+            <ac:spMk id="14340" creationId="{00000000-0000-0000-0000-000000000000}"/>
+          </ac:spMkLst>
+        </pc:spChg>
+      </pc:sldChg>
+      <pc:sldChg chg="addSp delSp modSp add del mod">
+        <pc:chgData name="Zhao Jin" userId="cd05a825-544c-438a-9ba1-08e63db50b47" providerId="ADAL" clId="{37A0D694-38DA-4421-B5D3-DEDBFC2EC57C}" dt="2021-02-08T01:41:10.766" v="4086" actId="1038"/>
+        <pc:sldMkLst>
+          <pc:docMk/>
+          <pc:sldMk cId="3922430229" sldId="580"/>
+        </pc:sldMkLst>
+        <pc:spChg chg="mod">
+          <ac:chgData name="Zhao Jin" userId="cd05a825-544c-438a-9ba1-08e63db50b47" providerId="ADAL" clId="{37A0D694-38DA-4421-B5D3-DEDBFC2EC57C}" dt="2021-02-08T01:37:02.666" v="3815" actId="6549"/>
+          <ac:spMkLst>
+            <pc:docMk/>
+            <pc:sldMk cId="3922430229" sldId="580"/>
+            <ac:spMk id="7" creationId="{00000000-0000-0000-0000-000000000000}"/>
+          </ac:spMkLst>
+        </pc:spChg>
+        <pc:spChg chg="mod">
+          <ac:chgData name="Zhao Jin" userId="cd05a825-544c-438a-9ba1-08e63db50b47" providerId="ADAL" clId="{37A0D694-38DA-4421-B5D3-DEDBFC2EC57C}" dt="2021-02-08T01:40:08.440" v="3975" actId="207"/>
+          <ac:spMkLst>
+            <pc:docMk/>
+            <pc:sldMk cId="3922430229" sldId="580"/>
+            <ac:spMk id="9" creationId="{00000000-0000-0000-0000-000000000000}"/>
+          </ac:spMkLst>
+        </pc:spChg>
+        <pc:spChg chg="mod">
+          <ac:chgData name="Zhao Jin" userId="cd05a825-544c-438a-9ba1-08e63db50b47" providerId="ADAL" clId="{37A0D694-38DA-4421-B5D3-DEDBFC2EC57C}" dt="2021-02-08T01:41:10.766" v="4086" actId="1038"/>
+          <ac:spMkLst>
+            <pc:docMk/>
+            <pc:sldMk cId="3922430229" sldId="580"/>
+            <ac:spMk id="10" creationId="{00000000-0000-0000-0000-000000000000}"/>
+          </ac:spMkLst>
+        </pc:spChg>
+        <pc:spChg chg="mod">
+          <ac:chgData name="Zhao Jin" userId="cd05a825-544c-438a-9ba1-08e63db50b47" providerId="ADAL" clId="{37A0D694-38DA-4421-B5D3-DEDBFC2EC57C}" dt="2021-02-08T01:40:34.781" v="4005" actId="207"/>
+          <ac:spMkLst>
+            <pc:docMk/>
+            <pc:sldMk cId="3922430229" sldId="580"/>
+            <ac:spMk id="11" creationId="{00000000-0000-0000-0000-000000000000}"/>
+          </ac:spMkLst>
+        </pc:spChg>
+        <pc:spChg chg="add del mod">
+          <ac:chgData name="Zhao Jin" userId="cd05a825-544c-438a-9ba1-08e63db50b47" providerId="ADAL" clId="{37A0D694-38DA-4421-B5D3-DEDBFC2EC57C}" dt="2021-02-08T01:37:00.332" v="3812"/>
+          <ac:spMkLst>
+            <pc:docMk/>
+            <pc:sldMk cId="3922430229" sldId="580"/>
+            <ac:spMk id="13" creationId="{4F472ABD-E315-4BA8-AF98-DCE9D31E1B44}"/>
+          </ac:spMkLst>
+        </pc:spChg>
+        <pc:spChg chg="mod">
+          <ac:chgData name="Zhao Jin" userId="cd05a825-544c-438a-9ba1-08e63db50b47" providerId="ADAL" clId="{37A0D694-38DA-4421-B5D3-DEDBFC2EC57C}" dt="2021-02-08T01:41:06.558" v="4075" actId="20577"/>
+          <ac:spMkLst>
+            <pc:docMk/>
+            <pc:sldMk cId="3922430229" sldId="580"/>
+            <ac:spMk id="14338" creationId="{00000000-0000-0000-0000-000000000000}"/>
+          </ac:spMkLst>
+        </pc:spChg>
+        <pc:spChg chg="del">
+          <ac:chgData name="Zhao Jin" userId="cd05a825-544c-438a-9ba1-08e63db50b47" providerId="ADAL" clId="{37A0D694-38DA-4421-B5D3-DEDBFC2EC57C}" dt="2021-02-08T01:36:49.901" v="3810" actId="478"/>
+          <ac:spMkLst>
+            <pc:docMk/>
+            <pc:sldMk cId="3922430229" sldId="580"/>
+            <ac:spMk id="14340" creationId="{00000000-0000-0000-0000-000000000000}"/>
+          </ac:spMkLst>
+        </pc:spChg>
+      </pc:sldChg>
+      <pc:sldChg chg="delSp modSp add mod">
+        <pc:chgData name="Zhao Jin" userId="cd05a825-544c-438a-9ba1-08e63db50b47" providerId="ADAL" clId="{37A0D694-38DA-4421-B5D3-DEDBFC2EC57C}" dt="2021-02-08T01:42:07.875" v="4091"/>
+        <pc:sldMkLst>
+          <pc:docMk/>
+          <pc:sldMk cId="1886636263" sldId="581"/>
+        </pc:sldMkLst>
+        <pc:spChg chg="mod">
+          <ac:chgData name="Zhao Jin" userId="cd05a825-544c-438a-9ba1-08e63db50b47" providerId="ADAL" clId="{37A0D694-38DA-4421-B5D3-DEDBFC2EC57C}" dt="2021-02-08T01:42:07.875" v="4091"/>
+          <ac:spMkLst>
+            <pc:docMk/>
+            <pc:sldMk cId="1886636263" sldId="581"/>
+            <ac:spMk id="7" creationId="{00000000-0000-0000-0000-000000000000}"/>
+          </ac:spMkLst>
+        </pc:spChg>
+        <pc:spChg chg="mod">
+          <ac:chgData name="Zhao Jin" userId="cd05a825-544c-438a-9ba1-08e63db50b47" providerId="ADAL" clId="{37A0D694-38DA-4421-B5D3-DEDBFC2EC57C}" dt="2021-02-03T09:23:01.385" v="3251" actId="1038"/>
+          <ac:spMkLst>
+            <pc:docMk/>
+            <pc:sldMk cId="1886636263" sldId="581"/>
+            <ac:spMk id="10" creationId="{00000000-0000-0000-0000-000000000000}"/>
+          </ac:spMkLst>
+        </pc:spChg>
+        <pc:spChg chg="mod">
+          <ac:chgData name="Zhao Jin" userId="cd05a825-544c-438a-9ba1-08e63db50b47" providerId="ADAL" clId="{37A0D694-38DA-4421-B5D3-DEDBFC2EC57C}" dt="2021-02-03T09:23:10.247" v="3254" actId="113"/>
+          <ac:spMkLst>
+            <pc:docMk/>
+            <pc:sldMk cId="1886636263" sldId="581"/>
+            <ac:spMk id="11" creationId="{00000000-0000-0000-0000-000000000000}"/>
+          </ac:spMkLst>
+        </pc:spChg>
+        <pc:spChg chg="mod">
+          <ac:chgData name="Zhao Jin" userId="cd05a825-544c-438a-9ba1-08e63db50b47" providerId="ADAL" clId="{37A0D694-38DA-4421-B5D3-DEDBFC2EC57C}" dt="2021-02-03T09:21:16.883" v="3154" actId="20577"/>
+          <ac:spMkLst>
+            <pc:docMk/>
+            <pc:sldMk cId="1886636263" sldId="581"/>
+            <ac:spMk id="14338" creationId="{00000000-0000-0000-0000-000000000000}"/>
+          </ac:spMkLst>
+        </pc:spChg>
+        <pc:spChg chg="del">
+          <ac:chgData name="Zhao Jin" userId="cd05a825-544c-438a-9ba1-08e63db50b47" providerId="ADAL" clId="{37A0D694-38DA-4421-B5D3-DEDBFC2EC57C}" dt="2021-02-08T01:42:06.532" v="4090" actId="478"/>
+          <ac:spMkLst>
+            <pc:docMk/>
+            <pc:sldMk cId="1886636263" sldId="581"/>
+            <ac:spMk id="14340" creationId="{00000000-0000-0000-0000-000000000000}"/>
+          </ac:spMkLst>
+        </pc:spChg>
+      </pc:sldChg>
+      <pc:sldChg chg="modSp add del mod">
+        <pc:chgData name="Zhao Jin" userId="cd05a825-544c-438a-9ba1-08e63db50b47" providerId="ADAL" clId="{37A0D694-38DA-4421-B5D3-DEDBFC2EC57C}" dt="2021-02-03T08:47:45.744" v="1076" actId="47"/>
+        <pc:sldMkLst>
+          <pc:docMk/>
+          <pc:sldMk cId="893488834" sldId="587"/>
+        </pc:sldMkLst>
+        <pc:spChg chg="mod">
+          <ac:chgData name="Zhao Jin" userId="cd05a825-544c-438a-9ba1-08e63db50b47" providerId="ADAL" clId="{37A0D694-38DA-4421-B5D3-DEDBFC2EC57C}" dt="2021-02-03T08:01:59.201" v="538" actId="20577"/>
+          <ac:spMkLst>
+            <pc:docMk/>
+            <pc:sldMk cId="893488834" sldId="587"/>
+            <ac:spMk id="19" creationId="{00000000-0000-0000-0000-000000000000}"/>
+          </ac:spMkLst>
+        </pc:spChg>
+        <pc:spChg chg="mod">
+          <ac:chgData name="Zhao Jin" userId="cd05a825-544c-438a-9ba1-08e63db50b47" providerId="ADAL" clId="{37A0D694-38DA-4421-B5D3-DEDBFC2EC57C}" dt="2021-02-03T08:02:04.276" v="539" actId="6549"/>
+          <ac:spMkLst>
+            <pc:docMk/>
+            <pc:sldMk cId="893488834" sldId="587"/>
+            <ac:spMk id="14338" creationId="{00000000-0000-0000-0000-000000000000}"/>
+          </ac:spMkLst>
+        </pc:spChg>
+      </pc:sldChg>
+      <pc:sldChg chg="addSp modSp add del mod">
+        <pc:chgData name="Zhao Jin" userId="cd05a825-544c-438a-9ba1-08e63db50b47" providerId="ADAL" clId="{37A0D694-38DA-4421-B5D3-DEDBFC2EC57C}" dt="2021-02-03T08:47:43.004" v="1075" actId="47"/>
+        <pc:sldMkLst>
+          <pc:docMk/>
+          <pc:sldMk cId="2663336489" sldId="588"/>
+        </pc:sldMkLst>
+        <pc:spChg chg="mod">
+          <ac:chgData name="Zhao Jin" userId="cd05a825-544c-438a-9ba1-08e63db50b47" providerId="ADAL" clId="{37A0D694-38DA-4421-B5D3-DEDBFC2EC57C}" dt="2021-02-03T08:02:36.274" v="551" actId="404"/>
+          <ac:spMkLst>
+            <pc:docMk/>
+            <pc:sldMk cId="2663336489" sldId="588"/>
+            <ac:spMk id="19" creationId="{00000000-0000-0000-0000-000000000000}"/>
+          </ac:spMkLst>
+        </pc:spChg>
+        <pc:picChg chg="add mod">
+          <ac:chgData name="Zhao Jin" userId="cd05a825-544c-438a-9ba1-08e63db50b47" providerId="ADAL" clId="{37A0D694-38DA-4421-B5D3-DEDBFC2EC57C}" dt="2021-02-03T08:02:30.780" v="547" actId="1076"/>
+          <ac:picMkLst>
+            <pc:docMk/>
+            <pc:sldMk cId="2663336489" sldId="588"/>
+            <ac:picMk id="1026" creationId="{260029BB-3AC2-413A-B9C2-5983AA6DD1EE}"/>
+          </ac:picMkLst>
+        </pc:picChg>
+      </pc:sldChg>
+      <pc:sldChg chg="addSp delSp modSp add mod">
+        <pc:chgData name="Zhao Jin" userId="cd05a825-544c-438a-9ba1-08e63db50b47" providerId="ADAL" clId="{37A0D694-38DA-4421-B5D3-DEDBFC2EC57C}" dt="2021-02-03T09:26:19.685" v="3354" actId="478"/>
+        <pc:sldMkLst>
+          <pc:docMk/>
+          <pc:sldMk cId="211149325" sldId="589"/>
+        </pc:sldMkLst>
+        <pc:spChg chg="mod">
+          <ac:chgData name="Zhao Jin" userId="cd05a825-544c-438a-9ba1-08e63db50b47" providerId="ADAL" clId="{37A0D694-38DA-4421-B5D3-DEDBFC2EC57C}" dt="2021-02-03T09:25:46.230" v="3339" actId="20577"/>
+          <ac:spMkLst>
+            <pc:docMk/>
+            <pc:sldMk cId="211149325" sldId="589"/>
+            <ac:spMk id="7" creationId="{00000000-0000-0000-0000-000000000000}"/>
+          </ac:spMkLst>
+        </pc:spChg>
+        <pc:spChg chg="mod">
+          <ac:chgData name="Zhao Jin" userId="cd05a825-544c-438a-9ba1-08e63db50b47" providerId="ADAL" clId="{37A0D694-38DA-4421-B5D3-DEDBFC2EC57C}" dt="2021-02-03T08:05:19.022" v="583" actId="20577"/>
+          <ac:spMkLst>
+            <pc:docMk/>
+            <pc:sldMk cId="211149325" sldId="589"/>
+            <ac:spMk id="19" creationId="{00000000-0000-0000-0000-000000000000}"/>
+          </ac:spMkLst>
+        </pc:spChg>
+        <pc:spChg chg="mod">
+          <ac:chgData name="Zhao Jin" userId="cd05a825-544c-438a-9ba1-08e63db50b47" providerId="ADAL" clId="{37A0D694-38DA-4421-B5D3-DEDBFC2EC57C}" dt="2021-02-03T08:05:48.631" v="589" actId="20577"/>
+          <ac:spMkLst>
+            <pc:docMk/>
+            <pc:sldMk cId="211149325" sldId="589"/>
+            <ac:spMk id="22" creationId="{00000000-0000-0000-0000-000000000000}"/>
+          </ac:spMkLst>
+        </pc:spChg>
+        <pc:spChg chg="mod">
+          <ac:chgData name="Zhao Jin" userId="cd05a825-544c-438a-9ba1-08e63db50b47" providerId="ADAL" clId="{37A0D694-38DA-4421-B5D3-DEDBFC2EC57C}" dt="2021-02-03T08:05:49.985" v="590" actId="20577"/>
+          <ac:spMkLst>
+            <pc:docMk/>
+            <pc:sldMk cId="211149325" sldId="589"/>
+            <ac:spMk id="27" creationId="{00000000-0000-0000-0000-000000000000}"/>
+          </ac:spMkLst>
+        </pc:spChg>
+        <pc:spChg chg="mod">
+          <ac:chgData name="Zhao Jin" userId="cd05a825-544c-438a-9ba1-08e63db50b47" providerId="ADAL" clId="{37A0D694-38DA-4421-B5D3-DEDBFC2EC57C}" dt="2021-02-03T08:05:52.229" v="591" actId="20577"/>
+          <ac:spMkLst>
+            <pc:docMk/>
+            <pc:sldMk cId="211149325" sldId="589"/>
+            <ac:spMk id="30" creationId="{00000000-0000-0000-0000-000000000000}"/>
+          </ac:spMkLst>
+        </pc:spChg>
+        <pc:spChg chg="mod">
+          <ac:chgData name="Zhao Jin" userId="cd05a825-544c-438a-9ba1-08e63db50b47" providerId="ADAL" clId="{37A0D694-38DA-4421-B5D3-DEDBFC2EC57C}" dt="2021-02-03T09:25:01.711" v="3283" actId="6549"/>
+          <ac:spMkLst>
+            <pc:docMk/>
+            <pc:sldMk cId="211149325" sldId="589"/>
+            <ac:spMk id="14338" creationId="{00000000-0000-0000-0000-000000000000}"/>
+          </ac:spMkLst>
+        </pc:spChg>
+        <pc:spChg chg="del">
+          <ac:chgData name="Zhao Jin" userId="cd05a825-544c-438a-9ba1-08e63db50b47" providerId="ADAL" clId="{37A0D694-38DA-4421-B5D3-DEDBFC2EC57C}" dt="2021-02-03T09:26:19.685" v="3354" actId="478"/>
+          <ac:spMkLst>
+            <pc:docMk/>
+            <pc:sldMk cId="211149325" sldId="589"/>
+            <ac:spMk id="14340" creationId="{00000000-0000-0000-0000-000000000000}"/>
+          </ac:spMkLst>
+        </pc:spChg>
+        <pc:grpChg chg="mod">
+          <ac:chgData name="Zhao Jin" userId="cd05a825-544c-438a-9ba1-08e63db50b47" providerId="ADAL" clId="{37A0D694-38DA-4421-B5D3-DEDBFC2EC57C}" dt="2021-02-03T08:05:47.280" v="588" actId="1076"/>
+          <ac:grpSpMkLst>
+            <pc:docMk/>
+            <pc:sldMk cId="211149325" sldId="589"/>
+            <ac:grpSpMk id="20" creationId="{00000000-0000-0000-0000-000000000000}"/>
+          </ac:grpSpMkLst>
+        </pc:grpChg>
+        <pc:grpChg chg="mod">
+          <ac:chgData name="Zhao Jin" userId="cd05a825-544c-438a-9ba1-08e63db50b47" providerId="ADAL" clId="{37A0D694-38DA-4421-B5D3-DEDBFC2EC57C}" dt="2021-02-03T08:03:56.449" v="570" actId="1076"/>
+          <ac:grpSpMkLst>
+            <pc:docMk/>
+            <pc:sldMk cId="211149325" sldId="589"/>
+            <ac:grpSpMk id="28" creationId="{00000000-0000-0000-0000-000000000000}"/>
+          </ac:grpSpMkLst>
+        </pc:grpChg>
+        <pc:picChg chg="add del mod">
+          <ac:chgData name="Zhao Jin" userId="cd05a825-544c-438a-9ba1-08e63db50b47" providerId="ADAL" clId="{37A0D694-38DA-4421-B5D3-DEDBFC2EC57C}" dt="2021-02-03T08:05:55.520" v="595" actId="1035"/>
+          <ac:picMkLst>
+            <pc:docMk/>
+            <pc:sldMk cId="211149325" sldId="589"/>
+            <ac:picMk id="1026" creationId="{260029BB-3AC2-413A-B9C2-5983AA6DD1EE}"/>
+          </ac:picMkLst>
+        </pc:picChg>
+        <pc:cxnChg chg="mod">
+          <ac:chgData name="Zhao Jin" userId="cd05a825-544c-438a-9ba1-08e63db50b47" providerId="ADAL" clId="{37A0D694-38DA-4421-B5D3-DEDBFC2EC57C}" dt="2021-02-03T08:04:23.899" v="577" actId="14100"/>
+          <ac:cxnSpMkLst>
+            <pc:docMk/>
+            <pc:sldMk cId="211149325" sldId="589"/>
+            <ac:cxnSpMk id="21" creationId="{00000000-0000-0000-0000-000000000000}"/>
+          </ac:cxnSpMkLst>
+        </pc:cxnChg>
+        <pc:cxnChg chg="mod">
+          <ac:chgData name="Zhao Jin" userId="cd05a825-544c-438a-9ba1-08e63db50b47" providerId="ADAL" clId="{37A0D694-38DA-4421-B5D3-DEDBFC2EC57C}" dt="2021-02-03T08:05:27.870" v="585" actId="14100"/>
+          <ac:cxnSpMkLst>
+            <pc:docMk/>
+            <pc:sldMk cId="211149325" sldId="589"/>
+            <ac:cxnSpMk id="26" creationId="{00000000-0000-0000-0000-000000000000}"/>
+          </ac:cxnSpMkLst>
+        </pc:cxnChg>
+        <pc:cxnChg chg="mod">
+          <ac:chgData name="Zhao Jin" userId="cd05a825-544c-438a-9ba1-08e63db50b47" providerId="ADAL" clId="{37A0D694-38DA-4421-B5D3-DEDBFC2EC57C}" dt="2021-02-03T08:05:30.610" v="586" actId="14100"/>
+          <ac:cxnSpMkLst>
+            <pc:docMk/>
+            <pc:sldMk cId="211149325" sldId="589"/>
+            <ac:cxnSpMk id="29" creationId="{00000000-0000-0000-0000-000000000000}"/>
+          </ac:cxnSpMkLst>
+        </pc:cxnChg>
+      </pc:sldChg>
+      <pc:sldChg chg="addSp delSp modSp add mod delAnim modAnim">
+        <pc:chgData name="Zhao Jin" userId="cd05a825-544c-438a-9ba1-08e63db50b47" providerId="ADAL" clId="{37A0D694-38DA-4421-B5D3-DEDBFC2EC57C}" dt="2021-02-08T01:38:27.881" v="3917" actId="20577"/>
+        <pc:sldMkLst>
+          <pc:docMk/>
+          <pc:sldMk cId="4156536479" sldId="590"/>
+        </pc:sldMkLst>
+        <pc:spChg chg="add mod">
+          <ac:chgData name="Zhao Jin" userId="cd05a825-544c-438a-9ba1-08e63db50b47" providerId="ADAL" clId="{37A0D694-38DA-4421-B5D3-DEDBFC2EC57C}" dt="2021-02-03T09:38:34.228" v="3358" actId="13926"/>
+          <ac:spMkLst>
+            <pc:docMk/>
+            <pc:sldMk cId="4156536479" sldId="590"/>
+            <ac:spMk id="8" creationId="{3895F873-6CB7-4316-B798-EE54B3634728}"/>
+          </ac:spMkLst>
+        </pc:spChg>
+        <pc:spChg chg="add del mod">
+          <ac:chgData name="Zhao Jin" userId="cd05a825-544c-438a-9ba1-08e63db50b47" providerId="ADAL" clId="{37A0D694-38DA-4421-B5D3-DEDBFC2EC57C}" dt="2021-02-08T01:29:47.127" v="3514"/>
+          <ac:spMkLst>
+            <pc:docMk/>
+            <pc:sldMk cId="4156536479" sldId="590"/>
+            <ac:spMk id="11" creationId="{5846B50D-EC54-48E6-AE72-B0B5F8190097}"/>
+          </ac:spMkLst>
+        </pc:spChg>
+        <pc:spChg chg="del">
+          <ac:chgData name="Zhao Jin" userId="cd05a825-544c-438a-9ba1-08e63db50b47" providerId="ADAL" clId="{37A0D694-38DA-4421-B5D3-DEDBFC2EC57C}" dt="2021-02-03T08:06:42.479" v="598" actId="478"/>
+          <ac:spMkLst>
+            <pc:docMk/>
+            <pc:sldMk cId="4156536479" sldId="590"/>
+            <ac:spMk id="11" creationId="{675C9FBE-306E-46A7-BAB9-46BD27707AF2}"/>
+          </ac:spMkLst>
+        </pc:spChg>
+        <pc:spChg chg="add mod">
+          <ac:chgData name="Zhao Jin" userId="cd05a825-544c-438a-9ba1-08e63db50b47" providerId="ADAL" clId="{37A0D694-38DA-4421-B5D3-DEDBFC2EC57C}" dt="2021-02-08T01:38:27.881" v="3917" actId="20577"/>
+          <ac:spMkLst>
+            <pc:docMk/>
+            <pc:sldMk cId="4156536479" sldId="590"/>
+            <ac:spMk id="13" creationId="{0AD363C8-B264-4386-9E1D-EAA63F4BF1CC}"/>
+          </ac:spMkLst>
+        </pc:spChg>
+        <pc:spChg chg="add del mod">
+          <ac:chgData name="Zhao Jin" userId="cd05a825-544c-438a-9ba1-08e63db50b47" providerId="ADAL" clId="{37A0D694-38DA-4421-B5D3-DEDBFC2EC57C}" dt="2021-02-03T08:40:38.562" v="720" actId="478"/>
+          <ac:spMkLst>
+            <pc:docMk/>
+            <pc:sldMk cId="4156536479" sldId="590"/>
+            <ac:spMk id="33" creationId="{4F924E87-CB56-4AC7-8777-A327820A47C5}"/>
+          </ac:spMkLst>
+        </pc:spChg>
+        <pc:spChg chg="add mod">
+          <ac:chgData name="Zhao Jin" userId="cd05a825-544c-438a-9ba1-08e63db50b47" providerId="ADAL" clId="{37A0D694-38DA-4421-B5D3-DEDBFC2EC57C}" dt="2021-02-03T08:41:47.988" v="927" actId="14100"/>
+          <ac:spMkLst>
+            <pc:docMk/>
+            <pc:sldMk cId="4156536479" sldId="590"/>
+            <ac:spMk id="34" creationId="{1DA4B870-5E05-4566-A46F-B6A051179C55}"/>
+          </ac:spMkLst>
+        </pc:spChg>
+        <pc:spChg chg="mod">
+          <ac:chgData name="Zhao Jin" userId="cd05a825-544c-438a-9ba1-08e63db50b47" providerId="ADAL" clId="{37A0D694-38DA-4421-B5D3-DEDBFC2EC57C}" dt="2021-02-03T09:25:01.287" v="3281" actId="6549"/>
+          <ac:spMkLst>
+            <pc:docMk/>
+            <pc:sldMk cId="4156536479" sldId="590"/>
+            <ac:spMk id="14338" creationId="{00000000-0000-0000-0000-000000000000}"/>
+          </ac:spMkLst>
+        </pc:spChg>
+        <pc:graphicFrameChg chg="del">
+          <ac:chgData name="Zhao Jin" userId="cd05a825-544c-438a-9ba1-08e63db50b47" providerId="ADAL" clId="{37A0D694-38DA-4421-B5D3-DEDBFC2EC57C}" dt="2021-02-03T08:06:41.239" v="597" actId="478"/>
+          <ac:graphicFrameMkLst>
+            <pc:docMk/>
+            <pc:sldMk cId="4156536479" sldId="590"/>
+            <ac:graphicFrameMk id="10" creationId="{74304014-08C4-4321-AD74-36FAC51612DB}"/>
+          </ac:graphicFrameMkLst>
+        </pc:graphicFrameChg>
+        <pc:picChg chg="mod">
+          <ac:chgData name="Zhao Jin" userId="cd05a825-544c-438a-9ba1-08e63db50b47" providerId="ADAL" clId="{37A0D694-38DA-4421-B5D3-DEDBFC2EC57C}" dt="2021-02-03T08:38:53.114" v="646" actId="1076"/>
+          <ac:picMkLst>
+            <pc:docMk/>
+            <pc:sldMk cId="4156536479" sldId="590"/>
+            <ac:picMk id="4" creationId="{EAFF9153-D379-4E7D-9B97-29843966A9B9}"/>
+          </ac:picMkLst>
+        </pc:picChg>
+        <pc:cxnChg chg="add del mod">
+          <ac:chgData name="Zhao Jin" userId="cd05a825-544c-438a-9ba1-08e63db50b47" providerId="ADAL" clId="{37A0D694-38DA-4421-B5D3-DEDBFC2EC57C}" dt="2021-02-03T08:37:59.802" v="629" actId="478"/>
+          <ac:cxnSpMkLst>
+            <pc:docMk/>
+            <pc:sldMk cId="4156536479" sldId="590"/>
+            <ac:cxnSpMk id="9" creationId="{9652AEB2-CFC8-48BA-95AD-7242B1240B31}"/>
+          </ac:cxnSpMkLst>
+        </pc:cxnChg>
+        <pc:cxnChg chg="add del mod">
+          <ac:chgData name="Zhao Jin" userId="cd05a825-544c-438a-9ba1-08e63db50b47" providerId="ADAL" clId="{37A0D694-38DA-4421-B5D3-DEDBFC2EC57C}" dt="2021-02-03T08:38:27.270" v="636" actId="14100"/>
+          <ac:cxnSpMkLst>
+            <pc:docMk/>
+            <pc:sldMk cId="4156536479" sldId="590"/>
+            <ac:cxnSpMk id="16" creationId="{B4CC9A1D-6448-41B2-BD14-CACDC771AC2A}"/>
+          </ac:cxnSpMkLst>
+        </pc:cxnChg>
+        <pc:cxnChg chg="add mod">
+          <ac:chgData name="Zhao Jin" userId="cd05a825-544c-438a-9ba1-08e63db50b47" providerId="ADAL" clId="{37A0D694-38DA-4421-B5D3-DEDBFC2EC57C}" dt="2021-02-03T08:38:46.983" v="642" actId="14100"/>
+          <ac:cxnSpMkLst>
+            <pc:docMk/>
+            <pc:sldMk cId="4156536479" sldId="590"/>
+            <ac:cxnSpMk id="22" creationId="{6298AF59-F7D9-4F05-84BF-96ED0AC95091}"/>
+          </ac:cxnSpMkLst>
+        </pc:cxnChg>
+        <pc:cxnChg chg="add del mod">
+          <ac:chgData name="Zhao Jin" userId="cd05a825-544c-438a-9ba1-08e63db50b47" providerId="ADAL" clId="{37A0D694-38DA-4421-B5D3-DEDBFC2EC57C}" dt="2021-02-03T08:39:14.474" v="649" actId="478"/>
+          <ac:cxnSpMkLst>
+            <pc:docMk/>
+            <pc:sldMk cId="4156536479" sldId="590"/>
+            <ac:cxnSpMk id="27" creationId="{5EB59BC9-1F48-4950-A1D9-6A7B4E0368EF}"/>
+          </ac:cxnSpMkLst>
+        </pc:cxnChg>
+        <pc:cxnChg chg="add mod">
+          <ac:chgData name="Zhao Jin" userId="cd05a825-544c-438a-9ba1-08e63db50b47" providerId="ADAL" clId="{37A0D694-38DA-4421-B5D3-DEDBFC2EC57C}" dt="2021-02-03T08:39:19.424" v="652" actId="14100"/>
+          <ac:cxnSpMkLst>
+            <pc:docMk/>
+            <pc:sldMk cId="4156536479" sldId="590"/>
+            <ac:cxnSpMk id="30" creationId="{FA77C354-F87B-40D8-BAA7-811F60DDD4B1}"/>
+          </ac:cxnSpMkLst>
+        </pc:cxnChg>
+      </pc:sldChg>
+      <pc:sldChg chg="addSp delSp modSp add mod delAnim">
+        <pc:chgData name="Zhao Jin" userId="cd05a825-544c-438a-9ba1-08e63db50b47" providerId="ADAL" clId="{37A0D694-38DA-4421-B5D3-DEDBFC2EC57C}" dt="2021-02-08T01:30:20.214" v="3620" actId="21"/>
+        <pc:sldMkLst>
+          <pc:docMk/>
+          <pc:sldMk cId="567798019" sldId="591"/>
+        </pc:sldMkLst>
+        <pc:spChg chg="mod">
+          <ac:chgData name="Zhao Jin" userId="cd05a825-544c-438a-9ba1-08e63db50b47" providerId="ADAL" clId="{37A0D694-38DA-4421-B5D3-DEDBFC2EC57C}" dt="2021-02-03T08:54:46.596" v="1324" actId="6549"/>
+          <ac:spMkLst>
+            <pc:docMk/>
+            <pc:sldMk cId="567798019" sldId="591"/>
+            <ac:spMk id="8" creationId="{3895F873-6CB7-4316-B798-EE54B3634728}"/>
+          </ac:spMkLst>
+        </pc:spChg>
+        <pc:spChg chg="add del mod">
+          <ac:chgData name="Zhao Jin" userId="cd05a825-544c-438a-9ba1-08e63db50b47" providerId="ADAL" clId="{37A0D694-38DA-4421-B5D3-DEDBFC2EC57C}" dt="2021-02-08T01:30:20.214" v="3620" actId="21"/>
+          <ac:spMkLst>
+            <pc:docMk/>
+            <pc:sldMk cId="567798019" sldId="591"/>
+            <ac:spMk id="9" creationId="{6806B5BD-EF55-41CA-929B-A292FC4E2456}"/>
+          </ac:spMkLst>
+        </pc:spChg>
+        <pc:spChg chg="add del mod">
+          <ac:chgData name="Zhao Jin" userId="cd05a825-544c-438a-9ba1-08e63db50b47" providerId="ADAL" clId="{37A0D694-38DA-4421-B5D3-DEDBFC2EC57C}" dt="2021-02-03T08:54:49.067" v="1325" actId="21"/>
+          <ac:spMkLst>
+            <pc:docMk/>
+            <pc:sldMk cId="567798019" sldId="591"/>
+            <ac:spMk id="11" creationId="{27FB5A5F-2DAE-417B-BFDB-4AF27D8AC53B}"/>
+          </ac:spMkLst>
+        </pc:spChg>
+        <pc:spChg chg="del">
+          <ac:chgData name="Zhao Jin" userId="cd05a825-544c-438a-9ba1-08e63db50b47" providerId="ADAL" clId="{37A0D694-38DA-4421-B5D3-DEDBFC2EC57C}" dt="2021-02-03T08:42:46.851" v="952" actId="478"/>
+          <ac:spMkLst>
+            <pc:docMk/>
+            <pc:sldMk cId="567798019" sldId="591"/>
+            <ac:spMk id="34" creationId="{1DA4B870-5E05-4566-A46F-B6A051179C55}"/>
+          </ac:spMkLst>
+        </pc:spChg>
+        <pc:spChg chg="mod">
+          <ac:chgData name="Zhao Jin" userId="cd05a825-544c-438a-9ba1-08e63db50b47" providerId="ADAL" clId="{37A0D694-38DA-4421-B5D3-DEDBFC2EC57C}" dt="2021-02-03T08:44:43.848" v="976" actId="21"/>
+          <ac:spMkLst>
+            <pc:docMk/>
+            <pc:sldMk cId="567798019" sldId="591"/>
+            <ac:spMk id="14338" creationId="{00000000-0000-0000-0000-000000000000}"/>
+          </ac:spMkLst>
+        </pc:spChg>
+        <pc:cxnChg chg="del mod">
+          <ac:chgData name="Zhao Jin" userId="cd05a825-544c-438a-9ba1-08e63db50b47" providerId="ADAL" clId="{37A0D694-38DA-4421-B5D3-DEDBFC2EC57C}" dt="2021-02-03T08:42:43.905" v="949" actId="478"/>
+          <ac:cxnSpMkLst>
+            <pc:docMk/>
+            <pc:sldMk cId="567798019" sldId="591"/>
+            <ac:cxnSpMk id="16" creationId="{B4CC9A1D-6448-41B2-BD14-CACDC771AC2A}"/>
+          </ac:cxnSpMkLst>
+        </pc:cxnChg>
+        <pc:cxnChg chg="del">
+          <ac:chgData name="Zhao Jin" userId="cd05a825-544c-438a-9ba1-08e63db50b47" providerId="ADAL" clId="{37A0D694-38DA-4421-B5D3-DEDBFC2EC57C}" dt="2021-02-03T08:42:44.937" v="950" actId="478"/>
+          <ac:cxnSpMkLst>
+            <pc:docMk/>
+            <pc:sldMk cId="567798019" sldId="591"/>
+            <ac:cxnSpMk id="22" creationId="{6298AF59-F7D9-4F05-84BF-96ED0AC95091}"/>
+          </ac:cxnSpMkLst>
+        </pc:cxnChg>
+        <pc:cxnChg chg="del">
+          <ac:chgData name="Zhao Jin" userId="cd05a825-544c-438a-9ba1-08e63db50b47" providerId="ADAL" clId="{37A0D694-38DA-4421-B5D3-DEDBFC2EC57C}" dt="2021-02-03T08:42:45.705" v="951" actId="478"/>
+          <ac:cxnSpMkLst>
+            <pc:docMk/>
+            <pc:sldMk cId="567798019" sldId="591"/>
+            <ac:cxnSpMk id="30" creationId="{FA77C354-F87B-40D8-BAA7-811F60DDD4B1}"/>
+          </ac:cxnSpMkLst>
+        </pc:cxnChg>
+      </pc:sldChg>
+      <pc:sldChg chg="addSp delSp modSp add mod delAnim">
+        <pc:chgData name="Zhao Jin" userId="cd05a825-544c-438a-9ba1-08e63db50b47" providerId="ADAL" clId="{37A0D694-38DA-4421-B5D3-DEDBFC2EC57C}" dt="2021-02-08T01:32:46.621" v="3700" actId="478"/>
+        <pc:sldMkLst>
+          <pc:docMk/>
+          <pc:sldMk cId="137810324" sldId="592"/>
+        </pc:sldMkLst>
+        <pc:spChg chg="mod">
+          <ac:chgData name="Zhao Jin" userId="cd05a825-544c-438a-9ba1-08e63db50b47" providerId="ADAL" clId="{37A0D694-38DA-4421-B5D3-DEDBFC2EC57C}" dt="2021-02-03T09:25:49.221" v="3341" actId="20577"/>
+          <ac:spMkLst>
+            <pc:docMk/>
+            <pc:sldMk cId="137810324" sldId="592"/>
+            <ac:spMk id="7" creationId="{00000000-0000-0000-0000-000000000000}"/>
+          </ac:spMkLst>
+        </pc:spChg>
+        <pc:spChg chg="add del mod">
+          <ac:chgData name="Zhao Jin" userId="cd05a825-544c-438a-9ba1-08e63db50b47" providerId="ADAL" clId="{37A0D694-38DA-4421-B5D3-DEDBFC2EC57C}" dt="2021-02-08T01:30:46.868" v="3629"/>
+          <ac:spMkLst>
+            <pc:docMk/>
+            <pc:sldMk cId="137810324" sldId="592"/>
+            <ac:spMk id="8" creationId="{1D4888C5-7427-41D4-A0E1-C5D8DC066CA7}"/>
+          </ac:spMkLst>
+        </pc:spChg>
+        <pc:spChg chg="add del mod">
+          <ac:chgData name="Zhao Jin" userId="cd05a825-544c-438a-9ba1-08e63db50b47" providerId="ADAL" clId="{37A0D694-38DA-4421-B5D3-DEDBFC2EC57C}" dt="2021-02-08T01:31:02.354" v="3637"/>
+          <ac:spMkLst>
+            <pc:docMk/>
+            <pc:sldMk cId="137810324" sldId="592"/>
+            <ac:spMk id="9" creationId="{7B98D121-E5CC-483E-9B8F-EF6E0F554F5C}"/>
+          </ac:spMkLst>
+        </pc:spChg>
+        <pc:spChg chg="add del mod">
+          <ac:chgData name="Zhao Jin" userId="cd05a825-544c-438a-9ba1-08e63db50b47" providerId="ADAL" clId="{37A0D694-38DA-4421-B5D3-DEDBFC2EC57C}" dt="2021-02-08T01:31:05.798" v="3639"/>
+          <ac:spMkLst>
+            <pc:docMk/>
+            <pc:sldMk cId="137810324" sldId="592"/>
+            <ac:spMk id="10" creationId="{89C502F5-8740-4FB5-954E-97A010AA4256}"/>
+          </ac:spMkLst>
+        </pc:spChg>
+        <pc:spChg chg="add del mod">
+          <ac:chgData name="Zhao Jin" userId="cd05a825-544c-438a-9ba1-08e63db50b47" providerId="ADAL" clId="{37A0D694-38DA-4421-B5D3-DEDBFC2EC57C}" dt="2021-02-08T01:32:46.621" v="3700" actId="478"/>
+          <ac:spMkLst>
+            <pc:docMk/>
+            <pc:sldMk cId="137810324" sldId="592"/>
+            <ac:spMk id="19" creationId="{A73A73BA-8D89-4B27-BFC3-9776D2EA4341}"/>
+          </ac:spMkLst>
+        </pc:spChg>
+        <pc:spChg chg="add del mod">
+          <ac:chgData name="Zhao Jin" userId="cd05a825-544c-438a-9ba1-08e63db50b47" providerId="ADAL" clId="{37A0D694-38DA-4421-B5D3-DEDBFC2EC57C}" dt="2021-02-03T08:51:15.889" v="1226"/>
+          <ac:spMkLst>
+            <pc:docMk/>
+            <pc:sldMk cId="137810324" sldId="592"/>
+            <ac:spMk id="20" creationId="{8BB54542-2902-49B4-956C-5A17427CC6C2}"/>
+          </ac:spMkLst>
+        </pc:spChg>
+        <pc:spChg chg="mod">
+          <ac:chgData name="Zhao Jin" userId="cd05a825-544c-438a-9ba1-08e63db50b47" providerId="ADAL" clId="{37A0D694-38DA-4421-B5D3-DEDBFC2EC57C}" dt="2021-02-03T08:50:25.459" v="1220" actId="20577"/>
+          <ac:spMkLst>
+            <pc:docMk/>
+            <pc:sldMk cId="137810324" sldId="592"/>
+            <ac:spMk id="49" creationId="{00000000-0000-0000-0000-000000000000}"/>
+          </ac:spMkLst>
+        </pc:spChg>
+        <pc:spChg chg="del">
+          <ac:chgData name="Zhao Jin" userId="cd05a825-544c-438a-9ba1-08e63db50b47" providerId="ADAL" clId="{37A0D694-38DA-4421-B5D3-DEDBFC2EC57C}" dt="2021-02-03T08:48:10.029" v="1077" actId="478"/>
+          <ac:spMkLst>
+            <pc:docMk/>
+            <pc:sldMk cId="137810324" sldId="592"/>
+            <ac:spMk id="60" creationId="{00000000-0000-0000-0000-000000000000}"/>
+          </ac:spMkLst>
+        </pc:spChg>
+        <pc:spChg chg="mod">
+          <ac:chgData name="Zhao Jin" userId="cd05a825-544c-438a-9ba1-08e63db50b47" providerId="ADAL" clId="{37A0D694-38DA-4421-B5D3-DEDBFC2EC57C}" dt="2021-02-03T08:45:31.559" v="978" actId="6549"/>
+          <ac:spMkLst>
+            <pc:docMk/>
+            <pc:sldMk cId="137810324" sldId="592"/>
+            <ac:spMk id="14338" creationId="{00000000-0000-0000-0000-000000000000}"/>
+          </ac:spMkLst>
+        </pc:spChg>
+        <pc:spChg chg="del">
+          <ac:chgData name="Zhao Jin" userId="cd05a825-544c-438a-9ba1-08e63db50b47" providerId="ADAL" clId="{37A0D694-38DA-4421-B5D3-DEDBFC2EC57C}" dt="2021-02-03T09:26:17.421" v="3353" actId="478"/>
+          <ac:spMkLst>
+            <pc:docMk/>
+            <pc:sldMk cId="137810324" sldId="592"/>
+            <ac:spMk id="14340" creationId="{00000000-0000-0000-0000-000000000000}"/>
+          </ac:spMkLst>
+        </pc:spChg>
+        <pc:grpChg chg="del">
+          <ac:chgData name="Zhao Jin" userId="cd05a825-544c-438a-9ba1-08e63db50b47" providerId="ADAL" clId="{37A0D694-38DA-4421-B5D3-DEDBFC2EC57C}" dt="2021-02-03T08:48:11.562" v="1078" actId="478"/>
+          <ac:grpSpMkLst>
+            <pc:docMk/>
+            <pc:sldMk cId="137810324" sldId="592"/>
+            <ac:grpSpMk id="50" creationId="{00000000-0000-0000-0000-000000000000}"/>
+          </ac:grpSpMkLst>
+        </pc:grpChg>
+        <pc:picChg chg="add mod">
+          <ac:chgData name="Zhao Jin" userId="cd05a825-544c-438a-9ba1-08e63db50b47" providerId="ADAL" clId="{37A0D694-38DA-4421-B5D3-DEDBFC2EC57C}" dt="2021-02-03T08:50:48.786" v="1224" actId="1076"/>
+          <ac:picMkLst>
+            <pc:docMk/>
+            <pc:sldMk cId="137810324" sldId="592"/>
+            <ac:picMk id="2050" creationId="{05AE613C-318D-4BEE-A9E2-BA80E156FFE6}"/>
+          </ac:picMkLst>
+        </pc:picChg>
+        <pc:cxnChg chg="mod">
+          <ac:chgData name="Zhao Jin" userId="cd05a825-544c-438a-9ba1-08e63db50b47" providerId="ADAL" clId="{37A0D694-38DA-4421-B5D3-DEDBFC2EC57C}" dt="2021-02-03T08:48:11.562" v="1078" actId="478"/>
+          <ac:cxnSpMkLst>
+            <pc:docMk/>
+            <pc:sldMk cId="137810324" sldId="592"/>
+            <ac:cxnSpMk id="52" creationId="{00000000-0000-0000-0000-000000000000}"/>
+          </ac:cxnSpMkLst>
+        </pc:cxnChg>
+        <pc:cxnChg chg="mod">
+          <ac:chgData name="Zhao Jin" userId="cd05a825-544c-438a-9ba1-08e63db50b47" providerId="ADAL" clId="{37A0D694-38DA-4421-B5D3-DEDBFC2EC57C}" dt="2021-02-03T08:48:11.562" v="1078" actId="478"/>
+          <ac:cxnSpMkLst>
+            <pc:docMk/>
+            <pc:sldMk cId="137810324" sldId="592"/>
+            <ac:cxnSpMk id="57" creationId="{00000000-0000-0000-0000-000000000000}"/>
+          </ac:cxnSpMkLst>
+        </pc:cxnChg>
+        <pc:cxnChg chg="mod">
+          <ac:chgData name="Zhao Jin" userId="cd05a825-544c-438a-9ba1-08e63db50b47" providerId="ADAL" clId="{37A0D694-38DA-4421-B5D3-DEDBFC2EC57C}" dt="2021-02-03T08:48:11.562" v="1078" actId="478"/>
+          <ac:cxnSpMkLst>
+            <pc:docMk/>
+            <pc:sldMk cId="137810324" sldId="592"/>
+            <ac:cxnSpMk id="58" creationId="{00000000-0000-0000-0000-000000000000}"/>
+          </ac:cxnSpMkLst>
+        </pc:cxnChg>
+        <pc:cxnChg chg="mod">
+          <ac:chgData name="Zhao Jin" userId="cd05a825-544c-438a-9ba1-08e63db50b47" providerId="ADAL" clId="{37A0D694-38DA-4421-B5D3-DEDBFC2EC57C}" dt="2021-02-03T08:48:11.562" v="1078" actId="478"/>
+          <ac:cxnSpMkLst>
+            <pc:docMk/>
+            <pc:sldMk cId="137810324" sldId="592"/>
+            <ac:cxnSpMk id="59" creationId="{00000000-0000-0000-0000-000000000000}"/>
+          </ac:cxnSpMkLst>
+        </pc:cxnChg>
+      </pc:sldChg>
+      <pc:sldChg chg="addSp delSp modSp add mod">
+        <pc:chgData name="Zhao Jin" userId="cd05a825-544c-438a-9ba1-08e63db50b47" providerId="ADAL" clId="{37A0D694-38DA-4421-B5D3-DEDBFC2EC57C}" dt="2021-02-04T05:05:17.681" v="3392" actId="14100"/>
+        <pc:sldMkLst>
+          <pc:docMk/>
+          <pc:sldMk cId="3233082706" sldId="593"/>
+        </pc:sldMkLst>
+        <pc:spChg chg="add mod">
+          <ac:chgData name="Zhao Jin" userId="cd05a825-544c-438a-9ba1-08e63db50b47" providerId="ADAL" clId="{37A0D694-38DA-4421-B5D3-DEDBFC2EC57C}" dt="2021-02-03T08:57:31.439" v="1415" actId="207"/>
+          <ac:spMkLst>
+            <pc:docMk/>
+            <pc:sldMk cId="3233082706" sldId="593"/>
+            <ac:spMk id="2" creationId="{4BB57D7F-D6C0-4E98-B5AC-D68743875716}"/>
+          </ac:spMkLst>
+        </pc:spChg>
+        <pc:spChg chg="mod">
+          <ac:chgData name="Zhao Jin" userId="cd05a825-544c-438a-9ba1-08e63db50b47" providerId="ADAL" clId="{37A0D694-38DA-4421-B5D3-DEDBFC2EC57C}" dt="2021-02-03T09:25:53.539" v="3343" actId="20577"/>
+          <ac:spMkLst>
+            <pc:docMk/>
+            <pc:sldMk cId="3233082706" sldId="593"/>
+            <ac:spMk id="7" creationId="{00000000-0000-0000-0000-000000000000}"/>
+          </ac:spMkLst>
+        </pc:spChg>
+        <pc:spChg chg="add mod">
+          <ac:chgData name="Zhao Jin" userId="cd05a825-544c-438a-9ba1-08e63db50b47" providerId="ADAL" clId="{37A0D694-38DA-4421-B5D3-DEDBFC2EC57C}" dt="2021-02-03T09:01:13.020" v="1570" actId="14100"/>
+          <ac:spMkLst>
+            <pc:docMk/>
+            <pc:sldMk cId="3233082706" sldId="593"/>
+            <ac:spMk id="11" creationId="{F029A077-040C-47D9-850C-BB5ACF662EAB}"/>
+          </ac:spMkLst>
+        </pc:spChg>
+        <pc:spChg chg="add mod">
+          <ac:chgData name="Zhao Jin" userId="cd05a825-544c-438a-9ba1-08e63db50b47" providerId="ADAL" clId="{37A0D694-38DA-4421-B5D3-DEDBFC2EC57C}" dt="2021-02-04T05:05:17.681" v="3392" actId="14100"/>
+          <ac:spMkLst>
+            <pc:docMk/>
+            <pc:sldMk cId="3233082706" sldId="593"/>
+            <ac:spMk id="13" creationId="{7E76B3B7-DB38-480B-B780-0306142FB5A0}"/>
+          </ac:spMkLst>
+        </pc:spChg>
+        <pc:spChg chg="del">
+          <ac:chgData name="Zhao Jin" userId="cd05a825-544c-438a-9ba1-08e63db50b47" providerId="ADAL" clId="{37A0D694-38DA-4421-B5D3-DEDBFC2EC57C}" dt="2021-02-03T08:57:13.403" v="1412" actId="478"/>
+          <ac:spMkLst>
+            <pc:docMk/>
+            <pc:sldMk cId="3233082706" sldId="593"/>
+            <ac:spMk id="19" creationId="{A73A73BA-8D89-4B27-BFC3-9776D2EA4341}"/>
+          </ac:spMkLst>
+        </pc:spChg>
+        <pc:spChg chg="mod">
+          <ac:chgData name="Zhao Jin" userId="cd05a825-544c-438a-9ba1-08e63db50b47" providerId="ADAL" clId="{37A0D694-38DA-4421-B5D3-DEDBFC2EC57C}" dt="2021-02-03T08:57:48.855" v="1418" actId="14100"/>
+          <ac:spMkLst>
+            <pc:docMk/>
+            <pc:sldMk cId="3233082706" sldId="593"/>
+            <ac:spMk id="49" creationId="{00000000-0000-0000-0000-000000000000}"/>
+          </ac:spMkLst>
+        </pc:spChg>
+        <pc:spChg chg="mod">
+          <ac:chgData name="Zhao Jin" userId="cd05a825-544c-438a-9ba1-08e63db50b47" providerId="ADAL" clId="{37A0D694-38DA-4421-B5D3-DEDBFC2EC57C}" dt="2021-02-03T08:51:48.162" v="1263" actId="20577"/>
+          <ac:spMkLst>
+            <pc:docMk/>
+            <pc:sldMk cId="3233082706" sldId="593"/>
+            <ac:spMk id="14338" creationId="{00000000-0000-0000-0000-000000000000}"/>
+          </ac:spMkLst>
+        </pc:spChg>
+        <pc:spChg chg="del">
+          <ac:chgData name="Zhao Jin" userId="cd05a825-544c-438a-9ba1-08e63db50b47" providerId="ADAL" clId="{37A0D694-38DA-4421-B5D3-DEDBFC2EC57C}" dt="2021-02-03T09:26:15.669" v="3352" actId="478"/>
+          <ac:spMkLst>
+            <pc:docMk/>
+            <pc:sldMk cId="3233082706" sldId="593"/>
+            <ac:spMk id="14340" creationId="{00000000-0000-0000-0000-000000000000}"/>
+          </ac:spMkLst>
+        </pc:spChg>
+        <pc:picChg chg="del mod">
+          <ac:chgData name="Zhao Jin" userId="cd05a825-544c-438a-9ba1-08e63db50b47" providerId="ADAL" clId="{37A0D694-38DA-4421-B5D3-DEDBFC2EC57C}" dt="2021-02-03T08:51:58.070" v="1266" actId="478"/>
+          <ac:picMkLst>
+            <pc:docMk/>
+            <pc:sldMk cId="3233082706" sldId="593"/>
+            <ac:picMk id="2050" creationId="{05AE613C-318D-4BEE-A9E2-BA80E156FFE6}"/>
+          </ac:picMkLst>
+        </pc:picChg>
+        <pc:picChg chg="add mod">
+          <ac:chgData name="Zhao Jin" userId="cd05a825-544c-438a-9ba1-08e63db50b47" providerId="ADAL" clId="{37A0D694-38DA-4421-B5D3-DEDBFC2EC57C}" dt="2021-02-03T08:52:24.677" v="1272" actId="1076"/>
+          <ac:picMkLst>
+            <pc:docMk/>
+            <pc:sldMk cId="3233082706" sldId="593"/>
+            <ac:picMk id="6146" creationId="{D5D43BF4-41EA-4FBF-B1D8-954520609CFC}"/>
+          </ac:picMkLst>
+        </pc:picChg>
+      </pc:sldChg>
+      <pc:sldChg chg="add del">
+        <pc:chgData name="Zhao Jin" userId="cd05a825-544c-438a-9ba1-08e63db50b47" providerId="ADAL" clId="{37A0D694-38DA-4421-B5D3-DEDBFC2EC57C}" dt="2021-02-03T08:52:31.399" v="1274"/>
+        <pc:sldMkLst>
+          <pc:docMk/>
+          <pc:sldMk cId="2125946801" sldId="594"/>
+        </pc:sldMkLst>
+      </pc:sldChg>
+      <pc:sldChg chg="addSp delSp modSp add mod delAnim">
+        <pc:chgData name="Zhao Jin" userId="cd05a825-544c-438a-9ba1-08e63db50b47" providerId="ADAL" clId="{37A0D694-38DA-4421-B5D3-DEDBFC2EC57C}" dt="2021-02-03T09:39:04.677" v="3364" actId="13926"/>
+        <pc:sldMkLst>
+          <pc:docMk/>
+          <pc:sldMk cId="2217225800" sldId="594"/>
+        </pc:sldMkLst>
+        <pc:spChg chg="mod">
+          <ac:chgData name="Zhao Jin" userId="cd05a825-544c-438a-9ba1-08e63db50b47" providerId="ADAL" clId="{37A0D694-38DA-4421-B5D3-DEDBFC2EC57C}" dt="2021-02-03T09:39:04.677" v="3364" actId="13926"/>
+          <ac:spMkLst>
+            <pc:docMk/>
+            <pc:sldMk cId="2217225800" sldId="594"/>
+            <ac:spMk id="8" creationId="{3895F873-6CB7-4316-B798-EE54B3634728}"/>
+          </ac:spMkLst>
+        </pc:spChg>
+        <pc:spChg chg="add mod">
+          <ac:chgData name="Zhao Jin" userId="cd05a825-544c-438a-9ba1-08e63db50b47" providerId="ADAL" clId="{37A0D694-38DA-4421-B5D3-DEDBFC2EC57C}" dt="2021-02-03T08:55:45.605" v="1357" actId="1076"/>
+          <ac:spMkLst>
+            <pc:docMk/>
+            <pc:sldMk cId="2217225800" sldId="594"/>
+            <ac:spMk id="11" creationId="{552429B4-BD20-4EAF-8B36-51498E5AACDA}"/>
+          </ac:spMkLst>
+        </pc:spChg>
+        <pc:spChg chg="del">
+          <ac:chgData name="Zhao Jin" userId="cd05a825-544c-438a-9ba1-08e63db50b47" providerId="ADAL" clId="{37A0D694-38DA-4421-B5D3-DEDBFC2EC57C}" dt="2021-02-03T08:54:12.692" v="1306" actId="478"/>
+          <ac:spMkLst>
+            <pc:docMk/>
+            <pc:sldMk cId="2217225800" sldId="594"/>
+            <ac:spMk id="34" creationId="{1DA4B870-5E05-4566-A46F-B6A051179C55}"/>
+          </ac:spMkLst>
+        </pc:spChg>
+        <pc:spChg chg="mod">
+          <ac:chgData name="Zhao Jin" userId="cd05a825-544c-438a-9ba1-08e63db50b47" providerId="ADAL" clId="{37A0D694-38DA-4421-B5D3-DEDBFC2EC57C}" dt="2021-02-03T08:53:27.759" v="1297" actId="20577"/>
+          <ac:spMkLst>
+            <pc:docMk/>
+            <pc:sldMk cId="2217225800" sldId="594"/>
+            <ac:spMk id="14338" creationId="{00000000-0000-0000-0000-000000000000}"/>
+          </ac:spMkLst>
+        </pc:spChg>
+        <pc:cxnChg chg="del">
+          <ac:chgData name="Zhao Jin" userId="cd05a825-544c-438a-9ba1-08e63db50b47" providerId="ADAL" clId="{37A0D694-38DA-4421-B5D3-DEDBFC2EC57C}" dt="2021-02-03T08:53:21.738" v="1288" actId="478"/>
+          <ac:cxnSpMkLst>
+            <pc:docMk/>
+            <pc:sldMk cId="2217225800" sldId="594"/>
+            <ac:cxnSpMk id="16" creationId="{B4CC9A1D-6448-41B2-BD14-CACDC771AC2A}"/>
+          </ac:cxnSpMkLst>
+        </pc:cxnChg>
+        <pc:cxnChg chg="del">
+          <ac:chgData name="Zhao Jin" userId="cd05a825-544c-438a-9ba1-08e63db50b47" providerId="ADAL" clId="{37A0D694-38DA-4421-B5D3-DEDBFC2EC57C}" dt="2021-02-03T08:53:22.476" v="1289" actId="478"/>
+          <ac:cxnSpMkLst>
+            <pc:docMk/>
+            <pc:sldMk cId="2217225800" sldId="594"/>
+            <ac:cxnSpMk id="22" creationId="{6298AF59-F7D9-4F05-84BF-96ED0AC95091}"/>
+          </ac:cxnSpMkLst>
+        </pc:cxnChg>
+        <pc:cxnChg chg="del">
+          <ac:chgData name="Zhao Jin" userId="cd05a825-544c-438a-9ba1-08e63db50b47" providerId="ADAL" clId="{37A0D694-38DA-4421-B5D3-DEDBFC2EC57C}" dt="2021-02-03T08:53:23.755" v="1290" actId="478"/>
+          <ac:cxnSpMkLst>
+            <pc:docMk/>
+            <pc:sldMk cId="2217225800" sldId="594"/>
+            <ac:cxnSpMk id="30" creationId="{FA77C354-F87B-40D8-BAA7-811F60DDD4B1}"/>
+          </ac:cxnSpMkLst>
+        </pc:cxnChg>
+      </pc:sldChg>
+      <pc:sldChg chg="addSp modSp add mod">
+        <pc:chgData name="Zhao Jin" userId="cd05a825-544c-438a-9ba1-08e63db50b47" providerId="ADAL" clId="{37A0D694-38DA-4421-B5D3-DEDBFC2EC57C}" dt="2021-02-08T02:03:35.963" v="4958" actId="1076"/>
+        <pc:sldMkLst>
+          <pc:docMk/>
+          <pc:sldMk cId="2419983458" sldId="595"/>
+        </pc:sldMkLst>
+        <pc:spChg chg="mod">
+          <ac:chgData name="Zhao Jin" userId="cd05a825-544c-438a-9ba1-08e63db50b47" providerId="ADAL" clId="{37A0D694-38DA-4421-B5D3-DEDBFC2EC57C}" dt="2021-02-03T09:39:25.953" v="3369" actId="13926"/>
+          <ac:spMkLst>
+            <pc:docMk/>
+            <pc:sldMk cId="2419983458" sldId="595"/>
+            <ac:spMk id="8" creationId="{3895F873-6CB7-4316-B798-EE54B3634728}"/>
+          </ac:spMkLst>
+        </pc:spChg>
+        <pc:spChg chg="add mod">
+          <ac:chgData name="Zhao Jin" userId="cd05a825-544c-438a-9ba1-08e63db50b47" providerId="ADAL" clId="{37A0D694-38DA-4421-B5D3-DEDBFC2EC57C}" dt="2021-02-08T02:03:35.963" v="4958" actId="1076"/>
+          <ac:spMkLst>
+            <pc:docMk/>
+            <pc:sldMk cId="2419983458" sldId="595"/>
+            <ac:spMk id="9" creationId="{02DD4937-725F-46B8-8AE4-992DF5A782AD}"/>
+          </ac:spMkLst>
+        </pc:spChg>
+        <pc:spChg chg="mod">
+          <ac:chgData name="Zhao Jin" userId="cd05a825-544c-438a-9ba1-08e63db50b47" providerId="ADAL" clId="{37A0D694-38DA-4421-B5D3-DEDBFC2EC57C}" dt="2021-02-03T09:00:05.278" v="1558" actId="20577"/>
+          <ac:spMkLst>
+            <pc:docMk/>
+            <pc:sldMk cId="2419983458" sldId="595"/>
+            <ac:spMk id="14338" creationId="{00000000-0000-0000-0000-000000000000}"/>
+          </ac:spMkLst>
+        </pc:spChg>
+      </pc:sldChg>
+      <pc:sldChg chg="addSp delSp modSp add del mod delAnim">
+        <pc:chgData name="Zhao Jin" userId="cd05a825-544c-438a-9ba1-08e63db50b47" providerId="ADAL" clId="{37A0D694-38DA-4421-B5D3-DEDBFC2EC57C}" dt="2021-02-03T09:05:13.520" v="1668" actId="47"/>
+        <pc:sldMkLst>
+          <pc:docMk/>
+          <pc:sldMk cId="765980287" sldId="596"/>
+        </pc:sldMkLst>
+        <pc:spChg chg="add mod">
+          <ac:chgData name="Zhao Jin" userId="cd05a825-544c-438a-9ba1-08e63db50b47" providerId="ADAL" clId="{37A0D694-38DA-4421-B5D3-DEDBFC2EC57C}" dt="2021-02-03T09:03:01.268" v="1666" actId="20577"/>
+          <ac:spMkLst>
+            <pc:docMk/>
+            <pc:sldMk cId="765980287" sldId="596"/>
+            <ac:spMk id="8" creationId="{FAD97811-8BEC-434B-B3F2-C8FE23FA8D81}"/>
+          </ac:spMkLst>
+        </pc:spChg>
+        <pc:spChg chg="del">
+          <ac:chgData name="Zhao Jin" userId="cd05a825-544c-438a-9ba1-08e63db50b47" providerId="ADAL" clId="{37A0D694-38DA-4421-B5D3-DEDBFC2EC57C}" dt="2021-02-03T09:02:13.725" v="1581" actId="478"/>
+          <ac:spMkLst>
+            <pc:docMk/>
+            <pc:sldMk cId="765980287" sldId="596"/>
+            <ac:spMk id="11" creationId="{675C9FBE-306E-46A7-BAB9-46BD27707AF2}"/>
+          </ac:spMkLst>
+        </pc:spChg>
+        <pc:spChg chg="mod">
+          <ac:chgData name="Zhao Jin" userId="cd05a825-544c-438a-9ba1-08e63db50b47" providerId="ADAL" clId="{37A0D694-38DA-4421-B5D3-DEDBFC2EC57C}" dt="2021-02-03T09:02:08.547" v="1578" actId="20577"/>
+          <ac:spMkLst>
+            <pc:docMk/>
+            <pc:sldMk cId="765980287" sldId="596"/>
+            <ac:spMk id="14338" creationId="{00000000-0000-0000-0000-000000000000}"/>
+          </ac:spMkLst>
+        </pc:spChg>
+        <pc:graphicFrameChg chg="del">
+          <ac:chgData name="Zhao Jin" userId="cd05a825-544c-438a-9ba1-08e63db50b47" providerId="ADAL" clId="{37A0D694-38DA-4421-B5D3-DEDBFC2EC57C}" dt="2021-02-03T09:02:12.549" v="1580" actId="478"/>
+          <ac:graphicFrameMkLst>
+            <pc:docMk/>
+            <pc:sldMk cId="765980287" sldId="596"/>
+            <ac:graphicFrameMk id="10" creationId="{74304014-08C4-4321-AD74-36FAC51612DB}"/>
+          </ac:graphicFrameMkLst>
+        </pc:graphicFrameChg>
+        <pc:picChg chg="del">
+          <ac:chgData name="Zhao Jin" userId="cd05a825-544c-438a-9ba1-08e63db50b47" providerId="ADAL" clId="{37A0D694-38DA-4421-B5D3-DEDBFC2EC57C}" dt="2021-02-03T09:02:10.162" v="1579" actId="478"/>
+          <ac:picMkLst>
+            <pc:docMk/>
+            <pc:sldMk cId="765980287" sldId="596"/>
+            <ac:picMk id="4" creationId="{EAFF9153-D379-4E7D-9B97-29843966A9B9}"/>
+          </ac:picMkLst>
+        </pc:picChg>
+      </pc:sldChg>
+      <pc:sldChg chg="addSp delSp modSp add mod delAnim modAnim">
+        <pc:chgData name="Zhao Jin" userId="cd05a825-544c-438a-9ba1-08e63db50b47" providerId="ADAL" clId="{37A0D694-38DA-4421-B5D3-DEDBFC2EC57C}" dt="2021-02-08T01:42:03.171" v="4089"/>
+        <pc:sldMkLst>
+          <pc:docMk/>
+          <pc:sldMk cId="3643682471" sldId="596"/>
+        </pc:sldMkLst>
+        <pc:spChg chg="add mod">
+          <ac:chgData name="Zhao Jin" userId="cd05a825-544c-438a-9ba1-08e63db50b47" providerId="ADAL" clId="{37A0D694-38DA-4421-B5D3-DEDBFC2EC57C}" dt="2021-02-03T09:20:12.333" v="3126" actId="207"/>
+          <ac:spMkLst>
+            <pc:docMk/>
+            <pc:sldMk cId="3643682471" sldId="596"/>
+            <ac:spMk id="7" creationId="{BFBA3626-DC9B-4A39-BA4F-6360F818DCE3}"/>
+          </ac:spMkLst>
+        </pc:spChg>
+        <pc:spChg chg="add mod">
+          <ac:chgData name="Zhao Jin" userId="cd05a825-544c-438a-9ba1-08e63db50b47" providerId="ADAL" clId="{37A0D694-38DA-4421-B5D3-DEDBFC2EC57C}" dt="2021-02-03T09:20:25.307" v="3127" actId="1076"/>
+          <ac:spMkLst>
+            <pc:docMk/>
+            <pc:sldMk cId="3643682471" sldId="596"/>
+            <ac:spMk id="8" creationId="{A65AE342-14B8-4A3C-8F93-D714DA24339E}"/>
+          </ac:spMkLst>
+        </pc:spChg>
+        <pc:spChg chg="mod">
+          <ac:chgData name="Zhao Jin" userId="cd05a825-544c-438a-9ba1-08e63db50b47" providerId="ADAL" clId="{37A0D694-38DA-4421-B5D3-DEDBFC2EC57C}" dt="2021-02-08T01:42:03.171" v="4089"/>
+          <ac:spMkLst>
+            <pc:docMk/>
+            <pc:sldMk cId="3643682471" sldId="596"/>
+            <ac:spMk id="9" creationId="{00000000-0000-0000-0000-000000000000}"/>
+          </ac:spMkLst>
+        </pc:spChg>
+        <pc:spChg chg="add mod">
+          <ac:chgData name="Zhao Jin" userId="cd05a825-544c-438a-9ba1-08e63db50b47" providerId="ADAL" clId="{37A0D694-38DA-4421-B5D3-DEDBFC2EC57C}" dt="2021-02-03T09:20:27.433" v="3128" actId="14100"/>
+          <ac:spMkLst>
+            <pc:docMk/>
+            <pc:sldMk cId="3643682471" sldId="596"/>
+            <ac:spMk id="10" creationId="{9981BD99-7AFF-496B-8179-D25CE6127E97}"/>
+          </ac:spMkLst>
+        </pc:spChg>
+        <pc:spChg chg="del mod">
+          <ac:chgData name="Zhao Jin" userId="cd05a825-544c-438a-9ba1-08e63db50b47" providerId="ADAL" clId="{37A0D694-38DA-4421-B5D3-DEDBFC2EC57C}" dt="2021-02-03T09:15:31.710" v="2958" actId="478"/>
+          <ac:spMkLst>
+            <pc:docMk/>
+            <pc:sldMk cId="3643682471" sldId="596"/>
+            <ac:spMk id="15" creationId="{00000000-0000-0000-0000-000000000000}"/>
+          </ac:spMkLst>
+        </pc:spChg>
+        <pc:spChg chg="del">
+          <ac:chgData name="Zhao Jin" userId="cd05a825-544c-438a-9ba1-08e63db50b47" providerId="ADAL" clId="{37A0D694-38DA-4421-B5D3-DEDBFC2EC57C}" dt="2021-02-08T01:41:53.746" v="4087" actId="478"/>
+          <ac:spMkLst>
+            <pc:docMk/>
+            <pc:sldMk cId="3643682471" sldId="596"/>
+            <ac:spMk id="25604" creationId="{00000000-0000-0000-0000-000000000000}"/>
+          </ac:spMkLst>
+        </pc:spChg>
+      </pc:sldChg>
+      <pc:sldChg chg="delSp modSp add mod modAnim">
+        <pc:chgData name="Zhao Jin" userId="cd05a825-544c-438a-9ba1-08e63db50b47" providerId="ADAL" clId="{37A0D694-38DA-4421-B5D3-DEDBFC2EC57C}" dt="2021-02-03T09:39:34.898" v="3370" actId="6549"/>
+        <pc:sldMkLst>
+          <pc:docMk/>
+          <pc:sldMk cId="3231946261" sldId="597"/>
+        </pc:sldMkLst>
+        <pc:spChg chg="mod">
+          <ac:chgData name="Zhao Jin" userId="cd05a825-544c-438a-9ba1-08e63db50b47" providerId="ADAL" clId="{37A0D694-38DA-4421-B5D3-DEDBFC2EC57C}" dt="2021-02-03T09:26:00.331" v="3344"/>
+          <ac:spMkLst>
+            <pc:docMk/>
+            <pc:sldMk cId="3231946261" sldId="597"/>
+            <ac:spMk id="9" creationId="{00000000-0000-0000-0000-000000000000}"/>
+          </ac:spMkLst>
+        </pc:spChg>
+        <pc:spChg chg="mod">
+          <ac:chgData name="Zhao Jin" userId="cd05a825-544c-438a-9ba1-08e63db50b47" providerId="ADAL" clId="{37A0D694-38DA-4421-B5D3-DEDBFC2EC57C}" dt="2021-02-03T09:39:34.898" v="3370" actId="6549"/>
+          <ac:spMkLst>
+            <pc:docMk/>
+            <pc:sldMk cId="3231946261" sldId="597"/>
+            <ac:spMk id="15" creationId="{00000000-0000-0000-0000-000000000000}"/>
+          </ac:spMkLst>
+        </pc:spChg>
+        <pc:spChg chg="del">
+          <ac:chgData name="Zhao Jin" userId="cd05a825-544c-438a-9ba1-08e63db50b47" providerId="ADAL" clId="{37A0D694-38DA-4421-B5D3-DEDBFC2EC57C}" dt="2021-02-03T09:26:13.830" v="3351" actId="478"/>
+          <ac:spMkLst>
+            <pc:docMk/>
+            <pc:sldMk cId="3231946261" sldId="597"/>
+            <ac:spMk id="25604" creationId="{00000000-0000-0000-0000-000000000000}"/>
+          </ac:spMkLst>
+        </pc:spChg>
+      </pc:sldChg>
+      <pc:sldChg chg="delSp modSp add mod ord">
+        <pc:chgData name="Zhao Jin" userId="cd05a825-544c-438a-9ba1-08e63db50b47" providerId="ADAL" clId="{37A0D694-38DA-4421-B5D3-DEDBFC2EC57C}" dt="2021-02-08T01:42:01.261" v="4088"/>
+        <pc:sldMkLst>
+          <pc:docMk/>
+          <pc:sldMk cId="4002657513" sldId="598"/>
+        </pc:sldMkLst>
+        <pc:spChg chg="mod">
+          <ac:chgData name="Zhao Jin" userId="cd05a825-544c-438a-9ba1-08e63db50b47" providerId="ADAL" clId="{37A0D694-38DA-4421-B5D3-DEDBFC2EC57C}" dt="2021-02-03T09:18:10.033" v="3004" actId="20577"/>
+          <ac:spMkLst>
+            <pc:docMk/>
+            <pc:sldMk cId="4002657513" sldId="598"/>
+            <ac:spMk id="7" creationId="{BFBA3626-DC9B-4A39-BA4F-6360F818DCE3}"/>
+          </ac:spMkLst>
+        </pc:spChg>
+        <pc:spChg chg="mod">
+          <ac:chgData name="Zhao Jin" userId="cd05a825-544c-438a-9ba1-08e63db50b47" providerId="ADAL" clId="{37A0D694-38DA-4421-B5D3-DEDBFC2EC57C}" dt="2021-02-08T01:42:01.261" v="4088"/>
+          <ac:spMkLst>
+            <pc:docMk/>
+            <pc:sldMk cId="4002657513" sldId="598"/>
+            <ac:spMk id="9" creationId="{00000000-0000-0000-0000-000000000000}"/>
+          </ac:spMkLst>
+        </pc:spChg>
+        <pc:spChg chg="del">
+          <ac:chgData name="Zhao Jin" userId="cd05a825-544c-438a-9ba1-08e63db50b47" providerId="ADAL" clId="{37A0D694-38DA-4421-B5D3-DEDBFC2EC57C}" dt="2021-02-04T05:03:37.840" v="3371" actId="478"/>
+          <ac:spMkLst>
+            <pc:docMk/>
+            <pc:sldMk cId="4002657513" sldId="598"/>
+            <ac:spMk id="25604" creationId="{00000000-0000-0000-0000-000000000000}"/>
+          </ac:spMkLst>
+        </pc:spChg>
+      </pc:sldChg>
+      <pc:sldChg chg="addSp delSp modSp add mod ord modClrScheme addAnim delAnim modAnim chgLayout">
+        <pc:chgData name="Zhao Jin" userId="cd05a825-544c-438a-9ba1-08e63db50b47" providerId="ADAL" clId="{37A0D694-38DA-4421-B5D3-DEDBFC2EC57C}" dt="2021-02-04T05:05:47.079" v="3393" actId="478"/>
+        <pc:sldMkLst>
+          <pc:docMk/>
+          <pc:sldMk cId="2930953569" sldId="599"/>
+        </pc:sldMkLst>
+        <pc:spChg chg="add del mod">
+          <ac:chgData name="Zhao Jin" userId="cd05a825-544c-438a-9ba1-08e63db50b47" providerId="ADAL" clId="{37A0D694-38DA-4421-B5D3-DEDBFC2EC57C}" dt="2021-02-04T05:03:51.544" v="3374" actId="478"/>
+          <ac:spMkLst>
+            <pc:docMk/>
+            <pc:sldMk cId="2930953569" sldId="599"/>
+            <ac:spMk id="3" creationId="{3E9D9044-BC32-432C-B8FE-F025054738CB}"/>
+          </ac:spMkLst>
+        </pc:spChg>
+        <pc:spChg chg="mod">
+          <ac:chgData name="Zhao Jin" userId="cd05a825-544c-438a-9ba1-08e63db50b47" providerId="ADAL" clId="{37A0D694-38DA-4421-B5D3-DEDBFC2EC57C}" dt="2021-02-04T05:04:31.896" v="3387" actId="26606"/>
+          <ac:spMkLst>
+            <pc:docMk/>
+            <pc:sldMk cId="2930953569" sldId="599"/>
+            <ac:spMk id="7" creationId="{00000000-0000-0000-0000-000000000000}"/>
+          </ac:spMkLst>
+        </pc:spChg>
+        <pc:spChg chg="del">
+          <ac:chgData name="Zhao Jin" userId="cd05a825-544c-438a-9ba1-08e63db50b47" providerId="ADAL" clId="{37A0D694-38DA-4421-B5D3-DEDBFC2EC57C}" dt="2021-02-04T05:03:53.285" v="3376" actId="478"/>
+          <ac:spMkLst>
+            <pc:docMk/>
+            <pc:sldMk cId="2930953569" sldId="599"/>
+            <ac:spMk id="8" creationId="{3895F873-6CB7-4316-B798-EE54B3634728}"/>
+          </ac:spMkLst>
+        </pc:spChg>
+        <pc:spChg chg="del">
+          <ac:chgData name="Zhao Jin" userId="cd05a825-544c-438a-9ba1-08e63db50b47" providerId="ADAL" clId="{37A0D694-38DA-4421-B5D3-DEDBFC2EC57C}" dt="2021-02-04T05:03:55.125" v="3377" actId="478"/>
+          <ac:spMkLst>
+            <pc:docMk/>
+            <pc:sldMk cId="2930953569" sldId="599"/>
+            <ac:spMk id="11" creationId="{552429B4-BD20-4EAF-8B36-51498E5AACDA}"/>
+          </ac:spMkLst>
+        </pc:spChg>
+        <pc:spChg chg="mod modVis">
+          <ac:chgData name="Zhao Jin" userId="cd05a825-544c-438a-9ba1-08e63db50b47" providerId="ADAL" clId="{37A0D694-38DA-4421-B5D3-DEDBFC2EC57C}" dt="2021-02-04T05:04:31.896" v="3387" actId="26606"/>
+          <ac:spMkLst>
+            <pc:docMk/>
+            <pc:sldMk cId="2930953569" sldId="599"/>
+            <ac:spMk id="12" creationId="{00000000-0000-0000-0000-000000000000}"/>
+          </ac:spMkLst>
+        </pc:spChg>
+        <pc:spChg chg="add del mod">
+          <ac:chgData name="Zhao Jin" userId="cd05a825-544c-438a-9ba1-08e63db50b47" providerId="ADAL" clId="{37A0D694-38DA-4421-B5D3-DEDBFC2EC57C}" dt="2021-02-04T05:04:31.896" v="3387" actId="26606"/>
+          <ac:spMkLst>
+            <pc:docMk/>
+            <pc:sldMk cId="2930953569" sldId="599"/>
+            <ac:spMk id="71" creationId="{DE77B3E8-31F2-4F1F-ABE8-C6A0683B51CF}"/>
+          </ac:spMkLst>
+        </pc:spChg>
+        <pc:spChg chg="add del mod">
+          <ac:chgData name="Zhao Jin" userId="cd05a825-544c-438a-9ba1-08e63db50b47" providerId="ADAL" clId="{37A0D694-38DA-4421-B5D3-DEDBFC2EC57C}" dt="2021-02-04T05:04:31.896" v="3387" actId="26606"/>
+          <ac:spMkLst>
+            <pc:docMk/>
+            <pc:sldMk cId="2930953569" sldId="599"/>
+            <ac:spMk id="73" creationId="{21A3772B-FFD2-477C-980C-808FDE05940B}"/>
+          </ac:spMkLst>
+        </pc:spChg>
+        <pc:spChg chg="add del mod">
+          <ac:chgData name="Zhao Jin" userId="cd05a825-544c-438a-9ba1-08e63db50b47" providerId="ADAL" clId="{37A0D694-38DA-4421-B5D3-DEDBFC2EC57C}" dt="2021-02-04T05:04:31.896" v="3387" actId="26606"/>
+          <ac:spMkLst>
+            <pc:docMk/>
+            <pc:sldMk cId="2930953569" sldId="599"/>
+            <ac:spMk id="14338" creationId="{00000000-0000-0000-0000-000000000000}"/>
+          </ac:spMkLst>
+        </pc:spChg>
+        <pc:picChg chg="del">
+          <ac:chgData name="Zhao Jin" userId="cd05a825-544c-438a-9ba1-08e63db50b47" providerId="ADAL" clId="{37A0D694-38DA-4421-B5D3-DEDBFC2EC57C}" dt="2021-02-04T05:03:52.637" v="3375" actId="478"/>
+          <ac:picMkLst>
+            <pc:docMk/>
+            <pc:sldMk cId="2930953569" sldId="599"/>
+            <ac:picMk id="4" creationId="{EAFF9153-D379-4E7D-9B97-29843966A9B9}"/>
+          </ac:picMkLst>
+        </pc:picChg>
+        <pc:picChg chg="add mod ord">
+          <ac:chgData name="Zhao Jin" userId="cd05a825-544c-438a-9ba1-08e63db50b47" providerId="ADAL" clId="{37A0D694-38DA-4421-B5D3-DEDBFC2EC57C}" dt="2021-02-04T05:04:38.184" v="3388" actId="1076"/>
+          <ac:picMkLst>
+            <pc:docMk/>
+            <pc:sldMk cId="2930953569" sldId="599"/>
+            <ac:picMk id="6" creationId="{39011840-BE31-4880-9492-02AACF59B6E8}"/>
+          </ac:picMkLst>
+        </pc:picChg>
+        <pc:picChg chg="add del mod">
+          <ac:chgData name="Zhao Jin" userId="cd05a825-544c-438a-9ba1-08e63db50b47" providerId="ADAL" clId="{37A0D694-38DA-4421-B5D3-DEDBFC2EC57C}" dt="2021-02-04T05:05:47.079" v="3393" actId="478"/>
+          <ac:picMkLst>
+            <pc:docMk/>
+            <pc:sldMk cId="2930953569" sldId="599"/>
+            <ac:picMk id="14" creationId="{CCC34DEE-F320-477E-950C-634B3D89DB93}"/>
+          </ac:picMkLst>
+        </pc:picChg>
+      </pc:sldChg>
+      <pc:sldChg chg="addSp delSp modSp add mod ord delAnim modAnim">
+        <pc:chgData name="Zhao Jin" userId="cd05a825-544c-438a-9ba1-08e63db50b47" providerId="ADAL" clId="{37A0D694-38DA-4421-B5D3-DEDBFC2EC57C}" dt="2021-02-08T02:02:28.200" v="4908" actId="20577"/>
+        <pc:sldMkLst>
+          <pc:docMk/>
+          <pc:sldMk cId="880934081" sldId="600"/>
+        </pc:sldMkLst>
+        <pc:spChg chg="mod">
+          <ac:chgData name="Zhao Jin" userId="cd05a825-544c-438a-9ba1-08e63db50b47" providerId="ADAL" clId="{37A0D694-38DA-4421-B5D3-DEDBFC2EC57C}" dt="2021-02-08T01:34:33.890" v="3755" actId="1035"/>
+          <ac:spMkLst>
+            <pc:docMk/>
+            <pc:sldMk cId="880934081" sldId="600"/>
+            <ac:spMk id="9" creationId="{0F0F7443-4DFE-415D-AD17-224F6273D040}"/>
+          </ac:spMkLst>
+        </pc:spChg>
+        <pc:spChg chg="mod">
+          <ac:chgData name="Zhao Jin" userId="cd05a825-544c-438a-9ba1-08e63db50b47" providerId="ADAL" clId="{37A0D694-38DA-4421-B5D3-DEDBFC2EC57C}" dt="2021-02-08T01:34:08.258" v="3735" actId="1036"/>
+          <ac:spMkLst>
+            <pc:docMk/>
+            <pc:sldMk cId="880934081" sldId="600"/>
+            <ac:spMk id="11" creationId="{773175F5-4C96-49AA-A94B-810AFD3DA55C}"/>
+          </ac:spMkLst>
+        </pc:spChg>
+        <pc:spChg chg="mod">
+          <ac:chgData name="Zhao Jin" userId="cd05a825-544c-438a-9ba1-08e63db50b47" providerId="ADAL" clId="{37A0D694-38DA-4421-B5D3-DEDBFC2EC57C}" dt="2021-02-08T01:35:29.791" v="3798" actId="20577"/>
+          <ac:spMkLst>
+            <pc:docMk/>
+            <pc:sldMk cId="880934081" sldId="600"/>
+            <ac:spMk id="13" creationId="{C38C91FA-2FD7-40E4-8FEF-DC652DE39BDD}"/>
+          </ac:spMkLst>
+        </pc:spChg>
+        <pc:spChg chg="mod">
+          <ac:chgData name="Zhao Jin" userId="cd05a825-544c-438a-9ba1-08e63db50b47" providerId="ADAL" clId="{37A0D694-38DA-4421-B5D3-DEDBFC2EC57C}" dt="2021-02-08T01:33:08.486" v="3704"/>
+          <ac:spMkLst>
+            <pc:docMk/>
+            <pc:sldMk cId="880934081" sldId="600"/>
+            <ac:spMk id="14" creationId="{D3FFFB67-7299-4469-9FBF-DBE5B89609F5}"/>
+          </ac:spMkLst>
+        </pc:spChg>
+        <pc:spChg chg="mod">
+          <ac:chgData name="Zhao Jin" userId="cd05a825-544c-438a-9ba1-08e63db50b47" providerId="ADAL" clId="{37A0D694-38DA-4421-B5D3-DEDBFC2EC57C}" dt="2021-02-08T01:33:08.486" v="3704"/>
+          <ac:spMkLst>
+            <pc:docMk/>
+            <pc:sldMk cId="880934081" sldId="600"/>
+            <ac:spMk id="15" creationId="{5E9C53D0-6BF9-4AC9-8E89-AA6B7DB8B050}"/>
+          </ac:spMkLst>
+        </pc:spChg>
+        <pc:spChg chg="add del mod">
+          <ac:chgData name="Zhao Jin" userId="cd05a825-544c-438a-9ba1-08e63db50b47" providerId="ADAL" clId="{37A0D694-38DA-4421-B5D3-DEDBFC2EC57C}" dt="2021-02-08T01:33:38.691" v="3707" actId="478"/>
+          <ac:spMkLst>
+            <pc:docMk/>
+            <pc:sldMk cId="880934081" sldId="600"/>
+            <ac:spMk id="19" creationId="{44122FE2-3D5D-4044-9C44-0C76782521C4}"/>
+          </ac:spMkLst>
+        </pc:spChg>
+        <pc:spChg chg="add del mod">
+          <ac:chgData name="Zhao Jin" userId="cd05a825-544c-438a-9ba1-08e63db50b47" providerId="ADAL" clId="{37A0D694-38DA-4421-B5D3-DEDBFC2EC57C}" dt="2021-02-08T01:33:40.143" v="3708" actId="478"/>
+          <ac:spMkLst>
+            <pc:docMk/>
+            <pc:sldMk cId="880934081" sldId="600"/>
+            <ac:spMk id="20" creationId="{7F92D9CB-8CE1-44AC-8870-079E82385FB1}"/>
+          </ac:spMkLst>
+        </pc:spChg>
+        <pc:spChg chg="add mod">
+          <ac:chgData name="Zhao Jin" userId="cd05a825-544c-438a-9ba1-08e63db50b47" providerId="ADAL" clId="{37A0D694-38DA-4421-B5D3-DEDBFC2EC57C}" dt="2021-02-08T01:34:59.699" v="3769" actId="6549"/>
+          <ac:spMkLst>
+            <pc:docMk/>
+            <pc:sldMk cId="880934081" sldId="600"/>
+            <ac:spMk id="25" creationId="{1EDBB76C-AEFD-4199-9BA3-F48B3D729ADF}"/>
+          </ac:spMkLst>
+        </pc:spChg>
+        <pc:spChg chg="add mod">
+          <ac:chgData name="Zhao Jin" userId="cd05a825-544c-438a-9ba1-08e63db50b47" providerId="ADAL" clId="{37A0D694-38DA-4421-B5D3-DEDBFC2EC57C}" dt="2021-02-08T01:38:12.109" v="3904" actId="20577"/>
+          <ac:spMkLst>
+            <pc:docMk/>
+            <pc:sldMk cId="880934081" sldId="600"/>
+            <ac:spMk id="26" creationId="{49077400-1D22-4B84-AD24-0D61D7942A66}"/>
+          </ac:spMkLst>
+        </pc:spChg>
+        <pc:spChg chg="del">
+          <ac:chgData name="Zhao Jin" userId="cd05a825-544c-438a-9ba1-08e63db50b47" providerId="ADAL" clId="{37A0D694-38DA-4421-B5D3-DEDBFC2EC57C}" dt="2021-02-08T01:33:06.769" v="3702" actId="478"/>
+          <ac:spMkLst>
+            <pc:docMk/>
+            <pc:sldMk cId="880934081" sldId="600"/>
+            <ac:spMk id="49" creationId="{00000000-0000-0000-0000-000000000000}"/>
+          </ac:spMkLst>
+        </pc:spChg>
+        <pc:spChg chg="mod">
+          <ac:chgData name="Zhao Jin" userId="cd05a825-544c-438a-9ba1-08e63db50b47" providerId="ADAL" clId="{37A0D694-38DA-4421-B5D3-DEDBFC2EC57C}" dt="2021-02-08T02:02:28.200" v="4908" actId="20577"/>
+          <ac:spMkLst>
+            <pc:docMk/>
+            <pc:sldMk cId="880934081" sldId="600"/>
+            <ac:spMk id="14338" creationId="{00000000-0000-0000-0000-000000000000}"/>
+          </ac:spMkLst>
+        </pc:spChg>
+        <pc:grpChg chg="add mod">
+          <ac:chgData name="Zhao Jin" userId="cd05a825-544c-438a-9ba1-08e63db50b47" providerId="ADAL" clId="{37A0D694-38DA-4421-B5D3-DEDBFC2EC57C}" dt="2021-02-08T01:35:18.638" v="3797" actId="14100"/>
+          <ac:grpSpMkLst>
+            <pc:docMk/>
+            <pc:sldMk cId="880934081" sldId="600"/>
+            <ac:grpSpMk id="8" creationId="{57A95DDB-3BBC-4F7D-BE33-CBF7B31BECFF}"/>
+          </ac:grpSpMkLst>
+        </pc:grpChg>
+        <pc:picChg chg="del">
+          <ac:chgData name="Zhao Jin" userId="cd05a825-544c-438a-9ba1-08e63db50b47" providerId="ADAL" clId="{37A0D694-38DA-4421-B5D3-DEDBFC2EC57C}" dt="2021-02-08T01:33:07.505" v="3703" actId="478"/>
+          <ac:picMkLst>
+            <pc:docMk/>
+            <pc:sldMk cId="880934081" sldId="600"/>
+            <ac:picMk id="2050" creationId="{05AE613C-318D-4BEE-A9E2-BA80E156FFE6}"/>
+          </ac:picMkLst>
+        </pc:picChg>
+        <pc:cxnChg chg="mod">
+          <ac:chgData name="Zhao Jin" userId="cd05a825-544c-438a-9ba1-08e63db50b47" providerId="ADAL" clId="{37A0D694-38DA-4421-B5D3-DEDBFC2EC57C}" dt="2021-02-08T01:34:33.890" v="3755" actId="1035"/>
+          <ac:cxnSpMkLst>
+            <pc:docMk/>
+            <pc:sldMk cId="880934081" sldId="600"/>
+            <ac:cxnSpMk id="10" creationId="{A67C22B8-A71F-429C-BF0F-E611871C2339}"/>
+          </ac:cxnSpMkLst>
+        </pc:cxnChg>
+        <pc:cxnChg chg="mod">
+          <ac:chgData name="Zhao Jin" userId="cd05a825-544c-438a-9ba1-08e63db50b47" providerId="ADAL" clId="{37A0D694-38DA-4421-B5D3-DEDBFC2EC57C}" dt="2021-02-08T01:34:33.890" v="3755" actId="1035"/>
+          <ac:cxnSpMkLst>
+            <pc:docMk/>
+            <pc:sldMk cId="880934081" sldId="600"/>
+            <ac:cxnSpMk id="16" creationId="{244202A2-F6E5-4EB1-8FE5-5C63F127FBD4}"/>
+          </ac:cxnSpMkLst>
+        </pc:cxnChg>
+        <pc:cxnChg chg="mod">
+          <ac:chgData name="Zhao Jin" userId="cd05a825-544c-438a-9ba1-08e63db50b47" providerId="ADAL" clId="{37A0D694-38DA-4421-B5D3-DEDBFC2EC57C}" dt="2021-02-08T01:34:33.890" v="3755" actId="1035"/>
+          <ac:cxnSpMkLst>
+            <pc:docMk/>
+            <pc:sldMk cId="880934081" sldId="600"/>
+            <ac:cxnSpMk id="17" creationId="{BDAF2274-9C3B-4346-A725-B8ADDE65C577}"/>
+          </ac:cxnSpMkLst>
+        </pc:cxnChg>
+        <pc:cxnChg chg="mod">
+          <ac:chgData name="Zhao Jin" userId="cd05a825-544c-438a-9ba1-08e63db50b47" providerId="ADAL" clId="{37A0D694-38DA-4421-B5D3-DEDBFC2EC57C}" dt="2021-02-08T01:34:33.890" v="3755" actId="1035"/>
+          <ac:cxnSpMkLst>
+            <pc:docMk/>
+            <pc:sldMk cId="880934081" sldId="600"/>
+            <ac:cxnSpMk id="18" creationId="{6912DF40-1EFB-4781-BC3C-831198FCD003}"/>
+          </ac:cxnSpMkLst>
+        </pc:cxnChg>
+      </pc:sldChg>
+      <pc:sldMasterChg chg="modSp modSldLayout">
+        <pc:chgData name="Zhao Jin" userId="cd05a825-544c-438a-9ba1-08e63db50b47" providerId="ADAL" clId="{37A0D694-38DA-4421-B5D3-DEDBFC2EC57C}" dt="2021-02-03T06:56:12.527" v="36"/>
+        <pc:sldMasterMkLst>
+          <pc:docMk/>
+          <pc:sldMasterMk cId="0" sldId="2147485087"/>
+        </pc:sldMasterMkLst>
+        <pc:spChg chg="mod">
+          <ac:chgData name="Zhao Jin" userId="cd05a825-544c-438a-9ba1-08e63db50b47" providerId="ADAL" clId="{37A0D694-38DA-4421-B5D3-DEDBFC2EC57C}" dt="2021-02-03T06:56:12.527" v="36"/>
+          <ac:spMkLst>
+            <pc:docMk/>
+            <pc:sldMasterMk cId="0" sldId="2147485087"/>
+            <ac:spMk id="6" creationId="{00000000-0000-0000-0000-000000000000}"/>
+          </ac:spMkLst>
+        </pc:spChg>
+        <pc:sldLayoutChg chg="modSp">
+          <pc:chgData name="Zhao Jin" userId="cd05a825-544c-438a-9ba1-08e63db50b47" providerId="ADAL" clId="{37A0D694-38DA-4421-B5D3-DEDBFC2EC57C}" dt="2021-02-03T06:56:12.527" v="36"/>
+          <pc:sldLayoutMkLst>
+            <pc:docMk/>
+            <pc:sldMasterMk cId="0" sldId="2147485087"/>
+            <pc:sldLayoutMk cId="0" sldId="2147485088"/>
+          </pc:sldLayoutMkLst>
+          <pc:spChg chg="mod">
+            <ac:chgData name="Zhao Jin" userId="cd05a825-544c-438a-9ba1-08e63db50b47" providerId="ADAL" clId="{37A0D694-38DA-4421-B5D3-DEDBFC2EC57C}" dt="2021-02-03T06:56:12.527" v="36"/>
+            <ac:spMkLst>
+              <pc:docMk/>
+              <pc:sldMasterMk cId="0" sldId="2147485087"/>
+              <pc:sldLayoutMk cId="0" sldId="2147485088"/>
+              <ac:spMk id="6" creationId="{00000000-0000-0000-0000-000000000000}"/>
+            </ac:spMkLst>
+          </pc:spChg>
+        </pc:sldLayoutChg>
+        <pc:sldLayoutChg chg="modSp">
+          <pc:chgData name="Zhao Jin" userId="cd05a825-544c-438a-9ba1-08e63db50b47" providerId="ADAL" clId="{37A0D694-38DA-4421-B5D3-DEDBFC2EC57C}" dt="2021-02-03T06:56:12.527" v="36"/>
+          <pc:sldLayoutMkLst>
+            <pc:docMk/>
+            <pc:sldMasterMk cId="0" sldId="2147485087"/>
+            <pc:sldLayoutMk cId="0" sldId="2147485089"/>
+          </pc:sldLayoutMkLst>
+          <pc:spChg chg="mod">
+            <ac:chgData name="Zhao Jin" userId="cd05a825-544c-438a-9ba1-08e63db50b47" providerId="ADAL" clId="{37A0D694-38DA-4421-B5D3-DEDBFC2EC57C}" dt="2021-02-03T06:56:12.527" v="36"/>
+            <ac:spMkLst>
+              <pc:docMk/>
+              <pc:sldMasterMk cId="0" sldId="2147485087"/>
+              <pc:sldLayoutMk cId="0" sldId="2147485089"/>
+              <ac:spMk id="6" creationId="{00000000-0000-0000-0000-000000000000}"/>
+            </ac:spMkLst>
+          </pc:spChg>
+        </pc:sldLayoutChg>
+        <pc:sldLayoutChg chg="modSp">
+          <pc:chgData name="Zhao Jin" userId="cd05a825-544c-438a-9ba1-08e63db50b47" providerId="ADAL" clId="{37A0D694-38DA-4421-B5D3-DEDBFC2EC57C}" dt="2021-02-03T06:56:12.527" v="36"/>
+          <pc:sldLayoutMkLst>
+            <pc:docMk/>
+            <pc:sldMasterMk cId="0" sldId="2147485087"/>
+            <pc:sldLayoutMk cId="0" sldId="2147485090"/>
+          </pc:sldLayoutMkLst>
+          <pc:spChg chg="mod">
+            <ac:chgData name="Zhao Jin" userId="cd05a825-544c-438a-9ba1-08e63db50b47" providerId="ADAL" clId="{37A0D694-38DA-4421-B5D3-DEDBFC2EC57C}" dt="2021-02-03T06:56:12.527" v="36"/>
+            <ac:spMkLst>
+              <pc:docMk/>
+              <pc:sldMasterMk cId="0" sldId="2147485087"/>
+              <pc:sldLayoutMk cId="0" sldId="2147485090"/>
+              <ac:spMk id="6" creationId="{00000000-0000-0000-0000-000000000000}"/>
+            </ac:spMkLst>
+          </pc:spChg>
+        </pc:sldLayoutChg>
+        <pc:sldLayoutChg chg="modSp">
+          <pc:chgData name="Zhao Jin" userId="cd05a825-544c-438a-9ba1-08e63db50b47" providerId="ADAL" clId="{37A0D694-38DA-4421-B5D3-DEDBFC2EC57C}" dt="2021-02-03T06:56:12.527" v="36"/>
+          <pc:sldLayoutMkLst>
+            <pc:docMk/>
+            <pc:sldMasterMk cId="0" sldId="2147485087"/>
+            <pc:sldLayoutMk cId="0" sldId="2147485091"/>
+          </pc:sldLayoutMkLst>
+          <pc:spChg chg="mod">
+            <ac:chgData name="Zhao Jin" userId="cd05a825-544c-438a-9ba1-08e63db50b47" providerId="ADAL" clId="{37A0D694-38DA-4421-B5D3-DEDBFC2EC57C}" dt="2021-02-03T06:56:12.527" v="36"/>
+            <ac:spMkLst>
+              <pc:docMk/>
+              <pc:sldMasterMk cId="0" sldId="2147485087"/>
+              <pc:sldLayoutMk cId="0" sldId="2147485091"/>
+              <ac:spMk id="7" creationId="{00000000-0000-0000-0000-000000000000}"/>
+            </ac:spMkLst>
+          </pc:spChg>
+        </pc:sldLayoutChg>
+        <pc:sldLayoutChg chg="modSp">
+          <pc:chgData name="Zhao Jin" userId="cd05a825-544c-438a-9ba1-08e63db50b47" providerId="ADAL" clId="{37A0D694-38DA-4421-B5D3-DEDBFC2EC57C}" dt="2021-02-03T06:56:12.527" v="36"/>
+          <pc:sldLayoutMkLst>
+            <pc:docMk/>
+            <pc:sldMasterMk cId="0" sldId="2147485087"/>
+            <pc:sldLayoutMk cId="0" sldId="2147485092"/>
+          </pc:sldLayoutMkLst>
+          <pc:spChg chg="mod">
+            <ac:chgData name="Zhao Jin" userId="cd05a825-544c-438a-9ba1-08e63db50b47" providerId="ADAL" clId="{37A0D694-38DA-4421-B5D3-DEDBFC2EC57C}" dt="2021-02-03T06:56:12.527" v="36"/>
+            <ac:spMkLst>
+              <pc:docMk/>
+              <pc:sldMasterMk cId="0" sldId="2147485087"/>
+              <pc:sldLayoutMk cId="0" sldId="2147485092"/>
+              <ac:spMk id="9" creationId="{00000000-0000-0000-0000-000000000000}"/>
+            </ac:spMkLst>
+          </pc:spChg>
+        </pc:sldLayoutChg>
+        <pc:sldLayoutChg chg="modSp">
+          <pc:chgData name="Zhao Jin" userId="cd05a825-544c-438a-9ba1-08e63db50b47" providerId="ADAL" clId="{37A0D694-38DA-4421-B5D3-DEDBFC2EC57C}" dt="2021-02-03T06:56:12.527" v="36"/>
+          <pc:sldLayoutMkLst>
+            <pc:docMk/>
+            <pc:sldMasterMk cId="0" sldId="2147485087"/>
+            <pc:sldLayoutMk cId="0" sldId="2147485093"/>
+          </pc:sldLayoutMkLst>
+          <pc:spChg chg="mod">
+            <ac:chgData name="Zhao Jin" userId="cd05a825-544c-438a-9ba1-08e63db50b47" providerId="ADAL" clId="{37A0D694-38DA-4421-B5D3-DEDBFC2EC57C}" dt="2021-02-03T06:56:12.527" v="36"/>
+            <ac:spMkLst>
+              <pc:docMk/>
+              <pc:sldMasterMk cId="0" sldId="2147485087"/>
+              <pc:sldLayoutMk cId="0" sldId="2147485093"/>
+              <ac:spMk id="5" creationId="{00000000-0000-0000-0000-000000000000}"/>
+            </ac:spMkLst>
+          </pc:spChg>
+        </pc:sldLayoutChg>
+        <pc:sldLayoutChg chg="modSp">
+          <pc:chgData name="Zhao Jin" userId="cd05a825-544c-438a-9ba1-08e63db50b47" providerId="ADAL" clId="{37A0D694-38DA-4421-B5D3-DEDBFC2EC57C}" dt="2021-02-03T06:56:12.527" v="36"/>
+          <pc:sldLayoutMkLst>
+            <pc:docMk/>
+            <pc:sldMasterMk cId="0" sldId="2147485087"/>
+            <pc:sldLayoutMk cId="0" sldId="2147485094"/>
+          </pc:sldLayoutMkLst>
+          <pc:spChg chg="mod">
+            <ac:chgData name="Zhao Jin" userId="cd05a825-544c-438a-9ba1-08e63db50b47" providerId="ADAL" clId="{37A0D694-38DA-4421-B5D3-DEDBFC2EC57C}" dt="2021-02-03T06:56:12.527" v="36"/>
+            <ac:spMkLst>
+              <pc:docMk/>
+              <pc:sldMasterMk cId="0" sldId="2147485087"/>
+              <pc:sldLayoutMk cId="0" sldId="2147485094"/>
+              <ac:spMk id="4" creationId="{00000000-0000-0000-0000-000000000000}"/>
+            </ac:spMkLst>
+          </pc:spChg>
+        </pc:sldLayoutChg>
+        <pc:sldLayoutChg chg="modSp">
+          <pc:chgData name="Zhao Jin" userId="cd05a825-544c-438a-9ba1-08e63db50b47" providerId="ADAL" clId="{37A0D694-38DA-4421-B5D3-DEDBFC2EC57C}" dt="2021-02-03T06:56:12.527" v="36"/>
+          <pc:sldLayoutMkLst>
+            <pc:docMk/>
+            <pc:sldMasterMk cId="0" sldId="2147485087"/>
+            <pc:sldLayoutMk cId="0" sldId="2147485095"/>
+          </pc:sldLayoutMkLst>
+          <pc:spChg chg="mod">
+            <ac:chgData name="Zhao Jin" userId="cd05a825-544c-438a-9ba1-08e63db50b47" providerId="ADAL" clId="{37A0D694-38DA-4421-B5D3-DEDBFC2EC57C}" dt="2021-02-03T06:56:12.527" v="36"/>
+            <ac:spMkLst>
+              <pc:docMk/>
+              <pc:sldMasterMk cId="0" sldId="2147485087"/>
+              <pc:sldLayoutMk cId="0" sldId="2147485095"/>
+              <ac:spMk id="7" creationId="{00000000-0000-0000-0000-000000000000}"/>
+            </ac:spMkLst>
+          </pc:spChg>
+        </pc:sldLayoutChg>
+        <pc:sldLayoutChg chg="modSp">
+          <pc:chgData name="Zhao Jin" userId="cd05a825-544c-438a-9ba1-08e63db50b47" providerId="ADAL" clId="{37A0D694-38DA-4421-B5D3-DEDBFC2EC57C}" dt="2021-02-03T06:56:12.527" v="36"/>
+          <pc:sldLayoutMkLst>
+            <pc:docMk/>
+            <pc:sldMasterMk cId="0" sldId="2147485087"/>
+            <pc:sldLayoutMk cId="0" sldId="2147485096"/>
+          </pc:sldLayoutMkLst>
+          <pc:spChg chg="mod">
+            <ac:chgData name="Zhao Jin" userId="cd05a825-544c-438a-9ba1-08e63db50b47" providerId="ADAL" clId="{37A0D694-38DA-4421-B5D3-DEDBFC2EC57C}" dt="2021-02-03T06:56:12.527" v="36"/>
+            <ac:spMkLst>
+              <pc:docMk/>
+              <pc:sldMasterMk cId="0" sldId="2147485087"/>
+              <pc:sldLayoutMk cId="0" sldId="2147485096"/>
+              <ac:spMk id="7" creationId="{00000000-0000-0000-0000-000000000000}"/>
+            </ac:spMkLst>
+          </pc:spChg>
+        </pc:sldLayoutChg>
+        <pc:sldLayoutChg chg="modSp">
+          <pc:chgData name="Zhao Jin" userId="cd05a825-544c-438a-9ba1-08e63db50b47" providerId="ADAL" clId="{37A0D694-38DA-4421-B5D3-DEDBFC2EC57C}" dt="2021-02-03T06:56:12.527" v="36"/>
+          <pc:sldLayoutMkLst>
+            <pc:docMk/>
+            <pc:sldMasterMk cId="0" sldId="2147485087"/>
+            <pc:sldLayoutMk cId="0" sldId="2147485097"/>
+          </pc:sldLayoutMkLst>
+          <pc:spChg chg="mod">
+            <ac:chgData name="Zhao Jin" userId="cd05a825-544c-438a-9ba1-08e63db50b47" providerId="ADAL" clId="{37A0D694-38DA-4421-B5D3-DEDBFC2EC57C}" dt="2021-02-03T06:56:12.527" v="36"/>
+            <ac:spMkLst>
+              <pc:docMk/>
+              <pc:sldMasterMk cId="0" sldId="2147485087"/>
+              <pc:sldLayoutMk cId="0" sldId="2147485097"/>
+              <ac:spMk id="6" creationId="{00000000-0000-0000-0000-000000000000}"/>
+            </ac:spMkLst>
+          </pc:spChg>
+        </pc:sldLayoutChg>
+        <pc:sldLayoutChg chg="modSp">
+          <pc:chgData name="Zhao Jin" userId="cd05a825-544c-438a-9ba1-08e63db50b47" providerId="ADAL" clId="{37A0D694-38DA-4421-B5D3-DEDBFC2EC57C}" dt="2021-02-03T06:56:12.527" v="36"/>
+          <pc:sldLayoutMkLst>
+            <pc:docMk/>
+            <pc:sldMasterMk cId="0" sldId="2147485087"/>
+            <pc:sldLayoutMk cId="0" sldId="2147485098"/>
+          </pc:sldLayoutMkLst>
+          <pc:spChg chg="mod">
+            <ac:chgData name="Zhao Jin" userId="cd05a825-544c-438a-9ba1-08e63db50b47" providerId="ADAL" clId="{37A0D694-38DA-4421-B5D3-DEDBFC2EC57C}" dt="2021-02-03T06:56:12.527" v="36"/>
+            <ac:spMkLst>
+              <pc:docMk/>
+              <pc:sldMasterMk cId="0" sldId="2147485087"/>
+              <pc:sldLayoutMk cId="0" sldId="2147485098"/>
+              <ac:spMk id="6" creationId="{00000000-0000-0000-0000-000000000000}"/>
+            </ac:spMkLst>
+          </pc:spChg>
+        </pc:sldLayoutChg>
+      </pc:sldMasterChg>
+    </pc:docChg>
+  </pc:docChgLst>
+  <pc:docChgLst>
+    <pc:chgData name="Zhao Jin" userId="S::dcszjin@nus.edu.sg::cd05a825-544c-438a-9ba1-08e63db50b47" providerId="AD" clId="Web-{66D5AB6E-AF24-491D-9529-2DDB49AD3149}"/>
+    <pc:docChg chg="modSld">
+      <pc:chgData name="Zhao Jin" userId="S::dcszjin@nus.edu.sg::cd05a825-544c-438a-9ba1-08e63db50b47" providerId="AD" clId="Web-{66D5AB6E-AF24-491D-9529-2DDB49AD3149}" dt="2021-01-20T08:43:03.224" v="8" actId="14100"/>
+      <pc:docMkLst>
+        <pc:docMk/>
+      </pc:docMkLst>
+      <pc:sldChg chg="modSp">
+        <pc:chgData name="Zhao Jin" userId="S::dcszjin@nus.edu.sg::cd05a825-544c-438a-9ba1-08e63db50b47" providerId="AD" clId="Web-{66D5AB6E-AF24-491D-9529-2DDB49AD3149}" dt="2021-01-20T08:43:03.224" v="8" actId="14100"/>
+        <pc:sldMkLst>
+          <pc:docMk/>
+          <pc:sldMk cId="901453530" sldId="546"/>
+        </pc:sldMkLst>
+        <pc:spChg chg="mod">
+          <ac:chgData name="Zhao Jin" userId="S::dcszjin@nus.edu.sg::cd05a825-544c-438a-9ba1-08e63db50b47" providerId="AD" clId="Web-{66D5AB6E-AF24-491D-9529-2DDB49AD3149}" dt="2021-01-20T08:43:03.224" v="8" actId="14100"/>
+          <ac:spMkLst>
+            <pc:docMk/>
+            <pc:sldMk cId="901453530" sldId="546"/>
+            <ac:spMk id="9" creationId="{00000000-0000-0000-0000-000000000000}"/>
+          </ac:spMkLst>
+        </pc:spChg>
+        <pc:spChg chg="mod">
+          <ac:chgData name="Zhao Jin" userId="S::dcszjin@nus.edu.sg::cd05a825-544c-438a-9ba1-08e63db50b47" providerId="AD" clId="Web-{66D5AB6E-AF24-491D-9529-2DDB49AD3149}" dt="2021-01-20T08:42:24.723" v="4" actId="1076"/>
+          <ac:spMkLst>
+            <pc:docMk/>
+            <pc:sldMk cId="901453530" sldId="546"/>
+            <ac:spMk id="14" creationId="{00000000-0000-0000-0000-000000000000}"/>
+          </ac:spMkLst>
+        </pc:spChg>
+      </pc:sldChg>
+    </pc:docChg>
+  </pc:docChgLst>
+  <pc:docChgLst>
     <pc:chgData name="Zhao Jin" userId="cd05a825-544c-438a-9ba1-08e63db50b47" providerId="ADAL" clId="{E094A0D3-9008-D44F-B23F-E71F39C2BDEC}"/>
     <pc:docChg chg="undo custSel addSld delSld modSld sldOrd modMainMaster">
       <pc:chgData name="Zhao Jin" userId="cd05a825-544c-438a-9ba1-08e63db50b47" providerId="ADAL" clId="{E094A0D3-9008-D44F-B23F-E71F39C2BDEC}" dt="2021-01-27T05:44:46" v="1434" actId="207"/>
@@ -2105,6 +5644,53 @@
           </pc:spChg>
         </pc:sldLayoutChg>
       </pc:sldMasterChg>
+    </pc:docChg>
+  </pc:docChgLst>
+  <pc:docChgLst>
+    <pc:chgData name="Zhao Jin" userId="cd05a825-544c-438a-9ba1-08e63db50b47" providerId="ADAL" clId="{2BE807F3-0F47-43CE-B222-1F014CD7139F}"/>
+    <pc:docChg chg="modSld">
+      <pc:chgData name="Zhao Jin" userId="cd05a825-544c-438a-9ba1-08e63db50b47" providerId="ADAL" clId="{2BE807F3-0F47-43CE-B222-1F014CD7139F}" dt="2024-01-31T05:38:28.465" v="46" actId="20577"/>
+      <pc:docMkLst>
+        <pc:docMk/>
+      </pc:docMkLst>
+      <pc:sldChg chg="addSp modSp">
+        <pc:chgData name="Zhao Jin" userId="cd05a825-544c-438a-9ba1-08e63db50b47" providerId="ADAL" clId="{2BE807F3-0F47-43CE-B222-1F014CD7139F}" dt="2024-01-31T05:30:28.913" v="0"/>
+        <pc:sldMkLst>
+          <pc:docMk/>
+          <pc:sldMk cId="0" sldId="256"/>
+        </pc:sldMkLst>
+        <pc:spChg chg="add mod">
+          <ac:chgData name="Zhao Jin" userId="cd05a825-544c-438a-9ba1-08e63db50b47" providerId="ADAL" clId="{2BE807F3-0F47-43CE-B222-1F014CD7139F}" dt="2024-01-31T05:30:28.913" v="0"/>
+          <ac:spMkLst>
+            <pc:docMk/>
+            <pc:sldMk cId="0" sldId="256"/>
+            <ac:spMk id="3" creationId="{65E353B6-8C82-C10B-F3A7-B749F8B1627B}"/>
+          </ac:spMkLst>
+        </pc:spChg>
+        <pc:picChg chg="add mod">
+          <ac:chgData name="Zhao Jin" userId="cd05a825-544c-438a-9ba1-08e63db50b47" providerId="ADAL" clId="{2BE807F3-0F47-43CE-B222-1F014CD7139F}" dt="2024-01-31T05:30:28.913" v="0"/>
+          <ac:picMkLst>
+            <pc:docMk/>
+            <pc:sldMk cId="0" sldId="256"/>
+            <ac:picMk id="2" creationId="{58E48105-8220-3696-7E89-AE0B490D8516}"/>
+          </ac:picMkLst>
+        </pc:picChg>
+      </pc:sldChg>
+      <pc:sldChg chg="modSp mod">
+        <pc:chgData name="Zhao Jin" userId="cd05a825-544c-438a-9ba1-08e63db50b47" providerId="ADAL" clId="{2BE807F3-0F47-43CE-B222-1F014CD7139F}" dt="2024-01-31T05:38:28.465" v="46" actId="20577"/>
+        <pc:sldMkLst>
+          <pc:docMk/>
+          <pc:sldMk cId="1067695719" sldId="526"/>
+        </pc:sldMkLst>
+        <pc:spChg chg="mod">
+          <ac:chgData name="Zhao Jin" userId="cd05a825-544c-438a-9ba1-08e63db50b47" providerId="ADAL" clId="{2BE807F3-0F47-43CE-B222-1F014CD7139F}" dt="2024-01-31T05:38:28.465" v="46" actId="20577"/>
+          <ac:spMkLst>
+            <pc:docMk/>
+            <pc:sldMk cId="1067695719" sldId="526"/>
+            <ac:spMk id="13" creationId="{00000000-0000-0000-0000-000000000000}"/>
+          </ac:spMkLst>
+        </pc:spChg>
+      </pc:sldChg>
     </pc:docChg>
   </pc:docChgLst>
   <pc:docChgLst>
@@ -3311,3576 +6897,6 @@
           <pc:docMk/>
           <pc:sldMk cId="3321788103" sldId="573"/>
         </pc:sldMkLst>
-      </pc:sldChg>
-    </pc:docChg>
-  </pc:docChgLst>
-  <pc:docChgLst>
-    <pc:chgData name="Zhao Jin" userId="cd05a825-544c-438a-9ba1-08e63db50b47" providerId="ADAL" clId="{BBE9D547-4B31-704D-9080-47B1CA4D9124}"/>
-    <pc:docChg chg="modSld">
-      <pc:chgData name="Zhao Jin" userId="cd05a825-544c-438a-9ba1-08e63db50b47" providerId="ADAL" clId="{BBE9D547-4B31-704D-9080-47B1CA4D9124}" dt="2021-01-18T05:40:31.767" v="29" actId="114"/>
-      <pc:docMkLst>
-        <pc:docMk/>
-      </pc:docMkLst>
-      <pc:sldChg chg="modSp modAnim">
-        <pc:chgData name="Zhao Jin" userId="cd05a825-544c-438a-9ba1-08e63db50b47" providerId="ADAL" clId="{BBE9D547-4B31-704D-9080-47B1CA4D9124}" dt="2021-01-18T05:39:25.523" v="25"/>
-        <pc:sldMkLst>
-          <pc:docMk/>
-          <pc:sldMk cId="4265878996" sldId="534"/>
-        </pc:sldMkLst>
-        <pc:spChg chg="mod">
-          <ac:chgData name="Zhao Jin" userId="cd05a825-544c-438a-9ba1-08e63db50b47" providerId="ADAL" clId="{BBE9D547-4B31-704D-9080-47B1CA4D9124}" dt="2021-01-18T05:37:47.985" v="5" actId="207"/>
-          <ac:spMkLst>
-            <pc:docMk/>
-            <pc:sldMk cId="4265878996" sldId="534"/>
-            <ac:spMk id="3" creationId="{00000000-0000-0000-0000-000000000000}"/>
-          </ac:spMkLst>
-        </pc:spChg>
-      </pc:sldChg>
-      <pc:sldChg chg="modSp">
-        <pc:chgData name="Zhao Jin" userId="cd05a825-544c-438a-9ba1-08e63db50b47" providerId="ADAL" clId="{BBE9D547-4B31-704D-9080-47B1CA4D9124}" dt="2021-01-18T05:40:31.767" v="29" actId="114"/>
-        <pc:sldMkLst>
-          <pc:docMk/>
-          <pc:sldMk cId="2851665547" sldId="538"/>
-        </pc:sldMkLst>
-        <pc:spChg chg="mod">
-          <ac:chgData name="Zhao Jin" userId="cd05a825-544c-438a-9ba1-08e63db50b47" providerId="ADAL" clId="{BBE9D547-4B31-704D-9080-47B1CA4D9124}" dt="2021-01-18T05:40:31.767" v="29" actId="114"/>
-          <ac:spMkLst>
-            <pc:docMk/>
-            <pc:sldMk cId="2851665547" sldId="538"/>
-            <ac:spMk id="13" creationId="{00000000-0000-0000-0000-000000000000}"/>
-          </ac:spMkLst>
-        </pc:spChg>
-      </pc:sldChg>
-    </pc:docChg>
-  </pc:docChgLst>
-  <pc:docChgLst>
-    <pc:chgData name="Zhao Jin" userId="cd05a825-544c-438a-9ba1-08e63db50b47" providerId="ADAL" clId="{B24B02F7-7905-4588-AF93-2F3E26C169C6}"/>
-    <pc:docChg chg="undo redo custSel addSld delSld modSld modMainMaster">
-      <pc:chgData name="Zhao Jin" userId="cd05a825-544c-438a-9ba1-08e63db50b47" providerId="ADAL" clId="{B24B02F7-7905-4588-AF93-2F3E26C169C6}" dt="2021-02-15T05:41:42.563" v="2814" actId="20577"/>
-      <pc:docMkLst>
-        <pc:docMk/>
-      </pc:docMkLst>
-      <pc:sldChg chg="modSp mod">
-        <pc:chgData name="Zhao Jin" userId="cd05a825-544c-438a-9ba1-08e63db50b47" providerId="ADAL" clId="{B24B02F7-7905-4588-AF93-2F3E26C169C6}" dt="2021-02-10T03:54:53.078" v="11" actId="20577"/>
-        <pc:sldMkLst>
-          <pc:docMk/>
-          <pc:sldMk cId="0" sldId="256"/>
-        </pc:sldMkLst>
-        <pc:spChg chg="mod">
-          <ac:chgData name="Zhao Jin" userId="cd05a825-544c-438a-9ba1-08e63db50b47" providerId="ADAL" clId="{B24B02F7-7905-4588-AF93-2F3E26C169C6}" dt="2021-02-10T03:54:50.657" v="5" actId="20577"/>
-          <ac:spMkLst>
-            <pc:docMk/>
-            <pc:sldMk cId="0" sldId="256"/>
-            <ac:spMk id="8" creationId="{00000000-0000-0000-0000-000000000000}"/>
-          </ac:spMkLst>
-        </pc:spChg>
-        <pc:spChg chg="mod">
-          <ac:chgData name="Zhao Jin" userId="cd05a825-544c-438a-9ba1-08e63db50b47" providerId="ADAL" clId="{B24B02F7-7905-4588-AF93-2F3E26C169C6}" dt="2021-02-10T03:54:53.078" v="11" actId="20577"/>
-          <ac:spMkLst>
-            <pc:docMk/>
-            <pc:sldMk cId="0" sldId="256"/>
-            <ac:spMk id="11" creationId="{00000000-0000-0000-0000-000000000000}"/>
-          </ac:spMkLst>
-        </pc:spChg>
-      </pc:sldChg>
-      <pc:sldChg chg="modSp mod">
-        <pc:chgData name="Zhao Jin" userId="cd05a825-544c-438a-9ba1-08e63db50b47" providerId="ADAL" clId="{B24B02F7-7905-4588-AF93-2F3E26C169C6}" dt="2021-02-15T05:40:06.780" v="2547" actId="20577"/>
-        <pc:sldMkLst>
-          <pc:docMk/>
-          <pc:sldMk cId="2438607696" sldId="468"/>
-        </pc:sldMkLst>
-        <pc:spChg chg="mod">
-          <ac:chgData name="Zhao Jin" userId="cd05a825-544c-438a-9ba1-08e63db50b47" providerId="ADAL" clId="{B24B02F7-7905-4588-AF93-2F3E26C169C6}" dt="2021-02-10T03:55:18.143" v="13"/>
-          <ac:spMkLst>
-            <pc:docMk/>
-            <pc:sldMk cId="2438607696" sldId="468"/>
-            <ac:spMk id="7" creationId="{00000000-0000-0000-0000-000000000000}"/>
-          </ac:spMkLst>
-        </pc:spChg>
-        <pc:spChg chg="mod">
-          <ac:chgData name="Zhao Jin" userId="cd05a825-544c-438a-9ba1-08e63db50b47" providerId="ADAL" clId="{B24B02F7-7905-4588-AF93-2F3E26C169C6}" dt="2021-02-10T03:55:23.015" v="20" actId="20577"/>
-          <ac:spMkLst>
-            <pc:docMk/>
-            <pc:sldMk cId="2438607696" sldId="468"/>
-            <ac:spMk id="14338" creationId="{00000000-0000-0000-0000-000000000000}"/>
-          </ac:spMkLst>
-        </pc:spChg>
-        <pc:spChg chg="mod">
-          <ac:chgData name="Zhao Jin" userId="cd05a825-544c-438a-9ba1-08e63db50b47" providerId="ADAL" clId="{B24B02F7-7905-4588-AF93-2F3E26C169C6}" dt="2021-02-15T05:40:06.780" v="2547" actId="20577"/>
-          <ac:spMkLst>
-            <pc:docMk/>
-            <pc:sldMk cId="2438607696" sldId="468"/>
-            <ac:spMk id="14339" creationId="{00000000-0000-0000-0000-000000000000}"/>
-          </ac:spMkLst>
-        </pc:spChg>
-      </pc:sldChg>
-      <pc:sldChg chg="modSp add mod">
-        <pc:chgData name="Zhao Jin" userId="cd05a825-544c-438a-9ba1-08e63db50b47" providerId="ADAL" clId="{B24B02F7-7905-4588-AF93-2F3E26C169C6}" dt="2021-02-15T05:41:42.563" v="2814" actId="20577"/>
-        <pc:sldMkLst>
-          <pc:docMk/>
-          <pc:sldMk cId="1067695719" sldId="526"/>
-        </pc:sldMkLst>
-        <pc:spChg chg="mod">
-          <ac:chgData name="Zhao Jin" userId="cd05a825-544c-438a-9ba1-08e63db50b47" providerId="ADAL" clId="{B24B02F7-7905-4588-AF93-2F3E26C169C6}" dt="2021-02-15T05:41:42.563" v="2814" actId="20577"/>
-          <ac:spMkLst>
-            <pc:docMk/>
-            <pc:sldMk cId="1067695719" sldId="526"/>
-            <ac:spMk id="13" creationId="{00000000-0000-0000-0000-000000000000}"/>
-          </ac:spMkLst>
-        </pc:spChg>
-        <pc:spChg chg="mod">
-          <ac:chgData name="Zhao Jin" userId="cd05a825-544c-438a-9ba1-08e63db50b47" providerId="ADAL" clId="{B24B02F7-7905-4588-AF93-2F3E26C169C6}" dt="2021-02-11T11:11:14.998" v="2433" actId="20577"/>
-          <ac:spMkLst>
-            <pc:docMk/>
-            <pc:sldMk cId="1067695719" sldId="526"/>
-            <ac:spMk id="43" creationId="{00000000-0000-0000-0000-000000000000}"/>
-          </ac:spMkLst>
-        </pc:spChg>
-      </pc:sldChg>
-      <pc:sldChg chg="modSp del">
-        <pc:chgData name="Zhao Jin" userId="cd05a825-544c-438a-9ba1-08e63db50b47" providerId="ADAL" clId="{B24B02F7-7905-4588-AF93-2F3E26C169C6}" dt="2021-02-11T11:05:45.269" v="2429" actId="47"/>
-        <pc:sldMkLst>
-          <pc:docMk/>
-          <pc:sldMk cId="1705639840" sldId="543"/>
-        </pc:sldMkLst>
-        <pc:spChg chg="mod">
-          <ac:chgData name="Zhao Jin" userId="cd05a825-544c-438a-9ba1-08e63db50b47" providerId="ADAL" clId="{B24B02F7-7905-4588-AF93-2F3E26C169C6}" dt="2021-02-10T03:55:18.143" v="13"/>
-          <ac:spMkLst>
-            <pc:docMk/>
-            <pc:sldMk cId="1705639840" sldId="543"/>
-            <ac:spMk id="9" creationId="{00000000-0000-0000-0000-000000000000}"/>
-          </ac:spMkLst>
-        </pc:spChg>
-      </pc:sldChg>
-      <pc:sldChg chg="addSp modSp add del mod modAnim">
-        <pc:chgData name="Zhao Jin" userId="cd05a825-544c-438a-9ba1-08e63db50b47" providerId="ADAL" clId="{B24B02F7-7905-4588-AF93-2F3E26C169C6}" dt="2021-02-11T10:34:24.898" v="941" actId="207"/>
-        <pc:sldMkLst>
-          <pc:docMk/>
-          <pc:sldMk cId="2573090601" sldId="546"/>
-        </pc:sldMkLst>
-        <pc:spChg chg="mod">
-          <ac:chgData name="Zhao Jin" userId="cd05a825-544c-438a-9ba1-08e63db50b47" providerId="ADAL" clId="{B24B02F7-7905-4588-AF93-2F3E26C169C6}" dt="2021-02-11T10:34:24.898" v="941" actId="207"/>
-          <ac:spMkLst>
-            <pc:docMk/>
-            <pc:sldMk cId="2573090601" sldId="546"/>
-            <ac:spMk id="8" creationId="{00000000-0000-0000-0000-000000000000}"/>
-          </ac:spMkLst>
-        </pc:spChg>
-        <pc:spChg chg="add mod">
-          <ac:chgData name="Zhao Jin" userId="cd05a825-544c-438a-9ba1-08e63db50b47" providerId="ADAL" clId="{B24B02F7-7905-4588-AF93-2F3E26C169C6}" dt="2021-02-11T10:28:41.659" v="496" actId="14100"/>
-          <ac:spMkLst>
-            <pc:docMk/>
-            <pc:sldMk cId="2573090601" sldId="546"/>
-            <ac:spMk id="9" creationId="{65330C62-B59D-4944-9872-A56DF6FDE7BF}"/>
-          </ac:spMkLst>
-        </pc:spChg>
-        <pc:spChg chg="add mod">
-          <ac:chgData name="Zhao Jin" userId="cd05a825-544c-438a-9ba1-08e63db50b47" providerId="ADAL" clId="{B24B02F7-7905-4588-AF93-2F3E26C169C6}" dt="2021-02-11T10:26:35.661" v="311" actId="14100"/>
-          <ac:spMkLst>
-            <pc:docMk/>
-            <pc:sldMk cId="2573090601" sldId="546"/>
-            <ac:spMk id="10" creationId="{ADA401A5-3160-42FF-9AD4-DF6554026F18}"/>
-          </ac:spMkLst>
-        </pc:spChg>
-        <pc:spChg chg="add mod">
-          <ac:chgData name="Zhao Jin" userId="cd05a825-544c-438a-9ba1-08e63db50b47" providerId="ADAL" clId="{B24B02F7-7905-4588-AF93-2F3E26C169C6}" dt="2021-02-11T10:28:49.947" v="497" actId="207"/>
-          <ac:spMkLst>
-            <pc:docMk/>
-            <pc:sldMk cId="2573090601" sldId="546"/>
-            <ac:spMk id="11" creationId="{AC3B87F3-107E-4154-BFB1-9F4F9A73432F}"/>
-          </ac:spMkLst>
-        </pc:spChg>
-        <pc:spChg chg="add mod">
-          <ac:chgData name="Zhao Jin" userId="cd05a825-544c-438a-9ba1-08e63db50b47" providerId="ADAL" clId="{B24B02F7-7905-4588-AF93-2F3E26C169C6}" dt="2021-02-11T10:28:36.179" v="469" actId="1038"/>
-          <ac:spMkLst>
-            <pc:docMk/>
-            <pc:sldMk cId="2573090601" sldId="546"/>
-            <ac:spMk id="13" creationId="{9EF47B94-F106-49A9-B65C-BD033A00B269}"/>
-          </ac:spMkLst>
-        </pc:spChg>
-        <pc:spChg chg="mod">
-          <ac:chgData name="Zhao Jin" userId="cd05a825-544c-438a-9ba1-08e63db50b47" providerId="ADAL" clId="{B24B02F7-7905-4588-AF93-2F3E26C169C6}" dt="2021-02-11T10:23:17.947" v="118" actId="20577"/>
-          <ac:spMkLst>
-            <pc:docMk/>
-            <pc:sldMk cId="2573090601" sldId="546"/>
-            <ac:spMk id="14338" creationId="{00000000-0000-0000-0000-000000000000}"/>
-          </ac:spMkLst>
-        </pc:spChg>
-        <pc:picChg chg="add mod">
-          <ac:chgData name="Zhao Jin" userId="cd05a825-544c-438a-9ba1-08e63db50b47" providerId="ADAL" clId="{B24B02F7-7905-4588-AF93-2F3E26C169C6}" dt="2021-02-11T10:28:34.390" v="453" actId="1076"/>
-          <ac:picMkLst>
-            <pc:docMk/>
-            <pc:sldMk cId="2573090601" sldId="546"/>
-            <ac:picMk id="14" creationId="{5FF90871-040F-4170-8E8E-EC56CFFB7847}"/>
-          </ac:picMkLst>
-        </pc:picChg>
-      </pc:sldChg>
-      <pc:sldChg chg="addSp delSp modSp mod modAnim">
-        <pc:chgData name="Zhao Jin" userId="cd05a825-544c-438a-9ba1-08e63db50b47" providerId="ADAL" clId="{B24B02F7-7905-4588-AF93-2F3E26C169C6}" dt="2021-02-11T10:46:20.240" v="1768" actId="6549"/>
-        <pc:sldMkLst>
-          <pc:docMk/>
-          <pc:sldMk cId="1427618944" sldId="553"/>
-        </pc:sldMkLst>
-        <pc:spChg chg="add del">
-          <ac:chgData name="Zhao Jin" userId="cd05a825-544c-438a-9ba1-08e63db50b47" providerId="ADAL" clId="{B24B02F7-7905-4588-AF93-2F3E26C169C6}" dt="2021-02-11T10:14:46.310" v="61"/>
-          <ac:spMkLst>
-            <pc:docMk/>
-            <pc:sldMk cId="1427618944" sldId="553"/>
-            <ac:spMk id="2" creationId="{DA3372C3-4105-4A3B-A286-05F566C332C5}"/>
-          </ac:spMkLst>
-        </pc:spChg>
-        <pc:spChg chg="mod">
-          <ac:chgData name="Zhao Jin" userId="cd05a825-544c-438a-9ba1-08e63db50b47" providerId="ADAL" clId="{B24B02F7-7905-4588-AF93-2F3E26C169C6}" dt="2021-02-10T03:55:18.143" v="13"/>
-          <ac:spMkLst>
-            <pc:docMk/>
-            <pc:sldMk cId="1427618944" sldId="553"/>
-            <ac:spMk id="7" creationId="{00000000-0000-0000-0000-000000000000}"/>
-          </ac:spMkLst>
-        </pc:spChg>
-        <pc:spChg chg="mod">
-          <ac:chgData name="Zhao Jin" userId="cd05a825-544c-438a-9ba1-08e63db50b47" providerId="ADAL" clId="{B24B02F7-7905-4588-AF93-2F3E26C169C6}" dt="2021-02-11T10:39:12.451" v="1103" actId="20577"/>
-          <ac:spMkLst>
-            <pc:docMk/>
-            <pc:sldMk cId="1427618944" sldId="553"/>
-            <ac:spMk id="8" creationId="{00000000-0000-0000-0000-000000000000}"/>
-          </ac:spMkLst>
-        </pc:spChg>
-        <pc:spChg chg="add del mod">
-          <ac:chgData name="Zhao Jin" userId="cd05a825-544c-438a-9ba1-08e63db50b47" providerId="ADAL" clId="{B24B02F7-7905-4588-AF93-2F3E26C169C6}" dt="2021-02-11T10:31:22.609" v="635" actId="478"/>
-          <ac:spMkLst>
-            <pc:docMk/>
-            <pc:sldMk cId="1427618944" sldId="553"/>
-            <ac:spMk id="9" creationId="{82C8FC93-9EE3-4F7C-964A-26D98EA14F26}"/>
-          </ac:spMkLst>
-        </pc:spChg>
-        <pc:spChg chg="add mod">
-          <ac:chgData name="Zhao Jin" userId="cd05a825-544c-438a-9ba1-08e63db50b47" providerId="ADAL" clId="{B24B02F7-7905-4588-AF93-2F3E26C169C6}" dt="2021-02-11T10:30:38.038" v="625" actId="14100"/>
-          <ac:spMkLst>
-            <pc:docMk/>
-            <pc:sldMk cId="1427618944" sldId="553"/>
-            <ac:spMk id="10" creationId="{D152B3CB-3A18-4904-B92B-10421E2CF44A}"/>
-          </ac:spMkLst>
-        </pc:spChg>
-        <pc:spChg chg="add mod">
-          <ac:chgData name="Zhao Jin" userId="cd05a825-544c-438a-9ba1-08e63db50b47" providerId="ADAL" clId="{B24B02F7-7905-4588-AF93-2F3E26C169C6}" dt="2021-02-11T10:30:52.109" v="628" actId="1076"/>
-          <ac:spMkLst>
-            <pc:docMk/>
-            <pc:sldMk cId="1427618944" sldId="553"/>
-            <ac:spMk id="11" creationId="{518EA1C5-C26B-4C75-8BA5-D5CB66F74A0E}"/>
-          </ac:spMkLst>
-        </pc:spChg>
-        <pc:spChg chg="add mod">
-          <ac:chgData name="Zhao Jin" userId="cd05a825-544c-438a-9ba1-08e63db50b47" providerId="ADAL" clId="{B24B02F7-7905-4588-AF93-2F3E26C169C6}" dt="2021-02-11T10:31:20.466" v="634" actId="6549"/>
-          <ac:spMkLst>
-            <pc:docMk/>
-            <pc:sldMk cId="1427618944" sldId="553"/>
-            <ac:spMk id="13" creationId="{AFC19333-5980-4F3B-A9D6-4C44C6ADB80A}"/>
-          </ac:spMkLst>
-        </pc:spChg>
-        <pc:spChg chg="add mod">
-          <ac:chgData name="Zhao Jin" userId="cd05a825-544c-438a-9ba1-08e63db50b47" providerId="ADAL" clId="{B24B02F7-7905-4588-AF93-2F3E26C169C6}" dt="2021-02-11T10:39:03.428" v="1078" actId="14100"/>
-          <ac:spMkLst>
-            <pc:docMk/>
-            <pc:sldMk cId="1427618944" sldId="553"/>
-            <ac:spMk id="14" creationId="{13C4F959-C463-4D51-9AA3-643FAC81E97E}"/>
-          </ac:spMkLst>
-        </pc:spChg>
-        <pc:spChg chg="add del">
-          <ac:chgData name="Zhao Jin" userId="cd05a825-544c-438a-9ba1-08e63db50b47" providerId="ADAL" clId="{B24B02F7-7905-4588-AF93-2F3E26C169C6}" dt="2021-02-11T10:37:47.812" v="983" actId="22"/>
-          <ac:spMkLst>
-            <pc:docMk/>
-            <pc:sldMk cId="1427618944" sldId="553"/>
-            <ac:spMk id="16" creationId="{5135D011-39BB-4C07-AA3F-F946F5297293}"/>
-          </ac:spMkLst>
-        </pc:spChg>
-        <pc:spChg chg="add mod">
-          <ac:chgData name="Zhao Jin" userId="cd05a825-544c-438a-9ba1-08e63db50b47" providerId="ADAL" clId="{B24B02F7-7905-4588-AF93-2F3E26C169C6}" dt="2021-02-11T10:39:08.172" v="1097" actId="1035"/>
-          <ac:spMkLst>
-            <pc:docMk/>
-            <pc:sldMk cId="1427618944" sldId="553"/>
-            <ac:spMk id="17" creationId="{9BEB6C85-479A-4BE9-8BA4-DB3AC5A607CA}"/>
-          </ac:spMkLst>
-        </pc:spChg>
-        <pc:spChg chg="add mod">
-          <ac:chgData name="Zhao Jin" userId="cd05a825-544c-438a-9ba1-08e63db50b47" providerId="ADAL" clId="{B24B02F7-7905-4588-AF93-2F3E26C169C6}" dt="2021-02-11T10:41:23.039" v="1308" actId="1037"/>
-          <ac:spMkLst>
-            <pc:docMk/>
-            <pc:sldMk cId="1427618944" sldId="553"/>
-            <ac:spMk id="18" creationId="{9000E7BE-8527-4532-AA43-010C42C6CD73}"/>
-          </ac:spMkLst>
-        </pc:spChg>
-        <pc:spChg chg="add mod">
-          <ac:chgData name="Zhao Jin" userId="cd05a825-544c-438a-9ba1-08e63db50b47" providerId="ADAL" clId="{B24B02F7-7905-4588-AF93-2F3E26C169C6}" dt="2021-02-11T10:40:57.269" v="1254" actId="1036"/>
-          <ac:spMkLst>
-            <pc:docMk/>
-            <pc:sldMk cId="1427618944" sldId="553"/>
-            <ac:spMk id="19" creationId="{03877E7A-C2FA-4A59-A414-3C95F6BC432E}"/>
-          </ac:spMkLst>
-        </pc:spChg>
-        <pc:spChg chg="add mod">
-          <ac:chgData name="Zhao Jin" userId="cd05a825-544c-438a-9ba1-08e63db50b47" providerId="ADAL" clId="{B24B02F7-7905-4588-AF93-2F3E26C169C6}" dt="2021-02-11T10:46:20.240" v="1768" actId="6549"/>
-          <ac:spMkLst>
-            <pc:docMk/>
-            <pc:sldMk cId="1427618944" sldId="553"/>
-            <ac:spMk id="20" creationId="{8F0E57E9-A1B5-4D6E-ABB5-128789B1CF5C}"/>
-          </ac:spMkLst>
-        </pc:spChg>
-        <pc:spChg chg="mod">
-          <ac:chgData name="Zhao Jin" userId="cd05a825-544c-438a-9ba1-08e63db50b47" providerId="ADAL" clId="{B24B02F7-7905-4588-AF93-2F3E26C169C6}" dt="2021-02-11T10:30:16.147" v="584" actId="14100"/>
-          <ac:spMkLst>
-            <pc:docMk/>
-            <pc:sldMk cId="1427618944" sldId="553"/>
-            <ac:spMk id="84" creationId="{C4E05674-68A2-0D4E-8B47-F7A2C6A6B76F}"/>
-          </ac:spMkLst>
-        </pc:spChg>
-        <pc:spChg chg="mod">
-          <ac:chgData name="Zhao Jin" userId="cd05a825-544c-438a-9ba1-08e63db50b47" providerId="ADAL" clId="{B24B02F7-7905-4588-AF93-2F3E26C169C6}" dt="2021-02-11T10:14:06.054" v="35" actId="20577"/>
-          <ac:spMkLst>
-            <pc:docMk/>
-            <pc:sldMk cId="1427618944" sldId="553"/>
-            <ac:spMk id="14338" creationId="{00000000-0000-0000-0000-000000000000}"/>
-          </ac:spMkLst>
-        </pc:spChg>
-        <pc:picChg chg="del">
-          <ac:chgData name="Zhao Jin" userId="cd05a825-544c-438a-9ba1-08e63db50b47" providerId="ADAL" clId="{B24B02F7-7905-4588-AF93-2F3E26C169C6}" dt="2021-02-11T10:14:38.357" v="58" actId="478"/>
-          <ac:picMkLst>
-            <pc:docMk/>
-            <pc:sldMk cId="1427618944" sldId="553"/>
-            <ac:picMk id="3" creationId="{78D60D94-825A-D54F-ACF5-EA46D7263418}"/>
-          </ac:picMkLst>
-        </pc:picChg>
-        <pc:picChg chg="add mod">
-          <ac:chgData name="Zhao Jin" userId="cd05a825-544c-438a-9ba1-08e63db50b47" providerId="ADAL" clId="{B24B02F7-7905-4588-AF93-2F3E26C169C6}" dt="2021-02-11T10:31:55.453" v="736" actId="1076"/>
-          <ac:picMkLst>
-            <pc:docMk/>
-            <pc:sldMk cId="1427618944" sldId="553"/>
-            <ac:picMk id="15" creationId="{948B0BCC-4DCF-4EC6-AB46-2992AF6D87BD}"/>
-          </ac:picMkLst>
-        </pc:picChg>
-      </pc:sldChg>
-      <pc:sldChg chg="modSp del">
-        <pc:chgData name="Zhao Jin" userId="cd05a825-544c-438a-9ba1-08e63db50b47" providerId="ADAL" clId="{B24B02F7-7905-4588-AF93-2F3E26C169C6}" dt="2021-02-11T11:05:45.269" v="2429" actId="47"/>
-        <pc:sldMkLst>
-          <pc:docMk/>
-          <pc:sldMk cId="487843573" sldId="558"/>
-        </pc:sldMkLst>
-        <pc:spChg chg="mod">
-          <ac:chgData name="Zhao Jin" userId="cd05a825-544c-438a-9ba1-08e63db50b47" providerId="ADAL" clId="{B24B02F7-7905-4588-AF93-2F3E26C169C6}" dt="2021-02-10T03:55:18.143" v="13"/>
-          <ac:spMkLst>
-            <pc:docMk/>
-            <pc:sldMk cId="487843573" sldId="558"/>
-            <ac:spMk id="7" creationId="{00000000-0000-0000-0000-000000000000}"/>
-          </ac:spMkLst>
-        </pc:spChg>
-      </pc:sldChg>
-      <pc:sldChg chg="modSp del">
-        <pc:chgData name="Zhao Jin" userId="cd05a825-544c-438a-9ba1-08e63db50b47" providerId="ADAL" clId="{B24B02F7-7905-4588-AF93-2F3E26C169C6}" dt="2021-02-11T10:14:03.499" v="27" actId="47"/>
-        <pc:sldMkLst>
-          <pc:docMk/>
-          <pc:sldMk cId="92291925" sldId="563"/>
-        </pc:sldMkLst>
-        <pc:spChg chg="mod">
-          <ac:chgData name="Zhao Jin" userId="cd05a825-544c-438a-9ba1-08e63db50b47" providerId="ADAL" clId="{B24B02F7-7905-4588-AF93-2F3E26C169C6}" dt="2021-02-10T03:55:18.143" v="13"/>
-          <ac:spMkLst>
-            <pc:docMk/>
-            <pc:sldMk cId="92291925" sldId="563"/>
-            <ac:spMk id="7" creationId="{00000000-0000-0000-0000-000000000000}"/>
-          </ac:spMkLst>
-        </pc:spChg>
-      </pc:sldChg>
-      <pc:sldChg chg="modSp del">
-        <pc:chgData name="Zhao Jin" userId="cd05a825-544c-438a-9ba1-08e63db50b47" providerId="ADAL" clId="{B24B02F7-7905-4588-AF93-2F3E26C169C6}" dt="2021-02-11T11:05:45.269" v="2429" actId="47"/>
-        <pc:sldMkLst>
-          <pc:docMk/>
-          <pc:sldMk cId="894186310" sldId="564"/>
-        </pc:sldMkLst>
-        <pc:spChg chg="mod">
-          <ac:chgData name="Zhao Jin" userId="cd05a825-544c-438a-9ba1-08e63db50b47" providerId="ADAL" clId="{B24B02F7-7905-4588-AF93-2F3E26C169C6}" dt="2021-02-10T03:55:18.143" v="13"/>
-          <ac:spMkLst>
-            <pc:docMk/>
-            <pc:sldMk cId="894186310" sldId="564"/>
-            <ac:spMk id="7" creationId="{00000000-0000-0000-0000-000000000000}"/>
-          </ac:spMkLst>
-        </pc:spChg>
-      </pc:sldChg>
-      <pc:sldChg chg="modSp del">
-        <pc:chgData name="Zhao Jin" userId="cd05a825-544c-438a-9ba1-08e63db50b47" providerId="ADAL" clId="{B24B02F7-7905-4588-AF93-2F3E26C169C6}" dt="2021-02-11T11:05:45.269" v="2429" actId="47"/>
-        <pc:sldMkLst>
-          <pc:docMk/>
-          <pc:sldMk cId="1732540191" sldId="568"/>
-        </pc:sldMkLst>
-        <pc:spChg chg="mod">
-          <ac:chgData name="Zhao Jin" userId="cd05a825-544c-438a-9ba1-08e63db50b47" providerId="ADAL" clId="{B24B02F7-7905-4588-AF93-2F3E26C169C6}" dt="2021-02-10T03:55:18.143" v="13"/>
-          <ac:spMkLst>
-            <pc:docMk/>
-            <pc:sldMk cId="1732540191" sldId="568"/>
-            <ac:spMk id="7" creationId="{00000000-0000-0000-0000-000000000000}"/>
-          </ac:spMkLst>
-        </pc:spChg>
-      </pc:sldChg>
-      <pc:sldChg chg="modSp del mod">
-        <pc:chgData name="Zhao Jin" userId="cd05a825-544c-438a-9ba1-08e63db50b47" providerId="ADAL" clId="{B24B02F7-7905-4588-AF93-2F3E26C169C6}" dt="2021-02-11T11:05:45.269" v="2429" actId="47"/>
-        <pc:sldMkLst>
-          <pc:docMk/>
-          <pc:sldMk cId="3229890649" sldId="569"/>
-        </pc:sldMkLst>
-        <pc:spChg chg="mod">
-          <ac:chgData name="Zhao Jin" userId="cd05a825-544c-438a-9ba1-08e63db50b47" providerId="ADAL" clId="{B24B02F7-7905-4588-AF93-2F3E26C169C6}" dt="2021-02-10T03:55:56.639" v="26" actId="20577"/>
-          <ac:spMkLst>
-            <pc:docMk/>
-            <pc:sldMk cId="3229890649" sldId="569"/>
-            <ac:spMk id="7" creationId="{00000000-0000-0000-0000-000000000000}"/>
-          </ac:spMkLst>
-        </pc:spChg>
-      </pc:sldChg>
-      <pc:sldChg chg="modSp del">
-        <pc:chgData name="Zhao Jin" userId="cd05a825-544c-438a-9ba1-08e63db50b47" providerId="ADAL" clId="{B24B02F7-7905-4588-AF93-2F3E26C169C6}" dt="2021-02-11T11:05:45.269" v="2429" actId="47"/>
-        <pc:sldMkLst>
-          <pc:docMk/>
-          <pc:sldMk cId="3922430229" sldId="580"/>
-        </pc:sldMkLst>
-        <pc:spChg chg="mod">
-          <ac:chgData name="Zhao Jin" userId="cd05a825-544c-438a-9ba1-08e63db50b47" providerId="ADAL" clId="{B24B02F7-7905-4588-AF93-2F3E26C169C6}" dt="2021-02-10T03:55:18.143" v="13"/>
-          <ac:spMkLst>
-            <pc:docMk/>
-            <pc:sldMk cId="3922430229" sldId="580"/>
-            <ac:spMk id="7" creationId="{00000000-0000-0000-0000-000000000000}"/>
-          </ac:spMkLst>
-        </pc:spChg>
-      </pc:sldChg>
-      <pc:sldChg chg="modSp del">
-        <pc:chgData name="Zhao Jin" userId="cd05a825-544c-438a-9ba1-08e63db50b47" providerId="ADAL" clId="{B24B02F7-7905-4588-AF93-2F3E26C169C6}" dt="2021-02-11T11:05:45.269" v="2429" actId="47"/>
-        <pc:sldMkLst>
-          <pc:docMk/>
-          <pc:sldMk cId="1886636263" sldId="581"/>
-        </pc:sldMkLst>
-        <pc:spChg chg="mod">
-          <ac:chgData name="Zhao Jin" userId="cd05a825-544c-438a-9ba1-08e63db50b47" providerId="ADAL" clId="{B24B02F7-7905-4588-AF93-2F3E26C169C6}" dt="2021-02-10T03:55:18.143" v="13"/>
-          <ac:spMkLst>
-            <pc:docMk/>
-            <pc:sldMk cId="1886636263" sldId="581"/>
-            <ac:spMk id="7" creationId="{00000000-0000-0000-0000-000000000000}"/>
-          </ac:spMkLst>
-        </pc:spChg>
-      </pc:sldChg>
-      <pc:sldChg chg="modSp del">
-        <pc:chgData name="Zhao Jin" userId="cd05a825-544c-438a-9ba1-08e63db50b47" providerId="ADAL" clId="{B24B02F7-7905-4588-AF93-2F3E26C169C6}" dt="2021-02-11T11:05:45.269" v="2429" actId="47"/>
-        <pc:sldMkLst>
-          <pc:docMk/>
-          <pc:sldMk cId="211149325" sldId="589"/>
-        </pc:sldMkLst>
-        <pc:spChg chg="mod">
-          <ac:chgData name="Zhao Jin" userId="cd05a825-544c-438a-9ba1-08e63db50b47" providerId="ADAL" clId="{B24B02F7-7905-4588-AF93-2F3E26C169C6}" dt="2021-02-10T03:55:18.143" v="13"/>
-          <ac:spMkLst>
-            <pc:docMk/>
-            <pc:sldMk cId="211149325" sldId="589"/>
-            <ac:spMk id="7" creationId="{00000000-0000-0000-0000-000000000000}"/>
-          </ac:spMkLst>
-        </pc:spChg>
-      </pc:sldChg>
-      <pc:sldChg chg="modSp del">
-        <pc:chgData name="Zhao Jin" userId="cd05a825-544c-438a-9ba1-08e63db50b47" providerId="ADAL" clId="{B24B02F7-7905-4588-AF93-2F3E26C169C6}" dt="2021-02-11T11:05:45.269" v="2429" actId="47"/>
-        <pc:sldMkLst>
-          <pc:docMk/>
-          <pc:sldMk cId="4156536479" sldId="590"/>
-        </pc:sldMkLst>
-        <pc:spChg chg="mod">
-          <ac:chgData name="Zhao Jin" userId="cd05a825-544c-438a-9ba1-08e63db50b47" providerId="ADAL" clId="{B24B02F7-7905-4588-AF93-2F3E26C169C6}" dt="2021-02-10T03:55:18.143" v="13"/>
-          <ac:spMkLst>
-            <pc:docMk/>
-            <pc:sldMk cId="4156536479" sldId="590"/>
-            <ac:spMk id="7" creationId="{00000000-0000-0000-0000-000000000000}"/>
-          </ac:spMkLst>
-        </pc:spChg>
-      </pc:sldChg>
-      <pc:sldChg chg="modSp del">
-        <pc:chgData name="Zhao Jin" userId="cd05a825-544c-438a-9ba1-08e63db50b47" providerId="ADAL" clId="{B24B02F7-7905-4588-AF93-2F3E26C169C6}" dt="2021-02-11T11:05:45.269" v="2429" actId="47"/>
-        <pc:sldMkLst>
-          <pc:docMk/>
-          <pc:sldMk cId="567798019" sldId="591"/>
-        </pc:sldMkLst>
-        <pc:spChg chg="mod">
-          <ac:chgData name="Zhao Jin" userId="cd05a825-544c-438a-9ba1-08e63db50b47" providerId="ADAL" clId="{B24B02F7-7905-4588-AF93-2F3E26C169C6}" dt="2021-02-10T03:55:18.143" v="13"/>
-          <ac:spMkLst>
-            <pc:docMk/>
-            <pc:sldMk cId="567798019" sldId="591"/>
-            <ac:spMk id="7" creationId="{00000000-0000-0000-0000-000000000000}"/>
-          </ac:spMkLst>
-        </pc:spChg>
-      </pc:sldChg>
-      <pc:sldChg chg="modSp del">
-        <pc:chgData name="Zhao Jin" userId="cd05a825-544c-438a-9ba1-08e63db50b47" providerId="ADAL" clId="{B24B02F7-7905-4588-AF93-2F3E26C169C6}" dt="2021-02-11T11:05:45.269" v="2429" actId="47"/>
-        <pc:sldMkLst>
-          <pc:docMk/>
-          <pc:sldMk cId="137810324" sldId="592"/>
-        </pc:sldMkLst>
-        <pc:spChg chg="mod">
-          <ac:chgData name="Zhao Jin" userId="cd05a825-544c-438a-9ba1-08e63db50b47" providerId="ADAL" clId="{B24B02F7-7905-4588-AF93-2F3E26C169C6}" dt="2021-02-10T03:55:18.143" v="13"/>
-          <ac:spMkLst>
-            <pc:docMk/>
-            <pc:sldMk cId="137810324" sldId="592"/>
-            <ac:spMk id="7" creationId="{00000000-0000-0000-0000-000000000000}"/>
-          </ac:spMkLst>
-        </pc:spChg>
-      </pc:sldChg>
-      <pc:sldChg chg="modSp del">
-        <pc:chgData name="Zhao Jin" userId="cd05a825-544c-438a-9ba1-08e63db50b47" providerId="ADAL" clId="{B24B02F7-7905-4588-AF93-2F3E26C169C6}" dt="2021-02-11T11:05:45.269" v="2429" actId="47"/>
-        <pc:sldMkLst>
-          <pc:docMk/>
-          <pc:sldMk cId="3233082706" sldId="593"/>
-        </pc:sldMkLst>
-        <pc:spChg chg="mod">
-          <ac:chgData name="Zhao Jin" userId="cd05a825-544c-438a-9ba1-08e63db50b47" providerId="ADAL" clId="{B24B02F7-7905-4588-AF93-2F3E26C169C6}" dt="2021-02-10T03:55:18.143" v="13"/>
-          <ac:spMkLst>
-            <pc:docMk/>
-            <pc:sldMk cId="3233082706" sldId="593"/>
-            <ac:spMk id="7" creationId="{00000000-0000-0000-0000-000000000000}"/>
-          </ac:spMkLst>
-        </pc:spChg>
-      </pc:sldChg>
-      <pc:sldChg chg="modSp del">
-        <pc:chgData name="Zhao Jin" userId="cd05a825-544c-438a-9ba1-08e63db50b47" providerId="ADAL" clId="{B24B02F7-7905-4588-AF93-2F3E26C169C6}" dt="2021-02-11T11:05:45.269" v="2429" actId="47"/>
-        <pc:sldMkLst>
-          <pc:docMk/>
-          <pc:sldMk cId="2217225800" sldId="594"/>
-        </pc:sldMkLst>
-        <pc:spChg chg="mod">
-          <ac:chgData name="Zhao Jin" userId="cd05a825-544c-438a-9ba1-08e63db50b47" providerId="ADAL" clId="{B24B02F7-7905-4588-AF93-2F3E26C169C6}" dt="2021-02-10T03:55:18.143" v="13"/>
-          <ac:spMkLst>
-            <pc:docMk/>
-            <pc:sldMk cId="2217225800" sldId="594"/>
-            <ac:spMk id="7" creationId="{00000000-0000-0000-0000-000000000000}"/>
-          </ac:spMkLst>
-        </pc:spChg>
-      </pc:sldChg>
-      <pc:sldChg chg="modSp del">
-        <pc:chgData name="Zhao Jin" userId="cd05a825-544c-438a-9ba1-08e63db50b47" providerId="ADAL" clId="{B24B02F7-7905-4588-AF93-2F3E26C169C6}" dt="2021-02-11T11:05:45.269" v="2429" actId="47"/>
-        <pc:sldMkLst>
-          <pc:docMk/>
-          <pc:sldMk cId="2419983458" sldId="595"/>
-        </pc:sldMkLst>
-        <pc:spChg chg="mod">
-          <ac:chgData name="Zhao Jin" userId="cd05a825-544c-438a-9ba1-08e63db50b47" providerId="ADAL" clId="{B24B02F7-7905-4588-AF93-2F3E26C169C6}" dt="2021-02-10T03:55:18.143" v="13"/>
-          <ac:spMkLst>
-            <pc:docMk/>
-            <pc:sldMk cId="2419983458" sldId="595"/>
-            <ac:spMk id="7" creationId="{00000000-0000-0000-0000-000000000000}"/>
-          </ac:spMkLst>
-        </pc:spChg>
-      </pc:sldChg>
-      <pc:sldChg chg="modSp del">
-        <pc:chgData name="Zhao Jin" userId="cd05a825-544c-438a-9ba1-08e63db50b47" providerId="ADAL" clId="{B24B02F7-7905-4588-AF93-2F3E26C169C6}" dt="2021-02-11T11:05:45.269" v="2429" actId="47"/>
-        <pc:sldMkLst>
-          <pc:docMk/>
-          <pc:sldMk cId="3643682471" sldId="596"/>
-        </pc:sldMkLst>
-        <pc:spChg chg="mod">
-          <ac:chgData name="Zhao Jin" userId="cd05a825-544c-438a-9ba1-08e63db50b47" providerId="ADAL" clId="{B24B02F7-7905-4588-AF93-2F3E26C169C6}" dt="2021-02-10T03:55:18.143" v="13"/>
-          <ac:spMkLst>
-            <pc:docMk/>
-            <pc:sldMk cId="3643682471" sldId="596"/>
-            <ac:spMk id="9" creationId="{00000000-0000-0000-0000-000000000000}"/>
-          </ac:spMkLst>
-        </pc:spChg>
-      </pc:sldChg>
-      <pc:sldChg chg="modSp del">
-        <pc:chgData name="Zhao Jin" userId="cd05a825-544c-438a-9ba1-08e63db50b47" providerId="ADAL" clId="{B24B02F7-7905-4588-AF93-2F3E26C169C6}" dt="2021-02-11T11:05:45.269" v="2429" actId="47"/>
-        <pc:sldMkLst>
-          <pc:docMk/>
-          <pc:sldMk cId="3231946261" sldId="597"/>
-        </pc:sldMkLst>
-        <pc:spChg chg="mod">
-          <ac:chgData name="Zhao Jin" userId="cd05a825-544c-438a-9ba1-08e63db50b47" providerId="ADAL" clId="{B24B02F7-7905-4588-AF93-2F3E26C169C6}" dt="2021-02-10T03:55:18.143" v="13"/>
-          <ac:spMkLst>
-            <pc:docMk/>
-            <pc:sldMk cId="3231946261" sldId="597"/>
-            <ac:spMk id="9" creationId="{00000000-0000-0000-0000-000000000000}"/>
-          </ac:spMkLst>
-        </pc:spChg>
-      </pc:sldChg>
-      <pc:sldChg chg="modSp del">
-        <pc:chgData name="Zhao Jin" userId="cd05a825-544c-438a-9ba1-08e63db50b47" providerId="ADAL" clId="{B24B02F7-7905-4588-AF93-2F3E26C169C6}" dt="2021-02-11T11:05:45.269" v="2429" actId="47"/>
-        <pc:sldMkLst>
-          <pc:docMk/>
-          <pc:sldMk cId="4002657513" sldId="598"/>
-        </pc:sldMkLst>
-        <pc:spChg chg="mod">
-          <ac:chgData name="Zhao Jin" userId="cd05a825-544c-438a-9ba1-08e63db50b47" providerId="ADAL" clId="{B24B02F7-7905-4588-AF93-2F3E26C169C6}" dt="2021-02-10T03:55:18.143" v="13"/>
-          <ac:spMkLst>
-            <pc:docMk/>
-            <pc:sldMk cId="4002657513" sldId="598"/>
-            <ac:spMk id="9" creationId="{00000000-0000-0000-0000-000000000000}"/>
-          </ac:spMkLst>
-        </pc:spChg>
-      </pc:sldChg>
-      <pc:sldChg chg="modSp del">
-        <pc:chgData name="Zhao Jin" userId="cd05a825-544c-438a-9ba1-08e63db50b47" providerId="ADAL" clId="{B24B02F7-7905-4588-AF93-2F3E26C169C6}" dt="2021-02-11T11:05:45.269" v="2429" actId="47"/>
-        <pc:sldMkLst>
-          <pc:docMk/>
-          <pc:sldMk cId="2930953569" sldId="599"/>
-        </pc:sldMkLst>
-        <pc:spChg chg="mod">
-          <ac:chgData name="Zhao Jin" userId="cd05a825-544c-438a-9ba1-08e63db50b47" providerId="ADAL" clId="{B24B02F7-7905-4588-AF93-2F3E26C169C6}" dt="2021-02-10T03:55:18.143" v="13"/>
-          <ac:spMkLst>
-            <pc:docMk/>
-            <pc:sldMk cId="2930953569" sldId="599"/>
-            <ac:spMk id="7" creationId="{00000000-0000-0000-0000-000000000000}"/>
-          </ac:spMkLst>
-        </pc:spChg>
-      </pc:sldChg>
-      <pc:sldChg chg="modSp del">
-        <pc:chgData name="Zhao Jin" userId="cd05a825-544c-438a-9ba1-08e63db50b47" providerId="ADAL" clId="{B24B02F7-7905-4588-AF93-2F3E26C169C6}" dt="2021-02-11T11:05:45.269" v="2429" actId="47"/>
-        <pc:sldMkLst>
-          <pc:docMk/>
-          <pc:sldMk cId="880934081" sldId="600"/>
-        </pc:sldMkLst>
-        <pc:spChg chg="mod">
-          <ac:chgData name="Zhao Jin" userId="cd05a825-544c-438a-9ba1-08e63db50b47" providerId="ADAL" clId="{B24B02F7-7905-4588-AF93-2F3E26C169C6}" dt="2021-02-10T03:55:18.143" v="13"/>
-          <ac:spMkLst>
-            <pc:docMk/>
-            <pc:sldMk cId="880934081" sldId="600"/>
-            <ac:spMk id="7" creationId="{00000000-0000-0000-0000-000000000000}"/>
-          </ac:spMkLst>
-        </pc:spChg>
-      </pc:sldChg>
-      <pc:sldChg chg="addSp delSp modSp add mod modAnim">
-        <pc:chgData name="Zhao Jin" userId="cd05a825-544c-438a-9ba1-08e63db50b47" providerId="ADAL" clId="{B24B02F7-7905-4588-AF93-2F3E26C169C6}" dt="2021-02-11T10:46:14.362" v="1753" actId="20577"/>
-        <pc:sldMkLst>
-          <pc:docMk/>
-          <pc:sldMk cId="1094276337" sldId="601"/>
-        </pc:sldMkLst>
-        <pc:spChg chg="mod">
-          <ac:chgData name="Zhao Jin" userId="cd05a825-544c-438a-9ba1-08e63db50b47" providerId="ADAL" clId="{B24B02F7-7905-4588-AF93-2F3E26C169C6}" dt="2021-02-11T10:42:20.677" v="1399" actId="5793"/>
-          <ac:spMkLst>
-            <pc:docMk/>
-            <pc:sldMk cId="1094276337" sldId="601"/>
-            <ac:spMk id="8" creationId="{00000000-0000-0000-0000-000000000000}"/>
-          </ac:spMkLst>
-        </pc:spChg>
-        <pc:spChg chg="del">
-          <ac:chgData name="Zhao Jin" userId="cd05a825-544c-438a-9ba1-08e63db50b47" providerId="ADAL" clId="{B24B02F7-7905-4588-AF93-2F3E26C169C6}" dt="2021-02-11T10:32:24.671" v="801" actId="478"/>
-          <ac:spMkLst>
-            <pc:docMk/>
-            <pc:sldMk cId="1094276337" sldId="601"/>
-            <ac:spMk id="9" creationId="{82C8FC93-9EE3-4F7C-964A-26D98EA14F26}"/>
-          </ac:spMkLst>
-        </pc:spChg>
-        <pc:spChg chg="del">
-          <ac:chgData name="Zhao Jin" userId="cd05a825-544c-438a-9ba1-08e63db50b47" providerId="ADAL" clId="{B24B02F7-7905-4588-AF93-2F3E26C169C6}" dt="2021-02-11T10:32:23.005" v="800" actId="478"/>
-          <ac:spMkLst>
-            <pc:docMk/>
-            <pc:sldMk cId="1094276337" sldId="601"/>
-            <ac:spMk id="10" creationId="{D152B3CB-3A18-4904-B92B-10421E2CF44A}"/>
-          </ac:spMkLst>
-        </pc:spChg>
-        <pc:spChg chg="del mod">
-          <ac:chgData name="Zhao Jin" userId="cd05a825-544c-438a-9ba1-08e63db50b47" providerId="ADAL" clId="{B24B02F7-7905-4588-AF93-2F3E26C169C6}" dt="2021-02-11T10:43:13.791" v="1440" actId="478"/>
-          <ac:spMkLst>
-            <pc:docMk/>
-            <pc:sldMk cId="1094276337" sldId="601"/>
-            <ac:spMk id="11" creationId="{518EA1C5-C26B-4C75-8BA5-D5CB66F74A0E}"/>
-          </ac:spMkLst>
-        </pc:spChg>
-        <pc:spChg chg="add del mod">
-          <ac:chgData name="Zhao Jin" userId="cd05a825-544c-438a-9ba1-08e63db50b47" providerId="ADAL" clId="{B24B02F7-7905-4588-AF93-2F3E26C169C6}" dt="2021-02-11T10:37:41.150" v="981" actId="478"/>
-          <ac:spMkLst>
-            <pc:docMk/>
-            <pc:sldMk cId="1094276337" sldId="601"/>
-            <ac:spMk id="13" creationId="{3D34B7CF-FD06-460D-ACDC-E526985126A5}"/>
-          </ac:spMkLst>
-        </pc:spChg>
-        <pc:spChg chg="add del mod">
-          <ac:chgData name="Zhao Jin" userId="cd05a825-544c-438a-9ba1-08e63db50b47" providerId="ADAL" clId="{B24B02F7-7905-4588-AF93-2F3E26C169C6}" dt="2021-02-11T10:43:36.328" v="1479" actId="478"/>
-          <ac:spMkLst>
-            <pc:docMk/>
-            <pc:sldMk cId="1094276337" sldId="601"/>
-            <ac:spMk id="14" creationId="{1E4CB135-8988-453F-932D-80E27D63254C}"/>
-          </ac:spMkLst>
-        </pc:spChg>
-        <pc:spChg chg="add mod">
-          <ac:chgData name="Zhao Jin" userId="cd05a825-544c-438a-9ba1-08e63db50b47" providerId="ADAL" clId="{B24B02F7-7905-4588-AF93-2F3E26C169C6}" dt="2021-02-11T10:46:03.607" v="1745" actId="1036"/>
-          <ac:spMkLst>
-            <pc:docMk/>
-            <pc:sldMk cId="1094276337" sldId="601"/>
-            <ac:spMk id="15" creationId="{089ECE0A-4E20-4CEA-8F03-97F6A2A532A0}"/>
-          </ac:spMkLst>
-        </pc:spChg>
-        <pc:spChg chg="add mod">
-          <ac:chgData name="Zhao Jin" userId="cd05a825-544c-438a-9ba1-08e63db50b47" providerId="ADAL" clId="{B24B02F7-7905-4588-AF93-2F3E26C169C6}" dt="2021-02-11T10:46:14.362" v="1753" actId="20577"/>
-          <ac:spMkLst>
-            <pc:docMk/>
-            <pc:sldMk cId="1094276337" sldId="601"/>
-            <ac:spMk id="17" creationId="{2828DA0C-19A7-410C-8103-5115F757EF63}"/>
-          </ac:spMkLst>
-        </pc:spChg>
-        <pc:spChg chg="add mod">
-          <ac:chgData name="Zhao Jin" userId="cd05a825-544c-438a-9ba1-08e63db50b47" providerId="ADAL" clId="{B24B02F7-7905-4588-AF93-2F3E26C169C6}" dt="2021-02-11T10:45:18.152" v="1733" actId="1036"/>
-          <ac:spMkLst>
-            <pc:docMk/>
-            <pc:sldMk cId="1094276337" sldId="601"/>
-            <ac:spMk id="18" creationId="{6E78F201-C496-4C53-8ED8-A3E8332502FC}"/>
-          </ac:spMkLst>
-        </pc:spChg>
-        <pc:spChg chg="mod">
-          <ac:chgData name="Zhao Jin" userId="cd05a825-544c-438a-9ba1-08e63db50b47" providerId="ADAL" clId="{B24B02F7-7905-4588-AF93-2F3E26C169C6}" dt="2021-02-11T10:43:47.089" v="1483" actId="14100"/>
-          <ac:spMkLst>
-            <pc:docMk/>
-            <pc:sldMk cId="1094276337" sldId="601"/>
-            <ac:spMk id="84" creationId="{C4E05674-68A2-0D4E-8B47-F7A2C6A6B76F}"/>
-          </ac:spMkLst>
-        </pc:spChg>
-        <pc:picChg chg="add mod">
-          <ac:chgData name="Zhao Jin" userId="cd05a825-544c-438a-9ba1-08e63db50b47" providerId="ADAL" clId="{B24B02F7-7905-4588-AF93-2F3E26C169C6}" dt="2021-02-11T10:46:03.607" v="1745" actId="1036"/>
-          <ac:picMkLst>
-            <pc:docMk/>
-            <pc:sldMk cId="1094276337" sldId="601"/>
-            <ac:picMk id="16" creationId="{87406D1B-3BF5-4CE3-9EC5-BA19D8E44A88}"/>
-          </ac:picMkLst>
-        </pc:picChg>
-      </pc:sldChg>
-      <pc:sldChg chg="addSp delSp modSp add mod delAnim modAnim">
-        <pc:chgData name="Zhao Jin" userId="cd05a825-544c-438a-9ba1-08e63db50b47" providerId="ADAL" clId="{B24B02F7-7905-4588-AF93-2F3E26C169C6}" dt="2021-02-11T11:02:40.633" v="2305" actId="207"/>
-        <pc:sldMkLst>
-          <pc:docMk/>
-          <pc:sldMk cId="1542002799" sldId="602"/>
-        </pc:sldMkLst>
-        <pc:spChg chg="mod">
-          <ac:chgData name="Zhao Jin" userId="cd05a825-544c-438a-9ba1-08e63db50b47" providerId="ADAL" clId="{B24B02F7-7905-4588-AF93-2F3E26C169C6}" dt="2021-02-11T11:00:29.399" v="2108" actId="207"/>
-          <ac:spMkLst>
-            <pc:docMk/>
-            <pc:sldMk cId="1542002799" sldId="602"/>
-            <ac:spMk id="8" creationId="{00000000-0000-0000-0000-000000000000}"/>
-          </ac:spMkLst>
-        </pc:spChg>
-        <pc:spChg chg="add del mod">
-          <ac:chgData name="Zhao Jin" userId="cd05a825-544c-438a-9ba1-08e63db50b47" providerId="ADAL" clId="{B24B02F7-7905-4588-AF93-2F3E26C169C6}" dt="2021-02-11T10:57:27.363" v="2050" actId="478"/>
-          <ac:spMkLst>
-            <pc:docMk/>
-            <pc:sldMk cId="1542002799" sldId="602"/>
-            <ac:spMk id="11" creationId="{6CB64B61-4AD4-46FE-B8E4-C228F0F2FA63}"/>
-          </ac:spMkLst>
-        </pc:spChg>
-        <pc:spChg chg="add mod">
-          <ac:chgData name="Zhao Jin" userId="cd05a825-544c-438a-9ba1-08e63db50b47" providerId="ADAL" clId="{B24B02F7-7905-4588-AF93-2F3E26C169C6}" dt="2021-02-11T11:01:38.158" v="2215" actId="207"/>
-          <ac:spMkLst>
-            <pc:docMk/>
-            <pc:sldMk cId="1542002799" sldId="602"/>
-            <ac:spMk id="13" creationId="{2B89EFD4-1CE0-424E-8F8A-D7F3C08BDEC9}"/>
-          </ac:spMkLst>
-        </pc:spChg>
-        <pc:spChg chg="add del mod">
-          <ac:chgData name="Zhao Jin" userId="cd05a825-544c-438a-9ba1-08e63db50b47" providerId="ADAL" clId="{B24B02F7-7905-4588-AF93-2F3E26C169C6}" dt="2021-02-11T11:00:38.913" v="2111" actId="478"/>
-          <ac:spMkLst>
-            <pc:docMk/>
-            <pc:sldMk cId="1542002799" sldId="602"/>
-            <ac:spMk id="14" creationId="{E86C58B6-F07D-4C82-92A2-E116BE347067}"/>
-          </ac:spMkLst>
-        </pc:spChg>
-        <pc:spChg chg="del">
-          <ac:chgData name="Zhao Jin" userId="cd05a825-544c-438a-9ba1-08e63db50b47" providerId="ADAL" clId="{B24B02F7-7905-4588-AF93-2F3E26C169C6}" dt="2021-02-11T10:54:57.169" v="1899" actId="478"/>
-          <ac:spMkLst>
-            <pc:docMk/>
-            <pc:sldMk cId="1542002799" sldId="602"/>
-            <ac:spMk id="15" creationId="{089ECE0A-4E20-4CEA-8F03-97F6A2A532A0}"/>
-          </ac:spMkLst>
-        </pc:spChg>
-        <pc:spChg chg="del">
-          <ac:chgData name="Zhao Jin" userId="cd05a825-544c-438a-9ba1-08e63db50b47" providerId="ADAL" clId="{B24B02F7-7905-4588-AF93-2F3E26C169C6}" dt="2021-02-11T10:54:57.169" v="1899" actId="478"/>
-          <ac:spMkLst>
-            <pc:docMk/>
-            <pc:sldMk cId="1542002799" sldId="602"/>
-            <ac:spMk id="17" creationId="{2828DA0C-19A7-410C-8103-5115F757EF63}"/>
-          </ac:spMkLst>
-        </pc:spChg>
-        <pc:spChg chg="del mod">
-          <ac:chgData name="Zhao Jin" userId="cd05a825-544c-438a-9ba1-08e63db50b47" providerId="ADAL" clId="{B24B02F7-7905-4588-AF93-2F3E26C169C6}" dt="2021-02-11T10:55:48.770" v="1917" actId="478"/>
-          <ac:spMkLst>
-            <pc:docMk/>
-            <pc:sldMk cId="1542002799" sldId="602"/>
-            <ac:spMk id="18" creationId="{6E78F201-C496-4C53-8ED8-A3E8332502FC}"/>
-          </ac:spMkLst>
-        </pc:spChg>
-        <pc:spChg chg="add mod">
-          <ac:chgData name="Zhao Jin" userId="cd05a825-544c-438a-9ba1-08e63db50b47" providerId="ADAL" clId="{B24B02F7-7905-4588-AF93-2F3E26C169C6}" dt="2021-02-11T11:02:16.911" v="2300" actId="14100"/>
-          <ac:spMkLst>
-            <pc:docMk/>
-            <pc:sldMk cId="1542002799" sldId="602"/>
-            <ac:spMk id="19" creationId="{6B7939A9-503C-45DD-A086-CFC94710F2EC}"/>
-          </ac:spMkLst>
-        </pc:spChg>
-        <pc:spChg chg="mod">
-          <ac:chgData name="Zhao Jin" userId="cd05a825-544c-438a-9ba1-08e63db50b47" providerId="ADAL" clId="{B24B02F7-7905-4588-AF93-2F3E26C169C6}" dt="2021-02-11T11:02:40.633" v="2305" actId="207"/>
-          <ac:spMkLst>
-            <pc:docMk/>
-            <pc:sldMk cId="1542002799" sldId="602"/>
-            <ac:spMk id="84" creationId="{C4E05674-68A2-0D4E-8B47-F7A2C6A6B76F}"/>
-          </ac:spMkLst>
-        </pc:spChg>
-        <pc:spChg chg="mod">
-          <ac:chgData name="Zhao Jin" userId="cd05a825-544c-438a-9ba1-08e63db50b47" providerId="ADAL" clId="{B24B02F7-7905-4588-AF93-2F3E26C169C6}" dt="2021-02-11T10:54:30.176" v="1808" actId="20577"/>
-          <ac:spMkLst>
-            <pc:docMk/>
-            <pc:sldMk cId="1542002799" sldId="602"/>
-            <ac:spMk id="14338" creationId="{00000000-0000-0000-0000-000000000000}"/>
-          </ac:spMkLst>
-        </pc:spChg>
-        <pc:picChg chg="del">
-          <ac:chgData name="Zhao Jin" userId="cd05a825-544c-438a-9ba1-08e63db50b47" providerId="ADAL" clId="{B24B02F7-7905-4588-AF93-2F3E26C169C6}" dt="2021-02-11T10:54:57.169" v="1899" actId="478"/>
-          <ac:picMkLst>
-            <pc:docMk/>
-            <pc:sldMk cId="1542002799" sldId="602"/>
-            <ac:picMk id="16" creationId="{87406D1B-3BF5-4CE3-9EC5-BA19D8E44A88}"/>
-          </ac:picMkLst>
-        </pc:picChg>
-      </pc:sldChg>
-      <pc:sldChg chg="delSp modSp add mod delAnim">
-        <pc:chgData name="Zhao Jin" userId="cd05a825-544c-438a-9ba1-08e63db50b47" providerId="ADAL" clId="{B24B02F7-7905-4588-AF93-2F3E26C169C6}" dt="2021-02-11T11:05:31.419" v="2428" actId="207"/>
-        <pc:sldMkLst>
-          <pc:docMk/>
-          <pc:sldMk cId="830535321" sldId="603"/>
-        </pc:sldMkLst>
-        <pc:spChg chg="mod">
-          <ac:chgData name="Zhao Jin" userId="cd05a825-544c-438a-9ba1-08e63db50b47" providerId="ADAL" clId="{B24B02F7-7905-4588-AF93-2F3E26C169C6}" dt="2021-02-11T11:05:31.419" v="2428" actId="207"/>
-          <ac:spMkLst>
-            <pc:docMk/>
-            <pc:sldMk cId="830535321" sldId="603"/>
-            <ac:spMk id="8" creationId="{00000000-0000-0000-0000-000000000000}"/>
-          </ac:spMkLst>
-        </pc:spChg>
-        <pc:spChg chg="mod">
-          <ac:chgData name="Zhao Jin" userId="cd05a825-544c-438a-9ba1-08e63db50b47" providerId="ADAL" clId="{B24B02F7-7905-4588-AF93-2F3E26C169C6}" dt="2021-02-11T11:04:31.685" v="2412" actId="14100"/>
-          <ac:spMkLst>
-            <pc:docMk/>
-            <pc:sldMk cId="830535321" sldId="603"/>
-            <ac:spMk id="13" creationId="{2B89EFD4-1CE0-424E-8F8A-D7F3C08BDEC9}"/>
-          </ac:spMkLst>
-        </pc:spChg>
-        <pc:spChg chg="del">
-          <ac:chgData name="Zhao Jin" userId="cd05a825-544c-438a-9ba1-08e63db50b47" providerId="ADAL" clId="{B24B02F7-7905-4588-AF93-2F3E26C169C6}" dt="2021-02-11T11:02:52.564" v="2338" actId="478"/>
-          <ac:spMkLst>
-            <pc:docMk/>
-            <pc:sldMk cId="830535321" sldId="603"/>
-            <ac:spMk id="19" creationId="{6B7939A9-503C-45DD-A086-CFC94710F2EC}"/>
-          </ac:spMkLst>
-        </pc:spChg>
-        <pc:spChg chg="mod">
-          <ac:chgData name="Zhao Jin" userId="cd05a825-544c-438a-9ba1-08e63db50b47" providerId="ADAL" clId="{B24B02F7-7905-4588-AF93-2F3E26C169C6}" dt="2021-02-11T11:05:06.721" v="2426" actId="20577"/>
-          <ac:spMkLst>
-            <pc:docMk/>
-            <pc:sldMk cId="830535321" sldId="603"/>
-            <ac:spMk id="84" creationId="{C4E05674-68A2-0D4E-8B47-F7A2C6A6B76F}"/>
-          </ac:spMkLst>
-        </pc:spChg>
-        <pc:spChg chg="mod">
-          <ac:chgData name="Zhao Jin" userId="cd05a825-544c-438a-9ba1-08e63db50b47" providerId="ADAL" clId="{B24B02F7-7905-4588-AF93-2F3E26C169C6}" dt="2021-02-11T11:05:01.593" v="2424" actId="20577"/>
-          <ac:spMkLst>
-            <pc:docMk/>
-            <pc:sldMk cId="830535321" sldId="603"/>
-            <ac:spMk id="14338" creationId="{00000000-0000-0000-0000-000000000000}"/>
-          </ac:spMkLst>
-        </pc:spChg>
-      </pc:sldChg>
-      <pc:sldChg chg="add del">
-        <pc:chgData name="Zhao Jin" userId="cd05a825-544c-438a-9ba1-08e63db50b47" providerId="ADAL" clId="{B24B02F7-7905-4588-AF93-2F3E26C169C6}" dt="2021-02-11T11:11:11.059" v="2431" actId="47"/>
-        <pc:sldMkLst>
-          <pc:docMk/>
-          <pc:sldMk cId="3335349144" sldId="604"/>
-        </pc:sldMkLst>
-      </pc:sldChg>
-      <pc:sldMasterChg chg="modSp modSldLayout">
-        <pc:chgData name="Zhao Jin" userId="cd05a825-544c-438a-9ba1-08e63db50b47" providerId="ADAL" clId="{B24B02F7-7905-4588-AF93-2F3E26C169C6}" dt="2021-02-10T03:55:18.143" v="13"/>
-        <pc:sldMasterMkLst>
-          <pc:docMk/>
-          <pc:sldMasterMk cId="0" sldId="2147485087"/>
-        </pc:sldMasterMkLst>
-        <pc:spChg chg="mod">
-          <ac:chgData name="Zhao Jin" userId="cd05a825-544c-438a-9ba1-08e63db50b47" providerId="ADAL" clId="{B24B02F7-7905-4588-AF93-2F3E26C169C6}" dt="2021-02-10T03:55:18.143" v="13"/>
-          <ac:spMkLst>
-            <pc:docMk/>
-            <pc:sldMasterMk cId="0" sldId="2147485087"/>
-            <ac:spMk id="6" creationId="{00000000-0000-0000-0000-000000000000}"/>
-          </ac:spMkLst>
-        </pc:spChg>
-        <pc:sldLayoutChg chg="modSp">
-          <pc:chgData name="Zhao Jin" userId="cd05a825-544c-438a-9ba1-08e63db50b47" providerId="ADAL" clId="{B24B02F7-7905-4588-AF93-2F3E26C169C6}" dt="2021-02-10T03:55:18.143" v="13"/>
-          <pc:sldLayoutMkLst>
-            <pc:docMk/>
-            <pc:sldMasterMk cId="0" sldId="2147485087"/>
-            <pc:sldLayoutMk cId="0" sldId="2147485088"/>
-          </pc:sldLayoutMkLst>
-          <pc:spChg chg="mod">
-            <ac:chgData name="Zhao Jin" userId="cd05a825-544c-438a-9ba1-08e63db50b47" providerId="ADAL" clId="{B24B02F7-7905-4588-AF93-2F3E26C169C6}" dt="2021-02-10T03:55:18.143" v="13"/>
-            <ac:spMkLst>
-              <pc:docMk/>
-              <pc:sldMasterMk cId="0" sldId="2147485087"/>
-              <pc:sldLayoutMk cId="0" sldId="2147485088"/>
-              <ac:spMk id="6" creationId="{00000000-0000-0000-0000-000000000000}"/>
-            </ac:spMkLst>
-          </pc:spChg>
-        </pc:sldLayoutChg>
-        <pc:sldLayoutChg chg="modSp">
-          <pc:chgData name="Zhao Jin" userId="cd05a825-544c-438a-9ba1-08e63db50b47" providerId="ADAL" clId="{B24B02F7-7905-4588-AF93-2F3E26C169C6}" dt="2021-02-10T03:55:18.143" v="13"/>
-          <pc:sldLayoutMkLst>
-            <pc:docMk/>
-            <pc:sldMasterMk cId="0" sldId="2147485087"/>
-            <pc:sldLayoutMk cId="0" sldId="2147485089"/>
-          </pc:sldLayoutMkLst>
-          <pc:spChg chg="mod">
-            <ac:chgData name="Zhao Jin" userId="cd05a825-544c-438a-9ba1-08e63db50b47" providerId="ADAL" clId="{B24B02F7-7905-4588-AF93-2F3E26C169C6}" dt="2021-02-10T03:55:18.143" v="13"/>
-            <ac:spMkLst>
-              <pc:docMk/>
-              <pc:sldMasterMk cId="0" sldId="2147485087"/>
-              <pc:sldLayoutMk cId="0" sldId="2147485089"/>
-              <ac:spMk id="6" creationId="{00000000-0000-0000-0000-000000000000}"/>
-            </ac:spMkLst>
-          </pc:spChg>
-        </pc:sldLayoutChg>
-        <pc:sldLayoutChg chg="modSp">
-          <pc:chgData name="Zhao Jin" userId="cd05a825-544c-438a-9ba1-08e63db50b47" providerId="ADAL" clId="{B24B02F7-7905-4588-AF93-2F3E26C169C6}" dt="2021-02-10T03:55:18.143" v="13"/>
-          <pc:sldLayoutMkLst>
-            <pc:docMk/>
-            <pc:sldMasterMk cId="0" sldId="2147485087"/>
-            <pc:sldLayoutMk cId="0" sldId="2147485090"/>
-          </pc:sldLayoutMkLst>
-          <pc:spChg chg="mod">
-            <ac:chgData name="Zhao Jin" userId="cd05a825-544c-438a-9ba1-08e63db50b47" providerId="ADAL" clId="{B24B02F7-7905-4588-AF93-2F3E26C169C6}" dt="2021-02-10T03:55:18.143" v="13"/>
-            <ac:spMkLst>
-              <pc:docMk/>
-              <pc:sldMasterMk cId="0" sldId="2147485087"/>
-              <pc:sldLayoutMk cId="0" sldId="2147485090"/>
-              <ac:spMk id="6" creationId="{00000000-0000-0000-0000-000000000000}"/>
-            </ac:spMkLst>
-          </pc:spChg>
-        </pc:sldLayoutChg>
-        <pc:sldLayoutChg chg="modSp">
-          <pc:chgData name="Zhao Jin" userId="cd05a825-544c-438a-9ba1-08e63db50b47" providerId="ADAL" clId="{B24B02F7-7905-4588-AF93-2F3E26C169C6}" dt="2021-02-10T03:55:18.143" v="13"/>
-          <pc:sldLayoutMkLst>
-            <pc:docMk/>
-            <pc:sldMasterMk cId="0" sldId="2147485087"/>
-            <pc:sldLayoutMk cId="0" sldId="2147485091"/>
-          </pc:sldLayoutMkLst>
-          <pc:spChg chg="mod">
-            <ac:chgData name="Zhao Jin" userId="cd05a825-544c-438a-9ba1-08e63db50b47" providerId="ADAL" clId="{B24B02F7-7905-4588-AF93-2F3E26C169C6}" dt="2021-02-10T03:55:18.143" v="13"/>
-            <ac:spMkLst>
-              <pc:docMk/>
-              <pc:sldMasterMk cId="0" sldId="2147485087"/>
-              <pc:sldLayoutMk cId="0" sldId="2147485091"/>
-              <ac:spMk id="7" creationId="{00000000-0000-0000-0000-000000000000}"/>
-            </ac:spMkLst>
-          </pc:spChg>
-        </pc:sldLayoutChg>
-        <pc:sldLayoutChg chg="modSp">
-          <pc:chgData name="Zhao Jin" userId="cd05a825-544c-438a-9ba1-08e63db50b47" providerId="ADAL" clId="{B24B02F7-7905-4588-AF93-2F3E26C169C6}" dt="2021-02-10T03:55:18.143" v="13"/>
-          <pc:sldLayoutMkLst>
-            <pc:docMk/>
-            <pc:sldMasterMk cId="0" sldId="2147485087"/>
-            <pc:sldLayoutMk cId="0" sldId="2147485092"/>
-          </pc:sldLayoutMkLst>
-          <pc:spChg chg="mod">
-            <ac:chgData name="Zhao Jin" userId="cd05a825-544c-438a-9ba1-08e63db50b47" providerId="ADAL" clId="{B24B02F7-7905-4588-AF93-2F3E26C169C6}" dt="2021-02-10T03:55:18.143" v="13"/>
-            <ac:spMkLst>
-              <pc:docMk/>
-              <pc:sldMasterMk cId="0" sldId="2147485087"/>
-              <pc:sldLayoutMk cId="0" sldId="2147485092"/>
-              <ac:spMk id="9" creationId="{00000000-0000-0000-0000-000000000000}"/>
-            </ac:spMkLst>
-          </pc:spChg>
-        </pc:sldLayoutChg>
-        <pc:sldLayoutChg chg="modSp">
-          <pc:chgData name="Zhao Jin" userId="cd05a825-544c-438a-9ba1-08e63db50b47" providerId="ADAL" clId="{B24B02F7-7905-4588-AF93-2F3E26C169C6}" dt="2021-02-10T03:55:18.143" v="13"/>
-          <pc:sldLayoutMkLst>
-            <pc:docMk/>
-            <pc:sldMasterMk cId="0" sldId="2147485087"/>
-            <pc:sldLayoutMk cId="0" sldId="2147485093"/>
-          </pc:sldLayoutMkLst>
-          <pc:spChg chg="mod">
-            <ac:chgData name="Zhao Jin" userId="cd05a825-544c-438a-9ba1-08e63db50b47" providerId="ADAL" clId="{B24B02F7-7905-4588-AF93-2F3E26C169C6}" dt="2021-02-10T03:55:18.143" v="13"/>
-            <ac:spMkLst>
-              <pc:docMk/>
-              <pc:sldMasterMk cId="0" sldId="2147485087"/>
-              <pc:sldLayoutMk cId="0" sldId="2147485093"/>
-              <ac:spMk id="5" creationId="{00000000-0000-0000-0000-000000000000}"/>
-            </ac:spMkLst>
-          </pc:spChg>
-        </pc:sldLayoutChg>
-        <pc:sldLayoutChg chg="modSp">
-          <pc:chgData name="Zhao Jin" userId="cd05a825-544c-438a-9ba1-08e63db50b47" providerId="ADAL" clId="{B24B02F7-7905-4588-AF93-2F3E26C169C6}" dt="2021-02-10T03:55:18.143" v="13"/>
-          <pc:sldLayoutMkLst>
-            <pc:docMk/>
-            <pc:sldMasterMk cId="0" sldId="2147485087"/>
-            <pc:sldLayoutMk cId="0" sldId="2147485094"/>
-          </pc:sldLayoutMkLst>
-          <pc:spChg chg="mod">
-            <ac:chgData name="Zhao Jin" userId="cd05a825-544c-438a-9ba1-08e63db50b47" providerId="ADAL" clId="{B24B02F7-7905-4588-AF93-2F3E26C169C6}" dt="2021-02-10T03:55:18.143" v="13"/>
-            <ac:spMkLst>
-              <pc:docMk/>
-              <pc:sldMasterMk cId="0" sldId="2147485087"/>
-              <pc:sldLayoutMk cId="0" sldId="2147485094"/>
-              <ac:spMk id="4" creationId="{00000000-0000-0000-0000-000000000000}"/>
-            </ac:spMkLst>
-          </pc:spChg>
-        </pc:sldLayoutChg>
-        <pc:sldLayoutChg chg="modSp">
-          <pc:chgData name="Zhao Jin" userId="cd05a825-544c-438a-9ba1-08e63db50b47" providerId="ADAL" clId="{B24B02F7-7905-4588-AF93-2F3E26C169C6}" dt="2021-02-10T03:55:18.143" v="13"/>
-          <pc:sldLayoutMkLst>
-            <pc:docMk/>
-            <pc:sldMasterMk cId="0" sldId="2147485087"/>
-            <pc:sldLayoutMk cId="0" sldId="2147485095"/>
-          </pc:sldLayoutMkLst>
-          <pc:spChg chg="mod">
-            <ac:chgData name="Zhao Jin" userId="cd05a825-544c-438a-9ba1-08e63db50b47" providerId="ADAL" clId="{B24B02F7-7905-4588-AF93-2F3E26C169C6}" dt="2021-02-10T03:55:18.143" v="13"/>
-            <ac:spMkLst>
-              <pc:docMk/>
-              <pc:sldMasterMk cId="0" sldId="2147485087"/>
-              <pc:sldLayoutMk cId="0" sldId="2147485095"/>
-              <ac:spMk id="7" creationId="{00000000-0000-0000-0000-000000000000}"/>
-            </ac:spMkLst>
-          </pc:spChg>
-        </pc:sldLayoutChg>
-        <pc:sldLayoutChg chg="modSp">
-          <pc:chgData name="Zhao Jin" userId="cd05a825-544c-438a-9ba1-08e63db50b47" providerId="ADAL" clId="{B24B02F7-7905-4588-AF93-2F3E26C169C6}" dt="2021-02-10T03:55:18.143" v="13"/>
-          <pc:sldLayoutMkLst>
-            <pc:docMk/>
-            <pc:sldMasterMk cId="0" sldId="2147485087"/>
-            <pc:sldLayoutMk cId="0" sldId="2147485096"/>
-          </pc:sldLayoutMkLst>
-          <pc:spChg chg="mod">
-            <ac:chgData name="Zhao Jin" userId="cd05a825-544c-438a-9ba1-08e63db50b47" providerId="ADAL" clId="{B24B02F7-7905-4588-AF93-2F3E26C169C6}" dt="2021-02-10T03:55:18.143" v="13"/>
-            <ac:spMkLst>
-              <pc:docMk/>
-              <pc:sldMasterMk cId="0" sldId="2147485087"/>
-              <pc:sldLayoutMk cId="0" sldId="2147485096"/>
-              <ac:spMk id="7" creationId="{00000000-0000-0000-0000-000000000000}"/>
-            </ac:spMkLst>
-          </pc:spChg>
-        </pc:sldLayoutChg>
-        <pc:sldLayoutChg chg="modSp">
-          <pc:chgData name="Zhao Jin" userId="cd05a825-544c-438a-9ba1-08e63db50b47" providerId="ADAL" clId="{B24B02F7-7905-4588-AF93-2F3E26C169C6}" dt="2021-02-10T03:55:18.143" v="13"/>
-          <pc:sldLayoutMkLst>
-            <pc:docMk/>
-            <pc:sldMasterMk cId="0" sldId="2147485087"/>
-            <pc:sldLayoutMk cId="0" sldId="2147485097"/>
-          </pc:sldLayoutMkLst>
-          <pc:spChg chg="mod">
-            <ac:chgData name="Zhao Jin" userId="cd05a825-544c-438a-9ba1-08e63db50b47" providerId="ADAL" clId="{B24B02F7-7905-4588-AF93-2F3E26C169C6}" dt="2021-02-10T03:55:18.143" v="13"/>
-            <ac:spMkLst>
-              <pc:docMk/>
-              <pc:sldMasterMk cId="0" sldId="2147485087"/>
-              <pc:sldLayoutMk cId="0" sldId="2147485097"/>
-              <ac:spMk id="6" creationId="{00000000-0000-0000-0000-000000000000}"/>
-            </ac:spMkLst>
-          </pc:spChg>
-        </pc:sldLayoutChg>
-        <pc:sldLayoutChg chg="modSp">
-          <pc:chgData name="Zhao Jin" userId="cd05a825-544c-438a-9ba1-08e63db50b47" providerId="ADAL" clId="{B24B02F7-7905-4588-AF93-2F3E26C169C6}" dt="2021-02-10T03:55:18.143" v="13"/>
-          <pc:sldLayoutMkLst>
-            <pc:docMk/>
-            <pc:sldMasterMk cId="0" sldId="2147485087"/>
-            <pc:sldLayoutMk cId="0" sldId="2147485098"/>
-          </pc:sldLayoutMkLst>
-          <pc:spChg chg="mod">
-            <ac:chgData name="Zhao Jin" userId="cd05a825-544c-438a-9ba1-08e63db50b47" providerId="ADAL" clId="{B24B02F7-7905-4588-AF93-2F3E26C169C6}" dt="2021-02-10T03:55:18.143" v="13"/>
-            <ac:spMkLst>
-              <pc:docMk/>
-              <pc:sldMasterMk cId="0" sldId="2147485087"/>
-              <pc:sldLayoutMk cId="0" sldId="2147485098"/>
-              <ac:spMk id="6" creationId="{00000000-0000-0000-0000-000000000000}"/>
-            </ac:spMkLst>
-          </pc:spChg>
-        </pc:sldLayoutChg>
-      </pc:sldMasterChg>
-    </pc:docChg>
-  </pc:docChgLst>
-  <pc:docChgLst>
-    <pc:chgData name="Zhao Jin" userId="cd05a825-544c-438a-9ba1-08e63db50b47" providerId="ADAL" clId="{37A0D694-38DA-4421-B5D3-DEDBFC2EC57C}"/>
-    <pc:docChg chg="undo redo custSel mod addSld delSld modSld sldOrd modMainMaster">
-      <pc:chgData name="Zhao Jin" userId="cd05a825-544c-438a-9ba1-08e63db50b47" providerId="ADAL" clId="{37A0D694-38DA-4421-B5D3-DEDBFC2EC57C}" dt="2021-02-08T07:59:31.262" v="4966" actId="20577"/>
-      <pc:docMkLst>
-        <pc:docMk/>
-      </pc:docMkLst>
-      <pc:sldChg chg="modSp mod">
-        <pc:chgData name="Zhao Jin" userId="cd05a825-544c-438a-9ba1-08e63db50b47" providerId="ADAL" clId="{37A0D694-38DA-4421-B5D3-DEDBFC2EC57C}" dt="2021-02-03T06:56:00.570" v="28" actId="20577"/>
-        <pc:sldMkLst>
-          <pc:docMk/>
-          <pc:sldMk cId="0" sldId="256"/>
-        </pc:sldMkLst>
-        <pc:spChg chg="mod">
-          <ac:chgData name="Zhao Jin" userId="cd05a825-544c-438a-9ba1-08e63db50b47" providerId="ADAL" clId="{37A0D694-38DA-4421-B5D3-DEDBFC2EC57C}" dt="2021-02-03T06:55:55.618" v="3" actId="20577"/>
-          <ac:spMkLst>
-            <pc:docMk/>
-            <pc:sldMk cId="0" sldId="256"/>
-            <ac:spMk id="8" creationId="{00000000-0000-0000-0000-000000000000}"/>
-          </ac:spMkLst>
-        </pc:spChg>
-        <pc:spChg chg="mod">
-          <ac:chgData name="Zhao Jin" userId="cd05a825-544c-438a-9ba1-08e63db50b47" providerId="ADAL" clId="{37A0D694-38DA-4421-B5D3-DEDBFC2EC57C}" dt="2021-02-03T06:56:00.570" v="28" actId="20577"/>
-          <ac:spMkLst>
-            <pc:docMk/>
-            <pc:sldMk cId="0" sldId="256"/>
-            <ac:spMk id="11" creationId="{00000000-0000-0000-0000-000000000000}"/>
-          </ac:spMkLst>
-        </pc:spChg>
-      </pc:sldChg>
-      <pc:sldChg chg="modSp mod">
-        <pc:chgData name="Zhao Jin" userId="cd05a825-544c-438a-9ba1-08e63db50b47" providerId="ADAL" clId="{37A0D694-38DA-4421-B5D3-DEDBFC2EC57C}" dt="2021-02-03T09:25:32.601" v="3334" actId="20577"/>
-        <pc:sldMkLst>
-          <pc:docMk/>
-          <pc:sldMk cId="2438607696" sldId="468"/>
-        </pc:sldMkLst>
-        <pc:spChg chg="mod">
-          <ac:chgData name="Zhao Jin" userId="cd05a825-544c-438a-9ba1-08e63db50b47" providerId="ADAL" clId="{37A0D694-38DA-4421-B5D3-DEDBFC2EC57C}" dt="2021-02-03T06:56:12.527" v="36"/>
-          <ac:spMkLst>
-            <pc:docMk/>
-            <pc:sldMk cId="2438607696" sldId="468"/>
-            <ac:spMk id="7" creationId="{00000000-0000-0000-0000-000000000000}"/>
-          </ac:spMkLst>
-        </pc:spChg>
-        <pc:spChg chg="mod">
-          <ac:chgData name="Zhao Jin" userId="cd05a825-544c-438a-9ba1-08e63db50b47" providerId="ADAL" clId="{37A0D694-38DA-4421-B5D3-DEDBFC2EC57C}" dt="2021-02-03T06:56:05.506" v="35" actId="20577"/>
-          <ac:spMkLst>
-            <pc:docMk/>
-            <pc:sldMk cId="2438607696" sldId="468"/>
-            <ac:spMk id="14338" creationId="{00000000-0000-0000-0000-000000000000}"/>
-          </ac:spMkLst>
-        </pc:spChg>
-        <pc:spChg chg="mod">
-          <ac:chgData name="Zhao Jin" userId="cd05a825-544c-438a-9ba1-08e63db50b47" providerId="ADAL" clId="{37A0D694-38DA-4421-B5D3-DEDBFC2EC57C}" dt="2021-02-03T09:25:32.601" v="3334" actId="20577"/>
-          <ac:spMkLst>
-            <pc:docMk/>
-            <pc:sldMk cId="2438607696" sldId="468"/>
-            <ac:spMk id="14339" creationId="{00000000-0000-0000-0000-000000000000}"/>
-          </ac:spMkLst>
-        </pc:spChg>
-      </pc:sldChg>
-      <pc:sldChg chg="modSp del">
-        <pc:chgData name="Zhao Jin" userId="cd05a825-544c-438a-9ba1-08e63db50b47" providerId="ADAL" clId="{37A0D694-38DA-4421-B5D3-DEDBFC2EC57C}" dt="2021-02-03T07:53:06.972" v="43" actId="47"/>
-        <pc:sldMkLst>
-          <pc:docMk/>
-          <pc:sldMk cId="3792232794" sldId="504"/>
-        </pc:sldMkLst>
-        <pc:spChg chg="mod">
-          <ac:chgData name="Zhao Jin" userId="cd05a825-544c-438a-9ba1-08e63db50b47" providerId="ADAL" clId="{37A0D694-38DA-4421-B5D3-DEDBFC2EC57C}" dt="2021-02-03T06:56:12.527" v="36"/>
-          <ac:spMkLst>
-            <pc:docMk/>
-            <pc:sldMk cId="3792232794" sldId="504"/>
-            <ac:spMk id="7" creationId="{00000000-0000-0000-0000-000000000000}"/>
-          </ac:spMkLst>
-        </pc:spChg>
-      </pc:sldChg>
-      <pc:sldChg chg="addSp delSp modSp add mod ord modAnim">
-        <pc:chgData name="Zhao Jin" userId="cd05a825-544c-438a-9ba1-08e63db50b47" providerId="ADAL" clId="{37A0D694-38DA-4421-B5D3-DEDBFC2EC57C}" dt="2021-02-03T09:26:12.205" v="3350" actId="478"/>
-        <pc:sldMkLst>
-          <pc:docMk/>
-          <pc:sldMk cId="1705639840" sldId="543"/>
-        </pc:sldMkLst>
-        <pc:spChg chg="mod">
-          <ac:chgData name="Zhao Jin" userId="cd05a825-544c-438a-9ba1-08e63db50b47" providerId="ADAL" clId="{37A0D694-38DA-4421-B5D3-DEDBFC2EC57C}" dt="2021-02-03T09:26:08.285" v="3348" actId="1035"/>
-          <ac:spMkLst>
-            <pc:docMk/>
-            <pc:sldMk cId="1705639840" sldId="543"/>
-            <ac:spMk id="9" creationId="{00000000-0000-0000-0000-000000000000}"/>
-          </ac:spMkLst>
-        </pc:spChg>
-        <pc:spChg chg="mod">
-          <ac:chgData name="Zhao Jin" userId="cd05a825-544c-438a-9ba1-08e63db50b47" providerId="ADAL" clId="{37A0D694-38DA-4421-B5D3-DEDBFC2EC57C}" dt="2021-02-03T09:15:05.685" v="2951" actId="6549"/>
-          <ac:spMkLst>
-            <pc:docMk/>
-            <pc:sldMk cId="1705639840" sldId="543"/>
-            <ac:spMk id="15" creationId="{00000000-0000-0000-0000-000000000000}"/>
-          </ac:spMkLst>
-        </pc:spChg>
-        <pc:spChg chg="add del">
-          <ac:chgData name="Zhao Jin" userId="cd05a825-544c-438a-9ba1-08e63db50b47" providerId="ADAL" clId="{37A0D694-38DA-4421-B5D3-DEDBFC2EC57C}" dt="2021-02-03T09:26:12.205" v="3350" actId="478"/>
-          <ac:spMkLst>
-            <pc:docMk/>
-            <pc:sldMk cId="1705639840" sldId="543"/>
-            <ac:spMk id="25604" creationId="{00000000-0000-0000-0000-000000000000}"/>
-          </ac:spMkLst>
-        </pc:spChg>
-      </pc:sldChg>
-      <pc:sldChg chg="modSp del">
-        <pc:chgData name="Zhao Jin" userId="cd05a825-544c-438a-9ba1-08e63db50b47" providerId="ADAL" clId="{37A0D694-38DA-4421-B5D3-DEDBFC2EC57C}" dt="2021-02-03T09:00:14.226" v="1559" actId="47"/>
-        <pc:sldMkLst>
-          <pc:docMk/>
-          <pc:sldMk cId="4228901100" sldId="545"/>
-        </pc:sldMkLst>
-        <pc:spChg chg="mod">
-          <ac:chgData name="Zhao Jin" userId="cd05a825-544c-438a-9ba1-08e63db50b47" providerId="ADAL" clId="{37A0D694-38DA-4421-B5D3-DEDBFC2EC57C}" dt="2021-02-03T06:56:12.527" v="36"/>
-          <ac:spMkLst>
-            <pc:docMk/>
-            <pc:sldMk cId="4228901100" sldId="545"/>
-            <ac:spMk id="7" creationId="{00000000-0000-0000-0000-000000000000}"/>
-          </ac:spMkLst>
-        </pc:spChg>
-      </pc:sldChg>
-      <pc:sldChg chg="modSp del">
-        <pc:chgData name="Zhao Jin" userId="cd05a825-544c-438a-9ba1-08e63db50b47" providerId="ADAL" clId="{37A0D694-38DA-4421-B5D3-DEDBFC2EC57C}" dt="2021-02-03T07:53:07.263" v="44" actId="47"/>
-        <pc:sldMkLst>
-          <pc:docMk/>
-          <pc:sldMk cId="4225956616" sldId="546"/>
-        </pc:sldMkLst>
-        <pc:spChg chg="mod">
-          <ac:chgData name="Zhao Jin" userId="cd05a825-544c-438a-9ba1-08e63db50b47" providerId="ADAL" clId="{37A0D694-38DA-4421-B5D3-DEDBFC2EC57C}" dt="2021-02-03T06:56:12.527" v="36"/>
-          <ac:spMkLst>
-            <pc:docMk/>
-            <pc:sldMk cId="4225956616" sldId="546"/>
-            <ac:spMk id="7" creationId="{00000000-0000-0000-0000-000000000000}"/>
-          </ac:spMkLst>
-        </pc:spChg>
-      </pc:sldChg>
-      <pc:sldChg chg="modSp del">
-        <pc:chgData name="Zhao Jin" userId="cd05a825-544c-438a-9ba1-08e63db50b47" providerId="ADAL" clId="{37A0D694-38DA-4421-B5D3-DEDBFC2EC57C}" dt="2021-02-03T09:00:14.226" v="1559" actId="47"/>
-        <pc:sldMkLst>
-          <pc:docMk/>
-          <pc:sldMk cId="1617257579" sldId="548"/>
-        </pc:sldMkLst>
-        <pc:spChg chg="mod">
-          <ac:chgData name="Zhao Jin" userId="cd05a825-544c-438a-9ba1-08e63db50b47" providerId="ADAL" clId="{37A0D694-38DA-4421-B5D3-DEDBFC2EC57C}" dt="2021-02-03T06:56:12.527" v="36"/>
-          <ac:spMkLst>
-            <pc:docMk/>
-            <pc:sldMk cId="1617257579" sldId="548"/>
-            <ac:spMk id="7" creationId="{00000000-0000-0000-0000-000000000000}"/>
-          </ac:spMkLst>
-        </pc:spChg>
-      </pc:sldChg>
-      <pc:sldChg chg="modSp del">
-        <pc:chgData name="Zhao Jin" userId="cd05a825-544c-438a-9ba1-08e63db50b47" providerId="ADAL" clId="{37A0D694-38DA-4421-B5D3-DEDBFC2EC57C}" dt="2021-02-03T07:53:07.458" v="45" actId="47"/>
-        <pc:sldMkLst>
-          <pc:docMk/>
-          <pc:sldMk cId="3422194935" sldId="552"/>
-        </pc:sldMkLst>
-        <pc:spChg chg="mod">
-          <ac:chgData name="Zhao Jin" userId="cd05a825-544c-438a-9ba1-08e63db50b47" providerId="ADAL" clId="{37A0D694-38DA-4421-B5D3-DEDBFC2EC57C}" dt="2021-02-03T06:56:12.527" v="36"/>
-          <ac:spMkLst>
-            <pc:docMk/>
-            <pc:sldMk cId="3422194935" sldId="552"/>
-            <ac:spMk id="7" creationId="{00000000-0000-0000-0000-000000000000}"/>
-          </ac:spMkLst>
-        </pc:spChg>
-      </pc:sldChg>
-      <pc:sldChg chg="addSp delSp modSp mod">
-        <pc:chgData name="Zhao Jin" userId="cd05a825-544c-438a-9ba1-08e63db50b47" providerId="ADAL" clId="{37A0D694-38DA-4421-B5D3-DEDBFC2EC57C}" dt="2021-02-08T01:22:04.286" v="3395"/>
-        <pc:sldMkLst>
-          <pc:docMk/>
-          <pc:sldMk cId="1427618944" sldId="553"/>
-        </pc:sldMkLst>
-        <pc:spChg chg="mod">
-          <ac:chgData name="Zhao Jin" userId="cd05a825-544c-438a-9ba1-08e63db50b47" providerId="ADAL" clId="{37A0D694-38DA-4421-B5D3-DEDBFC2EC57C}" dt="2021-02-03T06:56:12.527" v="36"/>
-          <ac:spMkLst>
-            <pc:docMk/>
-            <pc:sldMk cId="1427618944" sldId="553"/>
-            <ac:spMk id="7" creationId="{00000000-0000-0000-0000-000000000000}"/>
-          </ac:spMkLst>
-        </pc:spChg>
-        <pc:spChg chg="mod">
-          <ac:chgData name="Zhao Jin" userId="cd05a825-544c-438a-9ba1-08e63db50b47" providerId="ADAL" clId="{37A0D694-38DA-4421-B5D3-DEDBFC2EC57C}" dt="2021-02-03T07:55:46.087" v="385" actId="20577"/>
-          <ac:spMkLst>
-            <pc:docMk/>
-            <pc:sldMk cId="1427618944" sldId="553"/>
-            <ac:spMk id="8" creationId="{00000000-0000-0000-0000-000000000000}"/>
-          </ac:spMkLst>
-        </pc:spChg>
-        <pc:spChg chg="add del mod">
-          <ac:chgData name="Zhao Jin" userId="cd05a825-544c-438a-9ba1-08e63db50b47" providerId="ADAL" clId="{37A0D694-38DA-4421-B5D3-DEDBFC2EC57C}" dt="2021-02-08T01:22:04.286" v="3395"/>
-          <ac:spMkLst>
-            <pc:docMk/>
-            <pc:sldMk cId="1427618944" sldId="553"/>
-            <ac:spMk id="9" creationId="{F914A7B2-27A3-4DA5-A96E-DC279FD60D4D}"/>
-          </ac:spMkLst>
-        </pc:spChg>
-        <pc:spChg chg="mod">
-          <ac:chgData name="Zhao Jin" userId="cd05a825-544c-438a-9ba1-08e63db50b47" providerId="ADAL" clId="{37A0D694-38DA-4421-B5D3-DEDBFC2EC57C}" dt="2021-02-03T07:55:14.471" v="364" actId="20577"/>
-          <ac:spMkLst>
-            <pc:docMk/>
-            <pc:sldMk cId="1427618944" sldId="553"/>
-            <ac:spMk id="14338" creationId="{00000000-0000-0000-0000-000000000000}"/>
-          </ac:spMkLst>
-        </pc:spChg>
-      </pc:sldChg>
-      <pc:sldChg chg="modSp del">
-        <pc:chgData name="Zhao Jin" userId="cd05a825-544c-438a-9ba1-08e63db50b47" providerId="ADAL" clId="{37A0D694-38DA-4421-B5D3-DEDBFC2EC57C}" dt="2021-02-03T09:00:14.226" v="1559" actId="47"/>
-        <pc:sldMkLst>
-          <pc:docMk/>
-          <pc:sldMk cId="1659983766" sldId="554"/>
-        </pc:sldMkLst>
-        <pc:spChg chg="mod">
-          <ac:chgData name="Zhao Jin" userId="cd05a825-544c-438a-9ba1-08e63db50b47" providerId="ADAL" clId="{37A0D694-38DA-4421-B5D3-DEDBFC2EC57C}" dt="2021-02-03T06:56:12.527" v="36"/>
-          <ac:spMkLst>
-            <pc:docMk/>
-            <pc:sldMk cId="1659983766" sldId="554"/>
-            <ac:spMk id="7" creationId="{00000000-0000-0000-0000-000000000000}"/>
-          </ac:spMkLst>
-        </pc:spChg>
-      </pc:sldChg>
-      <pc:sldChg chg="modSp del">
-        <pc:chgData name="Zhao Jin" userId="cd05a825-544c-438a-9ba1-08e63db50b47" providerId="ADAL" clId="{37A0D694-38DA-4421-B5D3-DEDBFC2EC57C}" dt="2021-02-03T09:00:14.226" v="1559" actId="47"/>
-        <pc:sldMkLst>
-          <pc:docMk/>
-          <pc:sldMk cId="1268238251" sldId="555"/>
-        </pc:sldMkLst>
-        <pc:spChg chg="mod">
-          <ac:chgData name="Zhao Jin" userId="cd05a825-544c-438a-9ba1-08e63db50b47" providerId="ADAL" clId="{37A0D694-38DA-4421-B5D3-DEDBFC2EC57C}" dt="2021-02-03T06:56:12.527" v="36"/>
-          <ac:spMkLst>
-            <pc:docMk/>
-            <pc:sldMk cId="1268238251" sldId="555"/>
-            <ac:spMk id="7" creationId="{00000000-0000-0000-0000-000000000000}"/>
-          </ac:spMkLst>
-        </pc:spChg>
-      </pc:sldChg>
-      <pc:sldChg chg="modSp del">
-        <pc:chgData name="Zhao Jin" userId="cd05a825-544c-438a-9ba1-08e63db50b47" providerId="ADAL" clId="{37A0D694-38DA-4421-B5D3-DEDBFC2EC57C}" dt="2021-02-03T09:00:14.226" v="1559" actId="47"/>
-        <pc:sldMkLst>
-          <pc:docMk/>
-          <pc:sldMk cId="3990513599" sldId="556"/>
-        </pc:sldMkLst>
-        <pc:spChg chg="mod">
-          <ac:chgData name="Zhao Jin" userId="cd05a825-544c-438a-9ba1-08e63db50b47" providerId="ADAL" clId="{37A0D694-38DA-4421-B5D3-DEDBFC2EC57C}" dt="2021-02-03T06:56:12.527" v="36"/>
-          <ac:spMkLst>
-            <pc:docMk/>
-            <pc:sldMk cId="3990513599" sldId="556"/>
-            <ac:spMk id="7" creationId="{00000000-0000-0000-0000-000000000000}"/>
-          </ac:spMkLst>
-        </pc:spChg>
-      </pc:sldChg>
-      <pc:sldChg chg="modSp del">
-        <pc:chgData name="Zhao Jin" userId="cd05a825-544c-438a-9ba1-08e63db50b47" providerId="ADAL" clId="{37A0D694-38DA-4421-B5D3-DEDBFC2EC57C}" dt="2021-02-03T09:00:14.226" v="1559" actId="47"/>
-        <pc:sldMkLst>
-          <pc:docMk/>
-          <pc:sldMk cId="788021743" sldId="557"/>
-        </pc:sldMkLst>
-        <pc:spChg chg="mod">
-          <ac:chgData name="Zhao Jin" userId="cd05a825-544c-438a-9ba1-08e63db50b47" providerId="ADAL" clId="{37A0D694-38DA-4421-B5D3-DEDBFC2EC57C}" dt="2021-02-03T06:56:12.527" v="36"/>
-          <ac:spMkLst>
-            <pc:docMk/>
-            <pc:sldMk cId="788021743" sldId="557"/>
-            <ac:spMk id="7" creationId="{00000000-0000-0000-0000-000000000000}"/>
-          </ac:spMkLst>
-        </pc:spChg>
-      </pc:sldChg>
-      <pc:sldChg chg="addSp delSp modSp add mod ord delAnim modAnim">
-        <pc:chgData name="Zhao Jin" userId="cd05a825-544c-438a-9ba1-08e63db50b47" providerId="ADAL" clId="{37A0D694-38DA-4421-B5D3-DEDBFC2EC57C}" dt="2021-02-08T07:59:31.262" v="4966" actId="20577"/>
-        <pc:sldMkLst>
-          <pc:docMk/>
-          <pc:sldMk cId="487843573" sldId="558"/>
-        </pc:sldMkLst>
-        <pc:spChg chg="add mod topLvl">
-          <ac:chgData name="Zhao Jin" userId="cd05a825-544c-438a-9ba1-08e63db50b47" providerId="ADAL" clId="{37A0D694-38DA-4421-B5D3-DEDBFC2EC57C}" dt="2021-02-08T01:54:54.740" v="4571" actId="1036"/>
-          <ac:spMkLst>
-            <pc:docMk/>
-            <pc:sldMk cId="487843573" sldId="558"/>
-            <ac:spMk id="2" creationId="{0AA435E6-852E-478F-B597-789A68E1C063}"/>
-          </ac:spMkLst>
-        </pc:spChg>
-        <pc:spChg chg="mod">
-          <ac:chgData name="Zhao Jin" userId="cd05a825-544c-438a-9ba1-08e63db50b47" providerId="ADAL" clId="{37A0D694-38DA-4421-B5D3-DEDBFC2EC57C}" dt="2021-02-08T01:47:18.042" v="4308" actId="20577"/>
-          <ac:spMkLst>
-            <pc:docMk/>
-            <pc:sldMk cId="487843573" sldId="558"/>
-            <ac:spMk id="7" creationId="{00000000-0000-0000-0000-000000000000}"/>
-          </ac:spMkLst>
-        </pc:spChg>
-        <pc:spChg chg="mod topLvl">
-          <ac:chgData name="Zhao Jin" userId="cd05a825-544c-438a-9ba1-08e63db50b47" providerId="ADAL" clId="{37A0D694-38DA-4421-B5D3-DEDBFC2EC57C}" dt="2021-02-08T07:59:31.262" v="4966" actId="20577"/>
-          <ac:spMkLst>
-            <pc:docMk/>
-            <pc:sldMk cId="487843573" sldId="558"/>
-            <ac:spMk id="14" creationId="{00000000-0000-0000-0000-000000000000}"/>
-          </ac:spMkLst>
-        </pc:spChg>
-        <pc:spChg chg="del topLvl">
-          <ac:chgData name="Zhao Jin" userId="cd05a825-544c-438a-9ba1-08e63db50b47" providerId="ADAL" clId="{37A0D694-38DA-4421-B5D3-DEDBFC2EC57C}" dt="2021-02-08T01:47:06.169" v="4274" actId="478"/>
-          <ac:spMkLst>
-            <pc:docMk/>
-            <pc:sldMk cId="487843573" sldId="558"/>
-            <ac:spMk id="15" creationId="{00000000-0000-0000-0000-000000000000}"/>
-          </ac:spMkLst>
-        </pc:spChg>
-        <pc:spChg chg="mod">
-          <ac:chgData name="Zhao Jin" userId="cd05a825-544c-438a-9ba1-08e63db50b47" providerId="ADAL" clId="{37A0D694-38DA-4421-B5D3-DEDBFC2EC57C}" dt="2021-02-08T01:51:08.577" v="4468" actId="14100"/>
-          <ac:spMkLst>
-            <pc:docMk/>
-            <pc:sldMk cId="487843573" sldId="558"/>
-            <ac:spMk id="17" creationId="{00000000-0000-0000-0000-000000000000}"/>
-          </ac:spMkLst>
-        </pc:spChg>
-        <pc:spChg chg="add mod">
-          <ac:chgData name="Zhao Jin" userId="cd05a825-544c-438a-9ba1-08e63db50b47" providerId="ADAL" clId="{37A0D694-38DA-4421-B5D3-DEDBFC2EC57C}" dt="2021-02-08T01:47:39.526" v="4317" actId="14100"/>
-          <ac:spMkLst>
-            <pc:docMk/>
-            <pc:sldMk cId="487843573" sldId="558"/>
-            <ac:spMk id="20" creationId="{B9DB2039-D266-417E-930D-88E5062D8119}"/>
-          </ac:spMkLst>
-        </pc:spChg>
-        <pc:spChg chg="add mod topLvl">
-          <ac:chgData name="Zhao Jin" userId="cd05a825-544c-438a-9ba1-08e63db50b47" providerId="ADAL" clId="{37A0D694-38DA-4421-B5D3-DEDBFC2EC57C}" dt="2021-02-08T01:54:21.354" v="4567" actId="165"/>
-          <ac:spMkLst>
-            <pc:docMk/>
-            <pc:sldMk cId="487843573" sldId="558"/>
-            <ac:spMk id="21" creationId="{BB8C38A6-8674-4E0E-B871-1FCF27E9B4CB}"/>
-          </ac:spMkLst>
-        </pc:spChg>
-        <pc:spChg chg="add mod topLvl">
-          <ac:chgData name="Zhao Jin" userId="cd05a825-544c-438a-9ba1-08e63db50b47" providerId="ADAL" clId="{37A0D694-38DA-4421-B5D3-DEDBFC2EC57C}" dt="2021-02-08T01:54:21.354" v="4567" actId="165"/>
-          <ac:spMkLst>
-            <pc:docMk/>
-            <pc:sldMk cId="487843573" sldId="558"/>
-            <ac:spMk id="22" creationId="{2F81D7AB-7D04-43DC-8CF7-A151843D9A9A}"/>
-          </ac:spMkLst>
-        </pc:spChg>
-        <pc:spChg chg="mod topLvl">
-          <ac:chgData name="Zhao Jin" userId="cd05a825-544c-438a-9ba1-08e63db50b47" providerId="ADAL" clId="{37A0D694-38DA-4421-B5D3-DEDBFC2EC57C}" dt="2021-02-08T01:54:21.354" v="4567" actId="165"/>
-          <ac:spMkLst>
-            <pc:docMk/>
-            <pc:sldMk cId="487843573" sldId="558"/>
-            <ac:spMk id="24" creationId="{B4E696D3-ADEF-4AA3-BCC9-171A8F03891A}"/>
-          </ac:spMkLst>
-        </pc:spChg>
-        <pc:spChg chg="mod topLvl">
-          <ac:chgData name="Zhao Jin" userId="cd05a825-544c-438a-9ba1-08e63db50b47" providerId="ADAL" clId="{37A0D694-38DA-4421-B5D3-DEDBFC2EC57C}" dt="2021-02-08T01:54:21.354" v="4567" actId="165"/>
-          <ac:spMkLst>
-            <pc:docMk/>
-            <pc:sldMk cId="487843573" sldId="558"/>
-            <ac:spMk id="25" creationId="{E19EB41A-2BE2-4DF1-88DC-734F0E106BC7}"/>
-          </ac:spMkLst>
-        </pc:spChg>
-        <pc:spChg chg="mod topLvl">
-          <ac:chgData name="Zhao Jin" userId="cd05a825-544c-438a-9ba1-08e63db50b47" providerId="ADAL" clId="{37A0D694-38DA-4421-B5D3-DEDBFC2EC57C}" dt="2021-02-08T01:54:21.354" v="4567" actId="165"/>
-          <ac:spMkLst>
-            <pc:docMk/>
-            <pc:sldMk cId="487843573" sldId="558"/>
-            <ac:spMk id="26" creationId="{9F2304ED-4F52-45A9-88B7-E51D4311F3B8}"/>
-          </ac:spMkLst>
-        </pc:spChg>
-        <pc:spChg chg="mod">
-          <ac:chgData name="Zhao Jin" userId="cd05a825-544c-438a-9ba1-08e63db50b47" providerId="ADAL" clId="{37A0D694-38DA-4421-B5D3-DEDBFC2EC57C}" dt="2021-02-08T01:53:55.267" v="4557"/>
-          <ac:spMkLst>
-            <pc:docMk/>
-            <pc:sldMk cId="487843573" sldId="558"/>
-            <ac:spMk id="28" creationId="{47B0747A-2E61-4716-BF5D-D2B12E6D64BF}"/>
-          </ac:spMkLst>
-        </pc:spChg>
-        <pc:spChg chg="mod">
-          <ac:chgData name="Zhao Jin" userId="cd05a825-544c-438a-9ba1-08e63db50b47" providerId="ADAL" clId="{37A0D694-38DA-4421-B5D3-DEDBFC2EC57C}" dt="2021-02-08T01:53:55.267" v="4557"/>
-          <ac:spMkLst>
-            <pc:docMk/>
-            <pc:sldMk cId="487843573" sldId="558"/>
-            <ac:spMk id="29" creationId="{54237745-C995-42F1-9126-7D86C7667923}"/>
-          </ac:spMkLst>
-        </pc:spChg>
-        <pc:spChg chg="mod">
-          <ac:chgData name="Zhao Jin" userId="cd05a825-544c-438a-9ba1-08e63db50b47" providerId="ADAL" clId="{37A0D694-38DA-4421-B5D3-DEDBFC2EC57C}" dt="2021-02-08T01:53:55.267" v="4557"/>
-          <ac:spMkLst>
-            <pc:docMk/>
-            <pc:sldMk cId="487843573" sldId="558"/>
-            <ac:spMk id="30" creationId="{6FC1D281-B735-481E-A919-8C2D0B287264}"/>
-          </ac:spMkLst>
-        </pc:spChg>
-        <pc:spChg chg="mod topLvl">
-          <ac:chgData name="Zhao Jin" userId="cd05a825-544c-438a-9ba1-08e63db50b47" providerId="ADAL" clId="{37A0D694-38DA-4421-B5D3-DEDBFC2EC57C}" dt="2021-02-08T01:54:21.354" v="4567" actId="165"/>
-          <ac:spMkLst>
-            <pc:docMk/>
-            <pc:sldMk cId="487843573" sldId="558"/>
-            <ac:spMk id="32" creationId="{659AEE1B-C8A8-4F0D-A678-BE0BB18E64EF}"/>
-          </ac:spMkLst>
-        </pc:spChg>
-        <pc:spChg chg="mod topLvl">
-          <ac:chgData name="Zhao Jin" userId="cd05a825-544c-438a-9ba1-08e63db50b47" providerId="ADAL" clId="{37A0D694-38DA-4421-B5D3-DEDBFC2EC57C}" dt="2021-02-08T01:54:21.354" v="4567" actId="165"/>
-          <ac:spMkLst>
-            <pc:docMk/>
-            <pc:sldMk cId="487843573" sldId="558"/>
-            <ac:spMk id="33" creationId="{C7A06EA1-2EC1-42CA-A56F-46A3331F7605}"/>
-          </ac:spMkLst>
-        </pc:spChg>
-        <pc:spChg chg="mod topLvl">
-          <ac:chgData name="Zhao Jin" userId="cd05a825-544c-438a-9ba1-08e63db50b47" providerId="ADAL" clId="{37A0D694-38DA-4421-B5D3-DEDBFC2EC57C}" dt="2021-02-08T01:54:21.354" v="4567" actId="165"/>
-          <ac:spMkLst>
-            <pc:docMk/>
-            <pc:sldMk cId="487843573" sldId="558"/>
-            <ac:spMk id="34" creationId="{C2A482B6-E3E6-485B-830B-6965CF701E68}"/>
-          </ac:spMkLst>
-        </pc:spChg>
-        <pc:spChg chg="mod">
-          <ac:chgData name="Zhao Jin" userId="cd05a825-544c-438a-9ba1-08e63db50b47" providerId="ADAL" clId="{37A0D694-38DA-4421-B5D3-DEDBFC2EC57C}" dt="2021-02-08T01:56:28.234" v="4577" actId="20577"/>
-          <ac:spMkLst>
-            <pc:docMk/>
-            <pc:sldMk cId="487843573" sldId="558"/>
-            <ac:spMk id="14338" creationId="{00000000-0000-0000-0000-000000000000}"/>
-          </ac:spMkLst>
-        </pc:spChg>
-        <pc:spChg chg="del">
-          <ac:chgData name="Zhao Jin" userId="cd05a825-544c-438a-9ba1-08e63db50b47" providerId="ADAL" clId="{37A0D694-38DA-4421-B5D3-DEDBFC2EC57C}" dt="2021-02-08T01:47:14.163" v="4302" actId="478"/>
-          <ac:spMkLst>
-            <pc:docMk/>
-            <pc:sldMk cId="487843573" sldId="558"/>
-            <ac:spMk id="14340" creationId="{00000000-0000-0000-0000-000000000000}"/>
-          </ac:spMkLst>
-        </pc:spChg>
-        <pc:grpChg chg="add del mod">
-          <ac:chgData name="Zhao Jin" userId="cd05a825-544c-438a-9ba1-08e63db50b47" providerId="ADAL" clId="{37A0D694-38DA-4421-B5D3-DEDBFC2EC57C}" dt="2021-02-08T01:54:21.354" v="4567" actId="165"/>
-          <ac:grpSpMkLst>
-            <pc:docMk/>
-            <pc:sldMk cId="487843573" sldId="558"/>
-            <ac:grpSpMk id="3" creationId="{FFE0EFAC-F94A-4083-BDAD-0A7670A72C75}"/>
-          </ac:grpSpMkLst>
-        </pc:grpChg>
-        <pc:grpChg chg="del">
-          <ac:chgData name="Zhao Jin" userId="cd05a825-544c-438a-9ba1-08e63db50b47" providerId="ADAL" clId="{37A0D694-38DA-4421-B5D3-DEDBFC2EC57C}" dt="2021-02-08T01:47:06.169" v="4274" actId="478"/>
-          <ac:grpSpMkLst>
-            <pc:docMk/>
-            <pc:sldMk cId="487843573" sldId="558"/>
-            <ac:grpSpMk id="13" creationId="{00000000-0000-0000-0000-000000000000}"/>
-          </ac:grpSpMkLst>
-        </pc:grpChg>
-        <pc:grpChg chg="add del mod">
-          <ac:chgData name="Zhao Jin" userId="cd05a825-544c-438a-9ba1-08e63db50b47" providerId="ADAL" clId="{37A0D694-38DA-4421-B5D3-DEDBFC2EC57C}" dt="2021-02-08T01:54:21.354" v="4567" actId="165"/>
-          <ac:grpSpMkLst>
-            <pc:docMk/>
-            <pc:sldMk cId="487843573" sldId="558"/>
-            <ac:grpSpMk id="23" creationId="{A38A66FD-989D-41D7-B35C-74B9562D2757}"/>
-          </ac:grpSpMkLst>
-        </pc:grpChg>
-        <pc:grpChg chg="add del mod">
-          <ac:chgData name="Zhao Jin" userId="cd05a825-544c-438a-9ba1-08e63db50b47" providerId="ADAL" clId="{37A0D694-38DA-4421-B5D3-DEDBFC2EC57C}" dt="2021-02-08T01:54:16.269" v="4566" actId="478"/>
-          <ac:grpSpMkLst>
-            <pc:docMk/>
-            <pc:sldMk cId="487843573" sldId="558"/>
-            <ac:grpSpMk id="27" creationId="{CA15FD60-E569-4EA9-B31B-C0ACB6092E0E}"/>
-          </ac:grpSpMkLst>
-        </pc:grpChg>
-        <pc:grpChg chg="add del mod">
-          <ac:chgData name="Zhao Jin" userId="cd05a825-544c-438a-9ba1-08e63db50b47" providerId="ADAL" clId="{37A0D694-38DA-4421-B5D3-DEDBFC2EC57C}" dt="2021-02-08T01:54:21.354" v="4567" actId="165"/>
-          <ac:grpSpMkLst>
-            <pc:docMk/>
-            <pc:sldMk cId="487843573" sldId="558"/>
-            <ac:grpSpMk id="31" creationId="{4962FE2A-AAB6-4BE4-8700-EBB12E5C89B0}"/>
-          </ac:grpSpMkLst>
-        </pc:grpChg>
-        <pc:graphicFrameChg chg="del">
-          <ac:chgData name="Zhao Jin" userId="cd05a825-544c-438a-9ba1-08e63db50b47" providerId="ADAL" clId="{37A0D694-38DA-4421-B5D3-DEDBFC2EC57C}" dt="2021-02-08T01:45:50.655" v="4102" actId="478"/>
-          <ac:graphicFrameMkLst>
-            <pc:docMk/>
-            <pc:sldMk cId="487843573" sldId="558"/>
-            <ac:graphicFrameMk id="16" creationId="{00000000-0000-0000-0000-000000000000}"/>
-          </ac:graphicFrameMkLst>
-        </pc:graphicFrameChg>
-        <pc:graphicFrameChg chg="add mod ord modGraphic">
-          <ac:chgData name="Zhao Jin" userId="cd05a825-544c-438a-9ba1-08e63db50b47" providerId="ADAL" clId="{37A0D694-38DA-4421-B5D3-DEDBFC2EC57C}" dt="2021-02-08T01:54:29.635" v="4568" actId="167"/>
-          <ac:graphicFrameMkLst>
-            <pc:docMk/>
-            <pc:sldMk cId="487843573" sldId="558"/>
-            <ac:graphicFrameMk id="19" creationId="{F406C909-98D4-47F1-9BFD-5E37D45DA926}"/>
-          </ac:graphicFrameMkLst>
-        </pc:graphicFrameChg>
-        <pc:picChg chg="del">
-          <ac:chgData name="Zhao Jin" userId="cd05a825-544c-438a-9ba1-08e63db50b47" providerId="ADAL" clId="{37A0D694-38DA-4421-B5D3-DEDBFC2EC57C}" dt="2021-02-08T01:47:00.259" v="4270" actId="478"/>
-          <ac:picMkLst>
-            <pc:docMk/>
-            <pc:sldMk cId="487843573" sldId="558"/>
-            <ac:picMk id="18" creationId="{00000000-0000-0000-0000-000000000000}"/>
-          </ac:picMkLst>
-        </pc:picChg>
-      </pc:sldChg>
-      <pc:sldChg chg="modSp del">
-        <pc:chgData name="Zhao Jin" userId="cd05a825-544c-438a-9ba1-08e63db50b47" providerId="ADAL" clId="{37A0D694-38DA-4421-B5D3-DEDBFC2EC57C}" dt="2021-02-03T09:00:14.226" v="1559" actId="47"/>
-        <pc:sldMkLst>
-          <pc:docMk/>
-          <pc:sldMk cId="686532275" sldId="558"/>
-        </pc:sldMkLst>
-        <pc:spChg chg="mod">
-          <ac:chgData name="Zhao Jin" userId="cd05a825-544c-438a-9ba1-08e63db50b47" providerId="ADAL" clId="{37A0D694-38DA-4421-B5D3-DEDBFC2EC57C}" dt="2021-02-03T06:56:12.527" v="36"/>
-          <ac:spMkLst>
-            <pc:docMk/>
-            <pc:sldMk cId="686532275" sldId="558"/>
-            <ac:spMk id="7" creationId="{00000000-0000-0000-0000-000000000000}"/>
-          </ac:spMkLst>
-        </pc:spChg>
-      </pc:sldChg>
-      <pc:sldChg chg="modSp del">
-        <pc:chgData name="Zhao Jin" userId="cd05a825-544c-438a-9ba1-08e63db50b47" providerId="ADAL" clId="{37A0D694-38DA-4421-B5D3-DEDBFC2EC57C}" dt="2021-02-03T09:00:14.226" v="1559" actId="47"/>
-        <pc:sldMkLst>
-          <pc:docMk/>
-          <pc:sldMk cId="182578491" sldId="559"/>
-        </pc:sldMkLst>
-        <pc:spChg chg="mod">
-          <ac:chgData name="Zhao Jin" userId="cd05a825-544c-438a-9ba1-08e63db50b47" providerId="ADAL" clId="{37A0D694-38DA-4421-B5D3-DEDBFC2EC57C}" dt="2021-02-03T06:56:12.527" v="36"/>
-          <ac:spMkLst>
-            <pc:docMk/>
-            <pc:sldMk cId="182578491" sldId="559"/>
-            <ac:spMk id="7" creationId="{00000000-0000-0000-0000-000000000000}"/>
-          </ac:spMkLst>
-        </pc:spChg>
-      </pc:sldChg>
-      <pc:sldChg chg="modSp del">
-        <pc:chgData name="Zhao Jin" userId="cd05a825-544c-438a-9ba1-08e63db50b47" providerId="ADAL" clId="{37A0D694-38DA-4421-B5D3-DEDBFC2EC57C}" dt="2021-02-03T09:00:14.226" v="1559" actId="47"/>
-        <pc:sldMkLst>
-          <pc:docMk/>
-          <pc:sldMk cId="2739484572" sldId="562"/>
-        </pc:sldMkLst>
-        <pc:spChg chg="mod">
-          <ac:chgData name="Zhao Jin" userId="cd05a825-544c-438a-9ba1-08e63db50b47" providerId="ADAL" clId="{37A0D694-38DA-4421-B5D3-DEDBFC2EC57C}" dt="2021-02-03T06:56:12.527" v="36"/>
-          <ac:spMkLst>
-            <pc:docMk/>
-            <pc:sldMk cId="2739484572" sldId="562"/>
-            <ac:spMk id="7" creationId="{00000000-0000-0000-0000-000000000000}"/>
-          </ac:spMkLst>
-        </pc:spChg>
-      </pc:sldChg>
-      <pc:sldChg chg="delSp modSp add del mod">
-        <pc:chgData name="Zhao Jin" userId="cd05a825-544c-438a-9ba1-08e63db50b47" providerId="ADAL" clId="{37A0D694-38DA-4421-B5D3-DEDBFC2EC57C}" dt="2021-02-03T09:25:42.125" v="3337" actId="20577"/>
-        <pc:sldMkLst>
-          <pc:docMk/>
-          <pc:sldMk cId="92291925" sldId="563"/>
-        </pc:sldMkLst>
-        <pc:spChg chg="mod">
-          <ac:chgData name="Zhao Jin" userId="cd05a825-544c-438a-9ba1-08e63db50b47" providerId="ADAL" clId="{37A0D694-38DA-4421-B5D3-DEDBFC2EC57C}" dt="2021-02-03T09:25:42.125" v="3337" actId="20577"/>
-          <ac:spMkLst>
-            <pc:docMk/>
-            <pc:sldMk cId="92291925" sldId="563"/>
-            <ac:spMk id="7" creationId="{00000000-0000-0000-0000-000000000000}"/>
-          </ac:spMkLst>
-        </pc:spChg>
-        <pc:spChg chg="mod">
-          <ac:chgData name="Zhao Jin" userId="cd05a825-544c-438a-9ba1-08e63db50b47" providerId="ADAL" clId="{37A0D694-38DA-4421-B5D3-DEDBFC2EC57C}" dt="2021-02-03T07:01:09.202" v="40" actId="20577"/>
-          <ac:spMkLst>
-            <pc:docMk/>
-            <pc:sldMk cId="92291925" sldId="563"/>
-            <ac:spMk id="91" creationId="{00000000-0000-0000-0000-000000000000}"/>
-          </ac:spMkLst>
-        </pc:spChg>
-        <pc:spChg chg="del">
-          <ac:chgData name="Zhao Jin" userId="cd05a825-544c-438a-9ba1-08e63db50b47" providerId="ADAL" clId="{37A0D694-38DA-4421-B5D3-DEDBFC2EC57C}" dt="2021-02-03T09:25:38.461" v="3335" actId="478"/>
-          <ac:spMkLst>
-            <pc:docMk/>
-            <pc:sldMk cId="92291925" sldId="563"/>
-            <ac:spMk id="14340" creationId="{00000000-0000-0000-0000-000000000000}"/>
-          </ac:spMkLst>
-        </pc:spChg>
-      </pc:sldChg>
-      <pc:sldChg chg="addSp delSp modSp add mod addAnim delAnim modAnim">
-        <pc:chgData name="Zhao Jin" userId="cd05a825-544c-438a-9ba1-08e63db50b47" providerId="ADAL" clId="{37A0D694-38DA-4421-B5D3-DEDBFC2EC57C}" dt="2021-02-08T01:23:58.466" v="3512" actId="14734"/>
-        <pc:sldMkLst>
-          <pc:docMk/>
-          <pc:sldMk cId="894186310" sldId="564"/>
-        </pc:sldMkLst>
-        <pc:spChg chg="add del mod">
-          <ac:chgData name="Zhao Jin" userId="cd05a825-544c-438a-9ba1-08e63db50b47" providerId="ADAL" clId="{37A0D694-38DA-4421-B5D3-DEDBFC2EC57C}" dt="2021-02-03T07:59:26.734" v="491" actId="478"/>
-          <ac:spMkLst>
-            <pc:docMk/>
-            <pc:sldMk cId="894186310" sldId="564"/>
-            <ac:spMk id="6" creationId="{E4FD3079-E00B-4FD9-86AE-A5E6CCC7EDBE}"/>
-          </ac:spMkLst>
-        </pc:spChg>
-        <pc:spChg chg="del">
-          <ac:chgData name="Zhao Jin" userId="cd05a825-544c-438a-9ba1-08e63db50b47" providerId="ADAL" clId="{37A0D694-38DA-4421-B5D3-DEDBFC2EC57C}" dt="2021-02-03T07:59:25.059" v="490" actId="478"/>
-          <ac:spMkLst>
-            <pc:docMk/>
-            <pc:sldMk cId="894186310" sldId="564"/>
-            <ac:spMk id="8" creationId="{00000000-0000-0000-0000-000000000000}"/>
-          </ac:spMkLst>
-        </pc:spChg>
-        <pc:spChg chg="add mod">
-          <ac:chgData name="Zhao Jin" userId="cd05a825-544c-438a-9ba1-08e63db50b47" providerId="ADAL" clId="{37A0D694-38DA-4421-B5D3-DEDBFC2EC57C}" dt="2021-02-08T01:23:15.974" v="3508" actId="14100"/>
-          <ac:spMkLst>
-            <pc:docMk/>
-            <pc:sldMk cId="894186310" sldId="564"/>
-            <ac:spMk id="8" creationId="{A1FCBF0D-2794-4D66-A616-CF3267CF45BD}"/>
-          </ac:spMkLst>
-        </pc:spChg>
-        <pc:spChg chg="add mod">
-          <ac:chgData name="Zhao Jin" userId="cd05a825-544c-438a-9ba1-08e63db50b47" providerId="ADAL" clId="{37A0D694-38DA-4421-B5D3-DEDBFC2EC57C}" dt="2021-02-03T08:00:25.882" v="535" actId="1035"/>
-          <ac:spMkLst>
-            <pc:docMk/>
-            <pc:sldMk cId="894186310" sldId="564"/>
-            <ac:spMk id="11" creationId="{675C9FBE-306E-46A7-BAB9-46BD27707AF2}"/>
-          </ac:spMkLst>
-        </pc:spChg>
-        <pc:spChg chg="del">
-          <ac:chgData name="Zhao Jin" userId="cd05a825-544c-438a-9ba1-08e63db50b47" providerId="ADAL" clId="{37A0D694-38DA-4421-B5D3-DEDBFC2EC57C}" dt="2021-02-03T07:56:18.626" v="405" actId="478"/>
-          <ac:spMkLst>
-            <pc:docMk/>
-            <pc:sldMk cId="894186310" sldId="564"/>
-            <ac:spMk id="84" creationId="{C4E05674-68A2-0D4E-8B47-F7A2C6A6B76F}"/>
-          </ac:spMkLst>
-        </pc:spChg>
-        <pc:spChg chg="mod">
-          <ac:chgData name="Zhao Jin" userId="cd05a825-544c-438a-9ba1-08e63db50b47" providerId="ADAL" clId="{37A0D694-38DA-4421-B5D3-DEDBFC2EC57C}" dt="2021-02-03T07:55:53.159" v="399" actId="20577"/>
-          <ac:spMkLst>
-            <pc:docMk/>
-            <pc:sldMk cId="894186310" sldId="564"/>
-            <ac:spMk id="14338" creationId="{00000000-0000-0000-0000-000000000000}"/>
-          </ac:spMkLst>
-        </pc:spChg>
-        <pc:graphicFrameChg chg="add mod modGraphic">
-          <ac:chgData name="Zhao Jin" userId="cd05a825-544c-438a-9ba1-08e63db50b47" providerId="ADAL" clId="{37A0D694-38DA-4421-B5D3-DEDBFC2EC57C}" dt="2021-02-08T01:23:58.466" v="3512" actId="14734"/>
-          <ac:graphicFrameMkLst>
-            <pc:docMk/>
-            <pc:sldMk cId="894186310" sldId="564"/>
-            <ac:graphicFrameMk id="10" creationId="{74304014-08C4-4321-AD74-36FAC51612DB}"/>
-          </ac:graphicFrameMkLst>
-        </pc:graphicFrameChg>
-        <pc:picChg chg="del">
-          <ac:chgData name="Zhao Jin" userId="cd05a825-544c-438a-9ba1-08e63db50b47" providerId="ADAL" clId="{37A0D694-38DA-4421-B5D3-DEDBFC2EC57C}" dt="2021-02-03T07:56:06.872" v="400" actId="478"/>
-          <ac:picMkLst>
-            <pc:docMk/>
-            <pc:sldMk cId="894186310" sldId="564"/>
-            <ac:picMk id="3" creationId="{78D60D94-825A-D54F-ACF5-EA46D7263418}"/>
-          </ac:picMkLst>
-        </pc:picChg>
-        <pc:picChg chg="add mod">
-          <ac:chgData name="Zhao Jin" userId="cd05a825-544c-438a-9ba1-08e63db50b47" providerId="ADAL" clId="{37A0D694-38DA-4421-B5D3-DEDBFC2EC57C}" dt="2021-02-03T08:00:23.041" v="525" actId="1076"/>
-          <ac:picMkLst>
-            <pc:docMk/>
-            <pc:sldMk cId="894186310" sldId="564"/>
-            <ac:picMk id="4" creationId="{EAFF9153-D379-4E7D-9B97-29843966A9B9}"/>
-          </ac:picMkLst>
-        </pc:picChg>
-      </pc:sldChg>
-      <pc:sldChg chg="delSp modSp add mod">
-        <pc:chgData name="Zhao Jin" userId="cd05a825-544c-438a-9ba1-08e63db50b47" providerId="ADAL" clId="{37A0D694-38DA-4421-B5D3-DEDBFC2EC57C}" dt="2021-02-08T01:59:53.143" v="4810" actId="207"/>
-        <pc:sldMkLst>
-          <pc:docMk/>
-          <pc:sldMk cId="1732540191" sldId="568"/>
-        </pc:sldMkLst>
-        <pc:spChg chg="mod">
-          <ac:chgData name="Zhao Jin" userId="cd05a825-544c-438a-9ba1-08e63db50b47" providerId="ADAL" clId="{37A0D694-38DA-4421-B5D3-DEDBFC2EC57C}" dt="2021-02-08T01:59:33.861" v="4798" actId="20577"/>
-          <ac:spMkLst>
-            <pc:docMk/>
-            <pc:sldMk cId="1732540191" sldId="568"/>
-            <ac:spMk id="7" creationId="{00000000-0000-0000-0000-000000000000}"/>
-          </ac:spMkLst>
-        </pc:spChg>
-        <pc:spChg chg="mod">
-          <ac:chgData name="Zhao Jin" userId="cd05a825-544c-438a-9ba1-08e63db50b47" providerId="ADAL" clId="{37A0D694-38DA-4421-B5D3-DEDBFC2EC57C}" dt="2021-02-08T01:57:47.585" v="4651" actId="207"/>
-          <ac:spMkLst>
-            <pc:docMk/>
-            <pc:sldMk cId="1732540191" sldId="568"/>
-            <ac:spMk id="9" creationId="{00000000-0000-0000-0000-000000000000}"/>
-          </ac:spMkLst>
-        </pc:spChg>
-        <pc:spChg chg="mod">
-          <ac:chgData name="Zhao Jin" userId="cd05a825-544c-438a-9ba1-08e63db50b47" providerId="ADAL" clId="{37A0D694-38DA-4421-B5D3-DEDBFC2EC57C}" dt="2021-02-08T01:59:53.143" v="4810" actId="207"/>
-          <ac:spMkLst>
-            <pc:docMk/>
-            <pc:sldMk cId="1732540191" sldId="568"/>
-            <ac:spMk id="21" creationId="{00000000-0000-0000-0000-000000000000}"/>
-          </ac:spMkLst>
-        </pc:spChg>
-        <pc:spChg chg="mod">
-          <ac:chgData name="Zhao Jin" userId="cd05a825-544c-438a-9ba1-08e63db50b47" providerId="ADAL" clId="{37A0D694-38DA-4421-B5D3-DEDBFC2EC57C}" dt="2021-02-08T01:56:55.596" v="4584" actId="20577"/>
-          <ac:spMkLst>
-            <pc:docMk/>
-            <pc:sldMk cId="1732540191" sldId="568"/>
-            <ac:spMk id="14338" creationId="{00000000-0000-0000-0000-000000000000}"/>
-          </ac:spMkLst>
-        </pc:spChg>
-        <pc:spChg chg="del">
-          <ac:chgData name="Zhao Jin" userId="cd05a825-544c-438a-9ba1-08e63db50b47" providerId="ADAL" clId="{37A0D694-38DA-4421-B5D3-DEDBFC2EC57C}" dt="2021-02-08T01:56:51.648" v="4579" actId="478"/>
-          <ac:spMkLst>
-            <pc:docMk/>
-            <pc:sldMk cId="1732540191" sldId="568"/>
-            <ac:spMk id="14340" creationId="{00000000-0000-0000-0000-000000000000}"/>
-          </ac:spMkLst>
-        </pc:spChg>
-      </pc:sldChg>
-      <pc:sldChg chg="addSp delSp modSp add mod delAnim modAnim">
-        <pc:chgData name="Zhao Jin" userId="cd05a825-544c-438a-9ba1-08e63db50b47" providerId="ADAL" clId="{37A0D694-38DA-4421-B5D3-DEDBFC2EC57C}" dt="2021-02-08T02:01:55.171" v="4907" actId="20577"/>
-        <pc:sldMkLst>
-          <pc:docMk/>
-          <pc:sldMk cId="3229890649" sldId="569"/>
-        </pc:sldMkLst>
-        <pc:spChg chg="del">
-          <ac:chgData name="Zhao Jin" userId="cd05a825-544c-438a-9ba1-08e63db50b47" providerId="ADAL" clId="{37A0D694-38DA-4421-B5D3-DEDBFC2EC57C}" dt="2021-02-08T01:57:57.778" v="4652" actId="478"/>
-          <ac:spMkLst>
-            <pc:docMk/>
-            <pc:sldMk cId="3229890649" sldId="569"/>
-            <ac:spMk id="2" creationId="{00000000-0000-0000-0000-000000000000}"/>
-          </ac:spMkLst>
-        </pc:spChg>
-        <pc:spChg chg="del mod">
-          <ac:chgData name="Zhao Jin" userId="cd05a825-544c-438a-9ba1-08e63db50b47" providerId="ADAL" clId="{37A0D694-38DA-4421-B5D3-DEDBFC2EC57C}" dt="2021-02-08T01:58:06.736" v="4656" actId="478"/>
-          <ac:spMkLst>
-            <pc:docMk/>
-            <pc:sldMk cId="3229890649" sldId="569"/>
-            <ac:spMk id="3" creationId="{00000000-0000-0000-0000-000000000000}"/>
-          </ac:spMkLst>
-        </pc:spChg>
-        <pc:spChg chg="add mod">
-          <ac:chgData name="Zhao Jin" userId="cd05a825-544c-438a-9ba1-08e63db50b47" providerId="ADAL" clId="{37A0D694-38DA-4421-B5D3-DEDBFC2EC57C}" dt="2021-02-08T02:00:33.271" v="4814" actId="207"/>
-          <ac:spMkLst>
-            <pc:docMk/>
-            <pc:sldMk cId="3229890649" sldId="569"/>
-            <ac:spMk id="4" creationId="{CDCF9B36-A3E7-4464-88BD-D6D735D7C066}"/>
-          </ac:spMkLst>
-        </pc:spChg>
-        <pc:spChg chg="mod">
-          <ac:chgData name="Zhao Jin" userId="cd05a825-544c-438a-9ba1-08e63db50b47" providerId="ADAL" clId="{37A0D694-38DA-4421-B5D3-DEDBFC2EC57C}" dt="2021-02-08T01:59:19.915" v="4788" actId="1036"/>
-          <ac:spMkLst>
-            <pc:docMk/>
-            <pc:sldMk cId="3229890649" sldId="569"/>
-            <ac:spMk id="9" creationId="{00000000-0000-0000-0000-000000000000}"/>
-          </ac:spMkLst>
-        </pc:spChg>
-        <pc:spChg chg="del">
-          <ac:chgData name="Zhao Jin" userId="cd05a825-544c-438a-9ba1-08e63db50b47" providerId="ADAL" clId="{37A0D694-38DA-4421-B5D3-DEDBFC2EC57C}" dt="2021-02-08T01:58:18.198" v="4676" actId="478"/>
-          <ac:spMkLst>
-            <pc:docMk/>
-            <pc:sldMk cId="3229890649" sldId="569"/>
-            <ac:spMk id="10" creationId="{00000000-0000-0000-0000-000000000000}"/>
-          </ac:spMkLst>
-        </pc:spChg>
-        <pc:spChg chg="add mod">
-          <ac:chgData name="Zhao Jin" userId="cd05a825-544c-438a-9ba1-08e63db50b47" providerId="ADAL" clId="{37A0D694-38DA-4421-B5D3-DEDBFC2EC57C}" dt="2021-02-08T02:01:55.171" v="4907" actId="20577"/>
-          <ac:spMkLst>
-            <pc:docMk/>
-            <pc:sldMk cId="3229890649" sldId="569"/>
-            <ac:spMk id="13" creationId="{2F1FA4E6-900A-4BB2-BEBE-BDBB6918E0B2}"/>
-          </ac:spMkLst>
-        </pc:spChg>
-        <pc:spChg chg="del">
-          <ac:chgData name="Zhao Jin" userId="cd05a825-544c-438a-9ba1-08e63db50b47" providerId="ADAL" clId="{37A0D694-38DA-4421-B5D3-DEDBFC2EC57C}" dt="2021-02-08T01:59:10.250" v="4757" actId="478"/>
-          <ac:spMkLst>
-            <pc:docMk/>
-            <pc:sldMk cId="3229890649" sldId="569"/>
-            <ac:spMk id="21" creationId="{00000000-0000-0000-0000-000000000000}"/>
-          </ac:spMkLst>
-        </pc:spChg>
-        <pc:spChg chg="mod">
-          <ac:chgData name="Zhao Jin" userId="cd05a825-544c-438a-9ba1-08e63db50b47" providerId="ADAL" clId="{37A0D694-38DA-4421-B5D3-DEDBFC2EC57C}" dt="2021-02-08T01:59:21.412" v="4791" actId="20577"/>
-          <ac:spMkLst>
-            <pc:docMk/>
-            <pc:sldMk cId="3229890649" sldId="569"/>
-            <ac:spMk id="14338" creationId="{00000000-0000-0000-0000-000000000000}"/>
-          </ac:spMkLst>
-        </pc:spChg>
-        <pc:spChg chg="del">
-          <ac:chgData name="Zhao Jin" userId="cd05a825-544c-438a-9ba1-08e63db50b47" providerId="ADAL" clId="{37A0D694-38DA-4421-B5D3-DEDBFC2EC57C}" dt="2021-02-08T01:59:22.694" v="4792" actId="478"/>
-          <ac:spMkLst>
-            <pc:docMk/>
-            <pc:sldMk cId="3229890649" sldId="569"/>
-            <ac:spMk id="14340" creationId="{00000000-0000-0000-0000-000000000000}"/>
-          </ac:spMkLst>
-        </pc:spChg>
-      </pc:sldChg>
-      <pc:sldChg chg="addSp delSp modSp add del mod">
-        <pc:chgData name="Zhao Jin" userId="cd05a825-544c-438a-9ba1-08e63db50b47" providerId="ADAL" clId="{37A0D694-38DA-4421-B5D3-DEDBFC2EC57C}" dt="2021-02-08T01:41:10.766" v="4086" actId="1038"/>
-        <pc:sldMkLst>
-          <pc:docMk/>
-          <pc:sldMk cId="3922430229" sldId="580"/>
-        </pc:sldMkLst>
-        <pc:spChg chg="mod">
-          <ac:chgData name="Zhao Jin" userId="cd05a825-544c-438a-9ba1-08e63db50b47" providerId="ADAL" clId="{37A0D694-38DA-4421-B5D3-DEDBFC2EC57C}" dt="2021-02-08T01:37:02.666" v="3815" actId="6549"/>
-          <ac:spMkLst>
-            <pc:docMk/>
-            <pc:sldMk cId="3922430229" sldId="580"/>
-            <ac:spMk id="7" creationId="{00000000-0000-0000-0000-000000000000}"/>
-          </ac:spMkLst>
-        </pc:spChg>
-        <pc:spChg chg="mod">
-          <ac:chgData name="Zhao Jin" userId="cd05a825-544c-438a-9ba1-08e63db50b47" providerId="ADAL" clId="{37A0D694-38DA-4421-B5D3-DEDBFC2EC57C}" dt="2021-02-08T01:40:08.440" v="3975" actId="207"/>
-          <ac:spMkLst>
-            <pc:docMk/>
-            <pc:sldMk cId="3922430229" sldId="580"/>
-            <ac:spMk id="9" creationId="{00000000-0000-0000-0000-000000000000}"/>
-          </ac:spMkLst>
-        </pc:spChg>
-        <pc:spChg chg="mod">
-          <ac:chgData name="Zhao Jin" userId="cd05a825-544c-438a-9ba1-08e63db50b47" providerId="ADAL" clId="{37A0D694-38DA-4421-B5D3-DEDBFC2EC57C}" dt="2021-02-08T01:41:10.766" v="4086" actId="1038"/>
-          <ac:spMkLst>
-            <pc:docMk/>
-            <pc:sldMk cId="3922430229" sldId="580"/>
-            <ac:spMk id="10" creationId="{00000000-0000-0000-0000-000000000000}"/>
-          </ac:spMkLst>
-        </pc:spChg>
-        <pc:spChg chg="mod">
-          <ac:chgData name="Zhao Jin" userId="cd05a825-544c-438a-9ba1-08e63db50b47" providerId="ADAL" clId="{37A0D694-38DA-4421-B5D3-DEDBFC2EC57C}" dt="2021-02-08T01:40:34.781" v="4005" actId="207"/>
-          <ac:spMkLst>
-            <pc:docMk/>
-            <pc:sldMk cId="3922430229" sldId="580"/>
-            <ac:spMk id="11" creationId="{00000000-0000-0000-0000-000000000000}"/>
-          </ac:spMkLst>
-        </pc:spChg>
-        <pc:spChg chg="add del mod">
-          <ac:chgData name="Zhao Jin" userId="cd05a825-544c-438a-9ba1-08e63db50b47" providerId="ADAL" clId="{37A0D694-38DA-4421-B5D3-DEDBFC2EC57C}" dt="2021-02-08T01:37:00.332" v="3812"/>
-          <ac:spMkLst>
-            <pc:docMk/>
-            <pc:sldMk cId="3922430229" sldId="580"/>
-            <ac:spMk id="13" creationId="{4F472ABD-E315-4BA8-AF98-DCE9D31E1B44}"/>
-          </ac:spMkLst>
-        </pc:spChg>
-        <pc:spChg chg="mod">
-          <ac:chgData name="Zhao Jin" userId="cd05a825-544c-438a-9ba1-08e63db50b47" providerId="ADAL" clId="{37A0D694-38DA-4421-B5D3-DEDBFC2EC57C}" dt="2021-02-08T01:41:06.558" v="4075" actId="20577"/>
-          <ac:spMkLst>
-            <pc:docMk/>
-            <pc:sldMk cId="3922430229" sldId="580"/>
-            <ac:spMk id="14338" creationId="{00000000-0000-0000-0000-000000000000}"/>
-          </ac:spMkLst>
-        </pc:spChg>
-        <pc:spChg chg="del">
-          <ac:chgData name="Zhao Jin" userId="cd05a825-544c-438a-9ba1-08e63db50b47" providerId="ADAL" clId="{37A0D694-38DA-4421-B5D3-DEDBFC2EC57C}" dt="2021-02-08T01:36:49.901" v="3810" actId="478"/>
-          <ac:spMkLst>
-            <pc:docMk/>
-            <pc:sldMk cId="3922430229" sldId="580"/>
-            <ac:spMk id="14340" creationId="{00000000-0000-0000-0000-000000000000}"/>
-          </ac:spMkLst>
-        </pc:spChg>
-      </pc:sldChg>
-      <pc:sldChg chg="delSp modSp add mod">
-        <pc:chgData name="Zhao Jin" userId="cd05a825-544c-438a-9ba1-08e63db50b47" providerId="ADAL" clId="{37A0D694-38DA-4421-B5D3-DEDBFC2EC57C}" dt="2021-02-08T01:42:07.875" v="4091"/>
-        <pc:sldMkLst>
-          <pc:docMk/>
-          <pc:sldMk cId="1886636263" sldId="581"/>
-        </pc:sldMkLst>
-        <pc:spChg chg="mod">
-          <ac:chgData name="Zhao Jin" userId="cd05a825-544c-438a-9ba1-08e63db50b47" providerId="ADAL" clId="{37A0D694-38DA-4421-B5D3-DEDBFC2EC57C}" dt="2021-02-08T01:42:07.875" v="4091"/>
-          <ac:spMkLst>
-            <pc:docMk/>
-            <pc:sldMk cId="1886636263" sldId="581"/>
-            <ac:spMk id="7" creationId="{00000000-0000-0000-0000-000000000000}"/>
-          </ac:spMkLst>
-        </pc:spChg>
-        <pc:spChg chg="mod">
-          <ac:chgData name="Zhao Jin" userId="cd05a825-544c-438a-9ba1-08e63db50b47" providerId="ADAL" clId="{37A0D694-38DA-4421-B5D3-DEDBFC2EC57C}" dt="2021-02-03T09:23:01.385" v="3251" actId="1038"/>
-          <ac:spMkLst>
-            <pc:docMk/>
-            <pc:sldMk cId="1886636263" sldId="581"/>
-            <ac:spMk id="10" creationId="{00000000-0000-0000-0000-000000000000}"/>
-          </ac:spMkLst>
-        </pc:spChg>
-        <pc:spChg chg="mod">
-          <ac:chgData name="Zhao Jin" userId="cd05a825-544c-438a-9ba1-08e63db50b47" providerId="ADAL" clId="{37A0D694-38DA-4421-B5D3-DEDBFC2EC57C}" dt="2021-02-03T09:23:10.247" v="3254" actId="113"/>
-          <ac:spMkLst>
-            <pc:docMk/>
-            <pc:sldMk cId="1886636263" sldId="581"/>
-            <ac:spMk id="11" creationId="{00000000-0000-0000-0000-000000000000}"/>
-          </ac:spMkLst>
-        </pc:spChg>
-        <pc:spChg chg="mod">
-          <ac:chgData name="Zhao Jin" userId="cd05a825-544c-438a-9ba1-08e63db50b47" providerId="ADAL" clId="{37A0D694-38DA-4421-B5D3-DEDBFC2EC57C}" dt="2021-02-03T09:21:16.883" v="3154" actId="20577"/>
-          <ac:spMkLst>
-            <pc:docMk/>
-            <pc:sldMk cId="1886636263" sldId="581"/>
-            <ac:spMk id="14338" creationId="{00000000-0000-0000-0000-000000000000}"/>
-          </ac:spMkLst>
-        </pc:spChg>
-        <pc:spChg chg="del">
-          <ac:chgData name="Zhao Jin" userId="cd05a825-544c-438a-9ba1-08e63db50b47" providerId="ADAL" clId="{37A0D694-38DA-4421-B5D3-DEDBFC2EC57C}" dt="2021-02-08T01:42:06.532" v="4090" actId="478"/>
-          <ac:spMkLst>
-            <pc:docMk/>
-            <pc:sldMk cId="1886636263" sldId="581"/>
-            <ac:spMk id="14340" creationId="{00000000-0000-0000-0000-000000000000}"/>
-          </ac:spMkLst>
-        </pc:spChg>
-      </pc:sldChg>
-      <pc:sldChg chg="modSp add del mod">
-        <pc:chgData name="Zhao Jin" userId="cd05a825-544c-438a-9ba1-08e63db50b47" providerId="ADAL" clId="{37A0D694-38DA-4421-B5D3-DEDBFC2EC57C}" dt="2021-02-03T08:47:45.744" v="1076" actId="47"/>
-        <pc:sldMkLst>
-          <pc:docMk/>
-          <pc:sldMk cId="893488834" sldId="587"/>
-        </pc:sldMkLst>
-        <pc:spChg chg="mod">
-          <ac:chgData name="Zhao Jin" userId="cd05a825-544c-438a-9ba1-08e63db50b47" providerId="ADAL" clId="{37A0D694-38DA-4421-B5D3-DEDBFC2EC57C}" dt="2021-02-03T08:01:59.201" v="538" actId="20577"/>
-          <ac:spMkLst>
-            <pc:docMk/>
-            <pc:sldMk cId="893488834" sldId="587"/>
-            <ac:spMk id="19" creationId="{00000000-0000-0000-0000-000000000000}"/>
-          </ac:spMkLst>
-        </pc:spChg>
-        <pc:spChg chg="mod">
-          <ac:chgData name="Zhao Jin" userId="cd05a825-544c-438a-9ba1-08e63db50b47" providerId="ADAL" clId="{37A0D694-38DA-4421-B5D3-DEDBFC2EC57C}" dt="2021-02-03T08:02:04.276" v="539" actId="6549"/>
-          <ac:spMkLst>
-            <pc:docMk/>
-            <pc:sldMk cId="893488834" sldId="587"/>
-            <ac:spMk id="14338" creationId="{00000000-0000-0000-0000-000000000000}"/>
-          </ac:spMkLst>
-        </pc:spChg>
-      </pc:sldChg>
-      <pc:sldChg chg="addSp modSp add del mod">
-        <pc:chgData name="Zhao Jin" userId="cd05a825-544c-438a-9ba1-08e63db50b47" providerId="ADAL" clId="{37A0D694-38DA-4421-B5D3-DEDBFC2EC57C}" dt="2021-02-03T08:47:43.004" v="1075" actId="47"/>
-        <pc:sldMkLst>
-          <pc:docMk/>
-          <pc:sldMk cId="2663336489" sldId="588"/>
-        </pc:sldMkLst>
-        <pc:spChg chg="mod">
-          <ac:chgData name="Zhao Jin" userId="cd05a825-544c-438a-9ba1-08e63db50b47" providerId="ADAL" clId="{37A0D694-38DA-4421-B5D3-DEDBFC2EC57C}" dt="2021-02-03T08:02:36.274" v="551" actId="404"/>
-          <ac:spMkLst>
-            <pc:docMk/>
-            <pc:sldMk cId="2663336489" sldId="588"/>
-            <ac:spMk id="19" creationId="{00000000-0000-0000-0000-000000000000}"/>
-          </ac:spMkLst>
-        </pc:spChg>
-        <pc:picChg chg="add mod">
-          <ac:chgData name="Zhao Jin" userId="cd05a825-544c-438a-9ba1-08e63db50b47" providerId="ADAL" clId="{37A0D694-38DA-4421-B5D3-DEDBFC2EC57C}" dt="2021-02-03T08:02:30.780" v="547" actId="1076"/>
-          <ac:picMkLst>
-            <pc:docMk/>
-            <pc:sldMk cId="2663336489" sldId="588"/>
-            <ac:picMk id="1026" creationId="{260029BB-3AC2-413A-B9C2-5983AA6DD1EE}"/>
-          </ac:picMkLst>
-        </pc:picChg>
-      </pc:sldChg>
-      <pc:sldChg chg="addSp delSp modSp add mod">
-        <pc:chgData name="Zhao Jin" userId="cd05a825-544c-438a-9ba1-08e63db50b47" providerId="ADAL" clId="{37A0D694-38DA-4421-B5D3-DEDBFC2EC57C}" dt="2021-02-03T09:26:19.685" v="3354" actId="478"/>
-        <pc:sldMkLst>
-          <pc:docMk/>
-          <pc:sldMk cId="211149325" sldId="589"/>
-        </pc:sldMkLst>
-        <pc:spChg chg="mod">
-          <ac:chgData name="Zhao Jin" userId="cd05a825-544c-438a-9ba1-08e63db50b47" providerId="ADAL" clId="{37A0D694-38DA-4421-B5D3-DEDBFC2EC57C}" dt="2021-02-03T09:25:46.230" v="3339" actId="20577"/>
-          <ac:spMkLst>
-            <pc:docMk/>
-            <pc:sldMk cId="211149325" sldId="589"/>
-            <ac:spMk id="7" creationId="{00000000-0000-0000-0000-000000000000}"/>
-          </ac:spMkLst>
-        </pc:spChg>
-        <pc:spChg chg="mod">
-          <ac:chgData name="Zhao Jin" userId="cd05a825-544c-438a-9ba1-08e63db50b47" providerId="ADAL" clId="{37A0D694-38DA-4421-B5D3-DEDBFC2EC57C}" dt="2021-02-03T08:05:19.022" v="583" actId="20577"/>
-          <ac:spMkLst>
-            <pc:docMk/>
-            <pc:sldMk cId="211149325" sldId="589"/>
-            <ac:spMk id="19" creationId="{00000000-0000-0000-0000-000000000000}"/>
-          </ac:spMkLst>
-        </pc:spChg>
-        <pc:spChg chg="mod">
-          <ac:chgData name="Zhao Jin" userId="cd05a825-544c-438a-9ba1-08e63db50b47" providerId="ADAL" clId="{37A0D694-38DA-4421-B5D3-DEDBFC2EC57C}" dt="2021-02-03T08:05:48.631" v="589" actId="20577"/>
-          <ac:spMkLst>
-            <pc:docMk/>
-            <pc:sldMk cId="211149325" sldId="589"/>
-            <ac:spMk id="22" creationId="{00000000-0000-0000-0000-000000000000}"/>
-          </ac:spMkLst>
-        </pc:spChg>
-        <pc:spChg chg="mod">
-          <ac:chgData name="Zhao Jin" userId="cd05a825-544c-438a-9ba1-08e63db50b47" providerId="ADAL" clId="{37A0D694-38DA-4421-B5D3-DEDBFC2EC57C}" dt="2021-02-03T08:05:49.985" v="590" actId="20577"/>
-          <ac:spMkLst>
-            <pc:docMk/>
-            <pc:sldMk cId="211149325" sldId="589"/>
-            <ac:spMk id="27" creationId="{00000000-0000-0000-0000-000000000000}"/>
-          </ac:spMkLst>
-        </pc:spChg>
-        <pc:spChg chg="mod">
-          <ac:chgData name="Zhao Jin" userId="cd05a825-544c-438a-9ba1-08e63db50b47" providerId="ADAL" clId="{37A0D694-38DA-4421-B5D3-DEDBFC2EC57C}" dt="2021-02-03T08:05:52.229" v="591" actId="20577"/>
-          <ac:spMkLst>
-            <pc:docMk/>
-            <pc:sldMk cId="211149325" sldId="589"/>
-            <ac:spMk id="30" creationId="{00000000-0000-0000-0000-000000000000}"/>
-          </ac:spMkLst>
-        </pc:spChg>
-        <pc:spChg chg="mod">
-          <ac:chgData name="Zhao Jin" userId="cd05a825-544c-438a-9ba1-08e63db50b47" providerId="ADAL" clId="{37A0D694-38DA-4421-B5D3-DEDBFC2EC57C}" dt="2021-02-03T09:25:01.711" v="3283" actId="6549"/>
-          <ac:spMkLst>
-            <pc:docMk/>
-            <pc:sldMk cId="211149325" sldId="589"/>
-            <ac:spMk id="14338" creationId="{00000000-0000-0000-0000-000000000000}"/>
-          </ac:spMkLst>
-        </pc:spChg>
-        <pc:spChg chg="del">
-          <ac:chgData name="Zhao Jin" userId="cd05a825-544c-438a-9ba1-08e63db50b47" providerId="ADAL" clId="{37A0D694-38DA-4421-B5D3-DEDBFC2EC57C}" dt="2021-02-03T09:26:19.685" v="3354" actId="478"/>
-          <ac:spMkLst>
-            <pc:docMk/>
-            <pc:sldMk cId="211149325" sldId="589"/>
-            <ac:spMk id="14340" creationId="{00000000-0000-0000-0000-000000000000}"/>
-          </ac:spMkLst>
-        </pc:spChg>
-        <pc:grpChg chg="mod">
-          <ac:chgData name="Zhao Jin" userId="cd05a825-544c-438a-9ba1-08e63db50b47" providerId="ADAL" clId="{37A0D694-38DA-4421-B5D3-DEDBFC2EC57C}" dt="2021-02-03T08:05:47.280" v="588" actId="1076"/>
-          <ac:grpSpMkLst>
-            <pc:docMk/>
-            <pc:sldMk cId="211149325" sldId="589"/>
-            <ac:grpSpMk id="20" creationId="{00000000-0000-0000-0000-000000000000}"/>
-          </ac:grpSpMkLst>
-        </pc:grpChg>
-        <pc:grpChg chg="mod">
-          <ac:chgData name="Zhao Jin" userId="cd05a825-544c-438a-9ba1-08e63db50b47" providerId="ADAL" clId="{37A0D694-38DA-4421-B5D3-DEDBFC2EC57C}" dt="2021-02-03T08:03:56.449" v="570" actId="1076"/>
-          <ac:grpSpMkLst>
-            <pc:docMk/>
-            <pc:sldMk cId="211149325" sldId="589"/>
-            <ac:grpSpMk id="28" creationId="{00000000-0000-0000-0000-000000000000}"/>
-          </ac:grpSpMkLst>
-        </pc:grpChg>
-        <pc:picChg chg="add del mod">
-          <ac:chgData name="Zhao Jin" userId="cd05a825-544c-438a-9ba1-08e63db50b47" providerId="ADAL" clId="{37A0D694-38DA-4421-B5D3-DEDBFC2EC57C}" dt="2021-02-03T08:05:55.520" v="595" actId="1035"/>
-          <ac:picMkLst>
-            <pc:docMk/>
-            <pc:sldMk cId="211149325" sldId="589"/>
-            <ac:picMk id="1026" creationId="{260029BB-3AC2-413A-B9C2-5983AA6DD1EE}"/>
-          </ac:picMkLst>
-        </pc:picChg>
-        <pc:cxnChg chg="mod">
-          <ac:chgData name="Zhao Jin" userId="cd05a825-544c-438a-9ba1-08e63db50b47" providerId="ADAL" clId="{37A0D694-38DA-4421-B5D3-DEDBFC2EC57C}" dt="2021-02-03T08:04:23.899" v="577" actId="14100"/>
-          <ac:cxnSpMkLst>
-            <pc:docMk/>
-            <pc:sldMk cId="211149325" sldId="589"/>
-            <ac:cxnSpMk id="21" creationId="{00000000-0000-0000-0000-000000000000}"/>
-          </ac:cxnSpMkLst>
-        </pc:cxnChg>
-        <pc:cxnChg chg="mod">
-          <ac:chgData name="Zhao Jin" userId="cd05a825-544c-438a-9ba1-08e63db50b47" providerId="ADAL" clId="{37A0D694-38DA-4421-B5D3-DEDBFC2EC57C}" dt="2021-02-03T08:05:27.870" v="585" actId="14100"/>
-          <ac:cxnSpMkLst>
-            <pc:docMk/>
-            <pc:sldMk cId="211149325" sldId="589"/>
-            <ac:cxnSpMk id="26" creationId="{00000000-0000-0000-0000-000000000000}"/>
-          </ac:cxnSpMkLst>
-        </pc:cxnChg>
-        <pc:cxnChg chg="mod">
-          <ac:chgData name="Zhao Jin" userId="cd05a825-544c-438a-9ba1-08e63db50b47" providerId="ADAL" clId="{37A0D694-38DA-4421-B5D3-DEDBFC2EC57C}" dt="2021-02-03T08:05:30.610" v="586" actId="14100"/>
-          <ac:cxnSpMkLst>
-            <pc:docMk/>
-            <pc:sldMk cId="211149325" sldId="589"/>
-            <ac:cxnSpMk id="29" creationId="{00000000-0000-0000-0000-000000000000}"/>
-          </ac:cxnSpMkLst>
-        </pc:cxnChg>
-      </pc:sldChg>
-      <pc:sldChg chg="addSp delSp modSp add mod delAnim modAnim">
-        <pc:chgData name="Zhao Jin" userId="cd05a825-544c-438a-9ba1-08e63db50b47" providerId="ADAL" clId="{37A0D694-38DA-4421-B5D3-DEDBFC2EC57C}" dt="2021-02-08T01:38:27.881" v="3917" actId="20577"/>
-        <pc:sldMkLst>
-          <pc:docMk/>
-          <pc:sldMk cId="4156536479" sldId="590"/>
-        </pc:sldMkLst>
-        <pc:spChg chg="add mod">
-          <ac:chgData name="Zhao Jin" userId="cd05a825-544c-438a-9ba1-08e63db50b47" providerId="ADAL" clId="{37A0D694-38DA-4421-B5D3-DEDBFC2EC57C}" dt="2021-02-03T09:38:34.228" v="3358" actId="13926"/>
-          <ac:spMkLst>
-            <pc:docMk/>
-            <pc:sldMk cId="4156536479" sldId="590"/>
-            <ac:spMk id="8" creationId="{3895F873-6CB7-4316-B798-EE54B3634728}"/>
-          </ac:spMkLst>
-        </pc:spChg>
-        <pc:spChg chg="add del mod">
-          <ac:chgData name="Zhao Jin" userId="cd05a825-544c-438a-9ba1-08e63db50b47" providerId="ADAL" clId="{37A0D694-38DA-4421-B5D3-DEDBFC2EC57C}" dt="2021-02-08T01:29:47.127" v="3514"/>
-          <ac:spMkLst>
-            <pc:docMk/>
-            <pc:sldMk cId="4156536479" sldId="590"/>
-            <ac:spMk id="11" creationId="{5846B50D-EC54-48E6-AE72-B0B5F8190097}"/>
-          </ac:spMkLst>
-        </pc:spChg>
-        <pc:spChg chg="del">
-          <ac:chgData name="Zhao Jin" userId="cd05a825-544c-438a-9ba1-08e63db50b47" providerId="ADAL" clId="{37A0D694-38DA-4421-B5D3-DEDBFC2EC57C}" dt="2021-02-03T08:06:42.479" v="598" actId="478"/>
-          <ac:spMkLst>
-            <pc:docMk/>
-            <pc:sldMk cId="4156536479" sldId="590"/>
-            <ac:spMk id="11" creationId="{675C9FBE-306E-46A7-BAB9-46BD27707AF2}"/>
-          </ac:spMkLst>
-        </pc:spChg>
-        <pc:spChg chg="add mod">
-          <ac:chgData name="Zhao Jin" userId="cd05a825-544c-438a-9ba1-08e63db50b47" providerId="ADAL" clId="{37A0D694-38DA-4421-B5D3-DEDBFC2EC57C}" dt="2021-02-08T01:38:27.881" v="3917" actId="20577"/>
-          <ac:spMkLst>
-            <pc:docMk/>
-            <pc:sldMk cId="4156536479" sldId="590"/>
-            <ac:spMk id="13" creationId="{0AD363C8-B264-4386-9E1D-EAA63F4BF1CC}"/>
-          </ac:spMkLst>
-        </pc:spChg>
-        <pc:spChg chg="add del mod">
-          <ac:chgData name="Zhao Jin" userId="cd05a825-544c-438a-9ba1-08e63db50b47" providerId="ADAL" clId="{37A0D694-38DA-4421-B5D3-DEDBFC2EC57C}" dt="2021-02-03T08:40:38.562" v="720" actId="478"/>
-          <ac:spMkLst>
-            <pc:docMk/>
-            <pc:sldMk cId="4156536479" sldId="590"/>
-            <ac:spMk id="33" creationId="{4F924E87-CB56-4AC7-8777-A327820A47C5}"/>
-          </ac:spMkLst>
-        </pc:spChg>
-        <pc:spChg chg="add mod">
-          <ac:chgData name="Zhao Jin" userId="cd05a825-544c-438a-9ba1-08e63db50b47" providerId="ADAL" clId="{37A0D694-38DA-4421-B5D3-DEDBFC2EC57C}" dt="2021-02-03T08:41:47.988" v="927" actId="14100"/>
-          <ac:spMkLst>
-            <pc:docMk/>
-            <pc:sldMk cId="4156536479" sldId="590"/>
-            <ac:spMk id="34" creationId="{1DA4B870-5E05-4566-A46F-B6A051179C55}"/>
-          </ac:spMkLst>
-        </pc:spChg>
-        <pc:spChg chg="mod">
-          <ac:chgData name="Zhao Jin" userId="cd05a825-544c-438a-9ba1-08e63db50b47" providerId="ADAL" clId="{37A0D694-38DA-4421-B5D3-DEDBFC2EC57C}" dt="2021-02-03T09:25:01.287" v="3281" actId="6549"/>
-          <ac:spMkLst>
-            <pc:docMk/>
-            <pc:sldMk cId="4156536479" sldId="590"/>
-            <ac:spMk id="14338" creationId="{00000000-0000-0000-0000-000000000000}"/>
-          </ac:spMkLst>
-        </pc:spChg>
-        <pc:graphicFrameChg chg="del">
-          <ac:chgData name="Zhao Jin" userId="cd05a825-544c-438a-9ba1-08e63db50b47" providerId="ADAL" clId="{37A0D694-38DA-4421-B5D3-DEDBFC2EC57C}" dt="2021-02-03T08:06:41.239" v="597" actId="478"/>
-          <ac:graphicFrameMkLst>
-            <pc:docMk/>
-            <pc:sldMk cId="4156536479" sldId="590"/>
-            <ac:graphicFrameMk id="10" creationId="{74304014-08C4-4321-AD74-36FAC51612DB}"/>
-          </ac:graphicFrameMkLst>
-        </pc:graphicFrameChg>
-        <pc:picChg chg="mod">
-          <ac:chgData name="Zhao Jin" userId="cd05a825-544c-438a-9ba1-08e63db50b47" providerId="ADAL" clId="{37A0D694-38DA-4421-B5D3-DEDBFC2EC57C}" dt="2021-02-03T08:38:53.114" v="646" actId="1076"/>
-          <ac:picMkLst>
-            <pc:docMk/>
-            <pc:sldMk cId="4156536479" sldId="590"/>
-            <ac:picMk id="4" creationId="{EAFF9153-D379-4E7D-9B97-29843966A9B9}"/>
-          </ac:picMkLst>
-        </pc:picChg>
-        <pc:cxnChg chg="add del mod">
-          <ac:chgData name="Zhao Jin" userId="cd05a825-544c-438a-9ba1-08e63db50b47" providerId="ADAL" clId="{37A0D694-38DA-4421-B5D3-DEDBFC2EC57C}" dt="2021-02-03T08:37:59.802" v="629" actId="478"/>
-          <ac:cxnSpMkLst>
-            <pc:docMk/>
-            <pc:sldMk cId="4156536479" sldId="590"/>
-            <ac:cxnSpMk id="9" creationId="{9652AEB2-CFC8-48BA-95AD-7242B1240B31}"/>
-          </ac:cxnSpMkLst>
-        </pc:cxnChg>
-        <pc:cxnChg chg="add del mod">
-          <ac:chgData name="Zhao Jin" userId="cd05a825-544c-438a-9ba1-08e63db50b47" providerId="ADAL" clId="{37A0D694-38DA-4421-B5D3-DEDBFC2EC57C}" dt="2021-02-03T08:38:27.270" v="636" actId="14100"/>
-          <ac:cxnSpMkLst>
-            <pc:docMk/>
-            <pc:sldMk cId="4156536479" sldId="590"/>
-            <ac:cxnSpMk id="16" creationId="{B4CC9A1D-6448-41B2-BD14-CACDC771AC2A}"/>
-          </ac:cxnSpMkLst>
-        </pc:cxnChg>
-        <pc:cxnChg chg="add mod">
-          <ac:chgData name="Zhao Jin" userId="cd05a825-544c-438a-9ba1-08e63db50b47" providerId="ADAL" clId="{37A0D694-38DA-4421-B5D3-DEDBFC2EC57C}" dt="2021-02-03T08:38:46.983" v="642" actId="14100"/>
-          <ac:cxnSpMkLst>
-            <pc:docMk/>
-            <pc:sldMk cId="4156536479" sldId="590"/>
-            <ac:cxnSpMk id="22" creationId="{6298AF59-F7D9-4F05-84BF-96ED0AC95091}"/>
-          </ac:cxnSpMkLst>
-        </pc:cxnChg>
-        <pc:cxnChg chg="add del mod">
-          <ac:chgData name="Zhao Jin" userId="cd05a825-544c-438a-9ba1-08e63db50b47" providerId="ADAL" clId="{37A0D694-38DA-4421-B5D3-DEDBFC2EC57C}" dt="2021-02-03T08:39:14.474" v="649" actId="478"/>
-          <ac:cxnSpMkLst>
-            <pc:docMk/>
-            <pc:sldMk cId="4156536479" sldId="590"/>
-            <ac:cxnSpMk id="27" creationId="{5EB59BC9-1F48-4950-A1D9-6A7B4E0368EF}"/>
-          </ac:cxnSpMkLst>
-        </pc:cxnChg>
-        <pc:cxnChg chg="add mod">
-          <ac:chgData name="Zhao Jin" userId="cd05a825-544c-438a-9ba1-08e63db50b47" providerId="ADAL" clId="{37A0D694-38DA-4421-B5D3-DEDBFC2EC57C}" dt="2021-02-03T08:39:19.424" v="652" actId="14100"/>
-          <ac:cxnSpMkLst>
-            <pc:docMk/>
-            <pc:sldMk cId="4156536479" sldId="590"/>
-            <ac:cxnSpMk id="30" creationId="{FA77C354-F87B-40D8-BAA7-811F60DDD4B1}"/>
-          </ac:cxnSpMkLst>
-        </pc:cxnChg>
-      </pc:sldChg>
-      <pc:sldChg chg="addSp delSp modSp add mod delAnim">
-        <pc:chgData name="Zhao Jin" userId="cd05a825-544c-438a-9ba1-08e63db50b47" providerId="ADAL" clId="{37A0D694-38DA-4421-B5D3-DEDBFC2EC57C}" dt="2021-02-08T01:30:20.214" v="3620" actId="21"/>
-        <pc:sldMkLst>
-          <pc:docMk/>
-          <pc:sldMk cId="567798019" sldId="591"/>
-        </pc:sldMkLst>
-        <pc:spChg chg="mod">
-          <ac:chgData name="Zhao Jin" userId="cd05a825-544c-438a-9ba1-08e63db50b47" providerId="ADAL" clId="{37A0D694-38DA-4421-B5D3-DEDBFC2EC57C}" dt="2021-02-03T08:54:46.596" v="1324" actId="6549"/>
-          <ac:spMkLst>
-            <pc:docMk/>
-            <pc:sldMk cId="567798019" sldId="591"/>
-            <ac:spMk id="8" creationId="{3895F873-6CB7-4316-B798-EE54B3634728}"/>
-          </ac:spMkLst>
-        </pc:spChg>
-        <pc:spChg chg="add del mod">
-          <ac:chgData name="Zhao Jin" userId="cd05a825-544c-438a-9ba1-08e63db50b47" providerId="ADAL" clId="{37A0D694-38DA-4421-B5D3-DEDBFC2EC57C}" dt="2021-02-08T01:30:20.214" v="3620" actId="21"/>
-          <ac:spMkLst>
-            <pc:docMk/>
-            <pc:sldMk cId="567798019" sldId="591"/>
-            <ac:spMk id="9" creationId="{6806B5BD-EF55-41CA-929B-A292FC4E2456}"/>
-          </ac:spMkLst>
-        </pc:spChg>
-        <pc:spChg chg="add del mod">
-          <ac:chgData name="Zhao Jin" userId="cd05a825-544c-438a-9ba1-08e63db50b47" providerId="ADAL" clId="{37A0D694-38DA-4421-B5D3-DEDBFC2EC57C}" dt="2021-02-03T08:54:49.067" v="1325" actId="21"/>
-          <ac:spMkLst>
-            <pc:docMk/>
-            <pc:sldMk cId="567798019" sldId="591"/>
-            <ac:spMk id="11" creationId="{27FB5A5F-2DAE-417B-BFDB-4AF27D8AC53B}"/>
-          </ac:spMkLst>
-        </pc:spChg>
-        <pc:spChg chg="del">
-          <ac:chgData name="Zhao Jin" userId="cd05a825-544c-438a-9ba1-08e63db50b47" providerId="ADAL" clId="{37A0D694-38DA-4421-B5D3-DEDBFC2EC57C}" dt="2021-02-03T08:42:46.851" v="952" actId="478"/>
-          <ac:spMkLst>
-            <pc:docMk/>
-            <pc:sldMk cId="567798019" sldId="591"/>
-            <ac:spMk id="34" creationId="{1DA4B870-5E05-4566-A46F-B6A051179C55}"/>
-          </ac:spMkLst>
-        </pc:spChg>
-        <pc:spChg chg="mod">
-          <ac:chgData name="Zhao Jin" userId="cd05a825-544c-438a-9ba1-08e63db50b47" providerId="ADAL" clId="{37A0D694-38DA-4421-B5D3-DEDBFC2EC57C}" dt="2021-02-03T08:44:43.848" v="976" actId="21"/>
-          <ac:spMkLst>
-            <pc:docMk/>
-            <pc:sldMk cId="567798019" sldId="591"/>
-            <ac:spMk id="14338" creationId="{00000000-0000-0000-0000-000000000000}"/>
-          </ac:spMkLst>
-        </pc:spChg>
-        <pc:cxnChg chg="del mod">
-          <ac:chgData name="Zhao Jin" userId="cd05a825-544c-438a-9ba1-08e63db50b47" providerId="ADAL" clId="{37A0D694-38DA-4421-B5D3-DEDBFC2EC57C}" dt="2021-02-03T08:42:43.905" v="949" actId="478"/>
-          <ac:cxnSpMkLst>
-            <pc:docMk/>
-            <pc:sldMk cId="567798019" sldId="591"/>
-            <ac:cxnSpMk id="16" creationId="{B4CC9A1D-6448-41B2-BD14-CACDC771AC2A}"/>
-          </ac:cxnSpMkLst>
-        </pc:cxnChg>
-        <pc:cxnChg chg="del">
-          <ac:chgData name="Zhao Jin" userId="cd05a825-544c-438a-9ba1-08e63db50b47" providerId="ADAL" clId="{37A0D694-38DA-4421-B5D3-DEDBFC2EC57C}" dt="2021-02-03T08:42:44.937" v="950" actId="478"/>
-          <ac:cxnSpMkLst>
-            <pc:docMk/>
-            <pc:sldMk cId="567798019" sldId="591"/>
-            <ac:cxnSpMk id="22" creationId="{6298AF59-F7D9-4F05-84BF-96ED0AC95091}"/>
-          </ac:cxnSpMkLst>
-        </pc:cxnChg>
-        <pc:cxnChg chg="del">
-          <ac:chgData name="Zhao Jin" userId="cd05a825-544c-438a-9ba1-08e63db50b47" providerId="ADAL" clId="{37A0D694-38DA-4421-B5D3-DEDBFC2EC57C}" dt="2021-02-03T08:42:45.705" v="951" actId="478"/>
-          <ac:cxnSpMkLst>
-            <pc:docMk/>
-            <pc:sldMk cId="567798019" sldId="591"/>
-            <ac:cxnSpMk id="30" creationId="{FA77C354-F87B-40D8-BAA7-811F60DDD4B1}"/>
-          </ac:cxnSpMkLst>
-        </pc:cxnChg>
-      </pc:sldChg>
-      <pc:sldChg chg="addSp delSp modSp add mod delAnim">
-        <pc:chgData name="Zhao Jin" userId="cd05a825-544c-438a-9ba1-08e63db50b47" providerId="ADAL" clId="{37A0D694-38DA-4421-B5D3-DEDBFC2EC57C}" dt="2021-02-08T01:32:46.621" v="3700" actId="478"/>
-        <pc:sldMkLst>
-          <pc:docMk/>
-          <pc:sldMk cId="137810324" sldId="592"/>
-        </pc:sldMkLst>
-        <pc:spChg chg="mod">
-          <ac:chgData name="Zhao Jin" userId="cd05a825-544c-438a-9ba1-08e63db50b47" providerId="ADAL" clId="{37A0D694-38DA-4421-B5D3-DEDBFC2EC57C}" dt="2021-02-03T09:25:49.221" v="3341" actId="20577"/>
-          <ac:spMkLst>
-            <pc:docMk/>
-            <pc:sldMk cId="137810324" sldId="592"/>
-            <ac:spMk id="7" creationId="{00000000-0000-0000-0000-000000000000}"/>
-          </ac:spMkLst>
-        </pc:spChg>
-        <pc:spChg chg="add del mod">
-          <ac:chgData name="Zhao Jin" userId="cd05a825-544c-438a-9ba1-08e63db50b47" providerId="ADAL" clId="{37A0D694-38DA-4421-B5D3-DEDBFC2EC57C}" dt="2021-02-08T01:30:46.868" v="3629"/>
-          <ac:spMkLst>
-            <pc:docMk/>
-            <pc:sldMk cId="137810324" sldId="592"/>
-            <ac:spMk id="8" creationId="{1D4888C5-7427-41D4-A0E1-C5D8DC066CA7}"/>
-          </ac:spMkLst>
-        </pc:spChg>
-        <pc:spChg chg="add del mod">
-          <ac:chgData name="Zhao Jin" userId="cd05a825-544c-438a-9ba1-08e63db50b47" providerId="ADAL" clId="{37A0D694-38DA-4421-B5D3-DEDBFC2EC57C}" dt="2021-02-08T01:31:02.354" v="3637"/>
-          <ac:spMkLst>
-            <pc:docMk/>
-            <pc:sldMk cId="137810324" sldId="592"/>
-            <ac:spMk id="9" creationId="{7B98D121-E5CC-483E-9B8F-EF6E0F554F5C}"/>
-          </ac:spMkLst>
-        </pc:spChg>
-        <pc:spChg chg="add del mod">
-          <ac:chgData name="Zhao Jin" userId="cd05a825-544c-438a-9ba1-08e63db50b47" providerId="ADAL" clId="{37A0D694-38DA-4421-B5D3-DEDBFC2EC57C}" dt="2021-02-08T01:31:05.798" v="3639"/>
-          <ac:spMkLst>
-            <pc:docMk/>
-            <pc:sldMk cId="137810324" sldId="592"/>
-            <ac:spMk id="10" creationId="{89C502F5-8740-4FB5-954E-97A010AA4256}"/>
-          </ac:spMkLst>
-        </pc:spChg>
-        <pc:spChg chg="add del mod">
-          <ac:chgData name="Zhao Jin" userId="cd05a825-544c-438a-9ba1-08e63db50b47" providerId="ADAL" clId="{37A0D694-38DA-4421-B5D3-DEDBFC2EC57C}" dt="2021-02-08T01:32:46.621" v="3700" actId="478"/>
-          <ac:spMkLst>
-            <pc:docMk/>
-            <pc:sldMk cId="137810324" sldId="592"/>
-            <ac:spMk id="19" creationId="{A73A73BA-8D89-4B27-BFC3-9776D2EA4341}"/>
-          </ac:spMkLst>
-        </pc:spChg>
-        <pc:spChg chg="add del mod">
-          <ac:chgData name="Zhao Jin" userId="cd05a825-544c-438a-9ba1-08e63db50b47" providerId="ADAL" clId="{37A0D694-38DA-4421-B5D3-DEDBFC2EC57C}" dt="2021-02-03T08:51:15.889" v="1226"/>
-          <ac:spMkLst>
-            <pc:docMk/>
-            <pc:sldMk cId="137810324" sldId="592"/>
-            <ac:spMk id="20" creationId="{8BB54542-2902-49B4-956C-5A17427CC6C2}"/>
-          </ac:spMkLst>
-        </pc:spChg>
-        <pc:spChg chg="mod">
-          <ac:chgData name="Zhao Jin" userId="cd05a825-544c-438a-9ba1-08e63db50b47" providerId="ADAL" clId="{37A0D694-38DA-4421-B5D3-DEDBFC2EC57C}" dt="2021-02-03T08:50:25.459" v="1220" actId="20577"/>
-          <ac:spMkLst>
-            <pc:docMk/>
-            <pc:sldMk cId="137810324" sldId="592"/>
-            <ac:spMk id="49" creationId="{00000000-0000-0000-0000-000000000000}"/>
-          </ac:spMkLst>
-        </pc:spChg>
-        <pc:spChg chg="del">
-          <ac:chgData name="Zhao Jin" userId="cd05a825-544c-438a-9ba1-08e63db50b47" providerId="ADAL" clId="{37A0D694-38DA-4421-B5D3-DEDBFC2EC57C}" dt="2021-02-03T08:48:10.029" v="1077" actId="478"/>
-          <ac:spMkLst>
-            <pc:docMk/>
-            <pc:sldMk cId="137810324" sldId="592"/>
-            <ac:spMk id="60" creationId="{00000000-0000-0000-0000-000000000000}"/>
-          </ac:spMkLst>
-        </pc:spChg>
-        <pc:spChg chg="mod">
-          <ac:chgData name="Zhao Jin" userId="cd05a825-544c-438a-9ba1-08e63db50b47" providerId="ADAL" clId="{37A0D694-38DA-4421-B5D3-DEDBFC2EC57C}" dt="2021-02-03T08:45:31.559" v="978" actId="6549"/>
-          <ac:spMkLst>
-            <pc:docMk/>
-            <pc:sldMk cId="137810324" sldId="592"/>
-            <ac:spMk id="14338" creationId="{00000000-0000-0000-0000-000000000000}"/>
-          </ac:spMkLst>
-        </pc:spChg>
-        <pc:spChg chg="del">
-          <ac:chgData name="Zhao Jin" userId="cd05a825-544c-438a-9ba1-08e63db50b47" providerId="ADAL" clId="{37A0D694-38DA-4421-B5D3-DEDBFC2EC57C}" dt="2021-02-03T09:26:17.421" v="3353" actId="478"/>
-          <ac:spMkLst>
-            <pc:docMk/>
-            <pc:sldMk cId="137810324" sldId="592"/>
-            <ac:spMk id="14340" creationId="{00000000-0000-0000-0000-000000000000}"/>
-          </ac:spMkLst>
-        </pc:spChg>
-        <pc:grpChg chg="del">
-          <ac:chgData name="Zhao Jin" userId="cd05a825-544c-438a-9ba1-08e63db50b47" providerId="ADAL" clId="{37A0D694-38DA-4421-B5D3-DEDBFC2EC57C}" dt="2021-02-03T08:48:11.562" v="1078" actId="478"/>
-          <ac:grpSpMkLst>
-            <pc:docMk/>
-            <pc:sldMk cId="137810324" sldId="592"/>
-            <ac:grpSpMk id="50" creationId="{00000000-0000-0000-0000-000000000000}"/>
-          </ac:grpSpMkLst>
-        </pc:grpChg>
-        <pc:picChg chg="add mod">
-          <ac:chgData name="Zhao Jin" userId="cd05a825-544c-438a-9ba1-08e63db50b47" providerId="ADAL" clId="{37A0D694-38DA-4421-B5D3-DEDBFC2EC57C}" dt="2021-02-03T08:50:48.786" v="1224" actId="1076"/>
-          <ac:picMkLst>
-            <pc:docMk/>
-            <pc:sldMk cId="137810324" sldId="592"/>
-            <ac:picMk id="2050" creationId="{05AE613C-318D-4BEE-A9E2-BA80E156FFE6}"/>
-          </ac:picMkLst>
-        </pc:picChg>
-        <pc:cxnChg chg="mod">
-          <ac:chgData name="Zhao Jin" userId="cd05a825-544c-438a-9ba1-08e63db50b47" providerId="ADAL" clId="{37A0D694-38DA-4421-B5D3-DEDBFC2EC57C}" dt="2021-02-03T08:48:11.562" v="1078" actId="478"/>
-          <ac:cxnSpMkLst>
-            <pc:docMk/>
-            <pc:sldMk cId="137810324" sldId="592"/>
-            <ac:cxnSpMk id="52" creationId="{00000000-0000-0000-0000-000000000000}"/>
-          </ac:cxnSpMkLst>
-        </pc:cxnChg>
-        <pc:cxnChg chg="mod">
-          <ac:chgData name="Zhao Jin" userId="cd05a825-544c-438a-9ba1-08e63db50b47" providerId="ADAL" clId="{37A0D694-38DA-4421-B5D3-DEDBFC2EC57C}" dt="2021-02-03T08:48:11.562" v="1078" actId="478"/>
-          <ac:cxnSpMkLst>
-            <pc:docMk/>
-            <pc:sldMk cId="137810324" sldId="592"/>
-            <ac:cxnSpMk id="57" creationId="{00000000-0000-0000-0000-000000000000}"/>
-          </ac:cxnSpMkLst>
-        </pc:cxnChg>
-        <pc:cxnChg chg="mod">
-          <ac:chgData name="Zhao Jin" userId="cd05a825-544c-438a-9ba1-08e63db50b47" providerId="ADAL" clId="{37A0D694-38DA-4421-B5D3-DEDBFC2EC57C}" dt="2021-02-03T08:48:11.562" v="1078" actId="478"/>
-          <ac:cxnSpMkLst>
-            <pc:docMk/>
-            <pc:sldMk cId="137810324" sldId="592"/>
-            <ac:cxnSpMk id="58" creationId="{00000000-0000-0000-0000-000000000000}"/>
-          </ac:cxnSpMkLst>
-        </pc:cxnChg>
-        <pc:cxnChg chg="mod">
-          <ac:chgData name="Zhao Jin" userId="cd05a825-544c-438a-9ba1-08e63db50b47" providerId="ADAL" clId="{37A0D694-38DA-4421-B5D3-DEDBFC2EC57C}" dt="2021-02-03T08:48:11.562" v="1078" actId="478"/>
-          <ac:cxnSpMkLst>
-            <pc:docMk/>
-            <pc:sldMk cId="137810324" sldId="592"/>
-            <ac:cxnSpMk id="59" creationId="{00000000-0000-0000-0000-000000000000}"/>
-          </ac:cxnSpMkLst>
-        </pc:cxnChg>
-      </pc:sldChg>
-      <pc:sldChg chg="addSp delSp modSp add mod">
-        <pc:chgData name="Zhao Jin" userId="cd05a825-544c-438a-9ba1-08e63db50b47" providerId="ADAL" clId="{37A0D694-38DA-4421-B5D3-DEDBFC2EC57C}" dt="2021-02-04T05:05:17.681" v="3392" actId="14100"/>
-        <pc:sldMkLst>
-          <pc:docMk/>
-          <pc:sldMk cId="3233082706" sldId="593"/>
-        </pc:sldMkLst>
-        <pc:spChg chg="add mod">
-          <ac:chgData name="Zhao Jin" userId="cd05a825-544c-438a-9ba1-08e63db50b47" providerId="ADAL" clId="{37A0D694-38DA-4421-B5D3-DEDBFC2EC57C}" dt="2021-02-03T08:57:31.439" v="1415" actId="207"/>
-          <ac:spMkLst>
-            <pc:docMk/>
-            <pc:sldMk cId="3233082706" sldId="593"/>
-            <ac:spMk id="2" creationId="{4BB57D7F-D6C0-4E98-B5AC-D68743875716}"/>
-          </ac:spMkLst>
-        </pc:spChg>
-        <pc:spChg chg="mod">
-          <ac:chgData name="Zhao Jin" userId="cd05a825-544c-438a-9ba1-08e63db50b47" providerId="ADAL" clId="{37A0D694-38DA-4421-B5D3-DEDBFC2EC57C}" dt="2021-02-03T09:25:53.539" v="3343" actId="20577"/>
-          <ac:spMkLst>
-            <pc:docMk/>
-            <pc:sldMk cId="3233082706" sldId="593"/>
-            <ac:spMk id="7" creationId="{00000000-0000-0000-0000-000000000000}"/>
-          </ac:spMkLst>
-        </pc:spChg>
-        <pc:spChg chg="add mod">
-          <ac:chgData name="Zhao Jin" userId="cd05a825-544c-438a-9ba1-08e63db50b47" providerId="ADAL" clId="{37A0D694-38DA-4421-B5D3-DEDBFC2EC57C}" dt="2021-02-03T09:01:13.020" v="1570" actId="14100"/>
-          <ac:spMkLst>
-            <pc:docMk/>
-            <pc:sldMk cId="3233082706" sldId="593"/>
-            <ac:spMk id="11" creationId="{F029A077-040C-47D9-850C-BB5ACF662EAB}"/>
-          </ac:spMkLst>
-        </pc:spChg>
-        <pc:spChg chg="add mod">
-          <ac:chgData name="Zhao Jin" userId="cd05a825-544c-438a-9ba1-08e63db50b47" providerId="ADAL" clId="{37A0D694-38DA-4421-B5D3-DEDBFC2EC57C}" dt="2021-02-04T05:05:17.681" v="3392" actId="14100"/>
-          <ac:spMkLst>
-            <pc:docMk/>
-            <pc:sldMk cId="3233082706" sldId="593"/>
-            <ac:spMk id="13" creationId="{7E76B3B7-DB38-480B-B780-0306142FB5A0}"/>
-          </ac:spMkLst>
-        </pc:spChg>
-        <pc:spChg chg="del">
-          <ac:chgData name="Zhao Jin" userId="cd05a825-544c-438a-9ba1-08e63db50b47" providerId="ADAL" clId="{37A0D694-38DA-4421-B5D3-DEDBFC2EC57C}" dt="2021-02-03T08:57:13.403" v="1412" actId="478"/>
-          <ac:spMkLst>
-            <pc:docMk/>
-            <pc:sldMk cId="3233082706" sldId="593"/>
-            <ac:spMk id="19" creationId="{A73A73BA-8D89-4B27-BFC3-9776D2EA4341}"/>
-          </ac:spMkLst>
-        </pc:spChg>
-        <pc:spChg chg="mod">
-          <ac:chgData name="Zhao Jin" userId="cd05a825-544c-438a-9ba1-08e63db50b47" providerId="ADAL" clId="{37A0D694-38DA-4421-B5D3-DEDBFC2EC57C}" dt="2021-02-03T08:57:48.855" v="1418" actId="14100"/>
-          <ac:spMkLst>
-            <pc:docMk/>
-            <pc:sldMk cId="3233082706" sldId="593"/>
-            <ac:spMk id="49" creationId="{00000000-0000-0000-0000-000000000000}"/>
-          </ac:spMkLst>
-        </pc:spChg>
-        <pc:spChg chg="mod">
-          <ac:chgData name="Zhao Jin" userId="cd05a825-544c-438a-9ba1-08e63db50b47" providerId="ADAL" clId="{37A0D694-38DA-4421-B5D3-DEDBFC2EC57C}" dt="2021-02-03T08:51:48.162" v="1263" actId="20577"/>
-          <ac:spMkLst>
-            <pc:docMk/>
-            <pc:sldMk cId="3233082706" sldId="593"/>
-            <ac:spMk id="14338" creationId="{00000000-0000-0000-0000-000000000000}"/>
-          </ac:spMkLst>
-        </pc:spChg>
-        <pc:spChg chg="del">
-          <ac:chgData name="Zhao Jin" userId="cd05a825-544c-438a-9ba1-08e63db50b47" providerId="ADAL" clId="{37A0D694-38DA-4421-B5D3-DEDBFC2EC57C}" dt="2021-02-03T09:26:15.669" v="3352" actId="478"/>
-          <ac:spMkLst>
-            <pc:docMk/>
-            <pc:sldMk cId="3233082706" sldId="593"/>
-            <ac:spMk id="14340" creationId="{00000000-0000-0000-0000-000000000000}"/>
-          </ac:spMkLst>
-        </pc:spChg>
-        <pc:picChg chg="del mod">
-          <ac:chgData name="Zhao Jin" userId="cd05a825-544c-438a-9ba1-08e63db50b47" providerId="ADAL" clId="{37A0D694-38DA-4421-B5D3-DEDBFC2EC57C}" dt="2021-02-03T08:51:58.070" v="1266" actId="478"/>
-          <ac:picMkLst>
-            <pc:docMk/>
-            <pc:sldMk cId="3233082706" sldId="593"/>
-            <ac:picMk id="2050" creationId="{05AE613C-318D-4BEE-A9E2-BA80E156FFE6}"/>
-          </ac:picMkLst>
-        </pc:picChg>
-        <pc:picChg chg="add mod">
-          <ac:chgData name="Zhao Jin" userId="cd05a825-544c-438a-9ba1-08e63db50b47" providerId="ADAL" clId="{37A0D694-38DA-4421-B5D3-DEDBFC2EC57C}" dt="2021-02-03T08:52:24.677" v="1272" actId="1076"/>
-          <ac:picMkLst>
-            <pc:docMk/>
-            <pc:sldMk cId="3233082706" sldId="593"/>
-            <ac:picMk id="6146" creationId="{D5D43BF4-41EA-4FBF-B1D8-954520609CFC}"/>
-          </ac:picMkLst>
-        </pc:picChg>
-      </pc:sldChg>
-      <pc:sldChg chg="add del">
-        <pc:chgData name="Zhao Jin" userId="cd05a825-544c-438a-9ba1-08e63db50b47" providerId="ADAL" clId="{37A0D694-38DA-4421-B5D3-DEDBFC2EC57C}" dt="2021-02-03T08:52:31.399" v="1274"/>
-        <pc:sldMkLst>
-          <pc:docMk/>
-          <pc:sldMk cId="2125946801" sldId="594"/>
-        </pc:sldMkLst>
-      </pc:sldChg>
-      <pc:sldChg chg="addSp delSp modSp add mod delAnim">
-        <pc:chgData name="Zhao Jin" userId="cd05a825-544c-438a-9ba1-08e63db50b47" providerId="ADAL" clId="{37A0D694-38DA-4421-B5D3-DEDBFC2EC57C}" dt="2021-02-03T09:39:04.677" v="3364" actId="13926"/>
-        <pc:sldMkLst>
-          <pc:docMk/>
-          <pc:sldMk cId="2217225800" sldId="594"/>
-        </pc:sldMkLst>
-        <pc:spChg chg="mod">
-          <ac:chgData name="Zhao Jin" userId="cd05a825-544c-438a-9ba1-08e63db50b47" providerId="ADAL" clId="{37A0D694-38DA-4421-B5D3-DEDBFC2EC57C}" dt="2021-02-03T09:39:04.677" v="3364" actId="13926"/>
-          <ac:spMkLst>
-            <pc:docMk/>
-            <pc:sldMk cId="2217225800" sldId="594"/>
-            <ac:spMk id="8" creationId="{3895F873-6CB7-4316-B798-EE54B3634728}"/>
-          </ac:spMkLst>
-        </pc:spChg>
-        <pc:spChg chg="add mod">
-          <ac:chgData name="Zhao Jin" userId="cd05a825-544c-438a-9ba1-08e63db50b47" providerId="ADAL" clId="{37A0D694-38DA-4421-B5D3-DEDBFC2EC57C}" dt="2021-02-03T08:55:45.605" v="1357" actId="1076"/>
-          <ac:spMkLst>
-            <pc:docMk/>
-            <pc:sldMk cId="2217225800" sldId="594"/>
-            <ac:spMk id="11" creationId="{552429B4-BD20-4EAF-8B36-51498E5AACDA}"/>
-          </ac:spMkLst>
-        </pc:spChg>
-        <pc:spChg chg="del">
-          <ac:chgData name="Zhao Jin" userId="cd05a825-544c-438a-9ba1-08e63db50b47" providerId="ADAL" clId="{37A0D694-38DA-4421-B5D3-DEDBFC2EC57C}" dt="2021-02-03T08:54:12.692" v="1306" actId="478"/>
-          <ac:spMkLst>
-            <pc:docMk/>
-            <pc:sldMk cId="2217225800" sldId="594"/>
-            <ac:spMk id="34" creationId="{1DA4B870-5E05-4566-A46F-B6A051179C55}"/>
-          </ac:spMkLst>
-        </pc:spChg>
-        <pc:spChg chg="mod">
-          <ac:chgData name="Zhao Jin" userId="cd05a825-544c-438a-9ba1-08e63db50b47" providerId="ADAL" clId="{37A0D694-38DA-4421-B5D3-DEDBFC2EC57C}" dt="2021-02-03T08:53:27.759" v="1297" actId="20577"/>
-          <ac:spMkLst>
-            <pc:docMk/>
-            <pc:sldMk cId="2217225800" sldId="594"/>
-            <ac:spMk id="14338" creationId="{00000000-0000-0000-0000-000000000000}"/>
-          </ac:spMkLst>
-        </pc:spChg>
-        <pc:cxnChg chg="del">
-          <ac:chgData name="Zhao Jin" userId="cd05a825-544c-438a-9ba1-08e63db50b47" providerId="ADAL" clId="{37A0D694-38DA-4421-B5D3-DEDBFC2EC57C}" dt="2021-02-03T08:53:21.738" v="1288" actId="478"/>
-          <ac:cxnSpMkLst>
-            <pc:docMk/>
-            <pc:sldMk cId="2217225800" sldId="594"/>
-            <ac:cxnSpMk id="16" creationId="{B4CC9A1D-6448-41B2-BD14-CACDC771AC2A}"/>
-          </ac:cxnSpMkLst>
-        </pc:cxnChg>
-        <pc:cxnChg chg="del">
-          <ac:chgData name="Zhao Jin" userId="cd05a825-544c-438a-9ba1-08e63db50b47" providerId="ADAL" clId="{37A0D694-38DA-4421-B5D3-DEDBFC2EC57C}" dt="2021-02-03T08:53:22.476" v="1289" actId="478"/>
-          <ac:cxnSpMkLst>
-            <pc:docMk/>
-            <pc:sldMk cId="2217225800" sldId="594"/>
-            <ac:cxnSpMk id="22" creationId="{6298AF59-F7D9-4F05-84BF-96ED0AC95091}"/>
-          </ac:cxnSpMkLst>
-        </pc:cxnChg>
-        <pc:cxnChg chg="del">
-          <ac:chgData name="Zhao Jin" userId="cd05a825-544c-438a-9ba1-08e63db50b47" providerId="ADAL" clId="{37A0D694-38DA-4421-B5D3-DEDBFC2EC57C}" dt="2021-02-03T08:53:23.755" v="1290" actId="478"/>
-          <ac:cxnSpMkLst>
-            <pc:docMk/>
-            <pc:sldMk cId="2217225800" sldId="594"/>
-            <ac:cxnSpMk id="30" creationId="{FA77C354-F87B-40D8-BAA7-811F60DDD4B1}"/>
-          </ac:cxnSpMkLst>
-        </pc:cxnChg>
-      </pc:sldChg>
-      <pc:sldChg chg="addSp modSp add mod">
-        <pc:chgData name="Zhao Jin" userId="cd05a825-544c-438a-9ba1-08e63db50b47" providerId="ADAL" clId="{37A0D694-38DA-4421-B5D3-DEDBFC2EC57C}" dt="2021-02-08T02:03:35.963" v="4958" actId="1076"/>
-        <pc:sldMkLst>
-          <pc:docMk/>
-          <pc:sldMk cId="2419983458" sldId="595"/>
-        </pc:sldMkLst>
-        <pc:spChg chg="mod">
-          <ac:chgData name="Zhao Jin" userId="cd05a825-544c-438a-9ba1-08e63db50b47" providerId="ADAL" clId="{37A0D694-38DA-4421-B5D3-DEDBFC2EC57C}" dt="2021-02-03T09:39:25.953" v="3369" actId="13926"/>
-          <ac:spMkLst>
-            <pc:docMk/>
-            <pc:sldMk cId="2419983458" sldId="595"/>
-            <ac:spMk id="8" creationId="{3895F873-6CB7-4316-B798-EE54B3634728}"/>
-          </ac:spMkLst>
-        </pc:spChg>
-        <pc:spChg chg="add mod">
-          <ac:chgData name="Zhao Jin" userId="cd05a825-544c-438a-9ba1-08e63db50b47" providerId="ADAL" clId="{37A0D694-38DA-4421-B5D3-DEDBFC2EC57C}" dt="2021-02-08T02:03:35.963" v="4958" actId="1076"/>
-          <ac:spMkLst>
-            <pc:docMk/>
-            <pc:sldMk cId="2419983458" sldId="595"/>
-            <ac:spMk id="9" creationId="{02DD4937-725F-46B8-8AE4-992DF5A782AD}"/>
-          </ac:spMkLst>
-        </pc:spChg>
-        <pc:spChg chg="mod">
-          <ac:chgData name="Zhao Jin" userId="cd05a825-544c-438a-9ba1-08e63db50b47" providerId="ADAL" clId="{37A0D694-38DA-4421-B5D3-DEDBFC2EC57C}" dt="2021-02-03T09:00:05.278" v="1558" actId="20577"/>
-          <ac:spMkLst>
-            <pc:docMk/>
-            <pc:sldMk cId="2419983458" sldId="595"/>
-            <ac:spMk id="14338" creationId="{00000000-0000-0000-0000-000000000000}"/>
-          </ac:spMkLst>
-        </pc:spChg>
-      </pc:sldChg>
-      <pc:sldChg chg="addSp delSp modSp add del mod delAnim">
-        <pc:chgData name="Zhao Jin" userId="cd05a825-544c-438a-9ba1-08e63db50b47" providerId="ADAL" clId="{37A0D694-38DA-4421-B5D3-DEDBFC2EC57C}" dt="2021-02-03T09:05:13.520" v="1668" actId="47"/>
-        <pc:sldMkLst>
-          <pc:docMk/>
-          <pc:sldMk cId="765980287" sldId="596"/>
-        </pc:sldMkLst>
-        <pc:spChg chg="add mod">
-          <ac:chgData name="Zhao Jin" userId="cd05a825-544c-438a-9ba1-08e63db50b47" providerId="ADAL" clId="{37A0D694-38DA-4421-B5D3-DEDBFC2EC57C}" dt="2021-02-03T09:03:01.268" v="1666" actId="20577"/>
-          <ac:spMkLst>
-            <pc:docMk/>
-            <pc:sldMk cId="765980287" sldId="596"/>
-            <ac:spMk id="8" creationId="{FAD97811-8BEC-434B-B3F2-C8FE23FA8D81}"/>
-          </ac:spMkLst>
-        </pc:spChg>
-        <pc:spChg chg="del">
-          <ac:chgData name="Zhao Jin" userId="cd05a825-544c-438a-9ba1-08e63db50b47" providerId="ADAL" clId="{37A0D694-38DA-4421-B5D3-DEDBFC2EC57C}" dt="2021-02-03T09:02:13.725" v="1581" actId="478"/>
-          <ac:spMkLst>
-            <pc:docMk/>
-            <pc:sldMk cId="765980287" sldId="596"/>
-            <ac:spMk id="11" creationId="{675C9FBE-306E-46A7-BAB9-46BD27707AF2}"/>
-          </ac:spMkLst>
-        </pc:spChg>
-        <pc:spChg chg="mod">
-          <ac:chgData name="Zhao Jin" userId="cd05a825-544c-438a-9ba1-08e63db50b47" providerId="ADAL" clId="{37A0D694-38DA-4421-B5D3-DEDBFC2EC57C}" dt="2021-02-03T09:02:08.547" v="1578" actId="20577"/>
-          <ac:spMkLst>
-            <pc:docMk/>
-            <pc:sldMk cId="765980287" sldId="596"/>
-            <ac:spMk id="14338" creationId="{00000000-0000-0000-0000-000000000000}"/>
-          </ac:spMkLst>
-        </pc:spChg>
-        <pc:graphicFrameChg chg="del">
-          <ac:chgData name="Zhao Jin" userId="cd05a825-544c-438a-9ba1-08e63db50b47" providerId="ADAL" clId="{37A0D694-38DA-4421-B5D3-DEDBFC2EC57C}" dt="2021-02-03T09:02:12.549" v="1580" actId="478"/>
-          <ac:graphicFrameMkLst>
-            <pc:docMk/>
-            <pc:sldMk cId="765980287" sldId="596"/>
-            <ac:graphicFrameMk id="10" creationId="{74304014-08C4-4321-AD74-36FAC51612DB}"/>
-          </ac:graphicFrameMkLst>
-        </pc:graphicFrameChg>
-        <pc:picChg chg="del">
-          <ac:chgData name="Zhao Jin" userId="cd05a825-544c-438a-9ba1-08e63db50b47" providerId="ADAL" clId="{37A0D694-38DA-4421-B5D3-DEDBFC2EC57C}" dt="2021-02-03T09:02:10.162" v="1579" actId="478"/>
-          <ac:picMkLst>
-            <pc:docMk/>
-            <pc:sldMk cId="765980287" sldId="596"/>
-            <ac:picMk id="4" creationId="{EAFF9153-D379-4E7D-9B97-29843966A9B9}"/>
-          </ac:picMkLst>
-        </pc:picChg>
-      </pc:sldChg>
-      <pc:sldChg chg="addSp delSp modSp add mod delAnim modAnim">
-        <pc:chgData name="Zhao Jin" userId="cd05a825-544c-438a-9ba1-08e63db50b47" providerId="ADAL" clId="{37A0D694-38DA-4421-B5D3-DEDBFC2EC57C}" dt="2021-02-08T01:42:03.171" v="4089"/>
-        <pc:sldMkLst>
-          <pc:docMk/>
-          <pc:sldMk cId="3643682471" sldId="596"/>
-        </pc:sldMkLst>
-        <pc:spChg chg="add mod">
-          <ac:chgData name="Zhao Jin" userId="cd05a825-544c-438a-9ba1-08e63db50b47" providerId="ADAL" clId="{37A0D694-38DA-4421-B5D3-DEDBFC2EC57C}" dt="2021-02-03T09:20:12.333" v="3126" actId="207"/>
-          <ac:spMkLst>
-            <pc:docMk/>
-            <pc:sldMk cId="3643682471" sldId="596"/>
-            <ac:spMk id="7" creationId="{BFBA3626-DC9B-4A39-BA4F-6360F818DCE3}"/>
-          </ac:spMkLst>
-        </pc:spChg>
-        <pc:spChg chg="add mod">
-          <ac:chgData name="Zhao Jin" userId="cd05a825-544c-438a-9ba1-08e63db50b47" providerId="ADAL" clId="{37A0D694-38DA-4421-B5D3-DEDBFC2EC57C}" dt="2021-02-03T09:20:25.307" v="3127" actId="1076"/>
-          <ac:spMkLst>
-            <pc:docMk/>
-            <pc:sldMk cId="3643682471" sldId="596"/>
-            <ac:spMk id="8" creationId="{A65AE342-14B8-4A3C-8F93-D714DA24339E}"/>
-          </ac:spMkLst>
-        </pc:spChg>
-        <pc:spChg chg="mod">
-          <ac:chgData name="Zhao Jin" userId="cd05a825-544c-438a-9ba1-08e63db50b47" providerId="ADAL" clId="{37A0D694-38DA-4421-B5D3-DEDBFC2EC57C}" dt="2021-02-08T01:42:03.171" v="4089"/>
-          <ac:spMkLst>
-            <pc:docMk/>
-            <pc:sldMk cId="3643682471" sldId="596"/>
-            <ac:spMk id="9" creationId="{00000000-0000-0000-0000-000000000000}"/>
-          </ac:spMkLst>
-        </pc:spChg>
-        <pc:spChg chg="add mod">
-          <ac:chgData name="Zhao Jin" userId="cd05a825-544c-438a-9ba1-08e63db50b47" providerId="ADAL" clId="{37A0D694-38DA-4421-B5D3-DEDBFC2EC57C}" dt="2021-02-03T09:20:27.433" v="3128" actId="14100"/>
-          <ac:spMkLst>
-            <pc:docMk/>
-            <pc:sldMk cId="3643682471" sldId="596"/>
-            <ac:spMk id="10" creationId="{9981BD99-7AFF-496B-8179-D25CE6127E97}"/>
-          </ac:spMkLst>
-        </pc:spChg>
-        <pc:spChg chg="del mod">
-          <ac:chgData name="Zhao Jin" userId="cd05a825-544c-438a-9ba1-08e63db50b47" providerId="ADAL" clId="{37A0D694-38DA-4421-B5D3-DEDBFC2EC57C}" dt="2021-02-03T09:15:31.710" v="2958" actId="478"/>
-          <ac:spMkLst>
-            <pc:docMk/>
-            <pc:sldMk cId="3643682471" sldId="596"/>
-            <ac:spMk id="15" creationId="{00000000-0000-0000-0000-000000000000}"/>
-          </ac:spMkLst>
-        </pc:spChg>
-        <pc:spChg chg="del">
-          <ac:chgData name="Zhao Jin" userId="cd05a825-544c-438a-9ba1-08e63db50b47" providerId="ADAL" clId="{37A0D694-38DA-4421-B5D3-DEDBFC2EC57C}" dt="2021-02-08T01:41:53.746" v="4087" actId="478"/>
-          <ac:spMkLst>
-            <pc:docMk/>
-            <pc:sldMk cId="3643682471" sldId="596"/>
-            <ac:spMk id="25604" creationId="{00000000-0000-0000-0000-000000000000}"/>
-          </ac:spMkLst>
-        </pc:spChg>
-      </pc:sldChg>
-      <pc:sldChg chg="delSp modSp add mod modAnim">
-        <pc:chgData name="Zhao Jin" userId="cd05a825-544c-438a-9ba1-08e63db50b47" providerId="ADAL" clId="{37A0D694-38DA-4421-B5D3-DEDBFC2EC57C}" dt="2021-02-03T09:39:34.898" v="3370" actId="6549"/>
-        <pc:sldMkLst>
-          <pc:docMk/>
-          <pc:sldMk cId="3231946261" sldId="597"/>
-        </pc:sldMkLst>
-        <pc:spChg chg="mod">
-          <ac:chgData name="Zhao Jin" userId="cd05a825-544c-438a-9ba1-08e63db50b47" providerId="ADAL" clId="{37A0D694-38DA-4421-B5D3-DEDBFC2EC57C}" dt="2021-02-03T09:26:00.331" v="3344"/>
-          <ac:spMkLst>
-            <pc:docMk/>
-            <pc:sldMk cId="3231946261" sldId="597"/>
-            <ac:spMk id="9" creationId="{00000000-0000-0000-0000-000000000000}"/>
-          </ac:spMkLst>
-        </pc:spChg>
-        <pc:spChg chg="mod">
-          <ac:chgData name="Zhao Jin" userId="cd05a825-544c-438a-9ba1-08e63db50b47" providerId="ADAL" clId="{37A0D694-38DA-4421-B5D3-DEDBFC2EC57C}" dt="2021-02-03T09:39:34.898" v="3370" actId="6549"/>
-          <ac:spMkLst>
-            <pc:docMk/>
-            <pc:sldMk cId="3231946261" sldId="597"/>
-            <ac:spMk id="15" creationId="{00000000-0000-0000-0000-000000000000}"/>
-          </ac:spMkLst>
-        </pc:spChg>
-        <pc:spChg chg="del">
-          <ac:chgData name="Zhao Jin" userId="cd05a825-544c-438a-9ba1-08e63db50b47" providerId="ADAL" clId="{37A0D694-38DA-4421-B5D3-DEDBFC2EC57C}" dt="2021-02-03T09:26:13.830" v="3351" actId="478"/>
-          <ac:spMkLst>
-            <pc:docMk/>
-            <pc:sldMk cId="3231946261" sldId="597"/>
-            <ac:spMk id="25604" creationId="{00000000-0000-0000-0000-000000000000}"/>
-          </ac:spMkLst>
-        </pc:spChg>
-      </pc:sldChg>
-      <pc:sldChg chg="delSp modSp add mod ord">
-        <pc:chgData name="Zhao Jin" userId="cd05a825-544c-438a-9ba1-08e63db50b47" providerId="ADAL" clId="{37A0D694-38DA-4421-B5D3-DEDBFC2EC57C}" dt="2021-02-08T01:42:01.261" v="4088"/>
-        <pc:sldMkLst>
-          <pc:docMk/>
-          <pc:sldMk cId="4002657513" sldId="598"/>
-        </pc:sldMkLst>
-        <pc:spChg chg="mod">
-          <ac:chgData name="Zhao Jin" userId="cd05a825-544c-438a-9ba1-08e63db50b47" providerId="ADAL" clId="{37A0D694-38DA-4421-B5D3-DEDBFC2EC57C}" dt="2021-02-03T09:18:10.033" v="3004" actId="20577"/>
-          <ac:spMkLst>
-            <pc:docMk/>
-            <pc:sldMk cId="4002657513" sldId="598"/>
-            <ac:spMk id="7" creationId="{BFBA3626-DC9B-4A39-BA4F-6360F818DCE3}"/>
-          </ac:spMkLst>
-        </pc:spChg>
-        <pc:spChg chg="mod">
-          <ac:chgData name="Zhao Jin" userId="cd05a825-544c-438a-9ba1-08e63db50b47" providerId="ADAL" clId="{37A0D694-38DA-4421-B5D3-DEDBFC2EC57C}" dt="2021-02-08T01:42:01.261" v="4088"/>
-          <ac:spMkLst>
-            <pc:docMk/>
-            <pc:sldMk cId="4002657513" sldId="598"/>
-            <ac:spMk id="9" creationId="{00000000-0000-0000-0000-000000000000}"/>
-          </ac:spMkLst>
-        </pc:spChg>
-        <pc:spChg chg="del">
-          <ac:chgData name="Zhao Jin" userId="cd05a825-544c-438a-9ba1-08e63db50b47" providerId="ADAL" clId="{37A0D694-38DA-4421-B5D3-DEDBFC2EC57C}" dt="2021-02-04T05:03:37.840" v="3371" actId="478"/>
-          <ac:spMkLst>
-            <pc:docMk/>
-            <pc:sldMk cId="4002657513" sldId="598"/>
-            <ac:spMk id="25604" creationId="{00000000-0000-0000-0000-000000000000}"/>
-          </ac:spMkLst>
-        </pc:spChg>
-      </pc:sldChg>
-      <pc:sldChg chg="addSp delSp modSp add mod ord modClrScheme addAnim delAnim modAnim chgLayout">
-        <pc:chgData name="Zhao Jin" userId="cd05a825-544c-438a-9ba1-08e63db50b47" providerId="ADAL" clId="{37A0D694-38DA-4421-B5D3-DEDBFC2EC57C}" dt="2021-02-04T05:05:47.079" v="3393" actId="478"/>
-        <pc:sldMkLst>
-          <pc:docMk/>
-          <pc:sldMk cId="2930953569" sldId="599"/>
-        </pc:sldMkLst>
-        <pc:spChg chg="add del mod">
-          <ac:chgData name="Zhao Jin" userId="cd05a825-544c-438a-9ba1-08e63db50b47" providerId="ADAL" clId="{37A0D694-38DA-4421-B5D3-DEDBFC2EC57C}" dt="2021-02-04T05:03:51.544" v="3374" actId="478"/>
-          <ac:spMkLst>
-            <pc:docMk/>
-            <pc:sldMk cId="2930953569" sldId="599"/>
-            <ac:spMk id="3" creationId="{3E9D9044-BC32-432C-B8FE-F025054738CB}"/>
-          </ac:spMkLst>
-        </pc:spChg>
-        <pc:spChg chg="mod">
-          <ac:chgData name="Zhao Jin" userId="cd05a825-544c-438a-9ba1-08e63db50b47" providerId="ADAL" clId="{37A0D694-38DA-4421-B5D3-DEDBFC2EC57C}" dt="2021-02-04T05:04:31.896" v="3387" actId="26606"/>
-          <ac:spMkLst>
-            <pc:docMk/>
-            <pc:sldMk cId="2930953569" sldId="599"/>
-            <ac:spMk id="7" creationId="{00000000-0000-0000-0000-000000000000}"/>
-          </ac:spMkLst>
-        </pc:spChg>
-        <pc:spChg chg="del">
-          <ac:chgData name="Zhao Jin" userId="cd05a825-544c-438a-9ba1-08e63db50b47" providerId="ADAL" clId="{37A0D694-38DA-4421-B5D3-DEDBFC2EC57C}" dt="2021-02-04T05:03:53.285" v="3376" actId="478"/>
-          <ac:spMkLst>
-            <pc:docMk/>
-            <pc:sldMk cId="2930953569" sldId="599"/>
-            <ac:spMk id="8" creationId="{3895F873-6CB7-4316-B798-EE54B3634728}"/>
-          </ac:spMkLst>
-        </pc:spChg>
-        <pc:spChg chg="del">
-          <ac:chgData name="Zhao Jin" userId="cd05a825-544c-438a-9ba1-08e63db50b47" providerId="ADAL" clId="{37A0D694-38DA-4421-B5D3-DEDBFC2EC57C}" dt="2021-02-04T05:03:55.125" v="3377" actId="478"/>
-          <ac:spMkLst>
-            <pc:docMk/>
-            <pc:sldMk cId="2930953569" sldId="599"/>
-            <ac:spMk id="11" creationId="{552429B4-BD20-4EAF-8B36-51498E5AACDA}"/>
-          </ac:spMkLst>
-        </pc:spChg>
-        <pc:spChg chg="mod modVis">
-          <ac:chgData name="Zhao Jin" userId="cd05a825-544c-438a-9ba1-08e63db50b47" providerId="ADAL" clId="{37A0D694-38DA-4421-B5D3-DEDBFC2EC57C}" dt="2021-02-04T05:04:31.896" v="3387" actId="26606"/>
-          <ac:spMkLst>
-            <pc:docMk/>
-            <pc:sldMk cId="2930953569" sldId="599"/>
-            <ac:spMk id="12" creationId="{00000000-0000-0000-0000-000000000000}"/>
-          </ac:spMkLst>
-        </pc:spChg>
-        <pc:spChg chg="add del mod">
-          <ac:chgData name="Zhao Jin" userId="cd05a825-544c-438a-9ba1-08e63db50b47" providerId="ADAL" clId="{37A0D694-38DA-4421-B5D3-DEDBFC2EC57C}" dt="2021-02-04T05:04:31.896" v="3387" actId="26606"/>
-          <ac:spMkLst>
-            <pc:docMk/>
-            <pc:sldMk cId="2930953569" sldId="599"/>
-            <ac:spMk id="71" creationId="{DE77B3E8-31F2-4F1F-ABE8-C6A0683B51CF}"/>
-          </ac:spMkLst>
-        </pc:spChg>
-        <pc:spChg chg="add del mod">
-          <ac:chgData name="Zhao Jin" userId="cd05a825-544c-438a-9ba1-08e63db50b47" providerId="ADAL" clId="{37A0D694-38DA-4421-B5D3-DEDBFC2EC57C}" dt="2021-02-04T05:04:31.896" v="3387" actId="26606"/>
-          <ac:spMkLst>
-            <pc:docMk/>
-            <pc:sldMk cId="2930953569" sldId="599"/>
-            <ac:spMk id="73" creationId="{21A3772B-FFD2-477C-980C-808FDE05940B}"/>
-          </ac:spMkLst>
-        </pc:spChg>
-        <pc:spChg chg="add del mod">
-          <ac:chgData name="Zhao Jin" userId="cd05a825-544c-438a-9ba1-08e63db50b47" providerId="ADAL" clId="{37A0D694-38DA-4421-B5D3-DEDBFC2EC57C}" dt="2021-02-04T05:04:31.896" v="3387" actId="26606"/>
-          <ac:spMkLst>
-            <pc:docMk/>
-            <pc:sldMk cId="2930953569" sldId="599"/>
-            <ac:spMk id="14338" creationId="{00000000-0000-0000-0000-000000000000}"/>
-          </ac:spMkLst>
-        </pc:spChg>
-        <pc:picChg chg="del">
-          <ac:chgData name="Zhao Jin" userId="cd05a825-544c-438a-9ba1-08e63db50b47" providerId="ADAL" clId="{37A0D694-38DA-4421-B5D3-DEDBFC2EC57C}" dt="2021-02-04T05:03:52.637" v="3375" actId="478"/>
-          <ac:picMkLst>
-            <pc:docMk/>
-            <pc:sldMk cId="2930953569" sldId="599"/>
-            <ac:picMk id="4" creationId="{EAFF9153-D379-4E7D-9B97-29843966A9B9}"/>
-          </ac:picMkLst>
-        </pc:picChg>
-        <pc:picChg chg="add mod ord">
-          <ac:chgData name="Zhao Jin" userId="cd05a825-544c-438a-9ba1-08e63db50b47" providerId="ADAL" clId="{37A0D694-38DA-4421-B5D3-DEDBFC2EC57C}" dt="2021-02-04T05:04:38.184" v="3388" actId="1076"/>
-          <ac:picMkLst>
-            <pc:docMk/>
-            <pc:sldMk cId="2930953569" sldId="599"/>
-            <ac:picMk id="6" creationId="{39011840-BE31-4880-9492-02AACF59B6E8}"/>
-          </ac:picMkLst>
-        </pc:picChg>
-        <pc:picChg chg="add del mod">
-          <ac:chgData name="Zhao Jin" userId="cd05a825-544c-438a-9ba1-08e63db50b47" providerId="ADAL" clId="{37A0D694-38DA-4421-B5D3-DEDBFC2EC57C}" dt="2021-02-04T05:05:47.079" v="3393" actId="478"/>
-          <ac:picMkLst>
-            <pc:docMk/>
-            <pc:sldMk cId="2930953569" sldId="599"/>
-            <ac:picMk id="14" creationId="{CCC34DEE-F320-477E-950C-634B3D89DB93}"/>
-          </ac:picMkLst>
-        </pc:picChg>
-      </pc:sldChg>
-      <pc:sldChg chg="addSp delSp modSp add mod ord delAnim modAnim">
-        <pc:chgData name="Zhao Jin" userId="cd05a825-544c-438a-9ba1-08e63db50b47" providerId="ADAL" clId="{37A0D694-38DA-4421-B5D3-DEDBFC2EC57C}" dt="2021-02-08T02:02:28.200" v="4908" actId="20577"/>
-        <pc:sldMkLst>
-          <pc:docMk/>
-          <pc:sldMk cId="880934081" sldId="600"/>
-        </pc:sldMkLst>
-        <pc:spChg chg="mod">
-          <ac:chgData name="Zhao Jin" userId="cd05a825-544c-438a-9ba1-08e63db50b47" providerId="ADAL" clId="{37A0D694-38DA-4421-B5D3-DEDBFC2EC57C}" dt="2021-02-08T01:34:33.890" v="3755" actId="1035"/>
-          <ac:spMkLst>
-            <pc:docMk/>
-            <pc:sldMk cId="880934081" sldId="600"/>
-            <ac:spMk id="9" creationId="{0F0F7443-4DFE-415D-AD17-224F6273D040}"/>
-          </ac:spMkLst>
-        </pc:spChg>
-        <pc:spChg chg="mod">
-          <ac:chgData name="Zhao Jin" userId="cd05a825-544c-438a-9ba1-08e63db50b47" providerId="ADAL" clId="{37A0D694-38DA-4421-B5D3-DEDBFC2EC57C}" dt="2021-02-08T01:34:08.258" v="3735" actId="1036"/>
-          <ac:spMkLst>
-            <pc:docMk/>
-            <pc:sldMk cId="880934081" sldId="600"/>
-            <ac:spMk id="11" creationId="{773175F5-4C96-49AA-A94B-810AFD3DA55C}"/>
-          </ac:spMkLst>
-        </pc:spChg>
-        <pc:spChg chg="mod">
-          <ac:chgData name="Zhao Jin" userId="cd05a825-544c-438a-9ba1-08e63db50b47" providerId="ADAL" clId="{37A0D694-38DA-4421-B5D3-DEDBFC2EC57C}" dt="2021-02-08T01:35:29.791" v="3798" actId="20577"/>
-          <ac:spMkLst>
-            <pc:docMk/>
-            <pc:sldMk cId="880934081" sldId="600"/>
-            <ac:spMk id="13" creationId="{C38C91FA-2FD7-40E4-8FEF-DC652DE39BDD}"/>
-          </ac:spMkLst>
-        </pc:spChg>
-        <pc:spChg chg="mod">
-          <ac:chgData name="Zhao Jin" userId="cd05a825-544c-438a-9ba1-08e63db50b47" providerId="ADAL" clId="{37A0D694-38DA-4421-B5D3-DEDBFC2EC57C}" dt="2021-02-08T01:33:08.486" v="3704"/>
-          <ac:spMkLst>
-            <pc:docMk/>
-            <pc:sldMk cId="880934081" sldId="600"/>
-            <ac:spMk id="14" creationId="{D3FFFB67-7299-4469-9FBF-DBE5B89609F5}"/>
-          </ac:spMkLst>
-        </pc:spChg>
-        <pc:spChg chg="mod">
-          <ac:chgData name="Zhao Jin" userId="cd05a825-544c-438a-9ba1-08e63db50b47" providerId="ADAL" clId="{37A0D694-38DA-4421-B5D3-DEDBFC2EC57C}" dt="2021-02-08T01:33:08.486" v="3704"/>
-          <ac:spMkLst>
-            <pc:docMk/>
-            <pc:sldMk cId="880934081" sldId="600"/>
-            <ac:spMk id="15" creationId="{5E9C53D0-6BF9-4AC9-8E89-AA6B7DB8B050}"/>
-          </ac:spMkLst>
-        </pc:spChg>
-        <pc:spChg chg="add del mod">
-          <ac:chgData name="Zhao Jin" userId="cd05a825-544c-438a-9ba1-08e63db50b47" providerId="ADAL" clId="{37A0D694-38DA-4421-B5D3-DEDBFC2EC57C}" dt="2021-02-08T01:33:38.691" v="3707" actId="478"/>
-          <ac:spMkLst>
-            <pc:docMk/>
-            <pc:sldMk cId="880934081" sldId="600"/>
-            <ac:spMk id="19" creationId="{44122FE2-3D5D-4044-9C44-0C76782521C4}"/>
-          </ac:spMkLst>
-        </pc:spChg>
-        <pc:spChg chg="add del mod">
-          <ac:chgData name="Zhao Jin" userId="cd05a825-544c-438a-9ba1-08e63db50b47" providerId="ADAL" clId="{37A0D694-38DA-4421-B5D3-DEDBFC2EC57C}" dt="2021-02-08T01:33:40.143" v="3708" actId="478"/>
-          <ac:spMkLst>
-            <pc:docMk/>
-            <pc:sldMk cId="880934081" sldId="600"/>
-            <ac:spMk id="20" creationId="{7F92D9CB-8CE1-44AC-8870-079E82385FB1}"/>
-          </ac:spMkLst>
-        </pc:spChg>
-        <pc:spChg chg="add mod">
-          <ac:chgData name="Zhao Jin" userId="cd05a825-544c-438a-9ba1-08e63db50b47" providerId="ADAL" clId="{37A0D694-38DA-4421-B5D3-DEDBFC2EC57C}" dt="2021-02-08T01:34:59.699" v="3769" actId="6549"/>
-          <ac:spMkLst>
-            <pc:docMk/>
-            <pc:sldMk cId="880934081" sldId="600"/>
-            <ac:spMk id="25" creationId="{1EDBB76C-AEFD-4199-9BA3-F48B3D729ADF}"/>
-          </ac:spMkLst>
-        </pc:spChg>
-        <pc:spChg chg="add mod">
-          <ac:chgData name="Zhao Jin" userId="cd05a825-544c-438a-9ba1-08e63db50b47" providerId="ADAL" clId="{37A0D694-38DA-4421-B5D3-DEDBFC2EC57C}" dt="2021-02-08T01:38:12.109" v="3904" actId="20577"/>
-          <ac:spMkLst>
-            <pc:docMk/>
-            <pc:sldMk cId="880934081" sldId="600"/>
-            <ac:spMk id="26" creationId="{49077400-1D22-4B84-AD24-0D61D7942A66}"/>
-          </ac:spMkLst>
-        </pc:spChg>
-        <pc:spChg chg="del">
-          <ac:chgData name="Zhao Jin" userId="cd05a825-544c-438a-9ba1-08e63db50b47" providerId="ADAL" clId="{37A0D694-38DA-4421-B5D3-DEDBFC2EC57C}" dt="2021-02-08T01:33:06.769" v="3702" actId="478"/>
-          <ac:spMkLst>
-            <pc:docMk/>
-            <pc:sldMk cId="880934081" sldId="600"/>
-            <ac:spMk id="49" creationId="{00000000-0000-0000-0000-000000000000}"/>
-          </ac:spMkLst>
-        </pc:spChg>
-        <pc:spChg chg="mod">
-          <ac:chgData name="Zhao Jin" userId="cd05a825-544c-438a-9ba1-08e63db50b47" providerId="ADAL" clId="{37A0D694-38DA-4421-B5D3-DEDBFC2EC57C}" dt="2021-02-08T02:02:28.200" v="4908" actId="20577"/>
-          <ac:spMkLst>
-            <pc:docMk/>
-            <pc:sldMk cId="880934081" sldId="600"/>
-            <ac:spMk id="14338" creationId="{00000000-0000-0000-0000-000000000000}"/>
-          </ac:spMkLst>
-        </pc:spChg>
-        <pc:grpChg chg="add mod">
-          <ac:chgData name="Zhao Jin" userId="cd05a825-544c-438a-9ba1-08e63db50b47" providerId="ADAL" clId="{37A0D694-38DA-4421-B5D3-DEDBFC2EC57C}" dt="2021-02-08T01:35:18.638" v="3797" actId="14100"/>
-          <ac:grpSpMkLst>
-            <pc:docMk/>
-            <pc:sldMk cId="880934081" sldId="600"/>
-            <ac:grpSpMk id="8" creationId="{57A95DDB-3BBC-4F7D-BE33-CBF7B31BECFF}"/>
-          </ac:grpSpMkLst>
-        </pc:grpChg>
-        <pc:picChg chg="del">
-          <ac:chgData name="Zhao Jin" userId="cd05a825-544c-438a-9ba1-08e63db50b47" providerId="ADAL" clId="{37A0D694-38DA-4421-B5D3-DEDBFC2EC57C}" dt="2021-02-08T01:33:07.505" v="3703" actId="478"/>
-          <ac:picMkLst>
-            <pc:docMk/>
-            <pc:sldMk cId="880934081" sldId="600"/>
-            <ac:picMk id="2050" creationId="{05AE613C-318D-4BEE-A9E2-BA80E156FFE6}"/>
-          </ac:picMkLst>
-        </pc:picChg>
-        <pc:cxnChg chg="mod">
-          <ac:chgData name="Zhao Jin" userId="cd05a825-544c-438a-9ba1-08e63db50b47" providerId="ADAL" clId="{37A0D694-38DA-4421-B5D3-DEDBFC2EC57C}" dt="2021-02-08T01:34:33.890" v="3755" actId="1035"/>
-          <ac:cxnSpMkLst>
-            <pc:docMk/>
-            <pc:sldMk cId="880934081" sldId="600"/>
-            <ac:cxnSpMk id="10" creationId="{A67C22B8-A71F-429C-BF0F-E611871C2339}"/>
-          </ac:cxnSpMkLst>
-        </pc:cxnChg>
-        <pc:cxnChg chg="mod">
-          <ac:chgData name="Zhao Jin" userId="cd05a825-544c-438a-9ba1-08e63db50b47" providerId="ADAL" clId="{37A0D694-38DA-4421-B5D3-DEDBFC2EC57C}" dt="2021-02-08T01:34:33.890" v="3755" actId="1035"/>
-          <ac:cxnSpMkLst>
-            <pc:docMk/>
-            <pc:sldMk cId="880934081" sldId="600"/>
-            <ac:cxnSpMk id="16" creationId="{244202A2-F6E5-4EB1-8FE5-5C63F127FBD4}"/>
-          </ac:cxnSpMkLst>
-        </pc:cxnChg>
-        <pc:cxnChg chg="mod">
-          <ac:chgData name="Zhao Jin" userId="cd05a825-544c-438a-9ba1-08e63db50b47" providerId="ADAL" clId="{37A0D694-38DA-4421-B5D3-DEDBFC2EC57C}" dt="2021-02-08T01:34:33.890" v="3755" actId="1035"/>
-          <ac:cxnSpMkLst>
-            <pc:docMk/>
-            <pc:sldMk cId="880934081" sldId="600"/>
-            <ac:cxnSpMk id="17" creationId="{BDAF2274-9C3B-4346-A725-B8ADDE65C577}"/>
-          </ac:cxnSpMkLst>
-        </pc:cxnChg>
-        <pc:cxnChg chg="mod">
-          <ac:chgData name="Zhao Jin" userId="cd05a825-544c-438a-9ba1-08e63db50b47" providerId="ADAL" clId="{37A0D694-38DA-4421-B5D3-DEDBFC2EC57C}" dt="2021-02-08T01:34:33.890" v="3755" actId="1035"/>
-          <ac:cxnSpMkLst>
-            <pc:docMk/>
-            <pc:sldMk cId="880934081" sldId="600"/>
-            <ac:cxnSpMk id="18" creationId="{6912DF40-1EFB-4781-BC3C-831198FCD003}"/>
-          </ac:cxnSpMkLst>
-        </pc:cxnChg>
-      </pc:sldChg>
-      <pc:sldMasterChg chg="modSp modSldLayout">
-        <pc:chgData name="Zhao Jin" userId="cd05a825-544c-438a-9ba1-08e63db50b47" providerId="ADAL" clId="{37A0D694-38DA-4421-B5D3-DEDBFC2EC57C}" dt="2021-02-03T06:56:12.527" v="36"/>
-        <pc:sldMasterMkLst>
-          <pc:docMk/>
-          <pc:sldMasterMk cId="0" sldId="2147485087"/>
-        </pc:sldMasterMkLst>
-        <pc:spChg chg="mod">
-          <ac:chgData name="Zhao Jin" userId="cd05a825-544c-438a-9ba1-08e63db50b47" providerId="ADAL" clId="{37A0D694-38DA-4421-B5D3-DEDBFC2EC57C}" dt="2021-02-03T06:56:12.527" v="36"/>
-          <ac:spMkLst>
-            <pc:docMk/>
-            <pc:sldMasterMk cId="0" sldId="2147485087"/>
-            <ac:spMk id="6" creationId="{00000000-0000-0000-0000-000000000000}"/>
-          </ac:spMkLst>
-        </pc:spChg>
-        <pc:sldLayoutChg chg="modSp">
-          <pc:chgData name="Zhao Jin" userId="cd05a825-544c-438a-9ba1-08e63db50b47" providerId="ADAL" clId="{37A0D694-38DA-4421-B5D3-DEDBFC2EC57C}" dt="2021-02-03T06:56:12.527" v="36"/>
-          <pc:sldLayoutMkLst>
-            <pc:docMk/>
-            <pc:sldMasterMk cId="0" sldId="2147485087"/>
-            <pc:sldLayoutMk cId="0" sldId="2147485088"/>
-          </pc:sldLayoutMkLst>
-          <pc:spChg chg="mod">
-            <ac:chgData name="Zhao Jin" userId="cd05a825-544c-438a-9ba1-08e63db50b47" providerId="ADAL" clId="{37A0D694-38DA-4421-B5D3-DEDBFC2EC57C}" dt="2021-02-03T06:56:12.527" v="36"/>
-            <ac:spMkLst>
-              <pc:docMk/>
-              <pc:sldMasterMk cId="0" sldId="2147485087"/>
-              <pc:sldLayoutMk cId="0" sldId="2147485088"/>
-              <ac:spMk id="6" creationId="{00000000-0000-0000-0000-000000000000}"/>
-            </ac:spMkLst>
-          </pc:spChg>
-        </pc:sldLayoutChg>
-        <pc:sldLayoutChg chg="modSp">
-          <pc:chgData name="Zhao Jin" userId="cd05a825-544c-438a-9ba1-08e63db50b47" providerId="ADAL" clId="{37A0D694-38DA-4421-B5D3-DEDBFC2EC57C}" dt="2021-02-03T06:56:12.527" v="36"/>
-          <pc:sldLayoutMkLst>
-            <pc:docMk/>
-            <pc:sldMasterMk cId="0" sldId="2147485087"/>
-            <pc:sldLayoutMk cId="0" sldId="2147485089"/>
-          </pc:sldLayoutMkLst>
-          <pc:spChg chg="mod">
-            <ac:chgData name="Zhao Jin" userId="cd05a825-544c-438a-9ba1-08e63db50b47" providerId="ADAL" clId="{37A0D694-38DA-4421-B5D3-DEDBFC2EC57C}" dt="2021-02-03T06:56:12.527" v="36"/>
-            <ac:spMkLst>
-              <pc:docMk/>
-              <pc:sldMasterMk cId="0" sldId="2147485087"/>
-              <pc:sldLayoutMk cId="0" sldId="2147485089"/>
-              <ac:spMk id="6" creationId="{00000000-0000-0000-0000-000000000000}"/>
-            </ac:spMkLst>
-          </pc:spChg>
-        </pc:sldLayoutChg>
-        <pc:sldLayoutChg chg="modSp">
-          <pc:chgData name="Zhao Jin" userId="cd05a825-544c-438a-9ba1-08e63db50b47" providerId="ADAL" clId="{37A0D694-38DA-4421-B5D3-DEDBFC2EC57C}" dt="2021-02-03T06:56:12.527" v="36"/>
-          <pc:sldLayoutMkLst>
-            <pc:docMk/>
-            <pc:sldMasterMk cId="0" sldId="2147485087"/>
-            <pc:sldLayoutMk cId="0" sldId="2147485090"/>
-          </pc:sldLayoutMkLst>
-          <pc:spChg chg="mod">
-            <ac:chgData name="Zhao Jin" userId="cd05a825-544c-438a-9ba1-08e63db50b47" providerId="ADAL" clId="{37A0D694-38DA-4421-B5D3-DEDBFC2EC57C}" dt="2021-02-03T06:56:12.527" v="36"/>
-            <ac:spMkLst>
-              <pc:docMk/>
-              <pc:sldMasterMk cId="0" sldId="2147485087"/>
-              <pc:sldLayoutMk cId="0" sldId="2147485090"/>
-              <ac:spMk id="6" creationId="{00000000-0000-0000-0000-000000000000}"/>
-            </ac:spMkLst>
-          </pc:spChg>
-        </pc:sldLayoutChg>
-        <pc:sldLayoutChg chg="modSp">
-          <pc:chgData name="Zhao Jin" userId="cd05a825-544c-438a-9ba1-08e63db50b47" providerId="ADAL" clId="{37A0D694-38DA-4421-B5D3-DEDBFC2EC57C}" dt="2021-02-03T06:56:12.527" v="36"/>
-          <pc:sldLayoutMkLst>
-            <pc:docMk/>
-            <pc:sldMasterMk cId="0" sldId="2147485087"/>
-            <pc:sldLayoutMk cId="0" sldId="2147485091"/>
-          </pc:sldLayoutMkLst>
-          <pc:spChg chg="mod">
-            <ac:chgData name="Zhao Jin" userId="cd05a825-544c-438a-9ba1-08e63db50b47" providerId="ADAL" clId="{37A0D694-38DA-4421-B5D3-DEDBFC2EC57C}" dt="2021-02-03T06:56:12.527" v="36"/>
-            <ac:spMkLst>
-              <pc:docMk/>
-              <pc:sldMasterMk cId="0" sldId="2147485087"/>
-              <pc:sldLayoutMk cId="0" sldId="2147485091"/>
-              <ac:spMk id="7" creationId="{00000000-0000-0000-0000-000000000000}"/>
-            </ac:spMkLst>
-          </pc:spChg>
-        </pc:sldLayoutChg>
-        <pc:sldLayoutChg chg="modSp">
-          <pc:chgData name="Zhao Jin" userId="cd05a825-544c-438a-9ba1-08e63db50b47" providerId="ADAL" clId="{37A0D694-38DA-4421-B5D3-DEDBFC2EC57C}" dt="2021-02-03T06:56:12.527" v="36"/>
-          <pc:sldLayoutMkLst>
-            <pc:docMk/>
-            <pc:sldMasterMk cId="0" sldId="2147485087"/>
-            <pc:sldLayoutMk cId="0" sldId="2147485092"/>
-          </pc:sldLayoutMkLst>
-          <pc:spChg chg="mod">
-            <ac:chgData name="Zhao Jin" userId="cd05a825-544c-438a-9ba1-08e63db50b47" providerId="ADAL" clId="{37A0D694-38DA-4421-B5D3-DEDBFC2EC57C}" dt="2021-02-03T06:56:12.527" v="36"/>
-            <ac:spMkLst>
-              <pc:docMk/>
-              <pc:sldMasterMk cId="0" sldId="2147485087"/>
-              <pc:sldLayoutMk cId="0" sldId="2147485092"/>
-              <ac:spMk id="9" creationId="{00000000-0000-0000-0000-000000000000}"/>
-            </ac:spMkLst>
-          </pc:spChg>
-        </pc:sldLayoutChg>
-        <pc:sldLayoutChg chg="modSp">
-          <pc:chgData name="Zhao Jin" userId="cd05a825-544c-438a-9ba1-08e63db50b47" providerId="ADAL" clId="{37A0D694-38DA-4421-B5D3-DEDBFC2EC57C}" dt="2021-02-03T06:56:12.527" v="36"/>
-          <pc:sldLayoutMkLst>
-            <pc:docMk/>
-            <pc:sldMasterMk cId="0" sldId="2147485087"/>
-            <pc:sldLayoutMk cId="0" sldId="2147485093"/>
-          </pc:sldLayoutMkLst>
-          <pc:spChg chg="mod">
-            <ac:chgData name="Zhao Jin" userId="cd05a825-544c-438a-9ba1-08e63db50b47" providerId="ADAL" clId="{37A0D694-38DA-4421-B5D3-DEDBFC2EC57C}" dt="2021-02-03T06:56:12.527" v="36"/>
-            <ac:spMkLst>
-              <pc:docMk/>
-              <pc:sldMasterMk cId="0" sldId="2147485087"/>
-              <pc:sldLayoutMk cId="0" sldId="2147485093"/>
-              <ac:spMk id="5" creationId="{00000000-0000-0000-0000-000000000000}"/>
-            </ac:spMkLst>
-          </pc:spChg>
-        </pc:sldLayoutChg>
-        <pc:sldLayoutChg chg="modSp">
-          <pc:chgData name="Zhao Jin" userId="cd05a825-544c-438a-9ba1-08e63db50b47" providerId="ADAL" clId="{37A0D694-38DA-4421-B5D3-DEDBFC2EC57C}" dt="2021-02-03T06:56:12.527" v="36"/>
-          <pc:sldLayoutMkLst>
-            <pc:docMk/>
-            <pc:sldMasterMk cId="0" sldId="2147485087"/>
-            <pc:sldLayoutMk cId="0" sldId="2147485094"/>
-          </pc:sldLayoutMkLst>
-          <pc:spChg chg="mod">
-            <ac:chgData name="Zhao Jin" userId="cd05a825-544c-438a-9ba1-08e63db50b47" providerId="ADAL" clId="{37A0D694-38DA-4421-B5D3-DEDBFC2EC57C}" dt="2021-02-03T06:56:12.527" v="36"/>
-            <ac:spMkLst>
-              <pc:docMk/>
-              <pc:sldMasterMk cId="0" sldId="2147485087"/>
-              <pc:sldLayoutMk cId="0" sldId="2147485094"/>
-              <ac:spMk id="4" creationId="{00000000-0000-0000-0000-000000000000}"/>
-            </ac:spMkLst>
-          </pc:spChg>
-        </pc:sldLayoutChg>
-        <pc:sldLayoutChg chg="modSp">
-          <pc:chgData name="Zhao Jin" userId="cd05a825-544c-438a-9ba1-08e63db50b47" providerId="ADAL" clId="{37A0D694-38DA-4421-B5D3-DEDBFC2EC57C}" dt="2021-02-03T06:56:12.527" v="36"/>
-          <pc:sldLayoutMkLst>
-            <pc:docMk/>
-            <pc:sldMasterMk cId="0" sldId="2147485087"/>
-            <pc:sldLayoutMk cId="0" sldId="2147485095"/>
-          </pc:sldLayoutMkLst>
-          <pc:spChg chg="mod">
-            <ac:chgData name="Zhao Jin" userId="cd05a825-544c-438a-9ba1-08e63db50b47" providerId="ADAL" clId="{37A0D694-38DA-4421-B5D3-DEDBFC2EC57C}" dt="2021-02-03T06:56:12.527" v="36"/>
-            <ac:spMkLst>
-              <pc:docMk/>
-              <pc:sldMasterMk cId="0" sldId="2147485087"/>
-              <pc:sldLayoutMk cId="0" sldId="2147485095"/>
-              <ac:spMk id="7" creationId="{00000000-0000-0000-0000-000000000000}"/>
-            </ac:spMkLst>
-          </pc:spChg>
-        </pc:sldLayoutChg>
-        <pc:sldLayoutChg chg="modSp">
-          <pc:chgData name="Zhao Jin" userId="cd05a825-544c-438a-9ba1-08e63db50b47" providerId="ADAL" clId="{37A0D694-38DA-4421-B5D3-DEDBFC2EC57C}" dt="2021-02-03T06:56:12.527" v="36"/>
-          <pc:sldLayoutMkLst>
-            <pc:docMk/>
-            <pc:sldMasterMk cId="0" sldId="2147485087"/>
-            <pc:sldLayoutMk cId="0" sldId="2147485096"/>
-          </pc:sldLayoutMkLst>
-          <pc:spChg chg="mod">
-            <ac:chgData name="Zhao Jin" userId="cd05a825-544c-438a-9ba1-08e63db50b47" providerId="ADAL" clId="{37A0D694-38DA-4421-B5D3-DEDBFC2EC57C}" dt="2021-02-03T06:56:12.527" v="36"/>
-            <ac:spMkLst>
-              <pc:docMk/>
-              <pc:sldMasterMk cId="0" sldId="2147485087"/>
-              <pc:sldLayoutMk cId="0" sldId="2147485096"/>
-              <ac:spMk id="7" creationId="{00000000-0000-0000-0000-000000000000}"/>
-            </ac:spMkLst>
-          </pc:spChg>
-        </pc:sldLayoutChg>
-        <pc:sldLayoutChg chg="modSp">
-          <pc:chgData name="Zhao Jin" userId="cd05a825-544c-438a-9ba1-08e63db50b47" providerId="ADAL" clId="{37A0D694-38DA-4421-B5D3-DEDBFC2EC57C}" dt="2021-02-03T06:56:12.527" v="36"/>
-          <pc:sldLayoutMkLst>
-            <pc:docMk/>
-            <pc:sldMasterMk cId="0" sldId="2147485087"/>
-            <pc:sldLayoutMk cId="0" sldId="2147485097"/>
-          </pc:sldLayoutMkLst>
-          <pc:spChg chg="mod">
-            <ac:chgData name="Zhao Jin" userId="cd05a825-544c-438a-9ba1-08e63db50b47" providerId="ADAL" clId="{37A0D694-38DA-4421-B5D3-DEDBFC2EC57C}" dt="2021-02-03T06:56:12.527" v="36"/>
-            <ac:spMkLst>
-              <pc:docMk/>
-              <pc:sldMasterMk cId="0" sldId="2147485087"/>
-              <pc:sldLayoutMk cId="0" sldId="2147485097"/>
-              <ac:spMk id="6" creationId="{00000000-0000-0000-0000-000000000000}"/>
-            </ac:spMkLst>
-          </pc:spChg>
-        </pc:sldLayoutChg>
-        <pc:sldLayoutChg chg="modSp">
-          <pc:chgData name="Zhao Jin" userId="cd05a825-544c-438a-9ba1-08e63db50b47" providerId="ADAL" clId="{37A0D694-38DA-4421-B5D3-DEDBFC2EC57C}" dt="2021-02-03T06:56:12.527" v="36"/>
-          <pc:sldLayoutMkLst>
-            <pc:docMk/>
-            <pc:sldMasterMk cId="0" sldId="2147485087"/>
-            <pc:sldLayoutMk cId="0" sldId="2147485098"/>
-          </pc:sldLayoutMkLst>
-          <pc:spChg chg="mod">
-            <ac:chgData name="Zhao Jin" userId="cd05a825-544c-438a-9ba1-08e63db50b47" providerId="ADAL" clId="{37A0D694-38DA-4421-B5D3-DEDBFC2EC57C}" dt="2021-02-03T06:56:12.527" v="36"/>
-            <ac:spMkLst>
-              <pc:docMk/>
-              <pc:sldMasterMk cId="0" sldId="2147485087"/>
-              <pc:sldLayoutMk cId="0" sldId="2147485098"/>
-              <ac:spMk id="6" creationId="{00000000-0000-0000-0000-000000000000}"/>
-            </ac:spMkLst>
-          </pc:spChg>
-        </pc:sldLayoutChg>
-      </pc:sldMasterChg>
-    </pc:docChg>
-  </pc:docChgLst>
-  <pc:docChgLst>
-    <pc:chgData name="dcszjin@nus.edu.sg" userId="cd05a825-544c-438a-9ba1-08e63db50b47" providerId="ADAL" clId="{897210F3-2BE0-41A6-8CB5-D028333B376E}"/>
-    <pc:docChg chg="custSel modSld">
-      <pc:chgData name="dcszjin@nus.edu.sg" userId="cd05a825-544c-438a-9ba1-08e63db50b47" providerId="ADAL" clId="{897210F3-2BE0-41A6-8CB5-D028333B376E}" dt="2021-03-01T07:03:29.431" v="0" actId="478"/>
-      <pc:docMkLst>
-        <pc:docMk/>
-      </pc:docMkLst>
-      <pc:sldChg chg="delSp mod">
-        <pc:chgData name="dcszjin@nus.edu.sg" userId="cd05a825-544c-438a-9ba1-08e63db50b47" providerId="ADAL" clId="{897210F3-2BE0-41A6-8CB5-D028333B376E}" dt="2021-03-01T07:03:29.431" v="0" actId="478"/>
-        <pc:sldMkLst>
-          <pc:docMk/>
-          <pc:sldMk cId="2573090601" sldId="546"/>
-        </pc:sldMkLst>
-        <pc:spChg chg="del">
-          <ac:chgData name="dcszjin@nus.edu.sg" userId="cd05a825-544c-438a-9ba1-08e63db50b47" providerId="ADAL" clId="{897210F3-2BE0-41A6-8CB5-D028333B376E}" dt="2021-03-01T07:03:29.431" v="0" actId="478"/>
-          <ac:spMkLst>
-            <pc:docMk/>
-            <pc:sldMk cId="2573090601" sldId="546"/>
-            <ac:spMk id="14340" creationId="{00000000-0000-0000-0000-000000000000}"/>
-          </ac:spMkLst>
-        </pc:spChg>
-      </pc:sldChg>
-    </pc:docChg>
-  </pc:docChgLst>
-  <pc:docChgLst>
-    <pc:chgData name="Zhao Jin" userId="S::dcszjin@nus.edu.sg::cd05a825-544c-438a-9ba1-08e63db50b47" providerId="AD" clId="Web-{66D5AB6E-AF24-491D-9529-2DDB49AD3149}"/>
-    <pc:docChg chg="modSld">
-      <pc:chgData name="Zhao Jin" userId="S::dcszjin@nus.edu.sg::cd05a825-544c-438a-9ba1-08e63db50b47" providerId="AD" clId="Web-{66D5AB6E-AF24-491D-9529-2DDB49AD3149}" dt="2021-01-20T08:43:03.224" v="8" actId="14100"/>
-      <pc:docMkLst>
-        <pc:docMk/>
-      </pc:docMkLst>
-      <pc:sldChg chg="modSp">
-        <pc:chgData name="Zhao Jin" userId="S::dcszjin@nus.edu.sg::cd05a825-544c-438a-9ba1-08e63db50b47" providerId="AD" clId="Web-{66D5AB6E-AF24-491D-9529-2DDB49AD3149}" dt="2021-01-20T08:43:03.224" v="8" actId="14100"/>
-        <pc:sldMkLst>
-          <pc:docMk/>
-          <pc:sldMk cId="901453530" sldId="546"/>
-        </pc:sldMkLst>
-        <pc:spChg chg="mod">
-          <ac:chgData name="Zhao Jin" userId="S::dcszjin@nus.edu.sg::cd05a825-544c-438a-9ba1-08e63db50b47" providerId="AD" clId="Web-{66D5AB6E-AF24-491D-9529-2DDB49AD3149}" dt="2021-01-20T08:43:03.224" v="8" actId="14100"/>
-          <ac:spMkLst>
-            <pc:docMk/>
-            <pc:sldMk cId="901453530" sldId="546"/>
-            <ac:spMk id="9" creationId="{00000000-0000-0000-0000-000000000000}"/>
-          </ac:spMkLst>
-        </pc:spChg>
-        <pc:spChg chg="mod">
-          <ac:chgData name="Zhao Jin" userId="S::dcszjin@nus.edu.sg::cd05a825-544c-438a-9ba1-08e63db50b47" providerId="AD" clId="Web-{66D5AB6E-AF24-491D-9529-2DDB49AD3149}" dt="2021-01-20T08:42:24.723" v="4" actId="1076"/>
-          <ac:spMkLst>
-            <pc:docMk/>
-            <pc:sldMk cId="901453530" sldId="546"/>
-            <ac:spMk id="14" creationId="{00000000-0000-0000-0000-000000000000}"/>
-          </ac:spMkLst>
-        </pc:spChg>
-      </pc:sldChg>
-    </pc:docChg>
-  </pc:docChgLst>
-  <pc:docChgLst>
-    <pc:chgData name="Zhao Jin" userId="cd05a825-544c-438a-9ba1-08e63db50b47" providerId="ADAL" clId="{2BE807F3-0F47-43CE-B222-1F014CD7139F}"/>
-    <pc:docChg chg="modSld">
-      <pc:chgData name="Zhao Jin" userId="cd05a825-544c-438a-9ba1-08e63db50b47" providerId="ADAL" clId="{2BE807F3-0F47-43CE-B222-1F014CD7139F}" dt="2024-01-31T05:38:28.465" v="46" actId="20577"/>
-      <pc:docMkLst>
-        <pc:docMk/>
-      </pc:docMkLst>
-      <pc:sldChg chg="addSp modSp">
-        <pc:chgData name="Zhao Jin" userId="cd05a825-544c-438a-9ba1-08e63db50b47" providerId="ADAL" clId="{2BE807F3-0F47-43CE-B222-1F014CD7139F}" dt="2024-01-31T05:30:28.913" v="0"/>
-        <pc:sldMkLst>
-          <pc:docMk/>
-          <pc:sldMk cId="0" sldId="256"/>
-        </pc:sldMkLst>
-        <pc:spChg chg="add mod">
-          <ac:chgData name="Zhao Jin" userId="cd05a825-544c-438a-9ba1-08e63db50b47" providerId="ADAL" clId="{2BE807F3-0F47-43CE-B222-1F014CD7139F}" dt="2024-01-31T05:30:28.913" v="0"/>
-          <ac:spMkLst>
-            <pc:docMk/>
-            <pc:sldMk cId="0" sldId="256"/>
-            <ac:spMk id="3" creationId="{65E353B6-8C82-C10B-F3A7-B749F8B1627B}"/>
-          </ac:spMkLst>
-        </pc:spChg>
-        <pc:picChg chg="add mod">
-          <ac:chgData name="Zhao Jin" userId="cd05a825-544c-438a-9ba1-08e63db50b47" providerId="ADAL" clId="{2BE807F3-0F47-43CE-B222-1F014CD7139F}" dt="2024-01-31T05:30:28.913" v="0"/>
-          <ac:picMkLst>
-            <pc:docMk/>
-            <pc:sldMk cId="0" sldId="256"/>
-            <ac:picMk id="2" creationId="{58E48105-8220-3696-7E89-AE0B490D8516}"/>
-          </ac:picMkLst>
-        </pc:picChg>
-      </pc:sldChg>
-      <pc:sldChg chg="modSp mod">
-        <pc:chgData name="Zhao Jin" userId="cd05a825-544c-438a-9ba1-08e63db50b47" providerId="ADAL" clId="{2BE807F3-0F47-43CE-B222-1F014CD7139F}" dt="2024-01-31T05:38:28.465" v="46" actId="20577"/>
-        <pc:sldMkLst>
-          <pc:docMk/>
-          <pc:sldMk cId="1067695719" sldId="526"/>
-        </pc:sldMkLst>
-        <pc:spChg chg="mod">
-          <ac:chgData name="Zhao Jin" userId="cd05a825-544c-438a-9ba1-08e63db50b47" providerId="ADAL" clId="{2BE807F3-0F47-43CE-B222-1F014CD7139F}" dt="2024-01-31T05:38:28.465" v="46" actId="20577"/>
-          <ac:spMkLst>
-            <pc:docMk/>
-            <pc:sldMk cId="1067695719" sldId="526"/>
-            <ac:spMk id="13" creationId="{00000000-0000-0000-0000-000000000000}"/>
-          </ac:spMkLst>
-        </pc:spChg>
-      </pc:sldChg>
-    </pc:docChg>
-  </pc:docChgLst>
-  <pc:docChgLst>
-    <pc:chgData name="Zhao Jin" userId="cd05a825-544c-438a-9ba1-08e63db50b47" providerId="ADAL" clId="{CD38D953-E846-244A-835A-192CE52710D4}"/>
-    <pc:docChg chg="undo custSel addSld delSld modSld">
-      <pc:chgData name="Zhao Jin" userId="cd05a825-544c-438a-9ba1-08e63db50b47" providerId="ADAL" clId="{CD38D953-E846-244A-835A-192CE52710D4}" dt="2021-01-25T03:26:17.801" v="482" actId="20577"/>
-      <pc:docMkLst>
-        <pc:docMk/>
-      </pc:docMkLst>
-      <pc:sldChg chg="modSp addAnim delAnim modAnim">
-        <pc:chgData name="Zhao Jin" userId="cd05a825-544c-438a-9ba1-08e63db50b47" providerId="ADAL" clId="{CD38D953-E846-244A-835A-192CE52710D4}" dt="2021-01-25T03:18:14.928" v="172"/>
-        <pc:sldMkLst>
-          <pc:docMk/>
-          <pc:sldMk cId="1311126165" sldId="485"/>
-        </pc:sldMkLst>
-        <pc:spChg chg="mod">
-          <ac:chgData name="Zhao Jin" userId="cd05a825-544c-438a-9ba1-08e63db50b47" providerId="ADAL" clId="{CD38D953-E846-244A-835A-192CE52710D4}" dt="2021-01-25T03:16:30.240" v="159" actId="20577"/>
-          <ac:spMkLst>
-            <pc:docMk/>
-            <pc:sldMk cId="1311126165" sldId="485"/>
-            <ac:spMk id="11" creationId="{00000000-0000-0000-0000-000000000000}"/>
-          </ac:spMkLst>
-        </pc:spChg>
-        <pc:spChg chg="mod">
-          <ac:chgData name="Zhao Jin" userId="cd05a825-544c-438a-9ba1-08e63db50b47" providerId="ADAL" clId="{CD38D953-E846-244A-835A-192CE52710D4}" dt="2021-01-25T03:16:24.406" v="157" actId="1036"/>
-          <ac:spMkLst>
-            <pc:docMk/>
-            <pc:sldMk cId="1311126165" sldId="485"/>
-            <ac:spMk id="12" creationId="{149FB3A4-124F-4FB3-9CA1-6EA45A21DCBC}"/>
-          </ac:spMkLst>
-        </pc:spChg>
-        <pc:spChg chg="mod">
-          <ac:chgData name="Zhao Jin" userId="cd05a825-544c-438a-9ba1-08e63db50b47" providerId="ADAL" clId="{CD38D953-E846-244A-835A-192CE52710D4}" dt="2021-01-25T03:16:24.406" v="157" actId="1036"/>
-          <ac:spMkLst>
-            <pc:docMk/>
-            <pc:sldMk cId="1311126165" sldId="485"/>
-            <ac:spMk id="13" creationId="{24ED3F77-DB19-42FF-90A5-6260114FAC12}"/>
-          </ac:spMkLst>
-        </pc:spChg>
-      </pc:sldChg>
-      <pc:sldChg chg="modSp">
-        <pc:chgData name="Zhao Jin" userId="cd05a825-544c-438a-9ba1-08e63db50b47" providerId="ADAL" clId="{CD38D953-E846-244A-835A-192CE52710D4}" dt="2021-01-25T03:08:51.440" v="84" actId="20577"/>
-        <pc:sldMkLst>
-          <pc:docMk/>
-          <pc:sldMk cId="901453530" sldId="546"/>
-        </pc:sldMkLst>
-        <pc:spChg chg="mod">
-          <ac:chgData name="Zhao Jin" userId="cd05a825-544c-438a-9ba1-08e63db50b47" providerId="ADAL" clId="{CD38D953-E846-244A-835A-192CE52710D4}" dt="2021-01-25T03:08:51.440" v="84" actId="20577"/>
-          <ac:spMkLst>
-            <pc:docMk/>
-            <pc:sldMk cId="901453530" sldId="546"/>
-            <ac:spMk id="8" creationId="{00000000-0000-0000-0000-000000000000}"/>
-          </ac:spMkLst>
-        </pc:spChg>
-      </pc:sldChg>
-      <pc:sldChg chg="modSp">
-        <pc:chgData name="Zhao Jin" userId="cd05a825-544c-438a-9ba1-08e63db50b47" providerId="ADAL" clId="{CD38D953-E846-244A-835A-192CE52710D4}" dt="2021-01-25T03:11:48.514" v="112" actId="207"/>
-        <pc:sldMkLst>
-          <pc:docMk/>
-          <pc:sldMk cId="884841463" sldId="547"/>
-        </pc:sldMkLst>
-        <pc:spChg chg="mod">
-          <ac:chgData name="Zhao Jin" userId="cd05a825-544c-438a-9ba1-08e63db50b47" providerId="ADAL" clId="{CD38D953-E846-244A-835A-192CE52710D4}" dt="2021-01-25T03:11:48.514" v="112" actId="207"/>
-          <ac:spMkLst>
-            <pc:docMk/>
-            <pc:sldMk cId="884841463" sldId="547"/>
-            <ac:spMk id="8" creationId="{00000000-0000-0000-0000-000000000000}"/>
-          </ac:spMkLst>
-        </pc:spChg>
-      </pc:sldChg>
-      <pc:sldChg chg="modSp">
-        <pc:chgData name="Zhao Jin" userId="cd05a825-544c-438a-9ba1-08e63db50b47" providerId="ADAL" clId="{CD38D953-E846-244A-835A-192CE52710D4}" dt="2021-01-25T03:10:55.270" v="107" actId="20577"/>
-        <pc:sldMkLst>
-          <pc:docMk/>
-          <pc:sldMk cId="1617257579" sldId="548"/>
-        </pc:sldMkLst>
-        <pc:spChg chg="mod">
-          <ac:chgData name="Zhao Jin" userId="cd05a825-544c-438a-9ba1-08e63db50b47" providerId="ADAL" clId="{CD38D953-E846-244A-835A-192CE52710D4}" dt="2021-01-25T03:10:55.270" v="107" actId="20577"/>
-          <ac:spMkLst>
-            <pc:docMk/>
-            <pc:sldMk cId="1617257579" sldId="548"/>
-            <ac:spMk id="8" creationId="{00000000-0000-0000-0000-000000000000}"/>
-          </ac:spMkLst>
-        </pc:spChg>
-        <pc:spChg chg="mod">
-          <ac:chgData name="Zhao Jin" userId="cd05a825-544c-438a-9ba1-08e63db50b47" providerId="ADAL" clId="{CD38D953-E846-244A-835A-192CE52710D4}" dt="2021-01-25T03:09:46.206" v="102" actId="1035"/>
-          <ac:spMkLst>
-            <pc:docMk/>
-            <pc:sldMk cId="1617257579" sldId="548"/>
-            <ac:spMk id="9" creationId="{00000000-0000-0000-0000-000000000000}"/>
-          </ac:spMkLst>
-        </pc:spChg>
-      </pc:sldChg>
-      <pc:sldChg chg="addSp delSp modSp delAnim modAnim">
-        <pc:chgData name="Zhao Jin" userId="cd05a825-544c-438a-9ba1-08e63db50b47" providerId="ADAL" clId="{CD38D953-E846-244A-835A-192CE52710D4}" dt="2021-01-25T03:24:05.008" v="382"/>
-        <pc:sldMkLst>
-          <pc:docMk/>
-          <pc:sldMk cId="3394924879" sldId="549"/>
-        </pc:sldMkLst>
-        <pc:spChg chg="mod">
-          <ac:chgData name="Zhao Jin" userId="cd05a825-544c-438a-9ba1-08e63db50b47" providerId="ADAL" clId="{CD38D953-E846-244A-835A-192CE52710D4}" dt="2021-01-25T02:21:10.043" v="62" actId="20577"/>
-          <ac:spMkLst>
-            <pc:docMk/>
-            <pc:sldMk cId="3394924879" sldId="549"/>
-            <ac:spMk id="10" creationId="{00000000-0000-0000-0000-000000000000}"/>
-          </ac:spMkLst>
-        </pc:spChg>
-        <pc:spChg chg="add mod">
-          <ac:chgData name="Zhao Jin" userId="cd05a825-544c-438a-9ba1-08e63db50b47" providerId="ADAL" clId="{CD38D953-E846-244A-835A-192CE52710D4}" dt="2021-01-25T03:23:28.207" v="376" actId="1076"/>
-          <ac:spMkLst>
-            <pc:docMk/>
-            <pc:sldMk cId="3394924879" sldId="549"/>
-            <ac:spMk id="11" creationId="{CF30CDDD-4206-994C-A14B-ADCEC7C6B094}"/>
-          </ac:spMkLst>
-        </pc:spChg>
-        <pc:picChg chg="del">
-          <ac:chgData name="Zhao Jin" userId="cd05a825-544c-438a-9ba1-08e63db50b47" providerId="ADAL" clId="{CD38D953-E846-244A-835A-192CE52710D4}" dt="2021-01-25T03:15:27.398" v="115" actId="478"/>
-          <ac:picMkLst>
-            <pc:docMk/>
-            <pc:sldMk cId="3394924879" sldId="549"/>
-            <ac:picMk id="14" creationId="{9F0342D1-68B4-4418-BA3C-115BA014738F}"/>
-          </ac:picMkLst>
-        </pc:picChg>
-        <pc:picChg chg="add mod">
-          <ac:chgData name="Zhao Jin" userId="cd05a825-544c-438a-9ba1-08e63db50b47" providerId="ADAL" clId="{CD38D953-E846-244A-835A-192CE52710D4}" dt="2021-01-25T03:23:34.931" v="378" actId="1076"/>
-          <ac:picMkLst>
-            <pc:docMk/>
-            <pc:sldMk cId="3394924879" sldId="549"/>
-            <ac:picMk id="16" creationId="{1AA83BD7-4016-DB49-B6DC-C69FB6894961}"/>
-          </ac:picMkLst>
-        </pc:picChg>
-      </pc:sldChg>
-      <pc:sldChg chg="addSp delSp modSp addAnim delAnim modAnim">
-        <pc:chgData name="Zhao Jin" userId="cd05a825-544c-438a-9ba1-08e63db50b47" providerId="ADAL" clId="{CD38D953-E846-244A-835A-192CE52710D4}" dt="2021-01-25T03:26:17.801" v="482" actId="20577"/>
-        <pc:sldMkLst>
-          <pc:docMk/>
-          <pc:sldMk cId="784668950" sldId="550"/>
-        </pc:sldMkLst>
-        <pc:spChg chg="add del">
-          <ac:chgData name="Zhao Jin" userId="cd05a825-544c-438a-9ba1-08e63db50b47" providerId="ADAL" clId="{CD38D953-E846-244A-835A-192CE52710D4}" dt="2021-01-25T03:03:03.116" v="66" actId="478"/>
-          <ac:spMkLst>
-            <pc:docMk/>
-            <pc:sldMk cId="784668950" sldId="550"/>
-            <ac:spMk id="8" creationId="{9BA3CD25-E0A6-43C6-ACBF-2582BD134206}"/>
-          </ac:spMkLst>
-        </pc:spChg>
-        <pc:spChg chg="add del">
-          <ac:chgData name="Zhao Jin" userId="cd05a825-544c-438a-9ba1-08e63db50b47" providerId="ADAL" clId="{CD38D953-E846-244A-835A-192CE52710D4}" dt="2021-01-25T03:03:02.420" v="65"/>
-          <ac:spMkLst>
-            <pc:docMk/>
-            <pc:sldMk cId="784668950" sldId="550"/>
-            <ac:spMk id="9" creationId="{512F67EF-C498-8D43-817A-42B6CE524F76}"/>
-          </ac:spMkLst>
-        </pc:spChg>
-        <pc:spChg chg="add del mod">
-          <ac:chgData name="Zhao Jin" userId="cd05a825-544c-438a-9ba1-08e63db50b47" providerId="ADAL" clId="{CD38D953-E846-244A-835A-192CE52710D4}" dt="2021-01-25T03:26:17.801" v="482" actId="20577"/>
-          <ac:spMkLst>
-            <pc:docMk/>
-            <pc:sldMk cId="784668950" sldId="550"/>
-            <ac:spMk id="10" creationId="{00000000-0000-0000-0000-000000000000}"/>
-          </ac:spMkLst>
-        </pc:spChg>
-      </pc:sldChg>
-      <pc:sldChg chg="addSp delSp modSp add del addAnim delAnim">
-        <pc:chgData name="Zhao Jin" userId="cd05a825-544c-438a-9ba1-08e63db50b47" providerId="ADAL" clId="{CD38D953-E846-244A-835A-192CE52710D4}" dt="2021-01-25T03:08:44.385" v="80" actId="2696"/>
-        <pc:sldMkLst>
-          <pc:docMk/>
-          <pc:sldMk cId="335305844" sldId="551"/>
-        </pc:sldMkLst>
-        <pc:spChg chg="add del">
-          <ac:chgData name="Zhao Jin" userId="cd05a825-544c-438a-9ba1-08e63db50b47" providerId="ADAL" clId="{CD38D953-E846-244A-835A-192CE52710D4}" dt="2021-01-25T03:08:18.867" v="70"/>
-          <ac:spMkLst>
-            <pc:docMk/>
-            <pc:sldMk cId="335305844" sldId="551"/>
-            <ac:spMk id="2" creationId="{DC3EBD9F-7043-2B4B-93E2-27FFDA9DBEA2}"/>
-          </ac:spMkLst>
-        </pc:spChg>
-        <pc:spChg chg="add del mod">
-          <ac:chgData name="Zhao Jin" userId="cd05a825-544c-438a-9ba1-08e63db50b47" providerId="ADAL" clId="{CD38D953-E846-244A-835A-192CE52710D4}" dt="2021-01-25T03:08:32.511" v="77" actId="14100"/>
-          <ac:spMkLst>
-            <pc:docMk/>
-            <pc:sldMk cId="335305844" sldId="551"/>
-            <ac:spMk id="9" creationId="{00000000-0000-0000-0000-000000000000}"/>
-          </ac:spMkLst>
-        </pc:spChg>
-        <pc:spChg chg="add del">
-          <ac:chgData name="Zhao Jin" userId="cd05a825-544c-438a-9ba1-08e63db50b47" providerId="ADAL" clId="{CD38D953-E846-244A-835A-192CE52710D4}" dt="2021-01-25T03:08:34.550" v="78" actId="478"/>
-          <ac:spMkLst>
-            <pc:docMk/>
-            <pc:sldMk cId="335305844" sldId="551"/>
-            <ac:spMk id="10" creationId="{00000000-0000-0000-0000-000000000000}"/>
-          </ac:spMkLst>
-        </pc:spChg>
-        <pc:spChg chg="add del">
-          <ac:chgData name="Zhao Jin" userId="cd05a825-544c-438a-9ba1-08e63db50b47" providerId="ADAL" clId="{CD38D953-E846-244A-835A-192CE52710D4}" dt="2021-01-25T03:08:34.550" v="78" actId="478"/>
-          <ac:spMkLst>
-            <pc:docMk/>
-            <pc:sldMk cId="335305844" sldId="551"/>
-            <ac:spMk id="11" creationId="{D0457CA0-460D-4546-82C4-4CDEB1E2F62C}"/>
-          </ac:spMkLst>
-        </pc:spChg>
-        <pc:spChg chg="add del">
-          <ac:chgData name="Zhao Jin" userId="cd05a825-544c-438a-9ba1-08e63db50b47" providerId="ADAL" clId="{CD38D953-E846-244A-835A-192CE52710D4}" dt="2021-01-25T03:08:34.550" v="78" actId="478"/>
-          <ac:spMkLst>
-            <pc:docMk/>
-            <pc:sldMk cId="335305844" sldId="551"/>
-            <ac:spMk id="14" creationId="{00000000-0000-0000-0000-000000000000}"/>
-          </ac:spMkLst>
-        </pc:spChg>
-        <pc:spChg chg="add del">
-          <ac:chgData name="Zhao Jin" userId="cd05a825-544c-438a-9ba1-08e63db50b47" providerId="ADAL" clId="{CD38D953-E846-244A-835A-192CE52710D4}" dt="2021-01-25T03:08:34.550" v="78" actId="478"/>
-          <ac:spMkLst>
-            <pc:docMk/>
-            <pc:sldMk cId="335305844" sldId="551"/>
-            <ac:spMk id="15" creationId="{7EB43FB0-D261-4751-8823-0A4CC64F83DB}"/>
-          </ac:spMkLst>
-        </pc:spChg>
-        <pc:spChg chg="add del mod">
-          <ac:chgData name="Zhao Jin" userId="cd05a825-544c-438a-9ba1-08e63db50b47" providerId="ADAL" clId="{CD38D953-E846-244A-835A-192CE52710D4}" dt="2021-01-25T03:08:37.712" v="79" actId="20577"/>
-          <ac:spMkLst>
-            <pc:docMk/>
-            <pc:sldMk cId="335305844" sldId="551"/>
-            <ac:spMk id="17" creationId="{196941FF-7411-441D-AE2E-5CF96E80B024}"/>
-          </ac:spMkLst>
-        </pc:spChg>
-        <pc:spChg chg="add del">
-          <ac:chgData name="Zhao Jin" userId="cd05a825-544c-438a-9ba1-08e63db50b47" providerId="ADAL" clId="{CD38D953-E846-244A-835A-192CE52710D4}" dt="2021-01-25T03:08:22.144" v="71" actId="478"/>
-          <ac:spMkLst>
-            <pc:docMk/>
-            <pc:sldMk cId="335305844" sldId="551"/>
-            <ac:spMk id="18" creationId="{FC6CF3F5-B435-44FE-A32E-F676476A0C6D}"/>
-          </ac:spMkLst>
-        </pc:spChg>
       </pc:sldChg>
     </pc:docChg>
   </pc:docChgLst>
@@ -7361,7 +7377,7 @@
               <a:pPr>
                 <a:defRPr/>
               </a:pPr>
-              <a:t>1/31/2024</a:t>
+              <a:t>3/8/2024</a:t>
             </a:fld>
             <a:endParaRPr lang="en-US" dirty="0"/>
           </a:p>
@@ -17836,8 +17852,13 @@
             </a:pPr>
             <a:r>
               <a:rPr lang="en-US" sz="2800" dirty="0"/>
-              <a:t>Problem Set 13-16</a:t>
-            </a:r>
+              <a:t>Problem </a:t>
+            </a:r>
+            <a:r>
+              <a:rPr lang="en-US" sz="2800"/>
+              <a:t>Set 15-17</a:t>
+            </a:r>
+            <a:endParaRPr lang="en-US" sz="2800" dirty="0"/>
           </a:p>
           <a:p>
             <a:pPr marL="342900" indent="-342900">
@@ -17872,10 +17893,9 @@
               <a:buChar char="n"/>
             </a:pPr>
             <a:r>
-              <a:rPr lang="en-US" sz="2800"/>
-              <a:t>Exercise 2</a:t>
-            </a:r>
-            <a:endParaRPr lang="en-US" sz="2800" dirty="0"/>
+              <a:rPr lang="en-US" sz="2800" dirty="0"/>
+              <a:t>Exercise 4</a:t>
+            </a:r>
           </a:p>
           <a:p>
             <a:pPr marL="342900" indent="-342900">
@@ -17911,7 +17931,7 @@
             </a:pPr>
             <a:r>
               <a:rPr lang="en-US" sz="2800" dirty="0"/>
-              <a:t>Midterm Preparation</a:t>
+              <a:t>PE1 Preparation</a:t>
             </a:r>
           </a:p>
           <a:p>
